--- a/doc/tce_protocal_internal.pptx
+++ b/doc/tce_protocal_internal.pptx
@@ -104,6 +104,11 @@
       </a:defRPr>
     </a:lvl9pPr>
   </p:defaultTextStyle>
+  <p:extLst>
+    <p:ext uri="{EFAFB233-063F-42B5-8137-9DF3F51BA10A}">
+      <p15:sldGuideLst xmlns:p15="http://schemas.microsoft.com/office/powerpoint/2012/main"/>
+    </p:ext>
+  </p:extLst>
 </p:presentation>
 </file>
 
@@ -149,10 +154,9 @@
           </a:lstStyle>
           <a:p>
             <a:r>
-              <a:rPr lang="zh-CN" altLang="en-US" smtClean="0"/>
+              <a:rPr lang="zh-CN" altLang="en-US"/>
               <a:t>单击此处编辑母版标题样式</a:t>
             </a:r>
-            <a:endParaRPr lang="zh-CN" altLang="en-US"/>
           </a:p>
         </p:txBody>
       </p:sp>
@@ -214,10 +218,9 @@
           </a:lstStyle>
           <a:p>
             <a:r>
-              <a:rPr lang="zh-CN" altLang="en-US" smtClean="0"/>
+              <a:rPr lang="zh-CN" altLang="en-US"/>
               <a:t>单击此处编辑母版副标题样式</a:t>
             </a:r>
-            <a:endParaRPr lang="zh-CN" altLang="en-US"/>
           </a:p>
         </p:txBody>
       </p:sp>
@@ -238,7 +241,7 @@
           <a:p>
             <a:fld id="{DCB352E4-A803-4722-87B9-F8807506504E}" type="datetimeFigureOut">
               <a:rPr lang="zh-CN" altLang="en-US" smtClean="0"/>
-              <a:t>2016/8/24</a:t>
+              <a:t>2016/8/25</a:t>
             </a:fld>
             <a:endParaRPr lang="zh-CN" altLang="en-US"/>
           </a:p>
@@ -332,10 +335,9 @@
           <a:lstStyle/>
           <a:p>
             <a:r>
-              <a:rPr lang="zh-CN" altLang="en-US" smtClean="0"/>
+              <a:rPr lang="zh-CN" altLang="en-US"/>
               <a:t>单击此处编辑母版标题样式</a:t>
             </a:r>
-            <a:endParaRPr lang="zh-CN" altLang="en-US"/>
           </a:p>
         </p:txBody>
       </p:sp>
@@ -356,38 +358,37 @@
           <a:p>
             <a:pPr lvl="0"/>
             <a:r>
-              <a:rPr lang="zh-CN" altLang="en-US" smtClean="0"/>
+              <a:rPr lang="zh-CN" altLang="en-US"/>
               <a:t>单击此处编辑母版文本样式</a:t>
             </a:r>
           </a:p>
           <a:p>
             <a:pPr lvl="1"/>
             <a:r>
-              <a:rPr lang="zh-CN" altLang="en-US" smtClean="0"/>
+              <a:rPr lang="zh-CN" altLang="en-US"/>
               <a:t>第二级</a:t>
             </a:r>
           </a:p>
           <a:p>
             <a:pPr lvl="2"/>
             <a:r>
-              <a:rPr lang="zh-CN" altLang="en-US" smtClean="0"/>
+              <a:rPr lang="zh-CN" altLang="en-US"/>
               <a:t>第三级</a:t>
             </a:r>
           </a:p>
           <a:p>
             <a:pPr lvl="3"/>
             <a:r>
-              <a:rPr lang="zh-CN" altLang="en-US" smtClean="0"/>
+              <a:rPr lang="zh-CN" altLang="en-US"/>
               <a:t>第四级</a:t>
             </a:r>
           </a:p>
           <a:p>
             <a:pPr lvl="4"/>
             <a:r>
-              <a:rPr lang="zh-CN" altLang="en-US" smtClean="0"/>
+              <a:rPr lang="zh-CN" altLang="en-US"/>
               <a:t>第五级</a:t>
             </a:r>
-            <a:endParaRPr lang="zh-CN" altLang="en-US"/>
           </a:p>
         </p:txBody>
       </p:sp>
@@ -408,7 +409,7 @@
           <a:p>
             <a:fld id="{DCB352E4-A803-4722-87B9-F8807506504E}" type="datetimeFigureOut">
               <a:rPr lang="zh-CN" altLang="en-US" smtClean="0"/>
-              <a:t>2016/8/24</a:t>
+              <a:t>2016/8/25</a:t>
             </a:fld>
             <a:endParaRPr lang="zh-CN" altLang="en-US"/>
           </a:p>
@@ -507,10 +508,9 @@
           <a:lstStyle/>
           <a:p>
             <a:r>
-              <a:rPr lang="zh-CN" altLang="en-US" smtClean="0"/>
+              <a:rPr lang="zh-CN" altLang="en-US"/>
               <a:t>单击此处编辑母版标题样式</a:t>
             </a:r>
-            <a:endParaRPr lang="zh-CN" altLang="en-US"/>
           </a:p>
         </p:txBody>
       </p:sp>
@@ -536,38 +536,37 @@
           <a:p>
             <a:pPr lvl="0"/>
             <a:r>
-              <a:rPr lang="zh-CN" altLang="en-US" smtClean="0"/>
+              <a:rPr lang="zh-CN" altLang="en-US"/>
               <a:t>单击此处编辑母版文本样式</a:t>
             </a:r>
           </a:p>
           <a:p>
             <a:pPr lvl="1"/>
             <a:r>
-              <a:rPr lang="zh-CN" altLang="en-US" smtClean="0"/>
+              <a:rPr lang="zh-CN" altLang="en-US"/>
               <a:t>第二级</a:t>
             </a:r>
           </a:p>
           <a:p>
             <a:pPr lvl="2"/>
             <a:r>
-              <a:rPr lang="zh-CN" altLang="en-US" smtClean="0"/>
+              <a:rPr lang="zh-CN" altLang="en-US"/>
               <a:t>第三级</a:t>
             </a:r>
           </a:p>
           <a:p>
             <a:pPr lvl="3"/>
             <a:r>
-              <a:rPr lang="zh-CN" altLang="en-US" smtClean="0"/>
+              <a:rPr lang="zh-CN" altLang="en-US"/>
               <a:t>第四级</a:t>
             </a:r>
           </a:p>
           <a:p>
             <a:pPr lvl="4"/>
             <a:r>
-              <a:rPr lang="zh-CN" altLang="en-US" smtClean="0"/>
+              <a:rPr lang="zh-CN" altLang="en-US"/>
               <a:t>第五级</a:t>
             </a:r>
-            <a:endParaRPr lang="zh-CN" altLang="en-US"/>
           </a:p>
         </p:txBody>
       </p:sp>
@@ -588,7 +587,7 @@
           <a:p>
             <a:fld id="{DCB352E4-A803-4722-87B9-F8807506504E}" type="datetimeFigureOut">
               <a:rPr lang="zh-CN" altLang="en-US" smtClean="0"/>
-              <a:t>2016/8/24</a:t>
+              <a:t>2016/8/25</a:t>
             </a:fld>
             <a:endParaRPr lang="zh-CN" altLang="en-US"/>
           </a:p>
@@ -682,10 +681,9 @@
           <a:lstStyle/>
           <a:p>
             <a:r>
-              <a:rPr lang="zh-CN" altLang="en-US" smtClean="0"/>
+              <a:rPr lang="zh-CN" altLang="en-US"/>
               <a:t>单击此处编辑母版标题样式</a:t>
             </a:r>
-            <a:endParaRPr lang="zh-CN" altLang="en-US"/>
           </a:p>
         </p:txBody>
       </p:sp>
@@ -706,38 +704,37 @@
           <a:p>
             <a:pPr lvl="0"/>
             <a:r>
-              <a:rPr lang="zh-CN" altLang="en-US" smtClean="0"/>
+              <a:rPr lang="zh-CN" altLang="en-US"/>
               <a:t>单击此处编辑母版文本样式</a:t>
             </a:r>
           </a:p>
           <a:p>
             <a:pPr lvl="1"/>
             <a:r>
-              <a:rPr lang="zh-CN" altLang="en-US" smtClean="0"/>
+              <a:rPr lang="zh-CN" altLang="en-US"/>
               <a:t>第二级</a:t>
             </a:r>
           </a:p>
           <a:p>
             <a:pPr lvl="2"/>
             <a:r>
-              <a:rPr lang="zh-CN" altLang="en-US" smtClean="0"/>
+              <a:rPr lang="zh-CN" altLang="en-US"/>
               <a:t>第三级</a:t>
             </a:r>
           </a:p>
           <a:p>
             <a:pPr lvl="3"/>
             <a:r>
-              <a:rPr lang="zh-CN" altLang="en-US" smtClean="0"/>
+              <a:rPr lang="zh-CN" altLang="en-US"/>
               <a:t>第四级</a:t>
             </a:r>
           </a:p>
           <a:p>
             <a:pPr lvl="4"/>
             <a:r>
-              <a:rPr lang="zh-CN" altLang="en-US" smtClean="0"/>
+              <a:rPr lang="zh-CN" altLang="en-US"/>
               <a:t>第五级</a:t>
             </a:r>
-            <a:endParaRPr lang="zh-CN" altLang="en-US"/>
           </a:p>
         </p:txBody>
       </p:sp>
@@ -758,7 +755,7 @@
           <a:p>
             <a:fld id="{DCB352E4-A803-4722-87B9-F8807506504E}" type="datetimeFigureOut">
               <a:rPr lang="zh-CN" altLang="en-US" smtClean="0"/>
-              <a:t>2016/8/24</a:t>
+              <a:t>2016/8/25</a:t>
             </a:fld>
             <a:endParaRPr lang="zh-CN" altLang="en-US"/>
           </a:p>
@@ -861,10 +858,9 @@
           </a:lstStyle>
           <a:p>
             <a:r>
-              <a:rPr lang="zh-CN" altLang="en-US" smtClean="0"/>
+              <a:rPr lang="zh-CN" altLang="en-US"/>
               <a:t>单击此处编辑母版标题样式</a:t>
             </a:r>
-            <a:endParaRPr lang="zh-CN" altLang="en-US"/>
           </a:p>
         </p:txBody>
       </p:sp>
@@ -981,7 +977,7 @@
           <a:p>
             <a:pPr lvl="0"/>
             <a:r>
-              <a:rPr lang="zh-CN" altLang="en-US" smtClean="0"/>
+              <a:rPr lang="zh-CN" altLang="en-US"/>
               <a:t>单击此处编辑母版文本样式</a:t>
             </a:r>
           </a:p>
@@ -1004,7 +1000,7 @@
           <a:p>
             <a:fld id="{DCB352E4-A803-4722-87B9-F8807506504E}" type="datetimeFigureOut">
               <a:rPr lang="zh-CN" altLang="en-US" smtClean="0"/>
-              <a:t>2016/8/24</a:t>
+              <a:t>2016/8/25</a:t>
             </a:fld>
             <a:endParaRPr lang="zh-CN" altLang="en-US"/>
           </a:p>
@@ -1098,10 +1094,9 @@
           <a:lstStyle/>
           <a:p>
             <a:r>
-              <a:rPr lang="zh-CN" altLang="en-US" smtClean="0"/>
+              <a:rPr lang="zh-CN" altLang="en-US"/>
               <a:t>单击此处编辑母版标题样式</a:t>
             </a:r>
-            <a:endParaRPr lang="zh-CN" altLang="en-US"/>
           </a:p>
         </p:txBody>
       </p:sp>
@@ -1127,38 +1122,37 @@
           <a:p>
             <a:pPr lvl="0"/>
             <a:r>
-              <a:rPr lang="zh-CN" altLang="en-US" smtClean="0"/>
+              <a:rPr lang="zh-CN" altLang="en-US"/>
               <a:t>单击此处编辑母版文本样式</a:t>
             </a:r>
           </a:p>
           <a:p>
             <a:pPr lvl="1"/>
             <a:r>
-              <a:rPr lang="zh-CN" altLang="en-US" smtClean="0"/>
+              <a:rPr lang="zh-CN" altLang="en-US"/>
               <a:t>第二级</a:t>
             </a:r>
           </a:p>
           <a:p>
             <a:pPr lvl="2"/>
             <a:r>
-              <a:rPr lang="zh-CN" altLang="en-US" smtClean="0"/>
+              <a:rPr lang="zh-CN" altLang="en-US"/>
               <a:t>第三级</a:t>
             </a:r>
           </a:p>
           <a:p>
             <a:pPr lvl="3"/>
             <a:r>
-              <a:rPr lang="zh-CN" altLang="en-US" smtClean="0"/>
+              <a:rPr lang="zh-CN" altLang="en-US"/>
               <a:t>第四级</a:t>
             </a:r>
           </a:p>
           <a:p>
             <a:pPr lvl="4"/>
             <a:r>
-              <a:rPr lang="zh-CN" altLang="en-US" smtClean="0"/>
+              <a:rPr lang="zh-CN" altLang="en-US"/>
               <a:t>第五级</a:t>
             </a:r>
-            <a:endParaRPr lang="zh-CN" altLang="en-US"/>
           </a:p>
         </p:txBody>
       </p:sp>
@@ -1184,38 +1178,37 @@
           <a:p>
             <a:pPr lvl="0"/>
             <a:r>
-              <a:rPr lang="zh-CN" altLang="en-US" smtClean="0"/>
+              <a:rPr lang="zh-CN" altLang="en-US"/>
               <a:t>单击此处编辑母版文本样式</a:t>
             </a:r>
           </a:p>
           <a:p>
             <a:pPr lvl="1"/>
             <a:r>
-              <a:rPr lang="zh-CN" altLang="en-US" smtClean="0"/>
+              <a:rPr lang="zh-CN" altLang="en-US"/>
               <a:t>第二级</a:t>
             </a:r>
           </a:p>
           <a:p>
             <a:pPr lvl="2"/>
             <a:r>
-              <a:rPr lang="zh-CN" altLang="en-US" smtClean="0"/>
+              <a:rPr lang="zh-CN" altLang="en-US"/>
               <a:t>第三级</a:t>
             </a:r>
           </a:p>
           <a:p>
             <a:pPr lvl="3"/>
             <a:r>
-              <a:rPr lang="zh-CN" altLang="en-US" smtClean="0"/>
+              <a:rPr lang="zh-CN" altLang="en-US"/>
               <a:t>第四级</a:t>
             </a:r>
           </a:p>
           <a:p>
             <a:pPr lvl="4"/>
             <a:r>
-              <a:rPr lang="zh-CN" altLang="en-US" smtClean="0"/>
+              <a:rPr lang="zh-CN" altLang="en-US"/>
               <a:t>第五级</a:t>
             </a:r>
-            <a:endParaRPr lang="zh-CN" altLang="en-US"/>
           </a:p>
         </p:txBody>
       </p:sp>
@@ -1236,7 +1229,7 @@
           <a:p>
             <a:fld id="{DCB352E4-A803-4722-87B9-F8807506504E}" type="datetimeFigureOut">
               <a:rPr lang="zh-CN" altLang="en-US" smtClean="0"/>
-              <a:t>2016/8/24</a:t>
+              <a:t>2016/8/25</a:t>
             </a:fld>
             <a:endParaRPr lang="zh-CN" altLang="en-US"/>
           </a:p>
@@ -1335,10 +1328,9 @@
           <a:lstStyle/>
           <a:p>
             <a:r>
-              <a:rPr lang="zh-CN" altLang="en-US" smtClean="0"/>
+              <a:rPr lang="zh-CN" altLang="en-US"/>
               <a:t>单击此处编辑母版标题样式</a:t>
             </a:r>
-            <a:endParaRPr lang="zh-CN" altLang="en-US"/>
           </a:p>
         </p:txBody>
       </p:sp>
@@ -1401,7 +1393,7 @@
           <a:p>
             <a:pPr lvl="0"/>
             <a:r>
-              <a:rPr lang="zh-CN" altLang="en-US" smtClean="0"/>
+              <a:rPr lang="zh-CN" altLang="en-US"/>
               <a:t>单击此处编辑母版文本样式</a:t>
             </a:r>
           </a:p>
@@ -1429,38 +1421,37 @@
           <a:p>
             <a:pPr lvl="0"/>
             <a:r>
-              <a:rPr lang="zh-CN" altLang="en-US" smtClean="0"/>
+              <a:rPr lang="zh-CN" altLang="en-US"/>
               <a:t>单击此处编辑母版文本样式</a:t>
             </a:r>
           </a:p>
           <a:p>
             <a:pPr lvl="1"/>
             <a:r>
-              <a:rPr lang="zh-CN" altLang="en-US" smtClean="0"/>
+              <a:rPr lang="zh-CN" altLang="en-US"/>
               <a:t>第二级</a:t>
             </a:r>
           </a:p>
           <a:p>
             <a:pPr lvl="2"/>
             <a:r>
-              <a:rPr lang="zh-CN" altLang="en-US" smtClean="0"/>
+              <a:rPr lang="zh-CN" altLang="en-US"/>
               <a:t>第三级</a:t>
             </a:r>
           </a:p>
           <a:p>
             <a:pPr lvl="3"/>
             <a:r>
-              <a:rPr lang="zh-CN" altLang="en-US" smtClean="0"/>
+              <a:rPr lang="zh-CN" altLang="en-US"/>
               <a:t>第四级</a:t>
             </a:r>
           </a:p>
           <a:p>
             <a:pPr lvl="4"/>
             <a:r>
-              <a:rPr lang="zh-CN" altLang="en-US" smtClean="0"/>
+              <a:rPr lang="zh-CN" altLang="en-US"/>
               <a:t>第五级</a:t>
             </a:r>
-            <a:endParaRPr lang="zh-CN" altLang="en-US"/>
           </a:p>
         </p:txBody>
       </p:sp>
@@ -1523,7 +1514,7 @@
           <a:p>
             <a:pPr lvl="0"/>
             <a:r>
-              <a:rPr lang="zh-CN" altLang="en-US" smtClean="0"/>
+              <a:rPr lang="zh-CN" altLang="en-US"/>
               <a:t>单击此处编辑母版文本样式</a:t>
             </a:r>
           </a:p>
@@ -1551,38 +1542,37 @@
           <a:p>
             <a:pPr lvl="0"/>
             <a:r>
-              <a:rPr lang="zh-CN" altLang="en-US" smtClean="0"/>
+              <a:rPr lang="zh-CN" altLang="en-US"/>
               <a:t>单击此处编辑母版文本样式</a:t>
             </a:r>
           </a:p>
           <a:p>
             <a:pPr lvl="1"/>
             <a:r>
-              <a:rPr lang="zh-CN" altLang="en-US" smtClean="0"/>
+              <a:rPr lang="zh-CN" altLang="en-US"/>
               <a:t>第二级</a:t>
             </a:r>
           </a:p>
           <a:p>
             <a:pPr lvl="2"/>
             <a:r>
-              <a:rPr lang="zh-CN" altLang="en-US" smtClean="0"/>
+              <a:rPr lang="zh-CN" altLang="en-US"/>
               <a:t>第三级</a:t>
             </a:r>
           </a:p>
           <a:p>
             <a:pPr lvl="3"/>
             <a:r>
-              <a:rPr lang="zh-CN" altLang="en-US" smtClean="0"/>
+              <a:rPr lang="zh-CN" altLang="en-US"/>
               <a:t>第四级</a:t>
             </a:r>
           </a:p>
           <a:p>
             <a:pPr lvl="4"/>
             <a:r>
-              <a:rPr lang="zh-CN" altLang="en-US" smtClean="0"/>
+              <a:rPr lang="zh-CN" altLang="en-US"/>
               <a:t>第五级</a:t>
             </a:r>
-            <a:endParaRPr lang="zh-CN" altLang="en-US"/>
           </a:p>
         </p:txBody>
       </p:sp>
@@ -1603,7 +1593,7 @@
           <a:p>
             <a:fld id="{DCB352E4-A803-4722-87B9-F8807506504E}" type="datetimeFigureOut">
               <a:rPr lang="zh-CN" altLang="en-US" smtClean="0"/>
-              <a:t>2016/8/24</a:t>
+              <a:t>2016/8/25</a:t>
             </a:fld>
             <a:endParaRPr lang="zh-CN" altLang="en-US"/>
           </a:p>
@@ -1697,10 +1687,9 @@
           <a:lstStyle/>
           <a:p>
             <a:r>
-              <a:rPr lang="zh-CN" altLang="en-US" smtClean="0"/>
+              <a:rPr lang="zh-CN" altLang="en-US"/>
               <a:t>单击此处编辑母版标题样式</a:t>
             </a:r>
-            <a:endParaRPr lang="zh-CN" altLang="en-US"/>
           </a:p>
         </p:txBody>
       </p:sp>
@@ -1721,7 +1710,7 @@
           <a:p>
             <a:fld id="{DCB352E4-A803-4722-87B9-F8807506504E}" type="datetimeFigureOut">
               <a:rPr lang="zh-CN" altLang="en-US" smtClean="0"/>
-              <a:t>2016/8/24</a:t>
+              <a:t>2016/8/25</a:t>
             </a:fld>
             <a:endParaRPr lang="zh-CN" altLang="en-US"/>
           </a:p>
@@ -1816,7 +1805,7 @@
           <a:p>
             <a:fld id="{DCB352E4-A803-4722-87B9-F8807506504E}" type="datetimeFigureOut">
               <a:rPr lang="zh-CN" altLang="en-US" smtClean="0"/>
-              <a:t>2016/8/24</a:t>
+              <a:t>2016/8/25</a:t>
             </a:fld>
             <a:endParaRPr lang="zh-CN" altLang="en-US"/>
           </a:p>
@@ -1919,10 +1908,9 @@
           </a:lstStyle>
           <a:p>
             <a:r>
-              <a:rPr lang="zh-CN" altLang="en-US" smtClean="0"/>
+              <a:rPr lang="zh-CN" altLang="en-US"/>
               <a:t>单击此处编辑母版标题样式</a:t>
             </a:r>
-            <a:endParaRPr lang="zh-CN" altLang="en-US"/>
           </a:p>
         </p:txBody>
       </p:sp>
@@ -1976,38 +1964,37 @@
           <a:p>
             <a:pPr lvl="0"/>
             <a:r>
-              <a:rPr lang="zh-CN" altLang="en-US" smtClean="0"/>
+              <a:rPr lang="zh-CN" altLang="en-US"/>
               <a:t>单击此处编辑母版文本样式</a:t>
             </a:r>
           </a:p>
           <a:p>
             <a:pPr lvl="1"/>
             <a:r>
-              <a:rPr lang="zh-CN" altLang="en-US" smtClean="0"/>
+              <a:rPr lang="zh-CN" altLang="en-US"/>
               <a:t>第二级</a:t>
             </a:r>
           </a:p>
           <a:p>
             <a:pPr lvl="2"/>
             <a:r>
-              <a:rPr lang="zh-CN" altLang="en-US" smtClean="0"/>
+              <a:rPr lang="zh-CN" altLang="en-US"/>
               <a:t>第三级</a:t>
             </a:r>
           </a:p>
           <a:p>
             <a:pPr lvl="3"/>
             <a:r>
-              <a:rPr lang="zh-CN" altLang="en-US" smtClean="0"/>
+              <a:rPr lang="zh-CN" altLang="en-US"/>
               <a:t>第四级</a:t>
             </a:r>
           </a:p>
           <a:p>
             <a:pPr lvl="4"/>
             <a:r>
-              <a:rPr lang="zh-CN" altLang="en-US" smtClean="0"/>
+              <a:rPr lang="zh-CN" altLang="en-US"/>
               <a:t>第五级</a:t>
             </a:r>
-            <a:endParaRPr lang="zh-CN" altLang="en-US"/>
           </a:p>
         </p:txBody>
       </p:sp>
@@ -2070,7 +2057,7 @@
           <a:p>
             <a:pPr lvl="0"/>
             <a:r>
-              <a:rPr lang="zh-CN" altLang="en-US" smtClean="0"/>
+              <a:rPr lang="zh-CN" altLang="en-US"/>
               <a:t>单击此处编辑母版文本样式</a:t>
             </a:r>
           </a:p>
@@ -2093,7 +2080,7 @@
           <a:p>
             <a:fld id="{DCB352E4-A803-4722-87B9-F8807506504E}" type="datetimeFigureOut">
               <a:rPr lang="zh-CN" altLang="en-US" smtClean="0"/>
-              <a:t>2016/8/24</a:t>
+              <a:t>2016/8/25</a:t>
             </a:fld>
             <a:endParaRPr lang="zh-CN" altLang="en-US"/>
           </a:p>
@@ -2196,10 +2183,9 @@
           </a:lstStyle>
           <a:p>
             <a:r>
-              <a:rPr lang="zh-CN" altLang="en-US" smtClean="0"/>
+              <a:rPr lang="zh-CN" altLang="en-US"/>
               <a:t>单击此处编辑母版标题样式</a:t>
             </a:r>
-            <a:endParaRPr lang="zh-CN" altLang="en-US"/>
           </a:p>
         </p:txBody>
       </p:sp>
@@ -2323,7 +2309,7 @@
           <a:p>
             <a:pPr lvl="0"/>
             <a:r>
-              <a:rPr lang="zh-CN" altLang="en-US" smtClean="0"/>
+              <a:rPr lang="zh-CN" altLang="en-US"/>
               <a:t>单击此处编辑母版文本样式</a:t>
             </a:r>
           </a:p>
@@ -2346,7 +2332,7 @@
           <a:p>
             <a:fld id="{DCB352E4-A803-4722-87B9-F8807506504E}" type="datetimeFigureOut">
               <a:rPr lang="zh-CN" altLang="en-US" smtClean="0"/>
-              <a:t>2016/8/24</a:t>
+              <a:t>2016/8/25</a:t>
             </a:fld>
             <a:endParaRPr lang="zh-CN" altLang="en-US"/>
           </a:p>
@@ -2455,10 +2441,9 @@
           <a:lstStyle/>
           <a:p>
             <a:r>
-              <a:rPr lang="zh-CN" altLang="en-US" smtClean="0"/>
+              <a:rPr lang="zh-CN" altLang="en-US"/>
               <a:t>单击此处编辑母版标题样式</a:t>
             </a:r>
-            <a:endParaRPr lang="zh-CN" altLang="en-US"/>
           </a:p>
         </p:txBody>
       </p:sp>
@@ -2489,38 +2474,37 @@
           <a:p>
             <a:pPr lvl="0"/>
             <a:r>
-              <a:rPr lang="zh-CN" altLang="en-US" smtClean="0"/>
+              <a:rPr lang="zh-CN" altLang="en-US"/>
               <a:t>单击此处编辑母版文本样式</a:t>
             </a:r>
           </a:p>
           <a:p>
             <a:pPr lvl="1"/>
             <a:r>
-              <a:rPr lang="zh-CN" altLang="en-US" smtClean="0"/>
+              <a:rPr lang="zh-CN" altLang="en-US"/>
               <a:t>第二级</a:t>
             </a:r>
           </a:p>
           <a:p>
             <a:pPr lvl="2"/>
             <a:r>
-              <a:rPr lang="zh-CN" altLang="en-US" smtClean="0"/>
+              <a:rPr lang="zh-CN" altLang="en-US"/>
               <a:t>第三级</a:t>
             </a:r>
           </a:p>
           <a:p>
             <a:pPr lvl="3"/>
             <a:r>
-              <a:rPr lang="zh-CN" altLang="en-US" smtClean="0"/>
+              <a:rPr lang="zh-CN" altLang="en-US"/>
               <a:t>第四级</a:t>
             </a:r>
           </a:p>
           <a:p>
             <a:pPr lvl="4"/>
             <a:r>
-              <a:rPr lang="zh-CN" altLang="en-US" smtClean="0"/>
+              <a:rPr lang="zh-CN" altLang="en-US"/>
               <a:t>第五级</a:t>
             </a:r>
-            <a:endParaRPr lang="zh-CN" altLang="en-US"/>
           </a:p>
         </p:txBody>
       </p:sp>
@@ -2559,7 +2543,7 @@
           <a:p>
             <a:fld id="{DCB352E4-A803-4722-87B9-F8807506504E}" type="datetimeFigureOut">
               <a:rPr lang="zh-CN" altLang="en-US" smtClean="0"/>
-              <a:t>2016/8/24</a:t>
+              <a:t>2016/8/25</a:t>
             </a:fld>
             <a:endParaRPr lang="zh-CN" altLang="en-US"/>
           </a:p>
@@ -2964,785 +2948,740 @@
           <a:chExt cx="0" cy="0"/>
         </a:xfrm>
       </p:grpSpPr>
-      <p:grpSp>
-        <p:nvGrpSpPr>
-          <p:cNvPr id="38" name="组合 37"/>
-          <p:cNvGrpSpPr/>
+      <p:sp>
+        <p:nvSpPr>
+          <p:cNvPr id="5" name="矩形 4"/>
+          <p:cNvSpPr/>
           <p:nvPr/>
-        </p:nvGrpSpPr>
-        <p:grpSpPr>
-          <a:xfrm>
-            <a:off x="2804459" y="2111555"/>
-            <a:ext cx="5985846" cy="2325261"/>
-            <a:chOff x="2804459" y="2111555"/>
-            <a:chExt cx="5985846" cy="2325261"/>
-          </a:xfrm>
-        </p:grpSpPr>
-        <p:sp>
-          <p:nvSpPr>
-            <p:cNvPr id="5" name="矩形 4"/>
-            <p:cNvSpPr/>
-            <p:nvPr/>
-          </p:nvSpPr>
-          <p:spPr>
-            <a:xfrm>
-              <a:off x="3022473" y="2909316"/>
-              <a:ext cx="685800" cy="512064"/>
-            </a:xfrm>
-            <a:prstGeom prst="rect">
-              <a:avLst/>
-            </a:prstGeom>
-          </p:spPr>
-          <p:style>
-            <a:lnRef idx="2">
-              <a:schemeClr val="accent1"/>
-            </a:lnRef>
-            <a:fillRef idx="1">
-              <a:schemeClr val="lt1"/>
-            </a:fillRef>
-            <a:effectRef idx="0">
-              <a:schemeClr val="accent1"/>
-            </a:effectRef>
-            <a:fontRef idx="minor">
-              <a:schemeClr val="dk1"/>
-            </a:fontRef>
-          </p:style>
-          <p:txBody>
-            <a:bodyPr rtlCol="0" anchor="ctr"/>
-            <a:lstStyle/>
-            <a:p>
-              <a:pPr algn="ctr"/>
-              <a:r>
-                <a:rPr lang="en-US" altLang="zh-CN" dirty="0" smtClean="0"/>
-                <a:t>4</a:t>
-              </a:r>
-              <a:endParaRPr lang="zh-CN" altLang="en-US" dirty="0"/>
-            </a:p>
-          </p:txBody>
-        </p:sp>
-        <p:sp>
-          <p:nvSpPr>
-            <p:cNvPr id="6" name="矩形 5"/>
-            <p:cNvSpPr/>
-            <p:nvPr/>
-          </p:nvSpPr>
-          <p:spPr>
-            <a:xfrm>
-              <a:off x="3708273" y="2909316"/>
-              <a:ext cx="685800" cy="512064"/>
-            </a:xfrm>
-            <a:prstGeom prst="rect">
-              <a:avLst/>
-            </a:prstGeom>
-          </p:spPr>
-          <p:style>
-            <a:lnRef idx="2">
-              <a:schemeClr val="accent1"/>
-            </a:lnRef>
-            <a:fillRef idx="1">
-              <a:schemeClr val="lt1"/>
-            </a:fillRef>
-            <a:effectRef idx="0">
-              <a:schemeClr val="accent1"/>
-            </a:effectRef>
-            <a:fontRef idx="minor">
-              <a:schemeClr val="dk1"/>
-            </a:fontRef>
-          </p:style>
-          <p:txBody>
-            <a:bodyPr rtlCol="0" anchor="ctr"/>
-            <a:lstStyle/>
-            <a:p>
-              <a:pPr algn="ctr"/>
-              <a:r>
-                <a:rPr lang="en-US" altLang="zh-CN" dirty="0" smtClean="0"/>
-                <a:t>4</a:t>
-              </a:r>
-              <a:endParaRPr lang="zh-CN" altLang="en-US" dirty="0"/>
-            </a:p>
-          </p:txBody>
-        </p:sp>
-        <p:sp>
-          <p:nvSpPr>
-            <p:cNvPr id="7" name="矩形 6"/>
-            <p:cNvSpPr/>
-            <p:nvPr/>
-          </p:nvSpPr>
-          <p:spPr>
-            <a:xfrm>
-              <a:off x="4394073" y="2909316"/>
-              <a:ext cx="685800" cy="512064"/>
-            </a:xfrm>
-            <a:prstGeom prst="rect">
-              <a:avLst/>
-            </a:prstGeom>
-          </p:spPr>
-          <p:style>
-            <a:lnRef idx="2">
-              <a:schemeClr val="accent1"/>
-            </a:lnRef>
-            <a:fillRef idx="1">
-              <a:schemeClr val="lt1"/>
-            </a:fillRef>
-            <a:effectRef idx="0">
-              <a:schemeClr val="accent1"/>
-            </a:effectRef>
-            <a:fontRef idx="minor">
-              <a:schemeClr val="dk1"/>
-            </a:fontRef>
-          </p:style>
-          <p:txBody>
-            <a:bodyPr rtlCol="0" anchor="ctr"/>
-            <a:lstStyle/>
-            <a:p>
-              <a:pPr algn="ctr"/>
-              <a:r>
-                <a:rPr lang="en-US" altLang="zh-CN" dirty="0"/>
-                <a:t>1</a:t>
-              </a:r>
-              <a:endParaRPr lang="zh-CN" altLang="en-US" dirty="0"/>
-            </a:p>
-          </p:txBody>
-        </p:sp>
-        <p:sp>
-          <p:nvSpPr>
-            <p:cNvPr id="8" name="矩形 7"/>
-            <p:cNvSpPr/>
-            <p:nvPr/>
-          </p:nvSpPr>
-          <p:spPr>
-            <a:xfrm>
-              <a:off x="5079873" y="2909316"/>
-              <a:ext cx="685800" cy="512064"/>
-            </a:xfrm>
-            <a:prstGeom prst="rect">
-              <a:avLst/>
-            </a:prstGeom>
-          </p:spPr>
-          <p:style>
-            <a:lnRef idx="2">
-              <a:schemeClr val="accent1"/>
-            </a:lnRef>
-            <a:fillRef idx="1">
-              <a:schemeClr val="lt1"/>
-            </a:fillRef>
-            <a:effectRef idx="0">
-              <a:schemeClr val="accent1"/>
-            </a:effectRef>
-            <a:fontRef idx="minor">
-              <a:schemeClr val="dk1"/>
-            </a:fontRef>
-          </p:style>
-          <p:txBody>
-            <a:bodyPr rtlCol="0" anchor="ctr"/>
-            <a:lstStyle/>
-            <a:p>
-              <a:pPr algn="ctr"/>
-              <a:r>
-                <a:rPr lang="en-US" altLang="zh-CN" dirty="0"/>
-                <a:t>1</a:t>
-              </a:r>
-              <a:endParaRPr lang="zh-CN" altLang="en-US" dirty="0"/>
-            </a:p>
-          </p:txBody>
-        </p:sp>
-        <p:sp>
-          <p:nvSpPr>
-            <p:cNvPr id="9" name="矩形 8"/>
-            <p:cNvSpPr/>
-            <p:nvPr/>
-          </p:nvSpPr>
-          <p:spPr>
-            <a:xfrm>
-              <a:off x="5765673" y="2909316"/>
-              <a:ext cx="685800" cy="512064"/>
-            </a:xfrm>
-            <a:prstGeom prst="rect">
-              <a:avLst/>
-            </a:prstGeom>
-          </p:spPr>
-          <p:style>
-            <a:lnRef idx="2">
-              <a:schemeClr val="accent1"/>
-            </a:lnRef>
-            <a:fillRef idx="1">
-              <a:schemeClr val="lt1"/>
-            </a:fillRef>
-            <a:effectRef idx="0">
-              <a:schemeClr val="accent1"/>
-            </a:effectRef>
-            <a:fontRef idx="minor">
-              <a:schemeClr val="dk1"/>
-            </a:fontRef>
-          </p:style>
-          <p:txBody>
-            <a:bodyPr rtlCol="0" anchor="ctr"/>
-            <a:lstStyle/>
-            <a:p>
-              <a:pPr algn="ctr"/>
-              <a:r>
-                <a:rPr lang="en-US" altLang="zh-CN" dirty="0" smtClean="0"/>
-                <a:t>4</a:t>
-              </a:r>
-              <a:endParaRPr lang="zh-CN" altLang="en-US" dirty="0"/>
-            </a:p>
-          </p:txBody>
-        </p:sp>
-        <p:sp>
-          <p:nvSpPr>
-            <p:cNvPr id="10" name="文本框 9"/>
-            <p:cNvSpPr txBox="1"/>
-            <p:nvPr/>
-          </p:nvSpPr>
-          <p:spPr>
-            <a:xfrm>
-              <a:off x="3030601" y="3750564"/>
-              <a:ext cx="675185" cy="338554"/>
-            </a:xfrm>
-            <a:prstGeom prst="rect">
-              <a:avLst/>
-            </a:prstGeom>
-            <a:noFill/>
-          </p:spPr>
-          <p:txBody>
-            <a:bodyPr wrap="none" rtlCol="0">
-              <a:spAutoFit/>
-            </a:bodyPr>
-            <a:lstStyle/>
-            <a:p>
-              <a:r>
-                <a:rPr lang="en-US" altLang="zh-CN" sz="1600" dirty="0" smtClean="0"/>
-                <a:t>magic</a:t>
-              </a:r>
-              <a:endParaRPr lang="zh-CN" altLang="en-US" sz="1600" dirty="0"/>
-            </a:p>
-          </p:txBody>
-        </p:sp>
-        <p:sp>
-          <p:nvSpPr>
-            <p:cNvPr id="11" name="文本框 10"/>
-            <p:cNvSpPr txBox="1"/>
-            <p:nvPr/>
-          </p:nvSpPr>
-          <p:spPr>
-            <a:xfrm>
-              <a:off x="3708273" y="4098262"/>
-              <a:ext cx="701026" cy="338554"/>
-            </a:xfrm>
-            <a:prstGeom prst="rect">
-              <a:avLst/>
-            </a:prstGeom>
-            <a:noFill/>
-          </p:spPr>
-          <p:txBody>
-            <a:bodyPr wrap="none" rtlCol="0">
-              <a:spAutoFit/>
-            </a:bodyPr>
-            <a:lstStyle/>
-            <a:p>
-              <a:r>
-                <a:rPr lang="en-US" altLang="zh-CN" sz="1600" dirty="0" err="1" smtClean="0"/>
-                <a:t>p_size</a:t>
-              </a:r>
-              <a:endParaRPr lang="zh-CN" altLang="en-US" sz="1600" dirty="0"/>
-            </a:p>
-          </p:txBody>
-        </p:sp>
-        <p:sp>
-          <p:nvSpPr>
-            <p:cNvPr id="12" name="文本框 11"/>
-            <p:cNvSpPr txBox="1"/>
-            <p:nvPr/>
-          </p:nvSpPr>
-          <p:spPr>
-            <a:xfrm>
-              <a:off x="4310789" y="3657642"/>
-              <a:ext cx="981744" cy="338554"/>
-            </a:xfrm>
-            <a:prstGeom prst="rect">
-              <a:avLst/>
-            </a:prstGeom>
-            <a:noFill/>
-          </p:spPr>
-          <p:txBody>
-            <a:bodyPr wrap="none" rtlCol="0">
-              <a:spAutoFit/>
-            </a:bodyPr>
-            <a:lstStyle/>
-            <a:p>
-              <a:r>
-                <a:rPr lang="en-US" altLang="zh-CN" sz="1600" dirty="0" smtClean="0"/>
-                <a:t>compress</a:t>
-              </a:r>
-              <a:endParaRPr lang="zh-CN" altLang="en-US" sz="1600" dirty="0"/>
-            </a:p>
-          </p:txBody>
-        </p:sp>
-        <p:sp>
-          <p:nvSpPr>
-            <p:cNvPr id="13" name="文本框 12"/>
-            <p:cNvSpPr txBox="1"/>
-            <p:nvPr/>
-          </p:nvSpPr>
-          <p:spPr>
-            <a:xfrm>
-              <a:off x="5017718" y="4089118"/>
-              <a:ext cx="822789" cy="338554"/>
-            </a:xfrm>
-            <a:prstGeom prst="rect">
-              <a:avLst/>
-            </a:prstGeom>
-            <a:noFill/>
-          </p:spPr>
-          <p:txBody>
-            <a:bodyPr wrap="none" rtlCol="0">
-              <a:spAutoFit/>
-            </a:bodyPr>
-            <a:lstStyle/>
-            <a:p>
-              <a:r>
-                <a:rPr lang="en-US" altLang="zh-CN" sz="1600" dirty="0" smtClean="0"/>
-                <a:t>encrypt</a:t>
-              </a:r>
-              <a:endParaRPr lang="zh-CN" altLang="en-US" sz="1600" dirty="0"/>
-            </a:p>
-          </p:txBody>
-        </p:sp>
-        <p:sp>
-          <p:nvSpPr>
-            <p:cNvPr id="14" name="文本框 13"/>
-            <p:cNvSpPr txBox="1"/>
-            <p:nvPr/>
-          </p:nvSpPr>
-          <p:spPr>
-            <a:xfrm>
-              <a:off x="5765673" y="3826651"/>
-              <a:ext cx="789896" cy="338554"/>
-            </a:xfrm>
-            <a:prstGeom prst="rect">
-              <a:avLst/>
-            </a:prstGeom>
-            <a:noFill/>
-          </p:spPr>
-          <p:txBody>
-            <a:bodyPr wrap="none" rtlCol="0">
-              <a:spAutoFit/>
-            </a:bodyPr>
-            <a:lstStyle/>
-            <a:p>
-              <a:r>
-                <a:rPr lang="en-US" altLang="zh-CN" sz="1600" dirty="0" smtClean="0"/>
-                <a:t>version</a:t>
-              </a:r>
-              <a:endParaRPr lang="zh-CN" altLang="en-US" sz="1600" dirty="0"/>
-            </a:p>
-          </p:txBody>
-        </p:sp>
-        <p:cxnSp>
-          <p:nvCxnSpPr>
-            <p:cNvPr id="18" name="直接连接符 17"/>
-            <p:cNvCxnSpPr>
-              <a:stCxn id="10" idx="0"/>
-              <a:endCxn id="5" idx="2"/>
-            </p:cNvCxnSpPr>
-            <p:nvPr/>
-          </p:nvCxnSpPr>
-          <p:spPr>
-            <a:xfrm flipH="1" flipV="1">
-              <a:off x="3365373" y="3421380"/>
-              <a:ext cx="2821" cy="329184"/>
-            </a:xfrm>
-            <a:prstGeom prst="line">
-              <a:avLst/>
-            </a:prstGeom>
-          </p:spPr>
-          <p:style>
-            <a:lnRef idx="1">
-              <a:schemeClr val="accent1"/>
-            </a:lnRef>
-            <a:fillRef idx="0">
-              <a:schemeClr val="accent1"/>
-            </a:fillRef>
-            <a:effectRef idx="0">
-              <a:schemeClr val="accent1"/>
-            </a:effectRef>
-            <a:fontRef idx="minor">
-              <a:schemeClr val="tx1"/>
-            </a:fontRef>
-          </p:style>
-        </p:cxnSp>
-        <p:cxnSp>
-          <p:nvCxnSpPr>
-            <p:cNvPr id="19" name="直接连接符 18"/>
-            <p:cNvCxnSpPr>
-              <a:stCxn id="11" idx="0"/>
-            </p:cNvCxnSpPr>
-            <p:nvPr/>
-          </p:nvCxnSpPr>
-          <p:spPr>
-            <a:xfrm flipH="1" flipV="1">
-              <a:off x="4055966" y="3429508"/>
-              <a:ext cx="2820" cy="668754"/>
-            </a:xfrm>
-            <a:prstGeom prst="line">
-              <a:avLst/>
-            </a:prstGeom>
-          </p:spPr>
-          <p:style>
-            <a:lnRef idx="1">
-              <a:schemeClr val="accent1"/>
-            </a:lnRef>
-            <a:fillRef idx="0">
-              <a:schemeClr val="accent1"/>
-            </a:fillRef>
-            <a:effectRef idx="0">
-              <a:schemeClr val="accent1"/>
-            </a:effectRef>
-            <a:fontRef idx="minor">
-              <a:schemeClr val="tx1"/>
-            </a:fontRef>
-          </p:style>
-        </p:cxnSp>
-        <p:cxnSp>
-          <p:nvCxnSpPr>
-            <p:cNvPr id="21" name="直接连接符 20"/>
-            <p:cNvCxnSpPr/>
-            <p:nvPr/>
-          </p:nvCxnSpPr>
-          <p:spPr>
-            <a:xfrm flipV="1">
-              <a:off x="4741766" y="3416187"/>
-              <a:ext cx="0" cy="347698"/>
-            </a:xfrm>
-            <a:prstGeom prst="line">
-              <a:avLst/>
-            </a:prstGeom>
-          </p:spPr>
-          <p:style>
-            <a:lnRef idx="1">
-              <a:schemeClr val="accent1"/>
-            </a:lnRef>
-            <a:fillRef idx="0">
-              <a:schemeClr val="accent1"/>
-            </a:fillRef>
-            <a:effectRef idx="0">
-              <a:schemeClr val="accent1"/>
-            </a:effectRef>
-            <a:fontRef idx="minor">
-              <a:schemeClr val="tx1"/>
-            </a:fontRef>
-          </p:style>
-        </p:cxnSp>
-        <p:cxnSp>
-          <p:nvCxnSpPr>
-            <p:cNvPr id="22" name="直接连接符 21"/>
-            <p:cNvCxnSpPr/>
-            <p:nvPr/>
-          </p:nvCxnSpPr>
-          <p:spPr>
-            <a:xfrm flipV="1">
-              <a:off x="6108573" y="3438426"/>
-              <a:ext cx="0" cy="389354"/>
-            </a:xfrm>
-            <a:prstGeom prst="line">
-              <a:avLst/>
-            </a:prstGeom>
-          </p:spPr>
-          <p:style>
-            <a:lnRef idx="1">
-              <a:schemeClr val="accent1"/>
-            </a:lnRef>
-            <a:fillRef idx="0">
-              <a:schemeClr val="accent1"/>
-            </a:fillRef>
-            <a:effectRef idx="0">
-              <a:schemeClr val="accent1"/>
-            </a:effectRef>
-            <a:fontRef idx="minor">
-              <a:schemeClr val="tx1"/>
-            </a:fontRef>
-          </p:style>
-        </p:cxnSp>
-        <p:cxnSp>
-          <p:nvCxnSpPr>
-            <p:cNvPr id="24" name="直接连接符 23"/>
-            <p:cNvCxnSpPr>
-              <a:stCxn id="13" idx="0"/>
-              <a:endCxn id="8" idx="2"/>
-            </p:cNvCxnSpPr>
-            <p:nvPr/>
-          </p:nvCxnSpPr>
-          <p:spPr>
-            <a:xfrm flipH="1" flipV="1">
-              <a:off x="5422773" y="3421380"/>
-              <a:ext cx="6340" cy="667738"/>
-            </a:xfrm>
-            <a:prstGeom prst="line">
-              <a:avLst/>
-            </a:prstGeom>
-          </p:spPr>
-          <p:style>
-            <a:lnRef idx="1">
-              <a:schemeClr val="accent1"/>
-            </a:lnRef>
-            <a:fillRef idx="0">
-              <a:schemeClr val="accent1"/>
-            </a:fillRef>
-            <a:effectRef idx="0">
-              <a:schemeClr val="accent1"/>
-            </a:effectRef>
-            <a:fontRef idx="minor">
-              <a:schemeClr val="tx1"/>
-            </a:fontRef>
-          </p:style>
-        </p:cxnSp>
-        <p:sp>
-          <p:nvSpPr>
-            <p:cNvPr id="25" name="矩形 24"/>
-            <p:cNvSpPr/>
-            <p:nvPr/>
-          </p:nvSpPr>
-          <p:spPr>
-            <a:xfrm>
-              <a:off x="6451473" y="2909316"/>
-              <a:ext cx="2338832" cy="512064"/>
-            </a:xfrm>
-            <a:prstGeom prst="rect">
-              <a:avLst/>
-            </a:prstGeom>
-          </p:spPr>
-          <p:style>
-            <a:lnRef idx="2">
-              <a:schemeClr val="accent2"/>
-            </a:lnRef>
-            <a:fillRef idx="1">
-              <a:schemeClr val="lt1"/>
-            </a:fillRef>
-            <a:effectRef idx="0">
-              <a:schemeClr val="accent2"/>
-            </a:effectRef>
-            <a:fontRef idx="minor">
-              <a:schemeClr val="dk1"/>
-            </a:fontRef>
-          </p:style>
-          <p:txBody>
-            <a:bodyPr rtlCol="0" anchor="ctr"/>
-            <a:lstStyle/>
-            <a:p>
-              <a:pPr algn="ctr"/>
-              <a:r>
-                <a:rPr lang="en-US" altLang="zh-CN" dirty="0" smtClean="0"/>
-                <a:t>payload</a:t>
-              </a:r>
-              <a:endParaRPr lang="zh-CN" altLang="en-US" dirty="0"/>
-            </a:p>
-          </p:txBody>
-        </p:sp>
-        <p:sp>
-          <p:nvSpPr>
-            <p:cNvPr id="30" name="文本框 29"/>
-            <p:cNvSpPr txBox="1"/>
-            <p:nvPr/>
-          </p:nvSpPr>
-          <p:spPr>
-            <a:xfrm>
-              <a:off x="2804459" y="3958313"/>
-              <a:ext cx="907621" cy="261610"/>
-            </a:xfrm>
-            <a:prstGeom prst="rect">
-              <a:avLst/>
-            </a:prstGeom>
-            <a:noFill/>
-          </p:spPr>
-          <p:txBody>
-            <a:bodyPr wrap="none" rtlCol="0">
-              <a:spAutoFit/>
-            </a:bodyPr>
-            <a:lstStyle/>
-            <a:p>
-              <a:r>
-                <a:rPr lang="en-US" altLang="zh-CN" sz="1050" dirty="0" smtClean="0">
-                  <a:solidFill>
-                    <a:schemeClr val="accent1">
-                      <a:lumMod val="75000"/>
-                    </a:schemeClr>
-                  </a:solidFill>
-                </a:rPr>
-                <a:t>0xEFD2BB99</a:t>
-              </a:r>
-              <a:endParaRPr lang="zh-CN" altLang="en-US" sz="1050" dirty="0">
+        </p:nvSpPr>
+        <p:spPr>
+          <a:xfrm>
+            <a:off x="1462614" y="2201104"/>
+            <a:ext cx="685800" cy="512064"/>
+          </a:xfrm>
+          <a:prstGeom prst="rect">
+            <a:avLst/>
+          </a:prstGeom>
+        </p:spPr>
+        <p:style>
+          <a:lnRef idx="2">
+            <a:schemeClr val="accent1"/>
+          </a:lnRef>
+          <a:fillRef idx="1">
+            <a:schemeClr val="lt1"/>
+          </a:fillRef>
+          <a:effectRef idx="0">
+            <a:schemeClr val="accent1"/>
+          </a:effectRef>
+          <a:fontRef idx="minor">
+            <a:schemeClr val="dk1"/>
+          </a:fontRef>
+        </p:style>
+        <p:txBody>
+          <a:bodyPr rtlCol="0" anchor="ctr"/>
+          <a:lstStyle/>
+          <a:p>
+            <a:pPr algn="ctr"/>
+            <a:r>
+              <a:rPr lang="en-US" altLang="zh-CN" dirty="0"/>
+              <a:t>4</a:t>
+            </a:r>
+            <a:endParaRPr lang="zh-CN" altLang="en-US" dirty="0"/>
+          </a:p>
+        </p:txBody>
+      </p:sp>
+      <p:sp>
+        <p:nvSpPr>
+          <p:cNvPr id="6" name="矩形 5"/>
+          <p:cNvSpPr/>
+          <p:nvPr/>
+        </p:nvSpPr>
+        <p:spPr>
+          <a:xfrm>
+            <a:off x="2148414" y="2201104"/>
+            <a:ext cx="685800" cy="512064"/>
+          </a:xfrm>
+          <a:prstGeom prst="rect">
+            <a:avLst/>
+          </a:prstGeom>
+        </p:spPr>
+        <p:style>
+          <a:lnRef idx="2">
+            <a:schemeClr val="accent1"/>
+          </a:lnRef>
+          <a:fillRef idx="1">
+            <a:schemeClr val="lt1"/>
+          </a:fillRef>
+          <a:effectRef idx="0">
+            <a:schemeClr val="accent1"/>
+          </a:effectRef>
+          <a:fontRef idx="minor">
+            <a:schemeClr val="dk1"/>
+          </a:fontRef>
+        </p:style>
+        <p:txBody>
+          <a:bodyPr rtlCol="0" anchor="ctr"/>
+          <a:lstStyle/>
+          <a:p>
+            <a:pPr algn="ctr"/>
+            <a:r>
+              <a:rPr lang="en-US" altLang="zh-CN" dirty="0"/>
+              <a:t>4</a:t>
+            </a:r>
+            <a:endParaRPr lang="zh-CN" altLang="en-US" dirty="0"/>
+          </a:p>
+        </p:txBody>
+      </p:sp>
+      <p:sp>
+        <p:nvSpPr>
+          <p:cNvPr id="7" name="矩形 6"/>
+          <p:cNvSpPr/>
+          <p:nvPr/>
+        </p:nvSpPr>
+        <p:spPr>
+          <a:xfrm>
+            <a:off x="2834214" y="2201104"/>
+            <a:ext cx="685800" cy="512064"/>
+          </a:xfrm>
+          <a:prstGeom prst="rect">
+            <a:avLst/>
+          </a:prstGeom>
+        </p:spPr>
+        <p:style>
+          <a:lnRef idx="2">
+            <a:schemeClr val="accent1"/>
+          </a:lnRef>
+          <a:fillRef idx="1">
+            <a:schemeClr val="lt1"/>
+          </a:fillRef>
+          <a:effectRef idx="0">
+            <a:schemeClr val="accent1"/>
+          </a:effectRef>
+          <a:fontRef idx="minor">
+            <a:schemeClr val="dk1"/>
+          </a:fontRef>
+        </p:style>
+        <p:txBody>
+          <a:bodyPr rtlCol="0" anchor="ctr"/>
+          <a:lstStyle/>
+          <a:p>
+            <a:pPr algn="ctr"/>
+            <a:r>
+              <a:rPr lang="en-US" altLang="zh-CN" dirty="0"/>
+              <a:t>1</a:t>
+            </a:r>
+            <a:endParaRPr lang="zh-CN" altLang="en-US" dirty="0"/>
+          </a:p>
+        </p:txBody>
+      </p:sp>
+      <p:sp>
+        <p:nvSpPr>
+          <p:cNvPr id="8" name="矩形 7"/>
+          <p:cNvSpPr/>
+          <p:nvPr/>
+        </p:nvSpPr>
+        <p:spPr>
+          <a:xfrm>
+            <a:off x="3520014" y="2201104"/>
+            <a:ext cx="685800" cy="512064"/>
+          </a:xfrm>
+          <a:prstGeom prst="rect">
+            <a:avLst/>
+          </a:prstGeom>
+        </p:spPr>
+        <p:style>
+          <a:lnRef idx="2">
+            <a:schemeClr val="accent1"/>
+          </a:lnRef>
+          <a:fillRef idx="1">
+            <a:schemeClr val="lt1"/>
+          </a:fillRef>
+          <a:effectRef idx="0">
+            <a:schemeClr val="accent1"/>
+          </a:effectRef>
+          <a:fontRef idx="minor">
+            <a:schemeClr val="dk1"/>
+          </a:fontRef>
+        </p:style>
+        <p:txBody>
+          <a:bodyPr rtlCol="0" anchor="ctr"/>
+          <a:lstStyle/>
+          <a:p>
+            <a:pPr algn="ctr"/>
+            <a:r>
+              <a:rPr lang="en-US" altLang="zh-CN" dirty="0"/>
+              <a:t>1</a:t>
+            </a:r>
+            <a:endParaRPr lang="zh-CN" altLang="en-US" dirty="0"/>
+          </a:p>
+        </p:txBody>
+      </p:sp>
+      <p:sp>
+        <p:nvSpPr>
+          <p:cNvPr id="9" name="矩形 8"/>
+          <p:cNvSpPr/>
+          <p:nvPr/>
+        </p:nvSpPr>
+        <p:spPr>
+          <a:xfrm>
+            <a:off x="4205814" y="2201104"/>
+            <a:ext cx="685800" cy="512064"/>
+          </a:xfrm>
+          <a:prstGeom prst="rect">
+            <a:avLst/>
+          </a:prstGeom>
+        </p:spPr>
+        <p:style>
+          <a:lnRef idx="2">
+            <a:schemeClr val="accent1"/>
+          </a:lnRef>
+          <a:fillRef idx="1">
+            <a:schemeClr val="lt1"/>
+          </a:fillRef>
+          <a:effectRef idx="0">
+            <a:schemeClr val="accent1"/>
+          </a:effectRef>
+          <a:fontRef idx="minor">
+            <a:schemeClr val="dk1"/>
+          </a:fontRef>
+        </p:style>
+        <p:txBody>
+          <a:bodyPr rtlCol="0" anchor="ctr"/>
+          <a:lstStyle/>
+          <a:p>
+            <a:pPr algn="ctr"/>
+            <a:r>
+              <a:rPr lang="en-US" altLang="zh-CN" dirty="0"/>
+              <a:t>4</a:t>
+            </a:r>
+            <a:endParaRPr lang="zh-CN" altLang="en-US" dirty="0"/>
+          </a:p>
+        </p:txBody>
+      </p:sp>
+      <p:sp>
+        <p:nvSpPr>
+          <p:cNvPr id="10" name="文本框 9"/>
+          <p:cNvSpPr txBox="1"/>
+          <p:nvPr/>
+        </p:nvSpPr>
+        <p:spPr>
+          <a:xfrm>
+            <a:off x="1470742" y="3042352"/>
+            <a:ext cx="675185" cy="338554"/>
+          </a:xfrm>
+          <a:prstGeom prst="rect">
+            <a:avLst/>
+          </a:prstGeom>
+          <a:noFill/>
+        </p:spPr>
+        <p:txBody>
+          <a:bodyPr wrap="none" rtlCol="0">
+            <a:spAutoFit/>
+          </a:bodyPr>
+          <a:lstStyle/>
+          <a:p>
+            <a:r>
+              <a:rPr lang="en-US" altLang="zh-CN" sz="1600" dirty="0"/>
+              <a:t>magic</a:t>
+            </a:r>
+            <a:endParaRPr lang="zh-CN" altLang="en-US" sz="1600" dirty="0"/>
+          </a:p>
+        </p:txBody>
+      </p:sp>
+      <p:sp>
+        <p:nvSpPr>
+          <p:cNvPr id="11" name="文本框 10"/>
+          <p:cNvSpPr txBox="1"/>
+          <p:nvPr/>
+        </p:nvSpPr>
+        <p:spPr>
+          <a:xfrm>
+            <a:off x="2148414" y="3390050"/>
+            <a:ext cx="701026" cy="338554"/>
+          </a:xfrm>
+          <a:prstGeom prst="rect">
+            <a:avLst/>
+          </a:prstGeom>
+          <a:noFill/>
+        </p:spPr>
+        <p:txBody>
+          <a:bodyPr wrap="none" rtlCol="0">
+            <a:spAutoFit/>
+          </a:bodyPr>
+          <a:lstStyle/>
+          <a:p>
+            <a:r>
+              <a:rPr lang="en-US" altLang="zh-CN" sz="1600" dirty="0" err="1"/>
+              <a:t>p_size</a:t>
+            </a:r>
+            <a:endParaRPr lang="zh-CN" altLang="en-US" sz="1600" dirty="0"/>
+          </a:p>
+        </p:txBody>
+      </p:sp>
+      <p:sp>
+        <p:nvSpPr>
+          <p:cNvPr id="12" name="文本框 11"/>
+          <p:cNvSpPr txBox="1"/>
+          <p:nvPr/>
+        </p:nvSpPr>
+        <p:spPr>
+          <a:xfrm>
+            <a:off x="2750930" y="2949430"/>
+            <a:ext cx="981744" cy="338554"/>
+          </a:xfrm>
+          <a:prstGeom prst="rect">
+            <a:avLst/>
+          </a:prstGeom>
+          <a:noFill/>
+        </p:spPr>
+        <p:txBody>
+          <a:bodyPr wrap="none" rtlCol="0">
+            <a:spAutoFit/>
+          </a:bodyPr>
+          <a:lstStyle/>
+          <a:p>
+            <a:r>
+              <a:rPr lang="en-US" altLang="zh-CN" sz="1600" dirty="0"/>
+              <a:t>compress</a:t>
+            </a:r>
+            <a:endParaRPr lang="zh-CN" altLang="en-US" sz="1600" dirty="0"/>
+          </a:p>
+        </p:txBody>
+      </p:sp>
+      <p:sp>
+        <p:nvSpPr>
+          <p:cNvPr id="13" name="文本框 12"/>
+          <p:cNvSpPr txBox="1"/>
+          <p:nvPr/>
+        </p:nvSpPr>
+        <p:spPr>
+          <a:xfrm>
+            <a:off x="3457859" y="3380906"/>
+            <a:ext cx="822789" cy="338554"/>
+          </a:xfrm>
+          <a:prstGeom prst="rect">
+            <a:avLst/>
+          </a:prstGeom>
+          <a:noFill/>
+        </p:spPr>
+        <p:txBody>
+          <a:bodyPr wrap="none" rtlCol="0">
+            <a:spAutoFit/>
+          </a:bodyPr>
+          <a:lstStyle/>
+          <a:p>
+            <a:r>
+              <a:rPr lang="en-US" altLang="zh-CN" sz="1600" dirty="0"/>
+              <a:t>encrypt</a:t>
+            </a:r>
+            <a:endParaRPr lang="zh-CN" altLang="en-US" sz="1600" dirty="0"/>
+          </a:p>
+        </p:txBody>
+      </p:sp>
+      <p:sp>
+        <p:nvSpPr>
+          <p:cNvPr id="14" name="文本框 13"/>
+          <p:cNvSpPr txBox="1"/>
+          <p:nvPr/>
+        </p:nvSpPr>
+        <p:spPr>
+          <a:xfrm>
+            <a:off x="4205814" y="3118439"/>
+            <a:ext cx="789896" cy="338554"/>
+          </a:xfrm>
+          <a:prstGeom prst="rect">
+            <a:avLst/>
+          </a:prstGeom>
+          <a:noFill/>
+        </p:spPr>
+        <p:txBody>
+          <a:bodyPr wrap="none" rtlCol="0">
+            <a:spAutoFit/>
+          </a:bodyPr>
+          <a:lstStyle/>
+          <a:p>
+            <a:r>
+              <a:rPr lang="en-US" altLang="zh-CN" sz="1600" dirty="0"/>
+              <a:t>version</a:t>
+            </a:r>
+            <a:endParaRPr lang="zh-CN" altLang="en-US" sz="1600" dirty="0"/>
+          </a:p>
+        </p:txBody>
+      </p:sp>
+      <p:cxnSp>
+        <p:nvCxnSpPr>
+          <p:cNvPr id="18" name="直接连接符 17"/>
+          <p:cNvCxnSpPr>
+            <a:stCxn id="10" idx="0"/>
+            <a:endCxn id="5" idx="2"/>
+          </p:cNvCxnSpPr>
+          <p:nvPr/>
+        </p:nvCxnSpPr>
+        <p:spPr>
+          <a:xfrm flipH="1" flipV="1">
+            <a:off x="1805514" y="2713168"/>
+            <a:ext cx="2821" cy="329184"/>
+          </a:xfrm>
+          <a:prstGeom prst="line">
+            <a:avLst/>
+          </a:prstGeom>
+        </p:spPr>
+        <p:style>
+          <a:lnRef idx="1">
+            <a:schemeClr val="accent1"/>
+          </a:lnRef>
+          <a:fillRef idx="0">
+            <a:schemeClr val="accent1"/>
+          </a:fillRef>
+          <a:effectRef idx="0">
+            <a:schemeClr val="accent1"/>
+          </a:effectRef>
+          <a:fontRef idx="minor">
+            <a:schemeClr val="tx1"/>
+          </a:fontRef>
+        </p:style>
+      </p:cxnSp>
+      <p:cxnSp>
+        <p:nvCxnSpPr>
+          <p:cNvPr id="19" name="直接连接符 18"/>
+          <p:cNvCxnSpPr>
+            <a:stCxn id="11" idx="0"/>
+          </p:cNvCxnSpPr>
+          <p:nvPr/>
+        </p:nvCxnSpPr>
+        <p:spPr>
+          <a:xfrm flipH="1" flipV="1">
+            <a:off x="2496107" y="2721296"/>
+            <a:ext cx="2820" cy="668754"/>
+          </a:xfrm>
+          <a:prstGeom prst="line">
+            <a:avLst/>
+          </a:prstGeom>
+        </p:spPr>
+        <p:style>
+          <a:lnRef idx="1">
+            <a:schemeClr val="accent1"/>
+          </a:lnRef>
+          <a:fillRef idx="0">
+            <a:schemeClr val="accent1"/>
+          </a:fillRef>
+          <a:effectRef idx="0">
+            <a:schemeClr val="accent1"/>
+          </a:effectRef>
+          <a:fontRef idx="minor">
+            <a:schemeClr val="tx1"/>
+          </a:fontRef>
+        </p:style>
+      </p:cxnSp>
+      <p:cxnSp>
+        <p:nvCxnSpPr>
+          <p:cNvPr id="21" name="直接连接符 20"/>
+          <p:cNvCxnSpPr/>
+          <p:nvPr/>
+        </p:nvCxnSpPr>
+        <p:spPr>
+          <a:xfrm flipV="1">
+            <a:off x="3181907" y="2707975"/>
+            <a:ext cx="0" cy="347698"/>
+          </a:xfrm>
+          <a:prstGeom prst="line">
+            <a:avLst/>
+          </a:prstGeom>
+        </p:spPr>
+        <p:style>
+          <a:lnRef idx="1">
+            <a:schemeClr val="accent1"/>
+          </a:lnRef>
+          <a:fillRef idx="0">
+            <a:schemeClr val="accent1"/>
+          </a:fillRef>
+          <a:effectRef idx="0">
+            <a:schemeClr val="accent1"/>
+          </a:effectRef>
+          <a:fontRef idx="minor">
+            <a:schemeClr val="tx1"/>
+          </a:fontRef>
+        </p:style>
+      </p:cxnSp>
+      <p:cxnSp>
+        <p:nvCxnSpPr>
+          <p:cNvPr id="22" name="直接连接符 21"/>
+          <p:cNvCxnSpPr/>
+          <p:nvPr/>
+        </p:nvCxnSpPr>
+        <p:spPr>
+          <a:xfrm flipV="1">
+            <a:off x="4548714" y="2730214"/>
+            <a:ext cx="0" cy="389354"/>
+          </a:xfrm>
+          <a:prstGeom prst="line">
+            <a:avLst/>
+          </a:prstGeom>
+        </p:spPr>
+        <p:style>
+          <a:lnRef idx="1">
+            <a:schemeClr val="accent1"/>
+          </a:lnRef>
+          <a:fillRef idx="0">
+            <a:schemeClr val="accent1"/>
+          </a:fillRef>
+          <a:effectRef idx="0">
+            <a:schemeClr val="accent1"/>
+          </a:effectRef>
+          <a:fontRef idx="minor">
+            <a:schemeClr val="tx1"/>
+          </a:fontRef>
+        </p:style>
+      </p:cxnSp>
+      <p:cxnSp>
+        <p:nvCxnSpPr>
+          <p:cNvPr id="24" name="直接连接符 23"/>
+          <p:cNvCxnSpPr>
+            <a:stCxn id="13" idx="0"/>
+            <a:endCxn id="8" idx="2"/>
+          </p:cNvCxnSpPr>
+          <p:nvPr/>
+        </p:nvCxnSpPr>
+        <p:spPr>
+          <a:xfrm flipH="1" flipV="1">
+            <a:off x="3862914" y="2713168"/>
+            <a:ext cx="6340" cy="667738"/>
+          </a:xfrm>
+          <a:prstGeom prst="line">
+            <a:avLst/>
+          </a:prstGeom>
+        </p:spPr>
+        <p:style>
+          <a:lnRef idx="1">
+            <a:schemeClr val="accent1"/>
+          </a:lnRef>
+          <a:fillRef idx="0">
+            <a:schemeClr val="accent1"/>
+          </a:fillRef>
+          <a:effectRef idx="0">
+            <a:schemeClr val="accent1"/>
+          </a:effectRef>
+          <a:fontRef idx="minor">
+            <a:schemeClr val="tx1"/>
+          </a:fontRef>
+        </p:style>
+      </p:cxnSp>
+      <p:sp>
+        <p:nvSpPr>
+          <p:cNvPr id="25" name="矩形 24"/>
+          <p:cNvSpPr/>
+          <p:nvPr/>
+        </p:nvSpPr>
+        <p:spPr>
+          <a:xfrm>
+            <a:off x="4891614" y="2201104"/>
+            <a:ext cx="2338832" cy="512064"/>
+          </a:xfrm>
+          <a:prstGeom prst="rect">
+            <a:avLst/>
+          </a:prstGeom>
+        </p:spPr>
+        <p:style>
+          <a:lnRef idx="2">
+            <a:schemeClr val="accent2"/>
+          </a:lnRef>
+          <a:fillRef idx="1">
+            <a:schemeClr val="lt1"/>
+          </a:fillRef>
+          <a:effectRef idx="0">
+            <a:schemeClr val="accent2"/>
+          </a:effectRef>
+          <a:fontRef idx="minor">
+            <a:schemeClr val="dk1"/>
+          </a:fontRef>
+        </p:style>
+        <p:txBody>
+          <a:bodyPr rtlCol="0" anchor="ctr"/>
+          <a:lstStyle/>
+          <a:p>
+            <a:pPr algn="ctr"/>
+            <a:r>
+              <a:rPr lang="en-US" altLang="zh-CN" dirty="0"/>
+              <a:t>payload</a:t>
+            </a:r>
+            <a:endParaRPr lang="zh-CN" altLang="en-US" dirty="0"/>
+          </a:p>
+        </p:txBody>
+      </p:sp>
+      <p:sp>
+        <p:nvSpPr>
+          <p:cNvPr id="30" name="文本框 29"/>
+          <p:cNvSpPr txBox="1"/>
+          <p:nvPr/>
+        </p:nvSpPr>
+        <p:spPr>
+          <a:xfrm>
+            <a:off x="1244600" y="3250101"/>
+            <a:ext cx="907621" cy="261610"/>
+          </a:xfrm>
+          <a:prstGeom prst="rect">
+            <a:avLst/>
+          </a:prstGeom>
+          <a:noFill/>
+        </p:spPr>
+        <p:txBody>
+          <a:bodyPr wrap="none" rtlCol="0">
+            <a:spAutoFit/>
+          </a:bodyPr>
+          <a:lstStyle/>
+          <a:p>
+            <a:r>
+              <a:rPr lang="en-US" altLang="zh-CN" sz="1050" dirty="0">
                 <a:solidFill>
                   <a:schemeClr val="accent1">
                     <a:lumMod val="75000"/>
                   </a:schemeClr>
                 </a:solidFill>
-              </a:endParaRPr>
-            </a:p>
-          </p:txBody>
-        </p:sp>
-        <p:sp>
-          <p:nvSpPr>
-            <p:cNvPr id="32" name="文本框 31"/>
-            <p:cNvSpPr txBox="1"/>
-            <p:nvPr/>
-          </p:nvSpPr>
-          <p:spPr>
-            <a:xfrm>
-              <a:off x="4381949" y="3885675"/>
-              <a:ext cx="769763" cy="253916"/>
-            </a:xfrm>
-            <a:prstGeom prst="rect">
-              <a:avLst/>
-            </a:prstGeom>
-            <a:noFill/>
-          </p:spPr>
-          <p:txBody>
-            <a:bodyPr wrap="none" rtlCol="0">
-              <a:spAutoFit/>
-            </a:bodyPr>
-            <a:lstStyle/>
-            <a:p>
-              <a:r>
-                <a:rPr lang="en-US" altLang="zh-CN" sz="1050" dirty="0" smtClean="0">
-                  <a:solidFill>
-                    <a:schemeClr val="accent1">
-                      <a:lumMod val="75000"/>
-                    </a:schemeClr>
-                  </a:solidFill>
-                </a:rPr>
-                <a:t>ZLIB/BZIP2</a:t>
-              </a:r>
-              <a:endParaRPr lang="zh-CN" altLang="en-US" sz="1050" dirty="0">
+              </a:rPr>
+              <a:t>0xEFD2BB99</a:t>
+            </a:r>
+            <a:endParaRPr lang="zh-CN" altLang="en-US" sz="1050" dirty="0">
+              <a:solidFill>
+                <a:schemeClr val="accent1">
+                  <a:lumMod val="75000"/>
+                </a:schemeClr>
+              </a:solidFill>
+            </a:endParaRPr>
+          </a:p>
+        </p:txBody>
+      </p:sp>
+      <p:sp>
+        <p:nvSpPr>
+          <p:cNvPr id="32" name="文本框 31"/>
+          <p:cNvSpPr txBox="1"/>
+          <p:nvPr/>
+        </p:nvSpPr>
+        <p:spPr>
+          <a:xfrm>
+            <a:off x="2822090" y="3177463"/>
+            <a:ext cx="769763" cy="253916"/>
+          </a:xfrm>
+          <a:prstGeom prst="rect">
+            <a:avLst/>
+          </a:prstGeom>
+          <a:noFill/>
+        </p:spPr>
+        <p:txBody>
+          <a:bodyPr wrap="none" rtlCol="0">
+            <a:spAutoFit/>
+          </a:bodyPr>
+          <a:lstStyle/>
+          <a:p>
+            <a:r>
+              <a:rPr lang="en-US" altLang="zh-CN" sz="1050" dirty="0">
                 <a:solidFill>
                   <a:schemeClr val="accent1">
                     <a:lumMod val="75000"/>
                   </a:schemeClr>
                 </a:solidFill>
-              </a:endParaRPr>
-            </a:p>
-          </p:txBody>
-        </p:sp>
-        <p:sp>
-          <p:nvSpPr>
-            <p:cNvPr id="33" name="文本框 32"/>
-            <p:cNvSpPr txBox="1"/>
-            <p:nvPr/>
-          </p:nvSpPr>
-          <p:spPr>
-            <a:xfrm>
-              <a:off x="5787481" y="4075120"/>
-              <a:ext cx="862737" cy="253916"/>
-            </a:xfrm>
-            <a:prstGeom prst="rect">
-              <a:avLst/>
-            </a:prstGeom>
-            <a:noFill/>
-          </p:spPr>
-          <p:txBody>
-            <a:bodyPr wrap="none" rtlCol="0">
-              <a:spAutoFit/>
-            </a:bodyPr>
-            <a:lstStyle/>
-            <a:p>
-              <a:r>
-                <a:rPr lang="en-US" altLang="zh-CN" sz="1050" dirty="0" smtClean="0">
-                  <a:solidFill>
-                    <a:schemeClr val="accent1">
-                      <a:lumMod val="75000"/>
-                    </a:schemeClr>
-                  </a:solidFill>
-                </a:rPr>
-                <a:t>0x00000100</a:t>
-              </a:r>
-              <a:endParaRPr lang="zh-CN" altLang="en-US" sz="1050" dirty="0">
+              </a:rPr>
+              <a:t>ZLIB/BZIP2</a:t>
+            </a:r>
+            <a:endParaRPr lang="zh-CN" altLang="en-US" sz="1050" dirty="0">
+              <a:solidFill>
+                <a:schemeClr val="accent1">
+                  <a:lumMod val="75000"/>
+                </a:schemeClr>
+              </a:solidFill>
+            </a:endParaRPr>
+          </a:p>
+        </p:txBody>
+      </p:sp>
+      <p:sp>
+        <p:nvSpPr>
+          <p:cNvPr id="33" name="文本框 32"/>
+          <p:cNvSpPr txBox="1"/>
+          <p:nvPr/>
+        </p:nvSpPr>
+        <p:spPr>
+          <a:xfrm>
+            <a:off x="4227622" y="3366908"/>
+            <a:ext cx="862737" cy="253916"/>
+          </a:xfrm>
+          <a:prstGeom prst="rect">
+            <a:avLst/>
+          </a:prstGeom>
+          <a:noFill/>
+        </p:spPr>
+        <p:txBody>
+          <a:bodyPr wrap="none" rtlCol="0">
+            <a:spAutoFit/>
+          </a:bodyPr>
+          <a:lstStyle/>
+          <a:p>
+            <a:r>
+              <a:rPr lang="en-US" altLang="zh-CN" sz="1050" dirty="0">
                 <a:solidFill>
                   <a:schemeClr val="accent1">
                     <a:lumMod val="75000"/>
                   </a:schemeClr>
                 </a:solidFill>
-              </a:endParaRPr>
-            </a:p>
-          </p:txBody>
-        </p:sp>
-        <p:sp>
-          <p:nvSpPr>
-            <p:cNvPr id="35" name="左大括号 34"/>
-            <p:cNvSpPr/>
-            <p:nvPr/>
-          </p:nvSpPr>
-          <p:spPr>
-            <a:xfrm rot="5400000">
-              <a:off x="6045868" y="72747"/>
-              <a:ext cx="404354" cy="5084519"/>
-            </a:xfrm>
-            <a:prstGeom prst="leftBrace">
-              <a:avLst/>
-            </a:prstGeom>
-          </p:spPr>
-          <p:style>
-            <a:lnRef idx="1">
-              <a:schemeClr val="accent1"/>
-            </a:lnRef>
-            <a:fillRef idx="0">
-              <a:schemeClr val="accent1"/>
-            </a:fillRef>
-            <a:effectRef idx="0">
-              <a:schemeClr val="accent1"/>
-            </a:effectRef>
-            <a:fontRef idx="minor">
-              <a:schemeClr val="tx1"/>
-            </a:fontRef>
-          </p:style>
-          <p:txBody>
-            <a:bodyPr rtlCol="0" anchor="ctr"/>
-            <a:lstStyle/>
-            <a:p>
-              <a:pPr algn="ctr"/>
-              <a:endParaRPr lang="zh-CN" altLang="en-US"/>
-            </a:p>
-          </p:txBody>
-        </p:sp>
-        <p:sp>
-          <p:nvSpPr>
-            <p:cNvPr id="36" name="文本框 35"/>
-            <p:cNvSpPr txBox="1"/>
-            <p:nvPr/>
-          </p:nvSpPr>
-          <p:spPr>
-            <a:xfrm>
-              <a:off x="5897532" y="2111555"/>
-              <a:ext cx="701026" cy="338554"/>
-            </a:xfrm>
-            <a:prstGeom prst="rect">
-              <a:avLst/>
-            </a:prstGeom>
-            <a:noFill/>
-          </p:spPr>
-          <p:txBody>
-            <a:bodyPr wrap="none" rtlCol="0">
-              <a:spAutoFit/>
-            </a:bodyPr>
-            <a:lstStyle/>
-            <a:p>
-              <a:r>
-                <a:rPr lang="en-US" altLang="zh-CN" sz="1600" dirty="0" err="1" smtClean="0"/>
-                <a:t>p_size</a:t>
-              </a:r>
-              <a:endParaRPr lang="zh-CN" altLang="en-US" sz="1600" dirty="0"/>
-            </a:p>
-          </p:txBody>
-        </p:sp>
-      </p:grpSp>
-      <p:sp>
-        <p:nvSpPr>
-          <p:cNvPr id="37" name="文本框 36"/>
+              </a:rPr>
+              <a:t>0x00000100</a:t>
+            </a:r>
+            <a:endParaRPr lang="zh-CN" altLang="en-US" sz="1050" dirty="0">
+              <a:solidFill>
+                <a:schemeClr val="accent1">
+                  <a:lumMod val="75000"/>
+                </a:schemeClr>
+              </a:solidFill>
+            </a:endParaRPr>
+          </a:p>
+        </p:txBody>
+      </p:sp>
+      <p:sp>
+        <p:nvSpPr>
+          <p:cNvPr id="35" name="左大括号 34"/>
+          <p:cNvSpPr/>
+          <p:nvPr/>
+        </p:nvSpPr>
+        <p:spPr>
+          <a:xfrm rot="5400000">
+            <a:off x="4486009" y="-635465"/>
+            <a:ext cx="404354" cy="5084519"/>
+          </a:xfrm>
+          <a:prstGeom prst="leftBrace">
+            <a:avLst/>
+          </a:prstGeom>
+        </p:spPr>
+        <p:style>
+          <a:lnRef idx="1">
+            <a:schemeClr val="accent1"/>
+          </a:lnRef>
+          <a:fillRef idx="0">
+            <a:schemeClr val="accent1"/>
+          </a:fillRef>
+          <a:effectRef idx="0">
+            <a:schemeClr val="accent1"/>
+          </a:effectRef>
+          <a:fontRef idx="minor">
+            <a:schemeClr val="tx1"/>
+          </a:fontRef>
+        </p:style>
+        <p:txBody>
+          <a:bodyPr rtlCol="0" anchor="ctr"/>
+          <a:lstStyle/>
+          <a:p>
+            <a:pPr algn="ctr"/>
+            <a:endParaRPr lang="zh-CN" altLang="en-US"/>
+          </a:p>
+        </p:txBody>
+      </p:sp>
+      <p:sp>
+        <p:nvSpPr>
+          <p:cNvPr id="36" name="文本框 35"/>
           <p:cNvSpPr txBox="1"/>
           <p:nvPr/>
         </p:nvSpPr>
         <p:spPr>
           <a:xfrm>
-            <a:off x="3299968" y="199362"/>
-            <a:ext cx="2336473" cy="338554"/>
+            <a:off x="4337673" y="1403343"/>
+            <a:ext cx="701026" cy="338554"/>
           </a:xfrm>
           <a:prstGeom prst="rect">
             <a:avLst/>
@@ -3756,17 +3695,843 @@
           <a:lstStyle/>
           <a:p>
             <a:r>
-              <a:rPr lang="en-US" altLang="zh-CN" sz="1600" dirty="0" smtClean="0"/>
+              <a:rPr lang="en-US" altLang="zh-CN" sz="1600" dirty="0" err="1"/>
+              <a:t>p_size</a:t>
+            </a:r>
+            <a:endParaRPr lang="zh-CN" altLang="en-US" sz="1600" dirty="0"/>
+          </a:p>
+        </p:txBody>
+      </p:sp>
+      <p:sp>
+        <p:nvSpPr>
+          <p:cNvPr id="37" name="文本框 36"/>
+          <p:cNvSpPr txBox="1"/>
+          <p:nvPr/>
+        </p:nvSpPr>
+        <p:spPr>
+          <a:xfrm>
+            <a:off x="3299968" y="199362"/>
+            <a:ext cx="2336473" cy="338554"/>
+          </a:xfrm>
+          <a:prstGeom prst="rect">
+            <a:avLst/>
+          </a:prstGeom>
+          <a:noFill/>
+        </p:spPr>
+        <p:txBody>
+          <a:bodyPr wrap="none" rtlCol="0">
+            <a:spAutoFit/>
+          </a:bodyPr>
+          <a:lstStyle/>
+          <a:p>
+            <a:r>
+              <a:rPr lang="en-US" altLang="zh-CN" sz="1600" dirty="0"/>
               <a:t>TCE</a:t>
             </a:r>
             <a:r>
-              <a:rPr lang="zh-CN" altLang="en-US" sz="1600" dirty="0" smtClean="0"/>
+              <a:rPr lang="zh-CN" altLang="en-US" sz="1600" dirty="0"/>
               <a:t>通信消息协议头定义</a:t>
             </a:r>
+          </a:p>
+        </p:txBody>
+      </p:sp>
+      <p:sp>
+        <p:nvSpPr>
+          <p:cNvPr id="26" name="矩形 25"/>
+          <p:cNvSpPr/>
+          <p:nvPr/>
+        </p:nvSpPr>
+        <p:spPr>
+          <a:xfrm>
+            <a:off x="1978837" y="4584087"/>
+            <a:ext cx="685800" cy="512064"/>
+          </a:xfrm>
+          <a:prstGeom prst="rect">
+            <a:avLst/>
+          </a:prstGeom>
+        </p:spPr>
+        <p:style>
+          <a:lnRef idx="2">
+            <a:schemeClr val="accent1"/>
+          </a:lnRef>
+          <a:fillRef idx="1">
+            <a:schemeClr val="lt1"/>
+          </a:fillRef>
+          <a:effectRef idx="0">
+            <a:schemeClr val="accent1"/>
+          </a:effectRef>
+          <a:fontRef idx="minor">
+            <a:schemeClr val="dk1"/>
+          </a:fontRef>
+        </p:style>
+        <p:txBody>
+          <a:bodyPr rtlCol="0" anchor="ctr"/>
+          <a:lstStyle/>
+          <a:p>
+            <a:pPr algn="ctr"/>
+            <a:r>
+              <a:rPr lang="en-US" altLang="zh-CN" dirty="0"/>
+              <a:t>1</a:t>
+            </a:r>
+            <a:endParaRPr lang="zh-CN" altLang="en-US" dirty="0"/>
+          </a:p>
+        </p:txBody>
+      </p:sp>
+      <p:sp>
+        <p:nvSpPr>
+          <p:cNvPr id="27" name="矩形 26"/>
+          <p:cNvSpPr/>
+          <p:nvPr/>
+        </p:nvSpPr>
+        <p:spPr>
+          <a:xfrm>
+            <a:off x="2664637" y="4584087"/>
+            <a:ext cx="685800" cy="512064"/>
+          </a:xfrm>
+          <a:prstGeom prst="rect">
+            <a:avLst/>
+          </a:prstGeom>
+        </p:spPr>
+        <p:style>
+          <a:lnRef idx="2">
+            <a:schemeClr val="accent1"/>
+          </a:lnRef>
+          <a:fillRef idx="1">
+            <a:schemeClr val="lt1"/>
+          </a:fillRef>
+          <a:effectRef idx="0">
+            <a:schemeClr val="accent1"/>
+          </a:effectRef>
+          <a:fontRef idx="minor">
+            <a:schemeClr val="dk1"/>
+          </a:fontRef>
+        </p:style>
+        <p:txBody>
+          <a:bodyPr rtlCol="0" anchor="ctr"/>
+          <a:lstStyle/>
+          <a:p>
+            <a:pPr algn="ctr"/>
+            <a:r>
+              <a:rPr lang="en-US" altLang="zh-CN" dirty="0"/>
+              <a:t>4</a:t>
+            </a:r>
+            <a:endParaRPr lang="zh-CN" altLang="en-US" dirty="0"/>
+          </a:p>
+        </p:txBody>
+      </p:sp>
+      <p:sp>
+        <p:nvSpPr>
+          <p:cNvPr id="28" name="矩形 27"/>
+          <p:cNvSpPr/>
+          <p:nvPr/>
+        </p:nvSpPr>
+        <p:spPr>
+          <a:xfrm>
+            <a:off x="3350437" y="4584087"/>
+            <a:ext cx="685800" cy="512064"/>
+          </a:xfrm>
+          <a:prstGeom prst="rect">
+            <a:avLst/>
+          </a:prstGeom>
+        </p:spPr>
+        <p:style>
+          <a:lnRef idx="2">
+            <a:schemeClr val="accent1"/>
+          </a:lnRef>
+          <a:fillRef idx="1">
+            <a:schemeClr val="lt1"/>
+          </a:fillRef>
+          <a:effectRef idx="0">
+            <a:schemeClr val="accent1"/>
+          </a:effectRef>
+          <a:fontRef idx="minor">
+            <a:schemeClr val="dk1"/>
+          </a:fontRef>
+        </p:style>
+        <p:txBody>
+          <a:bodyPr rtlCol="0" anchor="ctr"/>
+          <a:lstStyle/>
+          <a:p>
+            <a:pPr algn="ctr"/>
+            <a:r>
+              <a:rPr lang="en-US" altLang="zh-CN" dirty="0"/>
+              <a:t>1</a:t>
+            </a:r>
+            <a:endParaRPr lang="zh-CN" altLang="en-US" dirty="0"/>
+          </a:p>
+        </p:txBody>
+      </p:sp>
+      <p:sp>
+        <p:nvSpPr>
+          <p:cNvPr id="29" name="矩形 28"/>
+          <p:cNvSpPr/>
+          <p:nvPr/>
+        </p:nvSpPr>
+        <p:spPr>
+          <a:xfrm>
+            <a:off x="4036237" y="4584087"/>
+            <a:ext cx="685800" cy="512064"/>
+          </a:xfrm>
+          <a:prstGeom prst="rect">
+            <a:avLst/>
+          </a:prstGeom>
+        </p:spPr>
+        <p:style>
+          <a:lnRef idx="2">
+            <a:schemeClr val="accent1"/>
+          </a:lnRef>
+          <a:fillRef idx="1">
+            <a:schemeClr val="lt1"/>
+          </a:fillRef>
+          <a:effectRef idx="0">
+            <a:schemeClr val="accent1"/>
+          </a:effectRef>
+          <a:fontRef idx="minor">
+            <a:schemeClr val="dk1"/>
+          </a:fontRef>
+        </p:style>
+        <p:txBody>
+          <a:bodyPr rtlCol="0" anchor="ctr"/>
+          <a:lstStyle/>
+          <a:p>
+            <a:pPr algn="ctr"/>
+            <a:r>
+              <a:rPr lang="en-US" altLang="zh-CN" dirty="0"/>
+              <a:t>2</a:t>
+            </a:r>
+            <a:endParaRPr lang="zh-CN" altLang="en-US" dirty="0"/>
+          </a:p>
+        </p:txBody>
+      </p:sp>
+      <p:sp>
+        <p:nvSpPr>
+          <p:cNvPr id="31" name="矩形 30"/>
+          <p:cNvSpPr/>
+          <p:nvPr/>
+        </p:nvSpPr>
+        <p:spPr>
+          <a:xfrm>
+            <a:off x="4722037" y="4584087"/>
+            <a:ext cx="685800" cy="512064"/>
+          </a:xfrm>
+          <a:prstGeom prst="rect">
+            <a:avLst/>
+          </a:prstGeom>
+        </p:spPr>
+        <p:style>
+          <a:lnRef idx="2">
+            <a:schemeClr val="accent1"/>
+          </a:lnRef>
+          <a:fillRef idx="1">
+            <a:schemeClr val="lt1"/>
+          </a:fillRef>
+          <a:effectRef idx="0">
+            <a:schemeClr val="accent1"/>
+          </a:effectRef>
+          <a:fontRef idx="minor">
+            <a:schemeClr val="dk1"/>
+          </a:fontRef>
+        </p:style>
+        <p:txBody>
+          <a:bodyPr rtlCol="0" anchor="ctr"/>
+          <a:lstStyle/>
+          <a:p>
+            <a:pPr algn="ctr"/>
+            <a:r>
+              <a:rPr lang="en-US" altLang="zh-CN" dirty="0"/>
+              <a:t>2</a:t>
+            </a:r>
+            <a:endParaRPr lang="zh-CN" altLang="en-US" dirty="0"/>
+          </a:p>
+        </p:txBody>
+      </p:sp>
+      <p:sp>
+        <p:nvSpPr>
+          <p:cNvPr id="34" name="矩形 33"/>
+          <p:cNvSpPr/>
+          <p:nvPr/>
+        </p:nvSpPr>
+        <p:spPr>
+          <a:xfrm>
+            <a:off x="5407837" y="4584087"/>
+            <a:ext cx="685800" cy="512064"/>
+          </a:xfrm>
+          <a:prstGeom prst="rect">
+            <a:avLst/>
+          </a:prstGeom>
+        </p:spPr>
+        <p:style>
+          <a:lnRef idx="2">
+            <a:schemeClr val="accent1"/>
+          </a:lnRef>
+          <a:fillRef idx="1">
+            <a:schemeClr val="lt1"/>
+          </a:fillRef>
+          <a:effectRef idx="0">
+            <a:schemeClr val="accent1"/>
+          </a:effectRef>
+          <a:fontRef idx="minor">
+            <a:schemeClr val="dk1"/>
+          </a:fontRef>
+        </p:style>
+        <p:txBody>
+          <a:bodyPr rtlCol="0" anchor="ctr"/>
+          <a:lstStyle/>
+          <a:p>
+            <a:pPr algn="ctr"/>
+            <a:r>
+              <a:rPr lang="en-US" altLang="zh-CN" dirty="0"/>
+              <a:t>4</a:t>
+            </a:r>
+            <a:endParaRPr lang="zh-CN" altLang="en-US" dirty="0"/>
+          </a:p>
+        </p:txBody>
+      </p:sp>
+      <p:sp>
+        <p:nvSpPr>
+          <p:cNvPr id="39" name="矩形 38"/>
+          <p:cNvSpPr/>
+          <p:nvPr/>
+        </p:nvSpPr>
+        <p:spPr>
+          <a:xfrm>
+            <a:off x="6093637" y="4584087"/>
+            <a:ext cx="685800" cy="512064"/>
+          </a:xfrm>
+          <a:prstGeom prst="rect">
+            <a:avLst/>
+          </a:prstGeom>
+        </p:spPr>
+        <p:style>
+          <a:lnRef idx="2">
+            <a:schemeClr val="accent1"/>
+          </a:lnRef>
+          <a:fillRef idx="1">
+            <a:schemeClr val="lt1"/>
+          </a:fillRef>
+          <a:effectRef idx="0">
+            <a:schemeClr val="accent1"/>
+          </a:effectRef>
+          <a:fontRef idx="minor">
+            <a:schemeClr val="dk1"/>
+          </a:fontRef>
+        </p:style>
+        <p:txBody>
+          <a:bodyPr rtlCol="0" anchor="ctr"/>
+          <a:lstStyle/>
+          <a:p>
+            <a:pPr algn="ctr"/>
+            <a:r>
+              <a:rPr lang="en-US" altLang="zh-CN" dirty="0"/>
+              <a:t>1</a:t>
+            </a:r>
+            <a:endParaRPr lang="zh-CN" altLang="en-US" dirty="0"/>
+          </a:p>
+        </p:txBody>
+      </p:sp>
+      <p:sp>
+        <p:nvSpPr>
+          <p:cNvPr id="40" name="矩形 39"/>
+          <p:cNvSpPr/>
+          <p:nvPr/>
+        </p:nvSpPr>
+        <p:spPr>
+          <a:xfrm>
+            <a:off x="6779437" y="4584087"/>
+            <a:ext cx="685800" cy="512064"/>
+          </a:xfrm>
+          <a:prstGeom prst="rect">
+            <a:avLst/>
+          </a:prstGeom>
+        </p:spPr>
+        <p:style>
+          <a:lnRef idx="2">
+            <a:schemeClr val="accent1"/>
+          </a:lnRef>
+          <a:fillRef idx="1">
+            <a:schemeClr val="lt1"/>
+          </a:fillRef>
+          <a:effectRef idx="0">
+            <a:schemeClr val="accent1"/>
+          </a:effectRef>
+          <a:fontRef idx="minor">
+            <a:schemeClr val="dk1"/>
+          </a:fontRef>
+        </p:style>
+        <p:txBody>
+          <a:bodyPr rtlCol="0" anchor="ctr"/>
+          <a:lstStyle/>
+          <a:p>
+            <a:pPr algn="ctr"/>
+            <a:r>
+              <a:rPr lang="en-US" altLang="zh-CN" dirty="0"/>
+              <a:t>2</a:t>
+            </a:r>
+            <a:endParaRPr lang="zh-CN" altLang="en-US" dirty="0"/>
+          </a:p>
+        </p:txBody>
+      </p:sp>
+      <p:sp>
+        <p:nvSpPr>
+          <p:cNvPr id="41" name="矩形 40"/>
+          <p:cNvSpPr/>
+          <p:nvPr/>
+        </p:nvSpPr>
+        <p:spPr>
+          <a:xfrm>
+            <a:off x="7465237" y="4584087"/>
+            <a:ext cx="1367032" cy="512064"/>
+          </a:xfrm>
+          <a:prstGeom prst="rect">
+            <a:avLst/>
+          </a:prstGeom>
+        </p:spPr>
+        <p:style>
+          <a:lnRef idx="2">
+            <a:schemeClr val="accent2"/>
+          </a:lnRef>
+          <a:fillRef idx="1">
+            <a:schemeClr val="lt1"/>
+          </a:fillRef>
+          <a:effectRef idx="0">
+            <a:schemeClr val="accent2"/>
+          </a:effectRef>
+          <a:fontRef idx="minor">
+            <a:schemeClr val="dk1"/>
+          </a:fontRef>
+        </p:style>
+        <p:txBody>
+          <a:bodyPr rtlCol="0" anchor="ctr"/>
+          <a:lstStyle/>
+          <a:p>
+            <a:pPr algn="ctr"/>
+            <a:r>
+              <a:rPr lang="en-US" altLang="zh-CN" dirty="0" err="1"/>
+              <a:t>extradata</a:t>
+            </a:r>
+            <a:endParaRPr lang="zh-CN" altLang="en-US" dirty="0"/>
+          </a:p>
+        </p:txBody>
+      </p:sp>
+      <p:sp>
+        <p:nvSpPr>
+          <p:cNvPr id="42" name="矩形 41"/>
+          <p:cNvSpPr/>
+          <p:nvPr/>
+        </p:nvSpPr>
+        <p:spPr>
+          <a:xfrm>
+            <a:off x="8832269" y="4584087"/>
+            <a:ext cx="1367032" cy="512064"/>
+          </a:xfrm>
+          <a:prstGeom prst="rect">
+            <a:avLst/>
+          </a:prstGeom>
+        </p:spPr>
+        <p:style>
+          <a:lnRef idx="2">
+            <a:schemeClr val="accent2"/>
+          </a:lnRef>
+          <a:fillRef idx="1">
+            <a:schemeClr val="lt1"/>
+          </a:fillRef>
+          <a:effectRef idx="0">
+            <a:schemeClr val="accent2"/>
+          </a:effectRef>
+          <a:fontRef idx="minor">
+            <a:schemeClr val="dk1"/>
+          </a:fontRef>
+        </p:style>
+        <p:txBody>
+          <a:bodyPr rtlCol="0" anchor="ctr"/>
+          <a:lstStyle/>
+          <a:p>
+            <a:pPr algn="ctr"/>
+            <a:r>
+              <a:rPr lang="en-US" altLang="zh-CN" dirty="0"/>
+              <a:t>parameters</a:t>
+            </a:r>
+            <a:endParaRPr lang="zh-CN" altLang="en-US" dirty="0"/>
+          </a:p>
+        </p:txBody>
+      </p:sp>
+      <p:sp>
+        <p:nvSpPr>
+          <p:cNvPr id="2" name="右中括号 1"/>
+          <p:cNvSpPr/>
+          <p:nvPr/>
+        </p:nvSpPr>
+        <p:spPr>
+          <a:xfrm rot="16200000">
+            <a:off x="5972913" y="256961"/>
+            <a:ext cx="232311" cy="8220464"/>
+          </a:xfrm>
+          <a:prstGeom prst="rightBracket">
+            <a:avLst/>
+          </a:prstGeom>
+        </p:spPr>
+        <p:style>
+          <a:lnRef idx="1">
+            <a:schemeClr val="accent1"/>
+          </a:lnRef>
+          <a:fillRef idx="0">
+            <a:schemeClr val="accent1"/>
+          </a:fillRef>
+          <a:effectRef idx="0">
+            <a:schemeClr val="accent1"/>
+          </a:effectRef>
+          <a:fontRef idx="minor">
+            <a:schemeClr val="tx1"/>
+          </a:fontRef>
+        </p:style>
+        <p:txBody>
+          <a:bodyPr rtlCol="0" anchor="ctr"/>
+          <a:lstStyle/>
+          <a:p>
+            <a:pPr algn="ctr"/>
+            <a:endParaRPr lang="zh-CN" altLang="en-US"/>
+          </a:p>
+        </p:txBody>
+      </p:sp>
+      <p:cxnSp>
+        <p:nvCxnSpPr>
+          <p:cNvPr id="4" name="直接箭头连接符 3"/>
+          <p:cNvCxnSpPr>
+            <a:stCxn id="25" idx="2"/>
+            <a:endCxn id="2" idx="2"/>
+          </p:cNvCxnSpPr>
+          <p:nvPr/>
+        </p:nvCxnSpPr>
+        <p:spPr>
+          <a:xfrm>
+            <a:off x="6061030" y="2713168"/>
+            <a:ext cx="28039" cy="1537870"/>
+          </a:xfrm>
+          <a:prstGeom prst="straightConnector1">
+            <a:avLst/>
+          </a:prstGeom>
+          <a:ln>
+            <a:tailEnd type="triangle"/>
+          </a:ln>
+        </p:spPr>
+        <p:style>
+          <a:lnRef idx="1">
+            <a:schemeClr val="accent1"/>
+          </a:lnRef>
+          <a:fillRef idx="0">
+            <a:schemeClr val="accent1"/>
+          </a:fillRef>
+          <a:effectRef idx="0">
+            <a:schemeClr val="accent1"/>
+          </a:effectRef>
+          <a:fontRef idx="minor">
+            <a:schemeClr val="tx1"/>
+          </a:fontRef>
+        </p:style>
+      </p:cxnSp>
+      <p:sp>
+        <p:nvSpPr>
+          <p:cNvPr id="43" name="文本框 42"/>
+          <p:cNvSpPr txBox="1"/>
+          <p:nvPr/>
+        </p:nvSpPr>
+        <p:spPr>
+          <a:xfrm>
+            <a:off x="1878248" y="5484499"/>
+            <a:ext cx="893321" cy="338554"/>
+          </a:xfrm>
+          <a:prstGeom prst="rect">
+            <a:avLst/>
+          </a:prstGeom>
+          <a:noFill/>
+        </p:spPr>
+        <p:txBody>
+          <a:bodyPr wrap="none" rtlCol="0">
+            <a:spAutoFit/>
+          </a:bodyPr>
+          <a:lstStyle/>
+          <a:p>
+            <a:r>
+              <a:rPr lang="en-US" altLang="zh-CN" sz="1600" dirty="0" err="1"/>
+              <a:t>msgtype</a:t>
+            </a:r>
             <a:endParaRPr lang="zh-CN" altLang="en-US" sz="1600" dirty="0"/>
           </a:p>
         </p:txBody>
       </p:sp>
+      <p:sp>
+        <p:nvSpPr>
+          <p:cNvPr id="44" name="文本框 43"/>
+          <p:cNvSpPr txBox="1"/>
+          <p:nvPr/>
+        </p:nvSpPr>
+        <p:spPr>
+          <a:xfrm>
+            <a:off x="2465443" y="5967258"/>
+            <a:ext cx="981359" cy="338554"/>
+          </a:xfrm>
+          <a:prstGeom prst="rect">
+            <a:avLst/>
+          </a:prstGeom>
+          <a:noFill/>
+        </p:spPr>
+        <p:txBody>
+          <a:bodyPr wrap="none" rtlCol="0">
+            <a:spAutoFit/>
+          </a:bodyPr>
+          <a:lstStyle/>
+          <a:p>
+            <a:r>
+              <a:rPr lang="en-US" altLang="zh-CN" sz="1600" dirty="0"/>
+              <a:t>sequence</a:t>
+            </a:r>
+            <a:endParaRPr lang="zh-CN" altLang="en-US" sz="1600" dirty="0"/>
+          </a:p>
+        </p:txBody>
+      </p:sp>
+      <p:sp>
+        <p:nvSpPr>
+          <p:cNvPr id="45" name="文本框 44"/>
+          <p:cNvSpPr txBox="1"/>
+          <p:nvPr/>
+        </p:nvSpPr>
+        <p:spPr>
+          <a:xfrm>
+            <a:off x="3248091" y="5472559"/>
+            <a:ext cx="832151" cy="338554"/>
+          </a:xfrm>
+          <a:prstGeom prst="rect">
+            <a:avLst/>
+          </a:prstGeom>
+          <a:noFill/>
+        </p:spPr>
+        <p:txBody>
+          <a:bodyPr wrap="none" rtlCol="0">
+            <a:spAutoFit/>
+          </a:bodyPr>
+          <a:lstStyle/>
+          <a:p>
+            <a:r>
+              <a:rPr lang="en-US" altLang="zh-CN" sz="1600" dirty="0" err="1"/>
+              <a:t>calltype</a:t>
+            </a:r>
+            <a:endParaRPr lang="zh-CN" altLang="en-US" sz="1600" dirty="0"/>
+          </a:p>
+        </p:txBody>
+      </p:sp>
+      <p:sp>
+        <p:nvSpPr>
+          <p:cNvPr id="46" name="文本框 45"/>
+          <p:cNvSpPr txBox="1"/>
+          <p:nvPr/>
+        </p:nvSpPr>
+        <p:spPr>
+          <a:xfrm>
+            <a:off x="4087408" y="5801402"/>
+            <a:ext cx="535724" cy="338554"/>
+          </a:xfrm>
+          <a:prstGeom prst="rect">
+            <a:avLst/>
+          </a:prstGeom>
+          <a:noFill/>
+        </p:spPr>
+        <p:txBody>
+          <a:bodyPr wrap="none" rtlCol="0">
+            <a:spAutoFit/>
+          </a:bodyPr>
+          <a:lstStyle/>
+          <a:p>
+            <a:r>
+              <a:rPr lang="en-US" altLang="zh-CN" sz="1600" dirty="0" err="1"/>
+              <a:t>ifidx</a:t>
+            </a:r>
+            <a:endParaRPr lang="zh-CN" altLang="en-US" sz="1600" dirty="0"/>
+          </a:p>
+        </p:txBody>
+      </p:sp>
+      <p:sp>
+        <p:nvSpPr>
+          <p:cNvPr id="47" name="文本框 46"/>
+          <p:cNvSpPr txBox="1"/>
+          <p:nvPr/>
+        </p:nvSpPr>
+        <p:spPr>
+          <a:xfrm>
+            <a:off x="4770167" y="5548814"/>
+            <a:ext cx="643125" cy="338554"/>
+          </a:xfrm>
+          <a:prstGeom prst="rect">
+            <a:avLst/>
+          </a:prstGeom>
+          <a:noFill/>
+        </p:spPr>
+        <p:txBody>
+          <a:bodyPr wrap="none" rtlCol="0">
+            <a:spAutoFit/>
+          </a:bodyPr>
+          <a:lstStyle/>
+          <a:p>
+            <a:r>
+              <a:rPr lang="en-US" altLang="zh-CN" sz="1600" dirty="0" err="1"/>
+              <a:t>opidx</a:t>
+            </a:r>
+            <a:endParaRPr lang="zh-CN" altLang="en-US" sz="1600" dirty="0"/>
+          </a:p>
+        </p:txBody>
+      </p:sp>
+      <p:sp>
+        <p:nvSpPr>
+          <p:cNvPr id="48" name="文本框 47"/>
+          <p:cNvSpPr txBox="1"/>
+          <p:nvPr/>
+        </p:nvSpPr>
+        <p:spPr>
+          <a:xfrm>
+            <a:off x="5411797" y="5851941"/>
+            <a:ext cx="832344" cy="338554"/>
+          </a:xfrm>
+          <a:prstGeom prst="rect">
+            <a:avLst/>
+          </a:prstGeom>
+          <a:noFill/>
+        </p:spPr>
+        <p:txBody>
+          <a:bodyPr wrap="none" rtlCol="0">
+            <a:spAutoFit/>
+          </a:bodyPr>
+          <a:lstStyle/>
+          <a:p>
+            <a:r>
+              <a:rPr lang="en-US" altLang="zh-CN" sz="1600" dirty="0" err="1"/>
+              <a:t>errcode</a:t>
+            </a:r>
+            <a:endParaRPr lang="zh-CN" altLang="en-US" sz="1600" dirty="0"/>
+          </a:p>
+        </p:txBody>
+      </p:sp>
+      <p:sp>
+        <p:nvSpPr>
+          <p:cNvPr id="49" name="文本框 48"/>
+          <p:cNvSpPr txBox="1"/>
+          <p:nvPr/>
+        </p:nvSpPr>
+        <p:spPr>
+          <a:xfrm>
+            <a:off x="6007397" y="5531101"/>
+            <a:ext cx="1025409" cy="338554"/>
+          </a:xfrm>
+          <a:prstGeom prst="rect">
+            <a:avLst/>
+          </a:prstGeom>
+          <a:noFill/>
+        </p:spPr>
+        <p:txBody>
+          <a:bodyPr wrap="none" rtlCol="0">
+            <a:spAutoFit/>
+          </a:bodyPr>
+          <a:lstStyle/>
+          <a:p>
+            <a:r>
+              <a:rPr lang="en-US" altLang="zh-CN" sz="1600" dirty="0" err="1"/>
+              <a:t>paramsize</a:t>
+            </a:r>
+            <a:endParaRPr lang="zh-CN" altLang="en-US" sz="1600" dirty="0"/>
+          </a:p>
+        </p:txBody>
+      </p:sp>
+      <p:sp>
+        <p:nvSpPr>
+          <p:cNvPr id="50" name="文本框 49"/>
+          <p:cNvSpPr txBox="1"/>
+          <p:nvPr/>
+        </p:nvSpPr>
+        <p:spPr>
+          <a:xfrm>
+            <a:off x="6838246" y="5850337"/>
+            <a:ext cx="740908" cy="338554"/>
+          </a:xfrm>
+          <a:prstGeom prst="rect">
+            <a:avLst/>
+          </a:prstGeom>
+          <a:noFill/>
+        </p:spPr>
+        <p:txBody>
+          <a:bodyPr wrap="none" rtlCol="0">
+            <a:spAutoFit/>
+          </a:bodyPr>
+          <a:lstStyle/>
+          <a:p>
+            <a:r>
+              <a:rPr lang="en-US" altLang="zh-CN" sz="1600" dirty="0" err="1"/>
+              <a:t>Call_id</a:t>
+            </a:r>
+            <a:endParaRPr lang="zh-CN" altLang="en-US" sz="1600" dirty="0"/>
+          </a:p>
+        </p:txBody>
+      </p:sp>
+      <p:cxnSp>
+        <p:nvCxnSpPr>
+          <p:cNvPr id="51" name="直接连接符 50"/>
+          <p:cNvCxnSpPr>
+            <a:stCxn id="43" idx="0"/>
+            <a:endCxn id="26" idx="2"/>
+          </p:cNvCxnSpPr>
+          <p:nvPr/>
+        </p:nvCxnSpPr>
+        <p:spPr>
+          <a:xfrm flipH="1" flipV="1">
+            <a:off x="2321737" y="5096151"/>
+            <a:ext cx="3172" cy="388348"/>
+          </a:xfrm>
+          <a:prstGeom prst="line">
+            <a:avLst/>
+          </a:prstGeom>
+        </p:spPr>
+        <p:style>
+          <a:lnRef idx="1">
+            <a:schemeClr val="accent1"/>
+          </a:lnRef>
+          <a:fillRef idx="0">
+            <a:schemeClr val="accent1"/>
+          </a:fillRef>
+          <a:effectRef idx="0">
+            <a:schemeClr val="accent1"/>
+          </a:effectRef>
+          <a:fontRef idx="minor">
+            <a:schemeClr val="tx1"/>
+          </a:fontRef>
+        </p:style>
+      </p:cxnSp>
+      <p:cxnSp>
+        <p:nvCxnSpPr>
+          <p:cNvPr id="52" name="直接连接符 51"/>
+          <p:cNvCxnSpPr/>
+          <p:nvPr/>
+        </p:nvCxnSpPr>
+        <p:spPr>
+          <a:xfrm flipV="1">
+            <a:off x="3007867" y="5121023"/>
+            <a:ext cx="0" cy="898591"/>
+          </a:xfrm>
+          <a:prstGeom prst="line">
+            <a:avLst/>
+          </a:prstGeom>
+        </p:spPr>
+        <p:style>
+          <a:lnRef idx="1">
+            <a:schemeClr val="accent1"/>
+          </a:lnRef>
+          <a:fillRef idx="0">
+            <a:schemeClr val="accent1"/>
+          </a:fillRef>
+          <a:effectRef idx="0">
+            <a:schemeClr val="accent1"/>
+          </a:effectRef>
+          <a:fontRef idx="minor">
+            <a:schemeClr val="tx1"/>
+          </a:fontRef>
+        </p:style>
+      </p:cxnSp>
     </p:spTree>
     <p:extLst>
       <p:ext uri="{BB962C8B-B14F-4D97-AF65-F5344CB8AC3E}">

--- a/doc/tce_protocal_internal.pptx
+++ b/doc/tce_protocal_internal.pptx
@@ -6,6 +6,7 @@
   </p:sldMasterIdLst>
   <p:sldIdLst>
     <p:sldId id="256" r:id="rId2"/>
+    <p:sldId id="257" r:id="rId3"/>
   </p:sldIdLst>
   <p:sldSz cx="12192000" cy="6858000"/>
   <p:notesSz cx="6858000" cy="9144000"/>
@@ -241,7 +242,7 @@
           <a:p>
             <a:fld id="{DCB352E4-A803-4722-87B9-F8807506504E}" type="datetimeFigureOut">
               <a:rPr lang="zh-CN" altLang="en-US" smtClean="0"/>
-              <a:t>2016/8/25</a:t>
+              <a:t>2016/8/28</a:t>
             </a:fld>
             <a:endParaRPr lang="zh-CN" altLang="en-US"/>
           </a:p>
@@ -409,7 +410,7 @@
           <a:p>
             <a:fld id="{DCB352E4-A803-4722-87B9-F8807506504E}" type="datetimeFigureOut">
               <a:rPr lang="zh-CN" altLang="en-US" smtClean="0"/>
-              <a:t>2016/8/25</a:t>
+              <a:t>2016/8/28</a:t>
             </a:fld>
             <a:endParaRPr lang="zh-CN" altLang="en-US"/>
           </a:p>
@@ -587,7 +588,7 @@
           <a:p>
             <a:fld id="{DCB352E4-A803-4722-87B9-F8807506504E}" type="datetimeFigureOut">
               <a:rPr lang="zh-CN" altLang="en-US" smtClean="0"/>
-              <a:t>2016/8/25</a:t>
+              <a:t>2016/8/28</a:t>
             </a:fld>
             <a:endParaRPr lang="zh-CN" altLang="en-US"/>
           </a:p>
@@ -755,7 +756,7 @@
           <a:p>
             <a:fld id="{DCB352E4-A803-4722-87B9-F8807506504E}" type="datetimeFigureOut">
               <a:rPr lang="zh-CN" altLang="en-US" smtClean="0"/>
-              <a:t>2016/8/25</a:t>
+              <a:t>2016/8/28</a:t>
             </a:fld>
             <a:endParaRPr lang="zh-CN" altLang="en-US"/>
           </a:p>
@@ -1000,7 +1001,7 @@
           <a:p>
             <a:fld id="{DCB352E4-A803-4722-87B9-F8807506504E}" type="datetimeFigureOut">
               <a:rPr lang="zh-CN" altLang="en-US" smtClean="0"/>
-              <a:t>2016/8/25</a:t>
+              <a:t>2016/8/28</a:t>
             </a:fld>
             <a:endParaRPr lang="zh-CN" altLang="en-US"/>
           </a:p>
@@ -1229,7 +1230,7 @@
           <a:p>
             <a:fld id="{DCB352E4-A803-4722-87B9-F8807506504E}" type="datetimeFigureOut">
               <a:rPr lang="zh-CN" altLang="en-US" smtClean="0"/>
-              <a:t>2016/8/25</a:t>
+              <a:t>2016/8/28</a:t>
             </a:fld>
             <a:endParaRPr lang="zh-CN" altLang="en-US"/>
           </a:p>
@@ -1593,7 +1594,7 @@
           <a:p>
             <a:fld id="{DCB352E4-A803-4722-87B9-F8807506504E}" type="datetimeFigureOut">
               <a:rPr lang="zh-CN" altLang="en-US" smtClean="0"/>
-              <a:t>2016/8/25</a:t>
+              <a:t>2016/8/28</a:t>
             </a:fld>
             <a:endParaRPr lang="zh-CN" altLang="en-US"/>
           </a:p>
@@ -1710,7 +1711,7 @@
           <a:p>
             <a:fld id="{DCB352E4-A803-4722-87B9-F8807506504E}" type="datetimeFigureOut">
               <a:rPr lang="zh-CN" altLang="en-US" smtClean="0"/>
-              <a:t>2016/8/25</a:t>
+              <a:t>2016/8/28</a:t>
             </a:fld>
             <a:endParaRPr lang="zh-CN" altLang="en-US"/>
           </a:p>
@@ -1805,7 +1806,7 @@
           <a:p>
             <a:fld id="{DCB352E4-A803-4722-87B9-F8807506504E}" type="datetimeFigureOut">
               <a:rPr lang="zh-CN" altLang="en-US" smtClean="0"/>
-              <a:t>2016/8/25</a:t>
+              <a:t>2016/8/28</a:t>
             </a:fld>
             <a:endParaRPr lang="zh-CN" altLang="en-US"/>
           </a:p>
@@ -2080,7 +2081,7 @@
           <a:p>
             <a:fld id="{DCB352E4-A803-4722-87B9-F8807506504E}" type="datetimeFigureOut">
               <a:rPr lang="zh-CN" altLang="en-US" smtClean="0"/>
-              <a:t>2016/8/25</a:t>
+              <a:t>2016/8/28</a:t>
             </a:fld>
             <a:endParaRPr lang="zh-CN" altLang="en-US"/>
           </a:p>
@@ -2332,7 +2333,7 @@
           <a:p>
             <a:fld id="{DCB352E4-A803-4722-87B9-F8807506504E}" type="datetimeFigureOut">
               <a:rPr lang="zh-CN" altLang="en-US" smtClean="0"/>
-              <a:t>2016/8/25</a:t>
+              <a:t>2016/8/28</a:t>
             </a:fld>
             <a:endParaRPr lang="zh-CN" altLang="en-US"/>
           </a:p>
@@ -2543,7 +2544,7 @@
           <a:p>
             <a:fld id="{DCB352E4-A803-4722-87B9-F8807506504E}" type="datetimeFigureOut">
               <a:rPr lang="zh-CN" altLang="en-US" smtClean="0"/>
-              <a:t>2016/8/25</a:t>
+              <a:t>2016/8/28</a:t>
             </a:fld>
             <a:endParaRPr lang="zh-CN" altLang="en-US"/>
           </a:p>
@@ -3211,7 +3212,7 @@
           <a:lstStyle/>
           <a:p>
             <a:r>
-              <a:rPr lang="en-US" altLang="zh-CN" sz="1600" dirty="0" err="1"/>
+              <a:rPr lang="en-US" altLang="zh-CN" sz="1600" dirty="0"/>
               <a:t>p_size</a:t>
             </a:r>
             <a:endParaRPr lang="zh-CN" altLang="en-US" sz="1600" dirty="0"/>
@@ -3695,7 +3696,7 @@
           <a:lstStyle/>
           <a:p>
             <a:r>
-              <a:rPr lang="en-US" altLang="zh-CN" sz="1600" dirty="0" err="1"/>
+              <a:rPr lang="en-US" altLang="zh-CN" sz="1600" dirty="0"/>
               <a:t>p_size</a:t>
             </a:r>
             <a:endParaRPr lang="zh-CN" altLang="en-US" sz="1600" dirty="0"/>
@@ -3710,8 +3711,8 @@
         </p:nvSpPr>
         <p:spPr>
           <a:xfrm>
-            <a:off x="3299968" y="199362"/>
-            <a:ext cx="2336473" cy="338554"/>
+            <a:off x="188120" y="4503408"/>
+            <a:ext cx="1332416" cy="338554"/>
           </a:xfrm>
           <a:prstGeom prst="rect">
             <a:avLst/>
@@ -3726,11 +3727,11 @@
           <a:p>
             <a:r>
               <a:rPr lang="en-US" altLang="zh-CN" sz="1600" dirty="0"/>
-              <a:t>TCE</a:t>
+              <a:t>RPC</a:t>
             </a:r>
             <a:r>
               <a:rPr lang="zh-CN" altLang="en-US" sz="1600" dirty="0"/>
-              <a:t>通信消息协议头定义</a:t>
+              <a:t>消息格式</a:t>
             </a:r>
           </a:p>
         </p:txBody>
@@ -3743,7 +3744,7 @@
         </p:nvSpPr>
         <p:spPr>
           <a:xfrm>
-            <a:off x="1978837" y="4584087"/>
+            <a:off x="1957806" y="4672685"/>
             <a:ext cx="685800" cy="512064"/>
           </a:xfrm>
           <a:prstGeom prst="rect">
@@ -3785,7 +3786,7 @@
         </p:nvSpPr>
         <p:spPr>
           <a:xfrm>
-            <a:off x="2664637" y="4584087"/>
+            <a:off x="2643606" y="4672685"/>
             <a:ext cx="685800" cy="512064"/>
           </a:xfrm>
           <a:prstGeom prst="rect">
@@ -3827,7 +3828,7 @@
         </p:nvSpPr>
         <p:spPr>
           <a:xfrm>
-            <a:off x="3350437" y="4584087"/>
+            <a:off x="3329406" y="4672685"/>
             <a:ext cx="685800" cy="512064"/>
           </a:xfrm>
           <a:prstGeom prst="rect">
@@ -3869,7 +3870,7 @@
         </p:nvSpPr>
         <p:spPr>
           <a:xfrm>
-            <a:off x="4036237" y="4584087"/>
+            <a:off x="4015206" y="4672685"/>
             <a:ext cx="685800" cy="512064"/>
           </a:xfrm>
           <a:prstGeom prst="rect">
@@ -3911,7 +3912,7 @@
         </p:nvSpPr>
         <p:spPr>
           <a:xfrm>
-            <a:off x="4722037" y="4584087"/>
+            <a:off x="4701006" y="4672685"/>
             <a:ext cx="685800" cy="512064"/>
           </a:xfrm>
           <a:prstGeom prst="rect">
@@ -3953,7 +3954,7 @@
         </p:nvSpPr>
         <p:spPr>
           <a:xfrm>
-            <a:off x="5407837" y="4584087"/>
+            <a:off x="5386806" y="4672685"/>
             <a:ext cx="685800" cy="512064"/>
           </a:xfrm>
           <a:prstGeom prst="rect">
@@ -3995,7 +3996,7 @@
         </p:nvSpPr>
         <p:spPr>
           <a:xfrm>
-            <a:off x="6093637" y="4584087"/>
+            <a:off x="6072606" y="4672685"/>
             <a:ext cx="685800" cy="512064"/>
           </a:xfrm>
           <a:prstGeom prst="rect">
@@ -4037,7 +4038,7 @@
         </p:nvSpPr>
         <p:spPr>
           <a:xfrm>
-            <a:off x="6779437" y="4584087"/>
+            <a:off x="6758406" y="4672685"/>
             <a:ext cx="685800" cy="512064"/>
           </a:xfrm>
           <a:prstGeom prst="rect">
@@ -4079,7 +4080,7 @@
         </p:nvSpPr>
         <p:spPr>
           <a:xfrm>
-            <a:off x="7465237" y="4584087"/>
+            <a:off x="7444206" y="4672685"/>
             <a:ext cx="1367032" cy="512064"/>
           </a:xfrm>
           <a:prstGeom prst="rect">
@@ -4121,7 +4122,7 @@
         </p:nvSpPr>
         <p:spPr>
           <a:xfrm>
-            <a:off x="8832269" y="4584087"/>
+            <a:off x="8811238" y="4672685"/>
             <a:ext cx="1367032" cy="512064"/>
           </a:xfrm>
           <a:prstGeom prst="rect">
@@ -4163,7 +4164,7 @@
         </p:nvSpPr>
         <p:spPr>
           <a:xfrm rot="16200000">
-            <a:off x="5972913" y="256961"/>
+            <a:off x="5951882" y="345559"/>
             <a:ext cx="232311" cy="8220464"/>
           </a:xfrm>
           <a:prstGeom prst="rightBracket">
@@ -4172,13 +4173,13 @@
         </p:spPr>
         <p:style>
           <a:lnRef idx="1">
-            <a:schemeClr val="accent1"/>
+            <a:schemeClr val="accent2"/>
           </a:lnRef>
           <a:fillRef idx="0">
-            <a:schemeClr val="accent1"/>
+            <a:schemeClr val="accent2"/>
           </a:fillRef>
           <a:effectRef idx="0">
-            <a:schemeClr val="accent1"/>
+            <a:schemeClr val="accent2"/>
           </a:effectRef>
           <a:fontRef idx="minor">
             <a:schemeClr val="tx1"/>
@@ -4205,7 +4206,7 @@
         <p:spPr>
           <a:xfrm>
             <a:off x="6061030" y="2713168"/>
-            <a:ext cx="28039" cy="1537870"/>
+            <a:ext cx="7008" cy="1626468"/>
           </a:xfrm>
           <a:prstGeom prst="straightConnector1">
             <a:avLst/>
@@ -4216,13 +4217,13 @@
         </p:spPr>
         <p:style>
           <a:lnRef idx="1">
-            <a:schemeClr val="accent1"/>
+            <a:schemeClr val="accent2"/>
           </a:lnRef>
           <a:fillRef idx="0">
-            <a:schemeClr val="accent1"/>
+            <a:schemeClr val="accent2"/>
           </a:fillRef>
           <a:effectRef idx="0">
-            <a:schemeClr val="accent1"/>
+            <a:schemeClr val="accent2"/>
           </a:effectRef>
           <a:fontRef idx="minor">
             <a:schemeClr val="tx1"/>
@@ -4237,7 +4238,7 @@
         </p:nvSpPr>
         <p:spPr>
           <a:xfrm>
-            <a:off x="1878248" y="5484499"/>
+            <a:off x="1857217" y="5573097"/>
             <a:ext cx="893321" cy="338554"/>
           </a:xfrm>
           <a:prstGeom prst="rect">
@@ -4252,7 +4253,7 @@
           <a:lstStyle/>
           <a:p>
             <a:r>
-              <a:rPr lang="en-US" altLang="zh-CN" sz="1600" dirty="0" err="1"/>
+              <a:rPr lang="en-US" altLang="zh-CN" sz="1600" dirty="0"/>
               <a:t>msgtype</a:t>
             </a:r>
             <a:endParaRPr lang="zh-CN" altLang="en-US" sz="1600" dirty="0"/>
@@ -4267,7 +4268,7 @@
         </p:nvSpPr>
         <p:spPr>
           <a:xfrm>
-            <a:off x="2465443" y="5967258"/>
+            <a:off x="2444412" y="6055856"/>
             <a:ext cx="981359" cy="338554"/>
           </a:xfrm>
           <a:prstGeom prst="rect">
@@ -4297,7 +4298,7 @@
         </p:nvSpPr>
         <p:spPr>
           <a:xfrm>
-            <a:off x="3248091" y="5472559"/>
+            <a:off x="3227060" y="5561157"/>
             <a:ext cx="832151" cy="338554"/>
           </a:xfrm>
           <a:prstGeom prst="rect">
@@ -4309,13 +4310,20 @@
           <a:bodyPr wrap="none" rtlCol="0">
             <a:spAutoFit/>
           </a:bodyPr>
-          <a:lstStyle/>
-          <a:p>
-            <a:r>
-              <a:rPr lang="en-US" altLang="zh-CN" sz="1600" dirty="0" err="1"/>
+          <a:lstStyle>
+            <a:defPPr>
+              <a:defRPr lang="zh-CN"/>
+            </a:defPPr>
+            <a:lvl1pPr>
+              <a:defRPr sz="1600"/>
+            </a:lvl1pPr>
+          </a:lstStyle>
+          <a:p>
+            <a:r>
+              <a:rPr lang="en-US" altLang="zh-CN" dirty="0"/>
               <a:t>calltype</a:t>
             </a:r>
-            <a:endParaRPr lang="zh-CN" altLang="en-US" sz="1600" dirty="0"/>
+            <a:endParaRPr lang="zh-CN" altLang="en-US" dirty="0"/>
           </a:p>
         </p:txBody>
       </p:sp>
@@ -4327,7 +4335,7 @@
         </p:nvSpPr>
         <p:spPr>
           <a:xfrm>
-            <a:off x="4087408" y="5801402"/>
+            <a:off x="4043363" y="6029137"/>
             <a:ext cx="535724" cy="338554"/>
           </a:xfrm>
           <a:prstGeom prst="rect">
@@ -4339,13 +4347,20 @@
           <a:bodyPr wrap="none" rtlCol="0">
             <a:spAutoFit/>
           </a:bodyPr>
-          <a:lstStyle/>
-          <a:p>
-            <a:r>
-              <a:rPr lang="en-US" altLang="zh-CN" sz="1600" dirty="0" err="1"/>
+          <a:lstStyle>
+            <a:defPPr>
+              <a:defRPr lang="zh-CN"/>
+            </a:defPPr>
+            <a:lvl1pPr>
+              <a:defRPr sz="1600"/>
+            </a:lvl1pPr>
+          </a:lstStyle>
+          <a:p>
+            <a:r>
+              <a:rPr lang="en-US" altLang="zh-CN" dirty="0"/>
               <a:t>ifidx</a:t>
             </a:r>
-            <a:endParaRPr lang="zh-CN" altLang="en-US" sz="1600" dirty="0"/>
+            <a:endParaRPr lang="zh-CN" altLang="en-US" dirty="0"/>
           </a:p>
         </p:txBody>
       </p:sp>
@@ -4357,7 +4372,7 @@
         </p:nvSpPr>
         <p:spPr>
           <a:xfrm>
-            <a:off x="4770167" y="5548814"/>
+            <a:off x="4749136" y="5637412"/>
             <a:ext cx="643125" cy="338554"/>
           </a:xfrm>
           <a:prstGeom prst="rect">
@@ -4372,7 +4387,7 @@
           <a:lstStyle/>
           <a:p>
             <a:r>
-              <a:rPr lang="en-US" altLang="zh-CN" sz="1600" dirty="0" err="1"/>
+              <a:rPr lang="en-US" altLang="zh-CN" sz="1600" dirty="0"/>
               <a:t>opidx</a:t>
             </a:r>
             <a:endParaRPr lang="zh-CN" altLang="en-US" sz="1600" dirty="0"/>
@@ -4387,7 +4402,7 @@
         </p:nvSpPr>
         <p:spPr>
           <a:xfrm>
-            <a:off x="5411797" y="5851941"/>
+            <a:off x="5374998" y="6025535"/>
             <a:ext cx="832344" cy="338554"/>
           </a:xfrm>
           <a:prstGeom prst="rect">
@@ -4402,7 +4417,7 @@
           <a:lstStyle/>
           <a:p>
             <a:r>
-              <a:rPr lang="en-US" altLang="zh-CN" sz="1600" dirty="0" err="1"/>
+              <a:rPr lang="en-US" altLang="zh-CN" sz="1600" dirty="0"/>
               <a:t>errcode</a:t>
             </a:r>
             <a:endParaRPr lang="zh-CN" altLang="en-US" sz="1600" dirty="0"/>
@@ -4417,7 +4432,7 @@
         </p:nvSpPr>
         <p:spPr>
           <a:xfrm>
-            <a:off x="6007397" y="5531101"/>
+            <a:off x="5986366" y="5619699"/>
             <a:ext cx="1025409" cy="338554"/>
           </a:xfrm>
           <a:prstGeom prst="rect">
@@ -4432,7 +4447,7 @@
           <a:lstStyle/>
           <a:p>
             <a:r>
-              <a:rPr lang="en-US" altLang="zh-CN" sz="1600" dirty="0" err="1"/>
+              <a:rPr lang="en-US" altLang="zh-CN" sz="1600" dirty="0"/>
               <a:t>paramsize</a:t>
             </a:r>
             <a:endParaRPr lang="zh-CN" altLang="en-US" sz="1600" dirty="0"/>
@@ -4447,7 +4462,7 @@
         </p:nvSpPr>
         <p:spPr>
           <a:xfrm>
-            <a:off x="6838246" y="5850337"/>
+            <a:off x="6758406" y="6032568"/>
             <a:ext cx="740908" cy="338554"/>
           </a:xfrm>
           <a:prstGeom prst="rect">
@@ -4462,7 +4477,7 @@
           <a:lstStyle/>
           <a:p>
             <a:r>
-              <a:rPr lang="en-US" altLang="zh-CN" sz="1600" dirty="0" err="1"/>
+              <a:rPr lang="en-US" altLang="zh-CN" sz="1600" dirty="0"/>
               <a:t>Call_id</a:t>
             </a:r>
             <a:endParaRPr lang="zh-CN" altLang="en-US" sz="1600" dirty="0"/>
@@ -4480,7 +4495,7 @@
         </p:nvCxnSpPr>
         <p:spPr>
           <a:xfrm flipH="1" flipV="1">
-            <a:off x="2321737" y="5096151"/>
+            <a:off x="2300706" y="5184749"/>
             <a:ext cx="3172" cy="388348"/>
           </a:xfrm>
           <a:prstGeom prst="line">
@@ -4510,7 +4525,7 @@
         </p:nvCxnSpPr>
         <p:spPr>
           <a:xfrm flipV="1">
-            <a:off x="3007867" y="5121023"/>
+            <a:off x="2986836" y="5209621"/>
             <a:ext cx="0" cy="898591"/>
           </a:xfrm>
           <a:prstGeom prst="line">
@@ -4532,10 +4547,2027 @@
           </a:fontRef>
         </p:style>
       </p:cxnSp>
+      <p:sp>
+        <p:nvSpPr>
+          <p:cNvPr id="53" name="文本框 52"/>
+          <p:cNvSpPr txBox="1"/>
+          <p:nvPr/>
+        </p:nvSpPr>
+        <p:spPr>
+          <a:xfrm>
+            <a:off x="188119" y="900287"/>
+            <a:ext cx="2336473" cy="338554"/>
+          </a:xfrm>
+          <a:prstGeom prst="rect">
+            <a:avLst/>
+          </a:prstGeom>
+          <a:noFill/>
+        </p:spPr>
+        <p:txBody>
+          <a:bodyPr wrap="none" rtlCol="0">
+            <a:spAutoFit/>
+          </a:bodyPr>
+          <a:lstStyle/>
+          <a:p>
+            <a:r>
+              <a:rPr lang="en-US" altLang="zh-CN" sz="1600" dirty="0"/>
+              <a:t>TCE</a:t>
+            </a:r>
+            <a:r>
+              <a:rPr lang="zh-CN" altLang="en-US" sz="1600" dirty="0"/>
+              <a:t>通信消息协议头定义</a:t>
+            </a:r>
+          </a:p>
+        </p:txBody>
+      </p:sp>
+      <p:cxnSp>
+        <p:nvCxnSpPr>
+          <p:cNvPr id="54" name="直接连接符 53"/>
+          <p:cNvCxnSpPr/>
+          <p:nvPr/>
+        </p:nvCxnSpPr>
+        <p:spPr>
+          <a:xfrm flipH="1" flipV="1">
+            <a:off x="3669795" y="5192122"/>
+            <a:ext cx="3172" cy="388348"/>
+          </a:xfrm>
+          <a:prstGeom prst="line">
+            <a:avLst/>
+          </a:prstGeom>
+        </p:spPr>
+        <p:style>
+          <a:lnRef idx="1">
+            <a:schemeClr val="accent1"/>
+          </a:lnRef>
+          <a:fillRef idx="0">
+            <a:schemeClr val="accent1"/>
+          </a:fillRef>
+          <a:effectRef idx="0">
+            <a:schemeClr val="accent1"/>
+          </a:effectRef>
+          <a:fontRef idx="minor">
+            <a:schemeClr val="tx1"/>
+          </a:fontRef>
+        </p:style>
+      </p:cxnSp>
+      <p:cxnSp>
+        <p:nvCxnSpPr>
+          <p:cNvPr id="55" name="直接连接符 54"/>
+          <p:cNvCxnSpPr/>
+          <p:nvPr/>
+        </p:nvCxnSpPr>
+        <p:spPr>
+          <a:xfrm flipH="1" flipV="1">
+            <a:off x="5038884" y="5199495"/>
+            <a:ext cx="3172" cy="388348"/>
+          </a:xfrm>
+          <a:prstGeom prst="line">
+            <a:avLst/>
+          </a:prstGeom>
+        </p:spPr>
+        <p:style>
+          <a:lnRef idx="1">
+            <a:schemeClr val="accent1"/>
+          </a:lnRef>
+          <a:fillRef idx="0">
+            <a:schemeClr val="accent1"/>
+          </a:fillRef>
+          <a:effectRef idx="0">
+            <a:schemeClr val="accent1"/>
+          </a:effectRef>
+          <a:fontRef idx="minor">
+            <a:schemeClr val="tx1"/>
+          </a:fontRef>
+        </p:style>
+      </p:cxnSp>
+      <p:cxnSp>
+        <p:nvCxnSpPr>
+          <p:cNvPr id="56" name="直接连接符 55"/>
+          <p:cNvCxnSpPr/>
+          <p:nvPr/>
+        </p:nvCxnSpPr>
+        <p:spPr>
+          <a:xfrm flipH="1" flipV="1">
+            <a:off x="6407973" y="5206868"/>
+            <a:ext cx="3172" cy="388348"/>
+          </a:xfrm>
+          <a:prstGeom prst="line">
+            <a:avLst/>
+          </a:prstGeom>
+        </p:spPr>
+        <p:style>
+          <a:lnRef idx="1">
+            <a:schemeClr val="accent1"/>
+          </a:lnRef>
+          <a:fillRef idx="0">
+            <a:schemeClr val="accent1"/>
+          </a:fillRef>
+          <a:effectRef idx="0">
+            <a:schemeClr val="accent1"/>
+          </a:effectRef>
+          <a:fontRef idx="minor">
+            <a:schemeClr val="tx1"/>
+          </a:fontRef>
+        </p:style>
+      </p:cxnSp>
+      <p:cxnSp>
+        <p:nvCxnSpPr>
+          <p:cNvPr id="57" name="直接连接符 56"/>
+          <p:cNvCxnSpPr/>
+          <p:nvPr/>
+        </p:nvCxnSpPr>
+        <p:spPr>
+          <a:xfrm flipV="1">
+            <a:off x="4334239" y="5170403"/>
+            <a:ext cx="0" cy="898591"/>
+          </a:xfrm>
+          <a:prstGeom prst="line">
+            <a:avLst/>
+          </a:prstGeom>
+        </p:spPr>
+        <p:style>
+          <a:lnRef idx="1">
+            <a:schemeClr val="accent1"/>
+          </a:lnRef>
+          <a:fillRef idx="0">
+            <a:schemeClr val="accent1"/>
+          </a:fillRef>
+          <a:effectRef idx="0">
+            <a:schemeClr val="accent1"/>
+          </a:effectRef>
+          <a:fontRef idx="minor">
+            <a:schemeClr val="tx1"/>
+          </a:fontRef>
+        </p:style>
+      </p:cxnSp>
+      <p:cxnSp>
+        <p:nvCxnSpPr>
+          <p:cNvPr id="58" name="直接连接符 57"/>
+          <p:cNvCxnSpPr/>
+          <p:nvPr/>
+        </p:nvCxnSpPr>
+        <p:spPr>
+          <a:xfrm flipV="1">
+            <a:off x="5729706" y="5170403"/>
+            <a:ext cx="0" cy="898591"/>
+          </a:xfrm>
+          <a:prstGeom prst="line">
+            <a:avLst/>
+          </a:prstGeom>
+        </p:spPr>
+        <p:style>
+          <a:lnRef idx="1">
+            <a:schemeClr val="accent1"/>
+          </a:lnRef>
+          <a:fillRef idx="0">
+            <a:schemeClr val="accent1"/>
+          </a:fillRef>
+          <a:effectRef idx="0">
+            <a:schemeClr val="accent1"/>
+          </a:effectRef>
+          <a:fontRef idx="minor">
+            <a:schemeClr val="tx1"/>
+          </a:fontRef>
+        </p:style>
+      </p:cxnSp>
+      <p:cxnSp>
+        <p:nvCxnSpPr>
+          <p:cNvPr id="59" name="直接连接符 58"/>
+          <p:cNvCxnSpPr/>
+          <p:nvPr/>
+        </p:nvCxnSpPr>
+        <p:spPr>
+          <a:xfrm flipV="1">
+            <a:off x="7125173" y="5170403"/>
+            <a:ext cx="0" cy="898591"/>
+          </a:xfrm>
+          <a:prstGeom prst="line">
+            <a:avLst/>
+          </a:prstGeom>
+        </p:spPr>
+        <p:style>
+          <a:lnRef idx="1">
+            <a:schemeClr val="accent1"/>
+          </a:lnRef>
+          <a:fillRef idx="0">
+            <a:schemeClr val="accent1"/>
+          </a:fillRef>
+          <a:effectRef idx="0">
+            <a:schemeClr val="accent1"/>
+          </a:effectRef>
+          <a:fontRef idx="minor">
+            <a:schemeClr val="tx1"/>
+          </a:fontRef>
+        </p:style>
+      </p:cxnSp>
+      <p:sp>
+        <p:nvSpPr>
+          <p:cNvPr id="60" name="文本框 59"/>
+          <p:cNvSpPr txBox="1"/>
+          <p:nvPr/>
+        </p:nvSpPr>
+        <p:spPr>
+          <a:xfrm>
+            <a:off x="8103204" y="2191721"/>
+            <a:ext cx="3919086" cy="1938992"/>
+          </a:xfrm>
+          <a:prstGeom prst="rect">
+            <a:avLst/>
+          </a:prstGeom>
+          <a:noFill/>
+        </p:spPr>
+        <p:txBody>
+          <a:bodyPr wrap="none" rtlCol="0">
+            <a:spAutoFit/>
+          </a:bodyPr>
+          <a:lstStyle/>
+          <a:p>
+            <a:r>
+              <a:rPr lang="en-US" altLang="zh-CN" sz="1200" b="1" i="1" dirty="0">
+                <a:solidFill>
+                  <a:srgbClr val="C00000"/>
+                </a:solidFill>
+              </a:rPr>
+              <a:t>Msgtype – RPC(0)</a:t>
+            </a:r>
+          </a:p>
+          <a:p>
+            <a:r>
+              <a:rPr lang="en-US" altLang="zh-CN" sz="1200" b="1" i="1" dirty="0">
+                <a:solidFill>
+                  <a:srgbClr val="C00000"/>
+                </a:solidFill>
+              </a:rPr>
+              <a:t>Sequence – </a:t>
+            </a:r>
+            <a:r>
+              <a:rPr lang="zh-CN" altLang="en-US" sz="1200" b="1" i="1" dirty="0">
+                <a:solidFill>
+                  <a:srgbClr val="C00000"/>
+                </a:solidFill>
+              </a:rPr>
+              <a:t>自增消息流水</a:t>
+            </a:r>
+            <a:endParaRPr lang="en-US" altLang="zh-CN" sz="1200" b="1" i="1" dirty="0">
+              <a:solidFill>
+                <a:srgbClr val="C00000"/>
+              </a:solidFill>
+            </a:endParaRPr>
+          </a:p>
+          <a:p>
+            <a:r>
+              <a:rPr lang="en-US" altLang="zh-CN" sz="1200" b="1" i="1" dirty="0">
+                <a:solidFill>
+                  <a:srgbClr val="C00000"/>
+                </a:solidFill>
+              </a:rPr>
+              <a:t>Calltype – </a:t>
+            </a:r>
+            <a:r>
+              <a:rPr lang="zh-CN" altLang="en-US" sz="1200" b="1" i="1" dirty="0">
+                <a:solidFill>
+                  <a:srgbClr val="C00000"/>
+                </a:solidFill>
+              </a:rPr>
+              <a:t>消息传送类型</a:t>
+            </a:r>
+            <a:r>
+              <a:rPr lang="en-US" altLang="zh-CN" sz="1200" b="1" i="1" dirty="0">
+                <a:solidFill>
+                  <a:srgbClr val="C00000"/>
+                </a:solidFill>
+              </a:rPr>
+              <a:t>( CALL/RETURN/ONEWAY/ASYNC)</a:t>
+            </a:r>
+          </a:p>
+          <a:p>
+            <a:r>
+              <a:rPr lang="en-US" altLang="zh-CN" sz="1200" b="1" i="1" dirty="0">
+                <a:solidFill>
+                  <a:srgbClr val="C00000"/>
+                </a:solidFill>
+              </a:rPr>
+              <a:t>Ifidx – </a:t>
+            </a:r>
+            <a:r>
+              <a:rPr lang="zh-CN" altLang="en-US" sz="1200" b="1" i="1" dirty="0">
+                <a:solidFill>
+                  <a:srgbClr val="C00000"/>
+                </a:solidFill>
+              </a:rPr>
+              <a:t>调用接口编号</a:t>
+            </a:r>
+            <a:endParaRPr lang="en-US" altLang="zh-CN" sz="1200" b="1" i="1" dirty="0">
+              <a:solidFill>
+                <a:srgbClr val="C00000"/>
+              </a:solidFill>
+            </a:endParaRPr>
+          </a:p>
+          <a:p>
+            <a:r>
+              <a:rPr lang="en-US" altLang="zh-CN" sz="1200" b="1" i="1" dirty="0">
+                <a:solidFill>
+                  <a:srgbClr val="C00000"/>
+                </a:solidFill>
+              </a:rPr>
+              <a:t>Opidx – </a:t>
+            </a:r>
+            <a:r>
+              <a:rPr lang="zh-CN" altLang="en-US" sz="1200" b="1" i="1" dirty="0">
+                <a:solidFill>
+                  <a:srgbClr val="C00000"/>
+                </a:solidFill>
+              </a:rPr>
+              <a:t>接口内函数编号</a:t>
+            </a:r>
+            <a:endParaRPr lang="en-US" altLang="zh-CN" sz="1200" b="1" i="1" dirty="0">
+              <a:solidFill>
+                <a:srgbClr val="C00000"/>
+              </a:solidFill>
+            </a:endParaRPr>
+          </a:p>
+          <a:p>
+            <a:r>
+              <a:rPr lang="en-US" altLang="zh-CN" sz="1200" b="1" i="1" dirty="0">
+                <a:solidFill>
+                  <a:srgbClr val="C00000"/>
+                </a:solidFill>
+              </a:rPr>
+              <a:t>Errcode – </a:t>
+            </a:r>
+            <a:r>
+              <a:rPr lang="zh-CN" altLang="en-US" sz="1200" b="1" i="1" dirty="0">
+                <a:solidFill>
+                  <a:srgbClr val="C00000"/>
+                </a:solidFill>
+              </a:rPr>
+              <a:t>错误代码</a:t>
+            </a:r>
+            <a:endParaRPr lang="en-US" altLang="zh-CN" sz="1200" b="1" i="1" dirty="0">
+              <a:solidFill>
+                <a:srgbClr val="C00000"/>
+              </a:solidFill>
+            </a:endParaRPr>
+          </a:p>
+          <a:p>
+            <a:r>
+              <a:rPr lang="en-US" altLang="zh-CN" sz="1200" b="1" i="1" dirty="0">
+                <a:solidFill>
+                  <a:srgbClr val="C00000"/>
+                </a:solidFill>
+              </a:rPr>
+              <a:t>Paramsize – rpc</a:t>
+            </a:r>
+            <a:r>
+              <a:rPr lang="zh-CN" altLang="en-US" sz="1200" b="1" i="1" dirty="0">
+                <a:solidFill>
+                  <a:srgbClr val="C00000"/>
+                </a:solidFill>
+              </a:rPr>
+              <a:t>调用的参数个数</a:t>
+            </a:r>
+            <a:endParaRPr lang="en-US" altLang="zh-CN" sz="1200" b="1" i="1" dirty="0">
+              <a:solidFill>
+                <a:srgbClr val="C00000"/>
+              </a:solidFill>
+            </a:endParaRPr>
+          </a:p>
+          <a:p>
+            <a:r>
+              <a:rPr lang="en-US" altLang="zh-CN" sz="1200" b="1" i="1" dirty="0">
+                <a:solidFill>
+                  <a:srgbClr val="C00000"/>
+                </a:solidFill>
+              </a:rPr>
+              <a:t>Call_id – </a:t>
+            </a:r>
+            <a:r>
+              <a:rPr lang="zh-CN" altLang="en-US" sz="1200" b="1" i="1" dirty="0">
+                <a:solidFill>
+                  <a:srgbClr val="C00000"/>
+                </a:solidFill>
+              </a:rPr>
+              <a:t>调用者类型定义 </a:t>
+            </a:r>
+            <a:endParaRPr lang="en-US" altLang="zh-CN" sz="1200" b="1" i="1" dirty="0">
+              <a:solidFill>
+                <a:srgbClr val="C00000"/>
+              </a:solidFill>
+            </a:endParaRPr>
+          </a:p>
+          <a:p>
+            <a:r>
+              <a:rPr lang="en-US" altLang="zh-CN" sz="1200" b="1" i="1" dirty="0">
+                <a:solidFill>
+                  <a:srgbClr val="C00000"/>
+                </a:solidFill>
+              </a:rPr>
+              <a:t>Extradata – </a:t>
+            </a:r>
+            <a:r>
+              <a:rPr lang="zh-CN" altLang="en-US" sz="1200" b="1" i="1" dirty="0">
+                <a:solidFill>
+                  <a:srgbClr val="C00000"/>
+                </a:solidFill>
+              </a:rPr>
+              <a:t>外带属性数据 </a:t>
+            </a:r>
+            <a:r>
+              <a:rPr lang="en-US" altLang="zh-CN" sz="1200" b="1" i="1" dirty="0">
+                <a:solidFill>
+                  <a:srgbClr val="C00000"/>
+                </a:solidFill>
+              </a:rPr>
+              <a:t>map&lt;</a:t>
+            </a:r>
+            <a:r>
+              <a:rPr lang="en-US" altLang="zh-CN" sz="1200" b="1" i="1" dirty="0" err="1">
+                <a:solidFill>
+                  <a:srgbClr val="C00000"/>
+                </a:solidFill>
+              </a:rPr>
+              <a:t>string,string</a:t>
+            </a:r>
+            <a:r>
+              <a:rPr lang="en-US" altLang="zh-CN" sz="1200" b="1" i="1" dirty="0">
+                <a:solidFill>
+                  <a:srgbClr val="C00000"/>
+                </a:solidFill>
+              </a:rPr>
+              <a:t>&gt;</a:t>
+            </a:r>
+          </a:p>
+          <a:p>
+            <a:r>
+              <a:rPr lang="en-US" altLang="zh-CN" sz="1200" b="1" i="1" dirty="0">
+                <a:solidFill>
+                  <a:srgbClr val="C00000"/>
+                </a:solidFill>
+              </a:rPr>
+              <a:t>Parameters – </a:t>
+            </a:r>
+            <a:r>
+              <a:rPr lang="zh-CN" altLang="en-US" sz="1200" b="1" i="1" dirty="0">
+                <a:solidFill>
+                  <a:srgbClr val="C00000"/>
+                </a:solidFill>
+              </a:rPr>
+              <a:t>函数参数序列化数据</a:t>
+            </a:r>
+          </a:p>
+        </p:txBody>
+      </p:sp>
     </p:spTree>
     <p:extLst>
       <p:ext uri="{BB962C8B-B14F-4D97-AF65-F5344CB8AC3E}">
         <p14:creationId xmlns:p14="http://schemas.microsoft.com/office/powerpoint/2010/main" val="1056838616"/>
+      </p:ext>
+    </p:extLst>
+  </p:cSld>
+  <p:clrMapOvr>
+    <a:masterClrMapping/>
+  </p:clrMapOvr>
+</p:sld>
+</file>
+
+<file path=ppt/slides/slide2.xml><?xml version="1.0" encoding="utf-8"?>
+<p:sld xmlns:a="http://schemas.openxmlformats.org/drawingml/2006/main" xmlns:r="http://schemas.openxmlformats.org/officeDocument/2006/relationships" xmlns:p="http://schemas.openxmlformats.org/presentationml/2006/main">
+  <p:cSld>
+    <p:spTree>
+      <p:nvGrpSpPr>
+        <p:cNvPr id="1" name=""/>
+        <p:cNvGrpSpPr/>
+        <p:nvPr/>
+      </p:nvGrpSpPr>
+      <p:grpSpPr>
+        <a:xfrm>
+          <a:off x="0" y="0"/>
+          <a:ext cx="0" cy="0"/>
+          <a:chOff x="0" y="0"/>
+          <a:chExt cx="0" cy="0"/>
+        </a:xfrm>
+      </p:grpSpPr>
+      <p:sp>
+        <p:nvSpPr>
+          <p:cNvPr id="53" name="文本框 52"/>
+          <p:cNvSpPr txBox="1"/>
+          <p:nvPr/>
+        </p:nvSpPr>
+        <p:spPr>
+          <a:xfrm>
+            <a:off x="188119" y="900287"/>
+            <a:ext cx="2145139" cy="338554"/>
+          </a:xfrm>
+          <a:prstGeom prst="rect">
+            <a:avLst/>
+          </a:prstGeom>
+          <a:noFill/>
+        </p:spPr>
+        <p:txBody>
+          <a:bodyPr wrap="none" rtlCol="0">
+            <a:spAutoFit/>
+          </a:bodyPr>
+          <a:lstStyle/>
+          <a:p>
+            <a:r>
+              <a:rPr lang="en-US" altLang="zh-CN" sz="1600" dirty="0" err="1"/>
+              <a:t>JellyFish</a:t>
+            </a:r>
+            <a:r>
+              <a:rPr lang="en-US" altLang="zh-CN" sz="1600" dirty="0"/>
+              <a:t> </a:t>
+            </a:r>
+            <a:r>
+              <a:rPr lang="zh-CN" altLang="en-US" sz="1600" dirty="0"/>
+              <a:t>系统技术结构</a:t>
+            </a:r>
+          </a:p>
+        </p:txBody>
+      </p:sp>
+      <p:grpSp>
+        <p:nvGrpSpPr>
+          <p:cNvPr id="157" name="组合 156"/>
+          <p:cNvGrpSpPr/>
+          <p:nvPr/>
+        </p:nvGrpSpPr>
+        <p:grpSpPr>
+          <a:xfrm>
+            <a:off x="1632066" y="1657143"/>
+            <a:ext cx="5666584" cy="4434710"/>
+            <a:chOff x="2830484" y="1525525"/>
+            <a:chExt cx="5666584" cy="4434710"/>
+          </a:xfrm>
+        </p:grpSpPr>
+        <p:sp>
+          <p:nvSpPr>
+            <p:cNvPr id="155" name="矩形: 圆角 154"/>
+            <p:cNvSpPr/>
+            <p:nvPr/>
+          </p:nvSpPr>
+          <p:spPr>
+            <a:xfrm>
+              <a:off x="4629877" y="4012403"/>
+              <a:ext cx="1043940" cy="381000"/>
+            </a:xfrm>
+            <a:prstGeom prst="roundRect">
+              <a:avLst/>
+            </a:prstGeom>
+          </p:spPr>
+          <p:style>
+            <a:lnRef idx="2">
+              <a:schemeClr val="accent6"/>
+            </a:lnRef>
+            <a:fillRef idx="1">
+              <a:schemeClr val="lt1"/>
+            </a:fillRef>
+            <a:effectRef idx="0">
+              <a:schemeClr val="accent6"/>
+            </a:effectRef>
+            <a:fontRef idx="minor">
+              <a:schemeClr val="dk1"/>
+            </a:fontRef>
+          </p:style>
+          <p:txBody>
+            <a:bodyPr rtlCol="0" anchor="ctr"/>
+            <a:lstStyle/>
+            <a:p>
+              <a:pPr algn="ctr"/>
+              <a:r>
+                <a:rPr lang="en-US" altLang="zh-CN" sz="1200" dirty="0" err="1"/>
+                <a:t>AppServer</a:t>
+              </a:r>
+              <a:endParaRPr lang="zh-CN" altLang="en-US" sz="1200" dirty="0"/>
+            </a:p>
+          </p:txBody>
+        </p:sp>
+        <p:sp>
+          <p:nvSpPr>
+            <p:cNvPr id="3" name="矩形 2"/>
+            <p:cNvSpPr/>
+            <p:nvPr/>
+          </p:nvSpPr>
+          <p:spPr>
+            <a:xfrm>
+              <a:off x="4512404" y="1525525"/>
+              <a:ext cx="1076153" cy="320021"/>
+            </a:xfrm>
+            <a:prstGeom prst="rect">
+              <a:avLst/>
+            </a:prstGeom>
+          </p:spPr>
+          <p:style>
+            <a:lnRef idx="2">
+              <a:schemeClr val="accent5"/>
+            </a:lnRef>
+            <a:fillRef idx="1">
+              <a:schemeClr val="lt1"/>
+            </a:fillRef>
+            <a:effectRef idx="0">
+              <a:schemeClr val="accent5"/>
+            </a:effectRef>
+            <a:fontRef idx="minor">
+              <a:schemeClr val="dk1"/>
+            </a:fontRef>
+          </p:style>
+          <p:txBody>
+            <a:bodyPr rtlCol="0" anchor="ctr"/>
+            <a:lstStyle/>
+            <a:p>
+              <a:pPr algn="ctr"/>
+              <a:r>
+                <a:rPr lang="en-US" altLang="zh-CN" sz="1400" dirty="0"/>
+                <a:t>Ha-proxy</a:t>
+              </a:r>
+              <a:endParaRPr lang="zh-CN" altLang="en-US" sz="1400" dirty="0"/>
+            </a:p>
+          </p:txBody>
+        </p:sp>
+        <p:sp>
+          <p:nvSpPr>
+            <p:cNvPr id="63" name="矩形 62"/>
+            <p:cNvSpPr/>
+            <p:nvPr/>
+          </p:nvSpPr>
+          <p:spPr>
+            <a:xfrm>
+              <a:off x="4547637" y="2422547"/>
+              <a:ext cx="991833" cy="403860"/>
+            </a:xfrm>
+            <a:prstGeom prst="rect">
+              <a:avLst/>
+            </a:prstGeom>
+          </p:spPr>
+          <p:style>
+            <a:lnRef idx="2">
+              <a:schemeClr val="accent1"/>
+            </a:lnRef>
+            <a:fillRef idx="1">
+              <a:schemeClr val="lt1"/>
+            </a:fillRef>
+            <a:effectRef idx="0">
+              <a:schemeClr val="accent1"/>
+            </a:effectRef>
+            <a:fontRef idx="minor">
+              <a:schemeClr val="dk1"/>
+            </a:fontRef>
+          </p:style>
+          <p:txBody>
+            <a:bodyPr rtlCol="0" anchor="ctr"/>
+            <a:lstStyle/>
+            <a:p>
+              <a:pPr algn="ctr"/>
+              <a:r>
+                <a:rPr lang="en-US" altLang="zh-CN" sz="1200" dirty="0">
+                  <a:solidFill>
+                    <a:srgbClr val="C00000"/>
+                  </a:solidFill>
+                </a:rPr>
+                <a:t>jellyfish</a:t>
+              </a:r>
+              <a:endParaRPr lang="zh-CN" altLang="en-US" sz="1200" dirty="0">
+                <a:solidFill>
+                  <a:srgbClr val="C00000"/>
+                </a:solidFill>
+              </a:endParaRPr>
+            </a:p>
+          </p:txBody>
+        </p:sp>
+        <p:sp>
+          <p:nvSpPr>
+            <p:cNvPr id="15" name="矩形: 圆角 14"/>
+            <p:cNvSpPr/>
+            <p:nvPr/>
+          </p:nvSpPr>
+          <p:spPr>
+            <a:xfrm>
+              <a:off x="6212877" y="4114472"/>
+              <a:ext cx="1043940" cy="381000"/>
+            </a:xfrm>
+            <a:prstGeom prst="roundRect">
+              <a:avLst/>
+            </a:prstGeom>
+          </p:spPr>
+          <p:style>
+            <a:lnRef idx="2">
+              <a:schemeClr val="accent4"/>
+            </a:lnRef>
+            <a:fillRef idx="1">
+              <a:schemeClr val="lt1"/>
+            </a:fillRef>
+            <a:effectRef idx="0">
+              <a:schemeClr val="accent4"/>
+            </a:effectRef>
+            <a:fontRef idx="minor">
+              <a:schemeClr val="dk1"/>
+            </a:fontRef>
+          </p:style>
+          <p:txBody>
+            <a:bodyPr rtlCol="0" anchor="ctr"/>
+            <a:lstStyle/>
+            <a:p>
+              <a:pPr algn="ctr"/>
+              <a:r>
+                <a:rPr lang="en-US" altLang="zh-CN" sz="1200" dirty="0"/>
+                <a:t>mongoose</a:t>
+              </a:r>
+              <a:endParaRPr lang="zh-CN" altLang="en-US" sz="1200" dirty="0"/>
+            </a:p>
+          </p:txBody>
+        </p:sp>
+        <p:sp>
+          <p:nvSpPr>
+            <p:cNvPr id="65" name="矩形: 圆角 64"/>
+            <p:cNvSpPr/>
+            <p:nvPr/>
+          </p:nvSpPr>
+          <p:spPr>
+            <a:xfrm>
+              <a:off x="7453128" y="2920844"/>
+              <a:ext cx="1043940" cy="381000"/>
+            </a:xfrm>
+            <a:prstGeom prst="roundRect">
+              <a:avLst/>
+            </a:prstGeom>
+          </p:spPr>
+          <p:style>
+            <a:lnRef idx="2">
+              <a:schemeClr val="accent4"/>
+            </a:lnRef>
+            <a:fillRef idx="1">
+              <a:schemeClr val="lt1"/>
+            </a:fillRef>
+            <a:effectRef idx="0">
+              <a:schemeClr val="accent4"/>
+            </a:effectRef>
+            <a:fontRef idx="minor">
+              <a:schemeClr val="dk1"/>
+            </a:fontRef>
+          </p:style>
+          <p:txBody>
+            <a:bodyPr rtlCol="0" anchor="ctr"/>
+            <a:lstStyle/>
+            <a:p>
+              <a:pPr algn="ctr"/>
+              <a:r>
+                <a:rPr lang="en-US" altLang="zh-CN" sz="1200" dirty="0"/>
+                <a:t>zookeeper</a:t>
+              </a:r>
+              <a:endParaRPr lang="zh-CN" altLang="en-US" sz="1200" dirty="0"/>
+            </a:p>
+          </p:txBody>
+        </p:sp>
+        <p:sp>
+          <p:nvSpPr>
+            <p:cNvPr id="66" name="矩形: 圆角 65"/>
+            <p:cNvSpPr/>
+            <p:nvPr/>
+          </p:nvSpPr>
+          <p:spPr>
+            <a:xfrm>
+              <a:off x="4529627" y="4802229"/>
+              <a:ext cx="1043940" cy="381000"/>
+            </a:xfrm>
+            <a:prstGeom prst="roundRect">
+              <a:avLst/>
+            </a:prstGeom>
+          </p:spPr>
+          <p:style>
+            <a:lnRef idx="2">
+              <a:schemeClr val="accent4"/>
+            </a:lnRef>
+            <a:fillRef idx="1">
+              <a:schemeClr val="lt1"/>
+            </a:fillRef>
+            <a:effectRef idx="0">
+              <a:schemeClr val="accent4"/>
+            </a:effectRef>
+            <a:fontRef idx="minor">
+              <a:schemeClr val="dk1"/>
+            </a:fontRef>
+          </p:style>
+          <p:txBody>
+            <a:bodyPr rtlCol="0" anchor="ctr"/>
+            <a:lstStyle/>
+            <a:p>
+              <a:pPr algn="ctr"/>
+              <a:r>
+                <a:rPr lang="en-US" altLang="zh-CN" sz="1200" dirty="0" err="1"/>
+                <a:t>redis</a:t>
+              </a:r>
+              <a:endParaRPr lang="zh-CN" altLang="en-US" sz="1200" dirty="0"/>
+            </a:p>
+          </p:txBody>
+        </p:sp>
+        <p:sp>
+          <p:nvSpPr>
+            <p:cNvPr id="67" name="矩形: 圆角 66"/>
+            <p:cNvSpPr/>
+            <p:nvPr/>
+          </p:nvSpPr>
+          <p:spPr>
+            <a:xfrm>
+              <a:off x="2861235" y="4127772"/>
+              <a:ext cx="1043940" cy="381000"/>
+            </a:xfrm>
+            <a:prstGeom prst="roundRect">
+              <a:avLst/>
+            </a:prstGeom>
+          </p:spPr>
+          <p:style>
+            <a:lnRef idx="2">
+              <a:schemeClr val="accent4"/>
+            </a:lnRef>
+            <a:fillRef idx="1">
+              <a:schemeClr val="lt1"/>
+            </a:fillRef>
+            <a:effectRef idx="0">
+              <a:schemeClr val="accent4"/>
+            </a:effectRef>
+            <a:fontRef idx="minor">
+              <a:schemeClr val="dk1"/>
+            </a:fontRef>
+          </p:style>
+          <p:txBody>
+            <a:bodyPr rtlCol="0" anchor="ctr"/>
+            <a:lstStyle/>
+            <a:p>
+              <a:pPr algn="ctr"/>
+              <a:r>
+                <a:rPr lang="en-US" altLang="zh-CN" sz="1200" dirty="0"/>
+                <a:t>AMQP</a:t>
+              </a:r>
+              <a:endParaRPr lang="zh-CN" altLang="en-US" sz="1200" dirty="0"/>
+            </a:p>
+          </p:txBody>
+        </p:sp>
+        <p:sp>
+          <p:nvSpPr>
+            <p:cNvPr id="68" name="矩形: 圆角 67"/>
+            <p:cNvSpPr/>
+            <p:nvPr/>
+          </p:nvSpPr>
+          <p:spPr>
+            <a:xfrm>
+              <a:off x="4529820" y="3403408"/>
+              <a:ext cx="1043940" cy="381000"/>
+            </a:xfrm>
+            <a:prstGeom prst="roundRect">
+              <a:avLst/>
+            </a:prstGeom>
+          </p:spPr>
+          <p:style>
+            <a:lnRef idx="2">
+              <a:schemeClr val="accent4"/>
+            </a:lnRef>
+            <a:fillRef idx="1">
+              <a:schemeClr val="lt1"/>
+            </a:fillRef>
+            <a:effectRef idx="0">
+              <a:schemeClr val="accent4"/>
+            </a:effectRef>
+            <a:fontRef idx="minor">
+              <a:schemeClr val="dk1"/>
+            </a:fontRef>
+          </p:style>
+          <p:txBody>
+            <a:bodyPr rtlCol="0" anchor="ctr"/>
+            <a:lstStyle/>
+            <a:p>
+              <a:pPr algn="ctr"/>
+              <a:r>
+                <a:rPr lang="en-US" altLang="zh-CN" sz="1200" dirty="0"/>
+                <a:t>KALFKA</a:t>
+              </a:r>
+              <a:endParaRPr lang="zh-CN" altLang="en-US" sz="1200" dirty="0"/>
+            </a:p>
+          </p:txBody>
+        </p:sp>
+        <p:sp>
+          <p:nvSpPr>
+            <p:cNvPr id="69" name="矩形: 圆角 68"/>
+            <p:cNvSpPr/>
+            <p:nvPr/>
+          </p:nvSpPr>
+          <p:spPr>
+            <a:xfrm>
+              <a:off x="2830484" y="4853503"/>
+              <a:ext cx="1043940" cy="381000"/>
+            </a:xfrm>
+            <a:prstGeom prst="roundRect">
+              <a:avLst/>
+            </a:prstGeom>
+          </p:spPr>
+          <p:style>
+            <a:lnRef idx="2">
+              <a:schemeClr val="accent4"/>
+            </a:lnRef>
+            <a:fillRef idx="1">
+              <a:schemeClr val="lt1"/>
+            </a:fillRef>
+            <a:effectRef idx="0">
+              <a:schemeClr val="accent4"/>
+            </a:effectRef>
+            <a:fontRef idx="minor">
+              <a:schemeClr val="dk1"/>
+            </a:fontRef>
+          </p:style>
+          <p:txBody>
+            <a:bodyPr rtlCol="0" anchor="ctr"/>
+            <a:lstStyle/>
+            <a:p>
+              <a:pPr algn="ctr"/>
+              <a:r>
+                <a:rPr lang="en-US" altLang="zh-CN" sz="1200" dirty="0"/>
+                <a:t>flume</a:t>
+              </a:r>
+              <a:endParaRPr lang="zh-CN" altLang="en-US" sz="1200" dirty="0"/>
+            </a:p>
+          </p:txBody>
+        </p:sp>
+        <p:sp>
+          <p:nvSpPr>
+            <p:cNvPr id="71" name="矩形: 圆角 70"/>
+            <p:cNvSpPr/>
+            <p:nvPr/>
+          </p:nvSpPr>
+          <p:spPr>
+            <a:xfrm>
+              <a:off x="4528511" y="4123804"/>
+              <a:ext cx="1043940" cy="381000"/>
+            </a:xfrm>
+            <a:prstGeom prst="roundRect">
+              <a:avLst/>
+            </a:prstGeom>
+          </p:spPr>
+          <p:style>
+            <a:lnRef idx="2">
+              <a:schemeClr val="accent6"/>
+            </a:lnRef>
+            <a:fillRef idx="1">
+              <a:schemeClr val="lt1"/>
+            </a:fillRef>
+            <a:effectRef idx="0">
+              <a:schemeClr val="accent6"/>
+            </a:effectRef>
+            <a:fontRef idx="minor">
+              <a:schemeClr val="dk1"/>
+            </a:fontRef>
+          </p:style>
+          <p:txBody>
+            <a:bodyPr rtlCol="0" anchor="ctr"/>
+            <a:lstStyle/>
+            <a:p>
+              <a:pPr algn="ctr"/>
+              <a:r>
+                <a:rPr lang="en-US" altLang="zh-CN" sz="1200" dirty="0" err="1"/>
+                <a:t>AppServer</a:t>
+              </a:r>
+              <a:endParaRPr lang="zh-CN" altLang="en-US" sz="1200" dirty="0"/>
+            </a:p>
+          </p:txBody>
+        </p:sp>
+        <p:sp>
+          <p:nvSpPr>
+            <p:cNvPr id="72" name="矩形: 圆角 71"/>
+            <p:cNvSpPr/>
+            <p:nvPr/>
+          </p:nvSpPr>
+          <p:spPr>
+            <a:xfrm>
+              <a:off x="6212877" y="4828740"/>
+              <a:ext cx="1043940" cy="381000"/>
+            </a:xfrm>
+            <a:prstGeom prst="roundRect">
+              <a:avLst/>
+            </a:prstGeom>
+          </p:spPr>
+          <p:style>
+            <a:lnRef idx="2">
+              <a:schemeClr val="accent4"/>
+            </a:lnRef>
+            <a:fillRef idx="1">
+              <a:schemeClr val="lt1"/>
+            </a:fillRef>
+            <a:effectRef idx="0">
+              <a:schemeClr val="accent4"/>
+            </a:effectRef>
+            <a:fontRef idx="minor">
+              <a:schemeClr val="dk1"/>
+            </a:fontRef>
+          </p:style>
+          <p:txBody>
+            <a:bodyPr rtlCol="0" anchor="ctr"/>
+            <a:lstStyle/>
+            <a:p>
+              <a:pPr algn="ctr"/>
+              <a:r>
+                <a:rPr lang="en-US" altLang="zh-CN" sz="1200" dirty="0"/>
+                <a:t>swift</a:t>
+              </a:r>
+              <a:endParaRPr lang="zh-CN" altLang="en-US" sz="1200" dirty="0"/>
+            </a:p>
+          </p:txBody>
+        </p:sp>
+        <p:sp>
+          <p:nvSpPr>
+            <p:cNvPr id="73" name="矩形: 圆角 72"/>
+            <p:cNvSpPr/>
+            <p:nvPr/>
+          </p:nvSpPr>
+          <p:spPr>
+            <a:xfrm>
+              <a:off x="6207605" y="5455497"/>
+              <a:ext cx="1043940" cy="381000"/>
+            </a:xfrm>
+            <a:prstGeom prst="roundRect">
+              <a:avLst/>
+            </a:prstGeom>
+          </p:spPr>
+          <p:style>
+            <a:lnRef idx="2">
+              <a:schemeClr val="accent4"/>
+            </a:lnRef>
+            <a:fillRef idx="1">
+              <a:schemeClr val="lt1"/>
+            </a:fillRef>
+            <a:effectRef idx="0">
+              <a:schemeClr val="accent4"/>
+            </a:effectRef>
+            <a:fontRef idx="minor">
+              <a:schemeClr val="dk1"/>
+            </a:fontRef>
+          </p:style>
+          <p:txBody>
+            <a:bodyPr rtlCol="0" anchor="ctr"/>
+            <a:lstStyle/>
+            <a:p>
+              <a:pPr algn="ctr"/>
+              <a:r>
+                <a:rPr lang="en-US" altLang="zh-CN" sz="1200" dirty="0" err="1"/>
+                <a:t>pgsql</a:t>
+              </a:r>
+              <a:endParaRPr lang="zh-CN" altLang="en-US" sz="1200" dirty="0"/>
+            </a:p>
+          </p:txBody>
+        </p:sp>
+        <p:sp>
+          <p:nvSpPr>
+            <p:cNvPr id="74" name="矩形: 圆角 73"/>
+            <p:cNvSpPr/>
+            <p:nvPr/>
+          </p:nvSpPr>
+          <p:spPr>
+            <a:xfrm>
+              <a:off x="2830484" y="5579235"/>
+              <a:ext cx="1043940" cy="381000"/>
+            </a:xfrm>
+            <a:prstGeom prst="roundRect">
+              <a:avLst/>
+            </a:prstGeom>
+          </p:spPr>
+          <p:style>
+            <a:lnRef idx="2">
+              <a:schemeClr val="accent4"/>
+            </a:lnRef>
+            <a:fillRef idx="1">
+              <a:schemeClr val="lt1"/>
+            </a:fillRef>
+            <a:effectRef idx="0">
+              <a:schemeClr val="accent4"/>
+            </a:effectRef>
+            <a:fontRef idx="minor">
+              <a:schemeClr val="dk1"/>
+            </a:fontRef>
+          </p:style>
+          <p:txBody>
+            <a:bodyPr rtlCol="0" anchor="ctr"/>
+            <a:lstStyle/>
+            <a:p>
+              <a:pPr algn="ctr"/>
+              <a:r>
+                <a:rPr lang="en-US" altLang="zh-CN" sz="1200" dirty="0" err="1"/>
+                <a:t>Hbase</a:t>
+              </a:r>
+              <a:r>
+                <a:rPr lang="en-US" altLang="zh-CN" sz="1200" dirty="0"/>
+                <a:t>/</a:t>
+              </a:r>
+              <a:r>
+                <a:rPr lang="en-US" altLang="zh-CN" sz="1200" dirty="0" err="1"/>
+                <a:t>hdfs</a:t>
+              </a:r>
+              <a:endParaRPr lang="zh-CN" altLang="en-US" sz="1200" dirty="0"/>
+            </a:p>
+          </p:txBody>
+        </p:sp>
+        <p:sp>
+          <p:nvSpPr>
+            <p:cNvPr id="76" name="矩形: 圆角 75"/>
+            <p:cNvSpPr/>
+            <p:nvPr/>
+          </p:nvSpPr>
+          <p:spPr>
+            <a:xfrm>
+              <a:off x="2856538" y="3419380"/>
+              <a:ext cx="1043940" cy="381000"/>
+            </a:xfrm>
+            <a:prstGeom prst="roundRect">
+              <a:avLst/>
+            </a:prstGeom>
+          </p:spPr>
+          <p:style>
+            <a:lnRef idx="2">
+              <a:schemeClr val="accent6"/>
+            </a:lnRef>
+            <a:fillRef idx="1">
+              <a:schemeClr val="lt1"/>
+            </a:fillRef>
+            <a:effectRef idx="0">
+              <a:schemeClr val="accent6"/>
+            </a:effectRef>
+            <a:fontRef idx="minor">
+              <a:schemeClr val="dk1"/>
+            </a:fontRef>
+          </p:style>
+          <p:txBody>
+            <a:bodyPr rtlCol="0" anchor="ctr"/>
+            <a:lstStyle/>
+            <a:p>
+              <a:pPr algn="ctr"/>
+              <a:r>
+                <a:rPr lang="en-US" altLang="zh-CN" sz="1200" dirty="0" err="1"/>
+                <a:t>AppServer</a:t>
+              </a:r>
+              <a:endParaRPr lang="zh-CN" altLang="en-US" sz="1200" dirty="0"/>
+            </a:p>
+          </p:txBody>
+        </p:sp>
+        <p:sp>
+          <p:nvSpPr>
+            <p:cNvPr id="77" name="矩形: 圆角 76"/>
+            <p:cNvSpPr/>
+            <p:nvPr/>
+          </p:nvSpPr>
+          <p:spPr>
+            <a:xfrm>
+              <a:off x="6212877" y="3403408"/>
+              <a:ext cx="1043940" cy="381000"/>
+            </a:xfrm>
+            <a:prstGeom prst="roundRect">
+              <a:avLst/>
+            </a:prstGeom>
+          </p:spPr>
+          <p:style>
+            <a:lnRef idx="2">
+              <a:schemeClr val="accent6"/>
+            </a:lnRef>
+            <a:fillRef idx="1">
+              <a:schemeClr val="lt1"/>
+            </a:fillRef>
+            <a:effectRef idx="0">
+              <a:schemeClr val="accent6"/>
+            </a:effectRef>
+            <a:fontRef idx="minor">
+              <a:schemeClr val="dk1"/>
+            </a:fontRef>
+          </p:style>
+          <p:txBody>
+            <a:bodyPr rtlCol="0" anchor="ctr"/>
+            <a:lstStyle/>
+            <a:p>
+              <a:pPr algn="ctr"/>
+              <a:r>
+                <a:rPr lang="en-US" altLang="zh-CN" sz="1200" dirty="0" err="1"/>
+                <a:t>AppServer</a:t>
+              </a:r>
+              <a:endParaRPr lang="zh-CN" altLang="en-US" sz="1200" dirty="0"/>
+            </a:p>
+          </p:txBody>
+        </p:sp>
+        <p:sp>
+          <p:nvSpPr>
+            <p:cNvPr id="78" name="矩形 77"/>
+            <p:cNvSpPr/>
+            <p:nvPr/>
+          </p:nvSpPr>
+          <p:spPr>
+            <a:xfrm>
+              <a:off x="2875089" y="2412994"/>
+              <a:ext cx="991833" cy="403860"/>
+            </a:xfrm>
+            <a:prstGeom prst="rect">
+              <a:avLst/>
+            </a:prstGeom>
+          </p:spPr>
+          <p:style>
+            <a:lnRef idx="2">
+              <a:schemeClr val="accent1"/>
+            </a:lnRef>
+            <a:fillRef idx="1">
+              <a:schemeClr val="lt1"/>
+            </a:fillRef>
+            <a:effectRef idx="0">
+              <a:schemeClr val="accent1"/>
+            </a:effectRef>
+            <a:fontRef idx="minor">
+              <a:schemeClr val="dk1"/>
+            </a:fontRef>
+          </p:style>
+          <p:txBody>
+            <a:bodyPr rtlCol="0" anchor="ctr"/>
+            <a:lstStyle/>
+            <a:p>
+              <a:pPr algn="ctr"/>
+              <a:r>
+                <a:rPr lang="en-US" altLang="zh-CN" sz="1200" dirty="0">
+                  <a:solidFill>
+                    <a:srgbClr val="C00000"/>
+                  </a:solidFill>
+                </a:rPr>
+                <a:t>jellyfish</a:t>
+              </a:r>
+              <a:endParaRPr lang="zh-CN" altLang="en-US" sz="1200" dirty="0">
+                <a:solidFill>
+                  <a:srgbClr val="C00000"/>
+                </a:solidFill>
+              </a:endParaRPr>
+            </a:p>
+          </p:txBody>
+        </p:sp>
+        <p:sp>
+          <p:nvSpPr>
+            <p:cNvPr id="79" name="矩形 78"/>
+            <p:cNvSpPr/>
+            <p:nvPr/>
+          </p:nvSpPr>
+          <p:spPr>
+            <a:xfrm>
+              <a:off x="6233658" y="2422547"/>
+              <a:ext cx="991833" cy="403860"/>
+            </a:xfrm>
+            <a:prstGeom prst="rect">
+              <a:avLst/>
+            </a:prstGeom>
+          </p:spPr>
+          <p:style>
+            <a:lnRef idx="2">
+              <a:schemeClr val="accent1"/>
+            </a:lnRef>
+            <a:fillRef idx="1">
+              <a:schemeClr val="lt1"/>
+            </a:fillRef>
+            <a:effectRef idx="0">
+              <a:schemeClr val="accent1"/>
+            </a:effectRef>
+            <a:fontRef idx="minor">
+              <a:schemeClr val="dk1"/>
+            </a:fontRef>
+          </p:style>
+          <p:txBody>
+            <a:bodyPr rtlCol="0" anchor="ctr"/>
+            <a:lstStyle/>
+            <a:p>
+              <a:pPr algn="ctr"/>
+              <a:r>
+                <a:rPr lang="en-US" altLang="zh-CN" sz="1200" dirty="0">
+                  <a:solidFill>
+                    <a:srgbClr val="C00000"/>
+                  </a:solidFill>
+                </a:rPr>
+                <a:t>jellyfish</a:t>
+              </a:r>
+              <a:endParaRPr lang="zh-CN" altLang="en-US" sz="1200" dirty="0">
+                <a:solidFill>
+                  <a:srgbClr val="C00000"/>
+                </a:solidFill>
+              </a:endParaRPr>
+            </a:p>
+          </p:txBody>
+        </p:sp>
+        <p:cxnSp>
+          <p:nvCxnSpPr>
+            <p:cNvPr id="17" name="直接箭头连接符 16"/>
+            <p:cNvCxnSpPr>
+              <a:stCxn id="3" idx="2"/>
+              <a:endCxn id="63" idx="0"/>
+            </p:cNvCxnSpPr>
+            <p:nvPr/>
+          </p:nvCxnSpPr>
+          <p:spPr>
+            <a:xfrm flipH="1">
+              <a:off x="5043554" y="1845546"/>
+              <a:ext cx="6927" cy="577001"/>
+            </a:xfrm>
+            <a:prstGeom prst="straightConnector1">
+              <a:avLst/>
+            </a:prstGeom>
+            <a:ln>
+              <a:tailEnd type="triangle"/>
+            </a:ln>
+          </p:spPr>
+          <p:style>
+            <a:lnRef idx="1">
+              <a:schemeClr val="accent1"/>
+            </a:lnRef>
+            <a:fillRef idx="0">
+              <a:schemeClr val="accent1"/>
+            </a:fillRef>
+            <a:effectRef idx="0">
+              <a:schemeClr val="accent1"/>
+            </a:effectRef>
+            <a:fontRef idx="minor">
+              <a:schemeClr val="tx1"/>
+            </a:fontRef>
+          </p:style>
+        </p:cxnSp>
+        <p:cxnSp>
+          <p:nvCxnSpPr>
+            <p:cNvPr id="38" name="直接箭头连接符 37"/>
+            <p:cNvCxnSpPr>
+              <a:stCxn id="3" idx="2"/>
+              <a:endCxn id="79" idx="0"/>
+            </p:cNvCxnSpPr>
+            <p:nvPr/>
+          </p:nvCxnSpPr>
+          <p:spPr>
+            <a:xfrm>
+              <a:off x="5050481" y="1845546"/>
+              <a:ext cx="1679094" cy="577001"/>
+            </a:xfrm>
+            <a:prstGeom prst="straightConnector1">
+              <a:avLst/>
+            </a:prstGeom>
+            <a:ln>
+              <a:tailEnd type="triangle"/>
+            </a:ln>
+          </p:spPr>
+          <p:style>
+            <a:lnRef idx="1">
+              <a:schemeClr val="accent1"/>
+            </a:lnRef>
+            <a:fillRef idx="0">
+              <a:schemeClr val="accent1"/>
+            </a:fillRef>
+            <a:effectRef idx="0">
+              <a:schemeClr val="accent1"/>
+            </a:effectRef>
+            <a:fontRef idx="minor">
+              <a:schemeClr val="tx1"/>
+            </a:fontRef>
+          </p:style>
+        </p:cxnSp>
+        <p:cxnSp>
+          <p:nvCxnSpPr>
+            <p:cNvPr id="81" name="直接箭头连接符 80"/>
+            <p:cNvCxnSpPr>
+              <a:stCxn id="3" idx="2"/>
+              <a:endCxn id="78" idx="0"/>
+            </p:cNvCxnSpPr>
+            <p:nvPr/>
+          </p:nvCxnSpPr>
+          <p:spPr>
+            <a:xfrm flipH="1">
+              <a:off x="3371006" y="1845546"/>
+              <a:ext cx="1679475" cy="567448"/>
+            </a:xfrm>
+            <a:prstGeom prst="straightConnector1">
+              <a:avLst/>
+            </a:prstGeom>
+            <a:ln>
+              <a:tailEnd type="triangle"/>
+            </a:ln>
+          </p:spPr>
+          <p:style>
+            <a:lnRef idx="1">
+              <a:schemeClr val="accent1"/>
+            </a:lnRef>
+            <a:fillRef idx="0">
+              <a:schemeClr val="accent1"/>
+            </a:fillRef>
+            <a:effectRef idx="0">
+              <a:schemeClr val="accent1"/>
+            </a:effectRef>
+            <a:fontRef idx="minor">
+              <a:schemeClr val="tx1"/>
+            </a:fontRef>
+          </p:style>
+        </p:cxnSp>
+        <p:cxnSp>
+          <p:nvCxnSpPr>
+            <p:cNvPr id="85" name="直接箭头连接符 84"/>
+            <p:cNvCxnSpPr>
+              <a:stCxn id="78" idx="2"/>
+              <a:endCxn id="76" idx="0"/>
+            </p:cNvCxnSpPr>
+            <p:nvPr/>
+          </p:nvCxnSpPr>
+          <p:spPr>
+            <a:xfrm>
+              <a:off x="3371006" y="2816854"/>
+              <a:ext cx="7502" cy="602526"/>
+            </a:xfrm>
+            <a:prstGeom prst="straightConnector1">
+              <a:avLst/>
+            </a:prstGeom>
+            <a:ln>
+              <a:tailEnd type="triangle"/>
+            </a:ln>
+          </p:spPr>
+          <p:style>
+            <a:lnRef idx="1">
+              <a:schemeClr val="accent1"/>
+            </a:lnRef>
+            <a:fillRef idx="0">
+              <a:schemeClr val="accent1"/>
+            </a:fillRef>
+            <a:effectRef idx="0">
+              <a:schemeClr val="accent1"/>
+            </a:effectRef>
+            <a:fontRef idx="minor">
+              <a:schemeClr val="tx1"/>
+            </a:fontRef>
+          </p:style>
+        </p:cxnSp>
+        <p:cxnSp>
+          <p:nvCxnSpPr>
+            <p:cNvPr id="87" name="直接箭头连接符 86"/>
+            <p:cNvCxnSpPr>
+              <a:stCxn id="63" idx="2"/>
+              <a:endCxn id="68" idx="0"/>
+            </p:cNvCxnSpPr>
+            <p:nvPr/>
+          </p:nvCxnSpPr>
+          <p:spPr>
+            <a:xfrm>
+              <a:off x="5043554" y="2826407"/>
+              <a:ext cx="8236" cy="577001"/>
+            </a:xfrm>
+            <a:prstGeom prst="straightConnector1">
+              <a:avLst/>
+            </a:prstGeom>
+            <a:ln>
+              <a:tailEnd type="triangle"/>
+            </a:ln>
+          </p:spPr>
+          <p:style>
+            <a:lnRef idx="1">
+              <a:schemeClr val="accent1"/>
+            </a:lnRef>
+            <a:fillRef idx="0">
+              <a:schemeClr val="accent1"/>
+            </a:fillRef>
+            <a:effectRef idx="0">
+              <a:schemeClr val="accent1"/>
+            </a:effectRef>
+            <a:fontRef idx="minor">
+              <a:schemeClr val="tx1"/>
+            </a:fontRef>
+          </p:style>
+        </p:cxnSp>
+        <p:cxnSp>
+          <p:nvCxnSpPr>
+            <p:cNvPr id="89" name="直接箭头连接符 88"/>
+            <p:cNvCxnSpPr>
+              <a:stCxn id="78" idx="2"/>
+              <a:endCxn id="77" idx="0"/>
+            </p:cNvCxnSpPr>
+            <p:nvPr/>
+          </p:nvCxnSpPr>
+          <p:spPr>
+            <a:xfrm>
+              <a:off x="3371006" y="2816854"/>
+              <a:ext cx="3363841" cy="586554"/>
+            </a:xfrm>
+            <a:prstGeom prst="straightConnector1">
+              <a:avLst/>
+            </a:prstGeom>
+            <a:ln>
+              <a:tailEnd type="triangle"/>
+            </a:ln>
+          </p:spPr>
+          <p:style>
+            <a:lnRef idx="1">
+              <a:schemeClr val="accent1"/>
+            </a:lnRef>
+            <a:fillRef idx="0">
+              <a:schemeClr val="accent1"/>
+            </a:fillRef>
+            <a:effectRef idx="0">
+              <a:schemeClr val="accent1"/>
+            </a:effectRef>
+            <a:fontRef idx="minor">
+              <a:schemeClr val="tx1"/>
+            </a:fontRef>
+          </p:style>
+        </p:cxnSp>
+        <p:cxnSp>
+          <p:nvCxnSpPr>
+            <p:cNvPr id="91" name="直接箭头连接符 90"/>
+            <p:cNvCxnSpPr>
+              <a:stCxn id="79" idx="2"/>
+              <a:endCxn id="77" idx="0"/>
+            </p:cNvCxnSpPr>
+            <p:nvPr/>
+          </p:nvCxnSpPr>
+          <p:spPr>
+            <a:xfrm>
+              <a:off x="6729575" y="2826407"/>
+              <a:ext cx="5272" cy="577001"/>
+            </a:xfrm>
+            <a:prstGeom prst="straightConnector1">
+              <a:avLst/>
+            </a:prstGeom>
+            <a:ln>
+              <a:tailEnd type="triangle"/>
+            </a:ln>
+          </p:spPr>
+          <p:style>
+            <a:lnRef idx="1">
+              <a:schemeClr val="accent1"/>
+            </a:lnRef>
+            <a:fillRef idx="0">
+              <a:schemeClr val="accent1"/>
+            </a:fillRef>
+            <a:effectRef idx="0">
+              <a:schemeClr val="accent1"/>
+            </a:effectRef>
+            <a:fontRef idx="minor">
+              <a:schemeClr val="tx1"/>
+            </a:fontRef>
+          </p:style>
+        </p:cxnSp>
+        <p:cxnSp>
+          <p:nvCxnSpPr>
+            <p:cNvPr id="93" name="直接箭头连接符 92"/>
+            <p:cNvCxnSpPr>
+              <a:stCxn id="79" idx="2"/>
+              <a:endCxn id="76" idx="0"/>
+            </p:cNvCxnSpPr>
+            <p:nvPr/>
+          </p:nvCxnSpPr>
+          <p:spPr>
+            <a:xfrm flipH="1">
+              <a:off x="3378508" y="2826407"/>
+              <a:ext cx="3351067" cy="592973"/>
+            </a:xfrm>
+            <a:prstGeom prst="straightConnector1">
+              <a:avLst/>
+            </a:prstGeom>
+            <a:ln>
+              <a:tailEnd type="triangle"/>
+            </a:ln>
+          </p:spPr>
+          <p:style>
+            <a:lnRef idx="1">
+              <a:schemeClr val="accent1"/>
+            </a:lnRef>
+            <a:fillRef idx="0">
+              <a:schemeClr val="accent1"/>
+            </a:fillRef>
+            <a:effectRef idx="0">
+              <a:schemeClr val="accent1"/>
+            </a:effectRef>
+            <a:fontRef idx="minor">
+              <a:schemeClr val="tx1"/>
+            </a:fontRef>
+          </p:style>
+        </p:cxnSp>
+        <p:cxnSp>
+          <p:nvCxnSpPr>
+            <p:cNvPr id="108" name="直接箭头连接符 107"/>
+            <p:cNvCxnSpPr>
+              <a:stCxn id="68" idx="2"/>
+              <a:endCxn id="71" idx="0"/>
+            </p:cNvCxnSpPr>
+            <p:nvPr/>
+          </p:nvCxnSpPr>
+          <p:spPr>
+            <a:xfrm flipH="1">
+              <a:off x="5050481" y="3784408"/>
+              <a:ext cx="1309" cy="339396"/>
+            </a:xfrm>
+            <a:prstGeom prst="straightConnector1">
+              <a:avLst/>
+            </a:prstGeom>
+            <a:ln>
+              <a:tailEnd type="triangle"/>
+            </a:ln>
+          </p:spPr>
+          <p:style>
+            <a:lnRef idx="1">
+              <a:schemeClr val="accent1"/>
+            </a:lnRef>
+            <a:fillRef idx="0">
+              <a:schemeClr val="accent1"/>
+            </a:fillRef>
+            <a:effectRef idx="0">
+              <a:schemeClr val="accent1"/>
+            </a:effectRef>
+            <a:fontRef idx="minor">
+              <a:schemeClr val="tx1"/>
+            </a:fontRef>
+          </p:style>
+        </p:cxnSp>
+        <p:cxnSp>
+          <p:nvCxnSpPr>
+            <p:cNvPr id="110" name="直接箭头连接符 109"/>
+            <p:cNvCxnSpPr>
+              <a:stCxn id="76" idx="2"/>
+              <a:endCxn id="67" idx="0"/>
+            </p:cNvCxnSpPr>
+            <p:nvPr/>
+          </p:nvCxnSpPr>
+          <p:spPr>
+            <a:xfrm>
+              <a:off x="3378508" y="3800380"/>
+              <a:ext cx="4697" cy="327392"/>
+            </a:xfrm>
+            <a:prstGeom prst="straightConnector1">
+              <a:avLst/>
+            </a:prstGeom>
+            <a:ln>
+              <a:tailEnd type="triangle"/>
+            </a:ln>
+          </p:spPr>
+          <p:style>
+            <a:lnRef idx="1">
+              <a:schemeClr val="accent1"/>
+            </a:lnRef>
+            <a:fillRef idx="0">
+              <a:schemeClr val="accent1"/>
+            </a:fillRef>
+            <a:effectRef idx="0">
+              <a:schemeClr val="accent1"/>
+            </a:effectRef>
+            <a:fontRef idx="minor">
+              <a:schemeClr val="tx1"/>
+            </a:fontRef>
+          </p:style>
+        </p:cxnSp>
+        <p:cxnSp>
+          <p:nvCxnSpPr>
+            <p:cNvPr id="112" name="直接箭头连接符 111"/>
+            <p:cNvCxnSpPr>
+              <a:stCxn id="67" idx="3"/>
+              <a:endCxn id="71" idx="1"/>
+            </p:cNvCxnSpPr>
+            <p:nvPr/>
+          </p:nvCxnSpPr>
+          <p:spPr>
+            <a:xfrm flipV="1">
+              <a:off x="3905175" y="4314304"/>
+              <a:ext cx="623336" cy="3968"/>
+            </a:xfrm>
+            <a:prstGeom prst="straightConnector1">
+              <a:avLst/>
+            </a:prstGeom>
+            <a:ln>
+              <a:tailEnd type="triangle"/>
+            </a:ln>
+          </p:spPr>
+          <p:style>
+            <a:lnRef idx="1">
+              <a:schemeClr val="accent1"/>
+            </a:lnRef>
+            <a:fillRef idx="0">
+              <a:schemeClr val="accent1"/>
+            </a:fillRef>
+            <a:effectRef idx="0">
+              <a:schemeClr val="accent1"/>
+            </a:effectRef>
+            <a:fontRef idx="minor">
+              <a:schemeClr val="tx1"/>
+            </a:fontRef>
+          </p:style>
+        </p:cxnSp>
+        <p:cxnSp>
+          <p:nvCxnSpPr>
+            <p:cNvPr id="114" name="直接箭头连接符 113"/>
+            <p:cNvCxnSpPr>
+              <a:stCxn id="66" idx="0"/>
+              <a:endCxn id="71" idx="2"/>
+            </p:cNvCxnSpPr>
+            <p:nvPr/>
+          </p:nvCxnSpPr>
+          <p:spPr>
+            <a:xfrm flipH="1" flipV="1">
+              <a:off x="5050481" y="4504804"/>
+              <a:ext cx="1116" cy="297425"/>
+            </a:xfrm>
+            <a:prstGeom prst="straightConnector1">
+              <a:avLst/>
+            </a:prstGeom>
+            <a:ln>
+              <a:tailEnd type="triangle"/>
+            </a:ln>
+          </p:spPr>
+          <p:style>
+            <a:lnRef idx="1">
+              <a:schemeClr val="accent1"/>
+            </a:lnRef>
+            <a:fillRef idx="0">
+              <a:schemeClr val="accent1"/>
+            </a:fillRef>
+            <a:effectRef idx="0">
+              <a:schemeClr val="accent1"/>
+            </a:effectRef>
+            <a:fontRef idx="minor">
+              <a:schemeClr val="tx1"/>
+            </a:fontRef>
+          </p:style>
+        </p:cxnSp>
+        <p:cxnSp>
+          <p:nvCxnSpPr>
+            <p:cNvPr id="116" name="直接箭头连接符 115"/>
+            <p:cNvCxnSpPr>
+              <a:stCxn id="15" idx="1"/>
+              <a:endCxn id="71" idx="3"/>
+            </p:cNvCxnSpPr>
+            <p:nvPr/>
+          </p:nvCxnSpPr>
+          <p:spPr>
+            <a:xfrm flipH="1">
+              <a:off x="5572451" y="4304972"/>
+              <a:ext cx="640426" cy="9332"/>
+            </a:xfrm>
+            <a:prstGeom prst="straightConnector1">
+              <a:avLst/>
+            </a:prstGeom>
+            <a:ln>
+              <a:tailEnd type="triangle"/>
+            </a:ln>
+          </p:spPr>
+          <p:style>
+            <a:lnRef idx="1">
+              <a:schemeClr val="accent1"/>
+            </a:lnRef>
+            <a:fillRef idx="0">
+              <a:schemeClr val="accent1"/>
+            </a:fillRef>
+            <a:effectRef idx="0">
+              <a:schemeClr val="accent1"/>
+            </a:effectRef>
+            <a:fontRef idx="minor">
+              <a:schemeClr val="tx1"/>
+            </a:fontRef>
+          </p:style>
+        </p:cxnSp>
+        <p:cxnSp>
+          <p:nvCxnSpPr>
+            <p:cNvPr id="118" name="连接符: 肘形 117"/>
+            <p:cNvCxnSpPr>
+              <a:stCxn id="72" idx="1"/>
+            </p:cNvCxnSpPr>
+            <p:nvPr/>
+          </p:nvCxnSpPr>
+          <p:spPr>
+            <a:xfrm rot="10800000">
+              <a:off x="5572451" y="4513030"/>
+              <a:ext cx="640426" cy="506210"/>
+            </a:xfrm>
+            <a:prstGeom prst="bentConnector3">
+              <a:avLst/>
+            </a:prstGeom>
+            <a:ln>
+              <a:tailEnd type="triangle"/>
+            </a:ln>
+          </p:spPr>
+          <p:style>
+            <a:lnRef idx="1">
+              <a:schemeClr val="accent1"/>
+            </a:lnRef>
+            <a:fillRef idx="0">
+              <a:schemeClr val="accent1"/>
+            </a:fillRef>
+            <a:effectRef idx="0">
+              <a:schemeClr val="accent1"/>
+            </a:effectRef>
+            <a:fontRef idx="minor">
+              <a:schemeClr val="tx1"/>
+            </a:fontRef>
+          </p:style>
+        </p:cxnSp>
+        <p:cxnSp>
+          <p:nvCxnSpPr>
+            <p:cNvPr id="122" name="连接符: 肘形 121"/>
+            <p:cNvCxnSpPr>
+              <a:stCxn id="73" idx="1"/>
+            </p:cNvCxnSpPr>
+            <p:nvPr/>
+          </p:nvCxnSpPr>
+          <p:spPr>
+            <a:xfrm rot="10800000">
+              <a:off x="5376871" y="4537991"/>
+              <a:ext cx="830734" cy="1108007"/>
+            </a:xfrm>
+            <a:prstGeom prst="bentConnector2">
+              <a:avLst/>
+            </a:prstGeom>
+            <a:ln>
+              <a:tailEnd type="triangle"/>
+            </a:ln>
+          </p:spPr>
+          <p:style>
+            <a:lnRef idx="1">
+              <a:schemeClr val="accent1"/>
+            </a:lnRef>
+            <a:fillRef idx="0">
+              <a:schemeClr val="accent1"/>
+            </a:fillRef>
+            <a:effectRef idx="0">
+              <a:schemeClr val="accent1"/>
+            </a:effectRef>
+            <a:fontRef idx="minor">
+              <a:schemeClr val="tx1"/>
+            </a:fontRef>
+          </p:style>
+        </p:cxnSp>
+        <p:cxnSp>
+          <p:nvCxnSpPr>
+            <p:cNvPr id="126" name="连接符: 肘形 125"/>
+            <p:cNvCxnSpPr>
+              <a:endCxn id="69" idx="3"/>
+            </p:cNvCxnSpPr>
+            <p:nvPr/>
+          </p:nvCxnSpPr>
+          <p:spPr>
+            <a:xfrm rot="10800000" flipV="1">
+              <a:off x="3874424" y="4504803"/>
+              <a:ext cx="981594" cy="539199"/>
+            </a:xfrm>
+            <a:prstGeom prst="bentConnector3">
+              <a:avLst/>
+            </a:prstGeom>
+            <a:ln>
+              <a:tailEnd type="triangle"/>
+            </a:ln>
+          </p:spPr>
+          <p:style>
+            <a:lnRef idx="1">
+              <a:schemeClr val="accent1"/>
+            </a:lnRef>
+            <a:fillRef idx="0">
+              <a:schemeClr val="accent1"/>
+            </a:fillRef>
+            <a:effectRef idx="0">
+              <a:schemeClr val="accent1"/>
+            </a:effectRef>
+            <a:fontRef idx="minor">
+              <a:schemeClr val="tx1"/>
+            </a:fontRef>
+          </p:style>
+        </p:cxnSp>
+        <p:cxnSp>
+          <p:nvCxnSpPr>
+            <p:cNvPr id="128" name="连接符: 肘形 127"/>
+            <p:cNvCxnSpPr>
+              <a:stCxn id="76" idx="1"/>
+              <a:endCxn id="69" idx="1"/>
+            </p:cNvCxnSpPr>
+            <p:nvPr/>
+          </p:nvCxnSpPr>
+          <p:spPr>
+            <a:xfrm rot="10800000" flipV="1">
+              <a:off x="2830484" y="3609879"/>
+              <a:ext cx="26054" cy="1434123"/>
+            </a:xfrm>
+            <a:prstGeom prst="bentConnector3">
+              <a:avLst>
+                <a:gd name="adj1" fmla="val 977408"/>
+              </a:avLst>
+            </a:prstGeom>
+            <a:ln>
+              <a:tailEnd type="triangle"/>
+            </a:ln>
+          </p:spPr>
+          <p:style>
+            <a:lnRef idx="1">
+              <a:schemeClr val="accent1"/>
+            </a:lnRef>
+            <a:fillRef idx="0">
+              <a:schemeClr val="accent1"/>
+            </a:fillRef>
+            <a:effectRef idx="0">
+              <a:schemeClr val="accent1"/>
+            </a:effectRef>
+            <a:fontRef idx="minor">
+              <a:schemeClr val="tx1"/>
+            </a:fontRef>
+          </p:style>
+        </p:cxnSp>
+        <p:cxnSp>
+          <p:nvCxnSpPr>
+            <p:cNvPr id="130" name="直接箭头连接符 129"/>
+            <p:cNvCxnSpPr>
+              <a:stCxn id="69" idx="2"/>
+              <a:endCxn id="74" idx="0"/>
+            </p:cNvCxnSpPr>
+            <p:nvPr/>
+          </p:nvCxnSpPr>
+          <p:spPr>
+            <a:xfrm>
+              <a:off x="3352454" y="5234503"/>
+              <a:ext cx="0" cy="344732"/>
+            </a:xfrm>
+            <a:prstGeom prst="straightConnector1">
+              <a:avLst/>
+            </a:prstGeom>
+            <a:ln>
+              <a:tailEnd type="triangle"/>
+            </a:ln>
+          </p:spPr>
+          <p:style>
+            <a:lnRef idx="1">
+              <a:schemeClr val="accent1"/>
+            </a:lnRef>
+            <a:fillRef idx="0">
+              <a:schemeClr val="accent1"/>
+            </a:fillRef>
+            <a:effectRef idx="0">
+              <a:schemeClr val="accent1"/>
+            </a:effectRef>
+            <a:fontRef idx="minor">
+              <a:schemeClr val="tx1"/>
+            </a:fontRef>
+          </p:style>
+        </p:cxnSp>
+        <p:cxnSp>
+          <p:nvCxnSpPr>
+            <p:cNvPr id="144" name="连接符: 肘形 143"/>
+            <p:cNvCxnSpPr>
+              <a:stCxn id="79" idx="3"/>
+              <a:endCxn id="65" idx="0"/>
+            </p:cNvCxnSpPr>
+            <p:nvPr/>
+          </p:nvCxnSpPr>
+          <p:spPr>
+            <a:xfrm>
+              <a:off x="7225491" y="2624477"/>
+              <a:ext cx="749607" cy="296367"/>
+            </a:xfrm>
+            <a:prstGeom prst="bentConnector2">
+              <a:avLst/>
+            </a:prstGeom>
+            <a:ln>
+              <a:tailEnd type="triangle"/>
+            </a:ln>
+          </p:spPr>
+          <p:style>
+            <a:lnRef idx="1">
+              <a:schemeClr val="accent1"/>
+            </a:lnRef>
+            <a:fillRef idx="0">
+              <a:schemeClr val="accent1"/>
+            </a:fillRef>
+            <a:effectRef idx="0">
+              <a:schemeClr val="accent1"/>
+            </a:effectRef>
+            <a:fontRef idx="minor">
+              <a:schemeClr val="tx1"/>
+            </a:fontRef>
+          </p:style>
+        </p:cxnSp>
+        <p:cxnSp>
+          <p:nvCxnSpPr>
+            <p:cNvPr id="148" name="连接符: 肘形 147"/>
+            <p:cNvCxnSpPr>
+              <a:stCxn id="77" idx="3"/>
+              <a:endCxn id="65" idx="2"/>
+            </p:cNvCxnSpPr>
+            <p:nvPr/>
+          </p:nvCxnSpPr>
+          <p:spPr>
+            <a:xfrm flipV="1">
+              <a:off x="7256817" y="3301844"/>
+              <a:ext cx="718281" cy="292064"/>
+            </a:xfrm>
+            <a:prstGeom prst="bentConnector2">
+              <a:avLst/>
+            </a:prstGeom>
+            <a:ln>
+              <a:tailEnd type="triangle"/>
+            </a:ln>
+          </p:spPr>
+          <p:style>
+            <a:lnRef idx="1">
+              <a:schemeClr val="accent1"/>
+            </a:lnRef>
+            <a:fillRef idx="0">
+              <a:schemeClr val="accent1"/>
+            </a:fillRef>
+            <a:effectRef idx="0">
+              <a:schemeClr val="accent1"/>
+            </a:effectRef>
+            <a:fontRef idx="minor">
+              <a:schemeClr val="tx1"/>
+            </a:fontRef>
+          </p:style>
+        </p:cxnSp>
+      </p:grpSp>
+    </p:spTree>
+    <p:extLst>
+      <p:ext uri="{BB962C8B-B14F-4D97-AF65-F5344CB8AC3E}">
+        <p14:creationId xmlns:p14="http://schemas.microsoft.com/office/powerpoint/2010/main" val="3240168092"/>
       </p:ext>
     </p:extLst>
   </p:cSld>

--- a/doc/tce_protocal_internal.pptx
+++ b/doc/tce_protocal_internal.pptx
@@ -7,6 +7,7 @@
   <p:sldIdLst>
     <p:sldId id="256" r:id="rId2"/>
     <p:sldId id="257" r:id="rId3"/>
+    <p:sldId id="258" r:id="rId4"/>
   </p:sldIdLst>
   <p:sldSz cx="12192000" cy="6858000"/>
   <p:notesSz cx="6858000" cy="9144000"/>
@@ -242,7 +243,7 @@
           <a:p>
             <a:fld id="{DCB352E4-A803-4722-87B9-F8807506504E}" type="datetimeFigureOut">
               <a:rPr lang="zh-CN" altLang="en-US" smtClean="0"/>
-              <a:t>2016/8/28</a:t>
+              <a:t>2016/9/2</a:t>
             </a:fld>
             <a:endParaRPr lang="zh-CN" altLang="en-US"/>
           </a:p>
@@ -410,7 +411,7 @@
           <a:p>
             <a:fld id="{DCB352E4-A803-4722-87B9-F8807506504E}" type="datetimeFigureOut">
               <a:rPr lang="zh-CN" altLang="en-US" smtClean="0"/>
-              <a:t>2016/8/28</a:t>
+              <a:t>2016/9/2</a:t>
             </a:fld>
             <a:endParaRPr lang="zh-CN" altLang="en-US"/>
           </a:p>
@@ -588,7 +589,7 @@
           <a:p>
             <a:fld id="{DCB352E4-A803-4722-87B9-F8807506504E}" type="datetimeFigureOut">
               <a:rPr lang="zh-CN" altLang="en-US" smtClean="0"/>
-              <a:t>2016/8/28</a:t>
+              <a:t>2016/9/2</a:t>
             </a:fld>
             <a:endParaRPr lang="zh-CN" altLang="en-US"/>
           </a:p>
@@ -756,7 +757,7 @@
           <a:p>
             <a:fld id="{DCB352E4-A803-4722-87B9-F8807506504E}" type="datetimeFigureOut">
               <a:rPr lang="zh-CN" altLang="en-US" smtClean="0"/>
-              <a:t>2016/8/28</a:t>
+              <a:t>2016/9/2</a:t>
             </a:fld>
             <a:endParaRPr lang="zh-CN" altLang="en-US"/>
           </a:p>
@@ -1001,7 +1002,7 @@
           <a:p>
             <a:fld id="{DCB352E4-A803-4722-87B9-F8807506504E}" type="datetimeFigureOut">
               <a:rPr lang="zh-CN" altLang="en-US" smtClean="0"/>
-              <a:t>2016/8/28</a:t>
+              <a:t>2016/9/2</a:t>
             </a:fld>
             <a:endParaRPr lang="zh-CN" altLang="en-US"/>
           </a:p>
@@ -1230,7 +1231,7 @@
           <a:p>
             <a:fld id="{DCB352E4-A803-4722-87B9-F8807506504E}" type="datetimeFigureOut">
               <a:rPr lang="zh-CN" altLang="en-US" smtClean="0"/>
-              <a:t>2016/8/28</a:t>
+              <a:t>2016/9/2</a:t>
             </a:fld>
             <a:endParaRPr lang="zh-CN" altLang="en-US"/>
           </a:p>
@@ -1594,7 +1595,7 @@
           <a:p>
             <a:fld id="{DCB352E4-A803-4722-87B9-F8807506504E}" type="datetimeFigureOut">
               <a:rPr lang="zh-CN" altLang="en-US" smtClean="0"/>
-              <a:t>2016/8/28</a:t>
+              <a:t>2016/9/2</a:t>
             </a:fld>
             <a:endParaRPr lang="zh-CN" altLang="en-US"/>
           </a:p>
@@ -1711,7 +1712,7 @@
           <a:p>
             <a:fld id="{DCB352E4-A803-4722-87B9-F8807506504E}" type="datetimeFigureOut">
               <a:rPr lang="zh-CN" altLang="en-US" smtClean="0"/>
-              <a:t>2016/8/28</a:t>
+              <a:t>2016/9/2</a:t>
             </a:fld>
             <a:endParaRPr lang="zh-CN" altLang="en-US"/>
           </a:p>
@@ -1806,7 +1807,7 @@
           <a:p>
             <a:fld id="{DCB352E4-A803-4722-87B9-F8807506504E}" type="datetimeFigureOut">
               <a:rPr lang="zh-CN" altLang="en-US" smtClean="0"/>
-              <a:t>2016/8/28</a:t>
+              <a:t>2016/9/2</a:t>
             </a:fld>
             <a:endParaRPr lang="zh-CN" altLang="en-US"/>
           </a:p>
@@ -2081,7 +2082,7 @@
           <a:p>
             <a:fld id="{DCB352E4-A803-4722-87B9-F8807506504E}" type="datetimeFigureOut">
               <a:rPr lang="zh-CN" altLang="en-US" smtClean="0"/>
-              <a:t>2016/8/28</a:t>
+              <a:t>2016/9/2</a:t>
             </a:fld>
             <a:endParaRPr lang="zh-CN" altLang="en-US"/>
           </a:p>
@@ -2333,7 +2334,7 @@
           <a:p>
             <a:fld id="{DCB352E4-A803-4722-87B9-F8807506504E}" type="datetimeFigureOut">
               <a:rPr lang="zh-CN" altLang="en-US" smtClean="0"/>
-              <a:t>2016/8/28</a:t>
+              <a:t>2016/9/2</a:t>
             </a:fld>
             <a:endParaRPr lang="zh-CN" altLang="en-US"/>
           </a:p>
@@ -2544,7 +2545,7 @@
           <a:p>
             <a:fld id="{DCB352E4-A803-4722-87B9-F8807506504E}" type="datetimeFigureOut">
               <a:rPr lang="zh-CN" altLang="en-US" smtClean="0"/>
-              <a:t>2016/8/28</a:t>
+              <a:t>2016/9/2</a:t>
             </a:fld>
             <a:endParaRPr lang="zh-CN" altLang="en-US"/>
           </a:p>
@@ -6577,6 +6578,1050 @@
 </p:sld>
 </file>
 
+<file path=ppt/slides/slide3.xml><?xml version="1.0" encoding="utf-8"?>
+<p:sld xmlns:a="http://schemas.openxmlformats.org/drawingml/2006/main" xmlns:r="http://schemas.openxmlformats.org/officeDocument/2006/relationships" xmlns:p="http://schemas.openxmlformats.org/presentationml/2006/main">
+  <p:cSld>
+    <p:spTree>
+      <p:nvGrpSpPr>
+        <p:cNvPr id="1" name=""/>
+        <p:cNvGrpSpPr/>
+        <p:nvPr/>
+      </p:nvGrpSpPr>
+      <p:grpSpPr>
+        <a:xfrm>
+          <a:off x="0" y="0"/>
+          <a:ext cx="0" cy="0"/>
+          <a:chOff x="0" y="0"/>
+          <a:chExt cx="0" cy="0"/>
+        </a:xfrm>
+      </p:grpSpPr>
+      <p:sp>
+        <p:nvSpPr>
+          <p:cNvPr id="82" name="矩形: 圆角 81"/>
+          <p:cNvSpPr/>
+          <p:nvPr/>
+        </p:nvSpPr>
+        <p:spPr>
+          <a:xfrm>
+            <a:off x="3766983" y="3908603"/>
+            <a:ext cx="1199626" cy="511729"/>
+          </a:xfrm>
+          <a:prstGeom prst="roundRect">
+            <a:avLst/>
+          </a:prstGeom>
+        </p:spPr>
+        <p:style>
+          <a:lnRef idx="2">
+            <a:schemeClr val="accent2"/>
+          </a:lnRef>
+          <a:fillRef idx="1">
+            <a:schemeClr val="lt1"/>
+          </a:fillRef>
+          <a:effectRef idx="0">
+            <a:schemeClr val="accent2"/>
+          </a:effectRef>
+          <a:fontRef idx="minor">
+            <a:schemeClr val="dk1"/>
+          </a:fontRef>
+        </p:style>
+        <p:txBody>
+          <a:bodyPr rtlCol="0" anchor="ctr"/>
+          <a:lstStyle/>
+          <a:p>
+            <a:pPr algn="ctr"/>
+            <a:r>
+              <a:rPr lang="en-US" altLang="zh-CN" sz="1600" dirty="0"/>
+              <a:t>adapter</a:t>
+            </a:r>
+            <a:endParaRPr lang="zh-CN" altLang="en-US" sz="1600" dirty="0"/>
+          </a:p>
+        </p:txBody>
+      </p:sp>
+      <p:sp>
+        <p:nvSpPr>
+          <p:cNvPr id="2" name="矩形: 圆角 1"/>
+          <p:cNvSpPr/>
+          <p:nvPr/>
+        </p:nvSpPr>
+        <p:spPr>
+          <a:xfrm>
+            <a:off x="3877438" y="4013384"/>
+            <a:ext cx="1199626" cy="511729"/>
+          </a:xfrm>
+          <a:prstGeom prst="roundRect">
+            <a:avLst/>
+          </a:prstGeom>
+        </p:spPr>
+        <p:style>
+          <a:lnRef idx="2">
+            <a:schemeClr val="accent2"/>
+          </a:lnRef>
+          <a:fillRef idx="1">
+            <a:schemeClr val="lt1"/>
+          </a:fillRef>
+          <a:effectRef idx="0">
+            <a:schemeClr val="accent2"/>
+          </a:effectRef>
+          <a:fontRef idx="minor">
+            <a:schemeClr val="dk1"/>
+          </a:fontRef>
+        </p:style>
+        <p:txBody>
+          <a:bodyPr rtlCol="0" anchor="ctr"/>
+          <a:lstStyle/>
+          <a:p>
+            <a:pPr algn="ctr"/>
+            <a:r>
+              <a:rPr lang="en-US" altLang="zh-CN" sz="1600" dirty="0"/>
+              <a:t>adapter</a:t>
+            </a:r>
+            <a:endParaRPr lang="zh-CN" altLang="en-US" sz="1600" dirty="0"/>
+          </a:p>
+        </p:txBody>
+      </p:sp>
+      <p:sp>
+        <p:nvSpPr>
+          <p:cNvPr id="80" name="矩形: 圆角 79"/>
+          <p:cNvSpPr/>
+          <p:nvPr/>
+        </p:nvSpPr>
+        <p:spPr>
+          <a:xfrm>
+            <a:off x="4863640" y="2773677"/>
+            <a:ext cx="1199626" cy="511729"/>
+          </a:xfrm>
+          <a:prstGeom prst="roundRect">
+            <a:avLst/>
+          </a:prstGeom>
+        </p:spPr>
+        <p:style>
+          <a:lnRef idx="2">
+            <a:schemeClr val="accent4"/>
+          </a:lnRef>
+          <a:fillRef idx="1">
+            <a:schemeClr val="lt1"/>
+          </a:fillRef>
+          <a:effectRef idx="0">
+            <a:schemeClr val="accent4"/>
+          </a:effectRef>
+          <a:fontRef idx="minor">
+            <a:schemeClr val="dk1"/>
+          </a:fontRef>
+        </p:style>
+        <p:txBody>
+          <a:bodyPr rtlCol="0" anchor="ctr"/>
+          <a:lstStyle/>
+          <a:p>
+            <a:pPr algn="ctr"/>
+            <a:r>
+              <a:rPr lang="en-US" altLang="zh-CN" sz="1600" dirty="0"/>
+              <a:t>connection</a:t>
+            </a:r>
+            <a:endParaRPr lang="zh-CN" altLang="en-US" sz="1600" dirty="0"/>
+          </a:p>
+        </p:txBody>
+      </p:sp>
+      <p:sp>
+        <p:nvSpPr>
+          <p:cNvPr id="75" name="矩形: 圆角 74"/>
+          <p:cNvSpPr/>
+          <p:nvPr/>
+        </p:nvSpPr>
+        <p:spPr>
+          <a:xfrm>
+            <a:off x="5931342" y="3889700"/>
+            <a:ext cx="1199626" cy="511729"/>
+          </a:xfrm>
+          <a:prstGeom prst="roundRect">
+            <a:avLst/>
+          </a:prstGeom>
+        </p:spPr>
+        <p:style>
+          <a:lnRef idx="2">
+            <a:schemeClr val="accent5"/>
+          </a:lnRef>
+          <a:fillRef idx="1">
+            <a:schemeClr val="lt1"/>
+          </a:fillRef>
+          <a:effectRef idx="0">
+            <a:schemeClr val="accent5"/>
+          </a:effectRef>
+          <a:fontRef idx="minor">
+            <a:schemeClr val="dk1"/>
+          </a:fontRef>
+        </p:style>
+        <p:txBody>
+          <a:bodyPr rtlCol="0" anchor="ctr"/>
+          <a:lstStyle/>
+          <a:p>
+            <a:pPr algn="ctr"/>
+            <a:r>
+              <a:rPr lang="en-US" altLang="zh-CN" sz="1600" dirty="0"/>
+              <a:t>acceptor</a:t>
+            </a:r>
+            <a:endParaRPr lang="zh-CN" altLang="en-US" sz="1600" dirty="0"/>
+          </a:p>
+        </p:txBody>
+      </p:sp>
+      <p:sp>
+        <p:nvSpPr>
+          <p:cNvPr id="70" name="矩形: 圆角 69"/>
+          <p:cNvSpPr/>
+          <p:nvPr/>
+        </p:nvSpPr>
+        <p:spPr>
+          <a:xfrm>
+            <a:off x="1667638" y="3867333"/>
+            <a:ext cx="1199626" cy="511729"/>
+          </a:xfrm>
+          <a:prstGeom prst="roundRect">
+            <a:avLst/>
+          </a:prstGeom>
+        </p:spPr>
+        <p:style>
+          <a:lnRef idx="2">
+            <a:schemeClr val="accent3"/>
+          </a:lnRef>
+          <a:fillRef idx="1">
+            <a:schemeClr val="lt1"/>
+          </a:fillRef>
+          <a:effectRef idx="0">
+            <a:schemeClr val="accent3"/>
+          </a:effectRef>
+          <a:fontRef idx="minor">
+            <a:schemeClr val="dk1"/>
+          </a:fontRef>
+        </p:style>
+        <p:txBody>
+          <a:bodyPr rtlCol="0" anchor="ctr"/>
+          <a:lstStyle/>
+          <a:p>
+            <a:pPr algn="ctr"/>
+            <a:r>
+              <a:rPr lang="en-US" altLang="zh-CN" sz="1600" dirty="0"/>
+              <a:t>servant</a:t>
+            </a:r>
+            <a:endParaRPr lang="zh-CN" altLang="en-US" sz="1600" dirty="0"/>
+          </a:p>
+        </p:txBody>
+      </p:sp>
+      <p:sp>
+        <p:nvSpPr>
+          <p:cNvPr id="53" name="文本框 52"/>
+          <p:cNvSpPr txBox="1"/>
+          <p:nvPr/>
+        </p:nvSpPr>
+        <p:spPr>
+          <a:xfrm>
+            <a:off x="188119" y="900287"/>
+            <a:ext cx="1733039" cy="338554"/>
+          </a:xfrm>
+          <a:prstGeom prst="rect">
+            <a:avLst/>
+          </a:prstGeom>
+          <a:noFill/>
+        </p:spPr>
+        <p:txBody>
+          <a:bodyPr wrap="none" rtlCol="0">
+            <a:spAutoFit/>
+          </a:bodyPr>
+          <a:lstStyle/>
+          <a:p>
+            <a:r>
+              <a:rPr lang="en-US" altLang="zh-CN" sz="1600" dirty="0" err="1"/>
+              <a:t>Tce</a:t>
+            </a:r>
+            <a:r>
+              <a:rPr lang="en-US" altLang="zh-CN" sz="1600" dirty="0"/>
+              <a:t> </a:t>
+            </a:r>
+            <a:r>
+              <a:rPr lang="zh-CN" altLang="en-US" sz="1600" dirty="0"/>
+              <a:t>内部技术实现</a:t>
+            </a:r>
+          </a:p>
+        </p:txBody>
+      </p:sp>
+      <p:sp>
+        <p:nvSpPr>
+          <p:cNvPr id="42" name="矩形: 圆角 41"/>
+          <p:cNvSpPr/>
+          <p:nvPr/>
+        </p:nvSpPr>
+        <p:spPr>
+          <a:xfrm>
+            <a:off x="6087238" y="4013385"/>
+            <a:ext cx="1199626" cy="511729"/>
+          </a:xfrm>
+          <a:prstGeom prst="roundRect">
+            <a:avLst/>
+          </a:prstGeom>
+        </p:spPr>
+        <p:style>
+          <a:lnRef idx="2">
+            <a:schemeClr val="accent5"/>
+          </a:lnRef>
+          <a:fillRef idx="1">
+            <a:schemeClr val="lt1"/>
+          </a:fillRef>
+          <a:effectRef idx="0">
+            <a:schemeClr val="accent5"/>
+          </a:effectRef>
+          <a:fontRef idx="minor">
+            <a:schemeClr val="dk1"/>
+          </a:fontRef>
+        </p:style>
+        <p:txBody>
+          <a:bodyPr rtlCol="0" anchor="ctr"/>
+          <a:lstStyle/>
+          <a:p>
+            <a:pPr algn="ctr"/>
+            <a:r>
+              <a:rPr lang="en-US" altLang="zh-CN" sz="1600" dirty="0"/>
+              <a:t>acceptor</a:t>
+            </a:r>
+            <a:endParaRPr lang="zh-CN" altLang="en-US" sz="1600" dirty="0"/>
+          </a:p>
+        </p:txBody>
+      </p:sp>
+      <p:sp>
+        <p:nvSpPr>
+          <p:cNvPr id="43" name="矩形: 圆角 42"/>
+          <p:cNvSpPr/>
+          <p:nvPr/>
+        </p:nvSpPr>
+        <p:spPr>
+          <a:xfrm>
+            <a:off x="4995562" y="1886550"/>
+            <a:ext cx="1199626" cy="511729"/>
+          </a:xfrm>
+          <a:prstGeom prst="roundRect">
+            <a:avLst/>
+          </a:prstGeom>
+        </p:spPr>
+        <p:style>
+          <a:lnRef idx="2">
+            <a:schemeClr val="accent6"/>
+          </a:lnRef>
+          <a:fillRef idx="1">
+            <a:schemeClr val="lt1"/>
+          </a:fillRef>
+          <a:effectRef idx="0">
+            <a:schemeClr val="accent6"/>
+          </a:effectRef>
+          <a:fontRef idx="minor">
+            <a:schemeClr val="dk1"/>
+          </a:fontRef>
+        </p:style>
+        <p:txBody>
+          <a:bodyPr rtlCol="0" anchor="ctr"/>
+          <a:lstStyle/>
+          <a:p>
+            <a:pPr algn="ctr"/>
+            <a:r>
+              <a:rPr lang="en-US" altLang="zh-CN" sz="1600" dirty="0"/>
+              <a:t>endpoint</a:t>
+            </a:r>
+            <a:endParaRPr lang="zh-CN" altLang="en-US" sz="1600" dirty="0"/>
+          </a:p>
+        </p:txBody>
+      </p:sp>
+      <p:sp>
+        <p:nvSpPr>
+          <p:cNvPr id="44" name="矩形: 圆角 43"/>
+          <p:cNvSpPr/>
+          <p:nvPr/>
+        </p:nvSpPr>
+        <p:spPr>
+          <a:xfrm>
+            <a:off x="4995562" y="2888125"/>
+            <a:ext cx="1199626" cy="511729"/>
+          </a:xfrm>
+          <a:prstGeom prst="roundRect">
+            <a:avLst/>
+          </a:prstGeom>
+        </p:spPr>
+        <p:style>
+          <a:lnRef idx="2">
+            <a:schemeClr val="accent4"/>
+          </a:lnRef>
+          <a:fillRef idx="1">
+            <a:schemeClr val="lt1"/>
+          </a:fillRef>
+          <a:effectRef idx="0">
+            <a:schemeClr val="accent4"/>
+          </a:effectRef>
+          <a:fontRef idx="minor">
+            <a:schemeClr val="dk1"/>
+          </a:fontRef>
+        </p:style>
+        <p:txBody>
+          <a:bodyPr rtlCol="0" anchor="ctr"/>
+          <a:lstStyle/>
+          <a:p>
+            <a:pPr algn="ctr"/>
+            <a:r>
+              <a:rPr lang="en-US" altLang="zh-CN" sz="1600" dirty="0"/>
+              <a:t>connection</a:t>
+            </a:r>
+            <a:endParaRPr lang="zh-CN" altLang="en-US" sz="1600" dirty="0"/>
+          </a:p>
+        </p:txBody>
+      </p:sp>
+      <p:cxnSp>
+        <p:nvCxnSpPr>
+          <p:cNvPr id="7" name="连接符: 肘形 6"/>
+          <p:cNvCxnSpPr>
+            <a:stCxn id="44" idx="3"/>
+            <a:endCxn id="42" idx="0"/>
+          </p:cNvCxnSpPr>
+          <p:nvPr/>
+        </p:nvCxnSpPr>
+        <p:spPr>
+          <a:xfrm>
+            <a:off x="6195188" y="3143990"/>
+            <a:ext cx="491863" cy="869395"/>
+          </a:xfrm>
+          <a:prstGeom prst="bentConnector2">
+            <a:avLst/>
+          </a:prstGeom>
+          <a:ln>
+            <a:tailEnd type="triangle"/>
+          </a:ln>
+        </p:spPr>
+        <p:style>
+          <a:lnRef idx="1">
+            <a:schemeClr val="accent1"/>
+          </a:lnRef>
+          <a:fillRef idx="0">
+            <a:schemeClr val="accent1"/>
+          </a:fillRef>
+          <a:effectRef idx="0">
+            <a:schemeClr val="accent1"/>
+          </a:effectRef>
+          <a:fontRef idx="minor">
+            <a:schemeClr val="tx1"/>
+          </a:fontRef>
+        </p:style>
+      </p:cxnSp>
+      <p:cxnSp>
+        <p:nvCxnSpPr>
+          <p:cNvPr id="9" name="连接符: 肘形 8"/>
+          <p:cNvCxnSpPr>
+            <a:stCxn id="44" idx="1"/>
+            <a:endCxn id="2" idx="0"/>
+          </p:cNvCxnSpPr>
+          <p:nvPr/>
+        </p:nvCxnSpPr>
+        <p:spPr>
+          <a:xfrm rot="10800000" flipV="1">
+            <a:off x="4477252" y="3143990"/>
+            <a:ext cx="518311" cy="869394"/>
+          </a:xfrm>
+          <a:prstGeom prst="bentConnector2">
+            <a:avLst/>
+          </a:prstGeom>
+          <a:ln>
+            <a:tailEnd type="triangle"/>
+          </a:ln>
+        </p:spPr>
+        <p:style>
+          <a:lnRef idx="1">
+            <a:schemeClr val="accent1"/>
+          </a:lnRef>
+          <a:fillRef idx="0">
+            <a:schemeClr val="accent1"/>
+          </a:fillRef>
+          <a:effectRef idx="0">
+            <a:schemeClr val="accent1"/>
+          </a:effectRef>
+          <a:fontRef idx="minor">
+            <a:schemeClr val="tx1"/>
+          </a:fontRef>
+        </p:style>
+      </p:cxnSp>
+      <p:cxnSp>
+        <p:nvCxnSpPr>
+          <p:cNvPr id="11" name="直接箭头连接符 10"/>
+          <p:cNvCxnSpPr>
+            <a:stCxn id="42" idx="1"/>
+            <a:endCxn id="2" idx="3"/>
+          </p:cNvCxnSpPr>
+          <p:nvPr/>
+        </p:nvCxnSpPr>
+        <p:spPr>
+          <a:xfrm flipH="1" flipV="1">
+            <a:off x="5077064" y="4269249"/>
+            <a:ext cx="1010174" cy="1"/>
+          </a:xfrm>
+          <a:prstGeom prst="straightConnector1">
+            <a:avLst/>
+          </a:prstGeom>
+          <a:ln>
+            <a:tailEnd type="triangle"/>
+          </a:ln>
+        </p:spPr>
+        <p:style>
+          <a:lnRef idx="1">
+            <a:schemeClr val="accent1"/>
+          </a:lnRef>
+          <a:fillRef idx="0">
+            <a:schemeClr val="accent1"/>
+          </a:fillRef>
+          <a:effectRef idx="0">
+            <a:schemeClr val="accent1"/>
+          </a:effectRef>
+          <a:fontRef idx="minor">
+            <a:schemeClr val="tx1"/>
+          </a:fontRef>
+        </p:style>
+      </p:cxnSp>
+      <p:cxnSp>
+        <p:nvCxnSpPr>
+          <p:cNvPr id="16" name="直接连接符 15"/>
+          <p:cNvCxnSpPr>
+            <a:stCxn id="43" idx="2"/>
+            <a:endCxn id="44" idx="0"/>
+          </p:cNvCxnSpPr>
+          <p:nvPr/>
+        </p:nvCxnSpPr>
+        <p:spPr>
+          <a:xfrm>
+            <a:off x="5595375" y="2398279"/>
+            <a:ext cx="0" cy="489846"/>
+          </a:xfrm>
+          <a:prstGeom prst="line">
+            <a:avLst/>
+          </a:prstGeom>
+        </p:spPr>
+        <p:style>
+          <a:lnRef idx="1">
+            <a:schemeClr val="accent1"/>
+          </a:lnRef>
+          <a:fillRef idx="0">
+            <a:schemeClr val="accent1"/>
+          </a:fillRef>
+          <a:effectRef idx="0">
+            <a:schemeClr val="accent1"/>
+          </a:effectRef>
+          <a:fontRef idx="minor">
+            <a:schemeClr val="tx1"/>
+          </a:fontRef>
+        </p:style>
+      </p:cxnSp>
+      <p:sp>
+        <p:nvSpPr>
+          <p:cNvPr id="57" name="矩形: 圆角 56"/>
+          <p:cNvSpPr/>
+          <p:nvPr/>
+        </p:nvSpPr>
+        <p:spPr>
+          <a:xfrm>
+            <a:off x="3642984" y="5394508"/>
+            <a:ext cx="1668534" cy="722732"/>
+          </a:xfrm>
+          <a:prstGeom prst="roundRect">
+            <a:avLst/>
+          </a:prstGeom>
+        </p:spPr>
+        <p:style>
+          <a:lnRef idx="2">
+            <a:schemeClr val="dk1"/>
+          </a:lnRef>
+          <a:fillRef idx="1">
+            <a:schemeClr val="lt1"/>
+          </a:fillRef>
+          <a:effectRef idx="0">
+            <a:schemeClr val="dk1"/>
+          </a:effectRef>
+          <a:fontRef idx="minor">
+            <a:schemeClr val="dk1"/>
+          </a:fontRef>
+        </p:style>
+        <p:txBody>
+          <a:bodyPr rtlCol="0" anchor="ctr"/>
+          <a:lstStyle/>
+          <a:p>
+            <a:pPr algn="ctr"/>
+            <a:r>
+              <a:rPr lang="en-US" altLang="zh-CN" sz="1600" dirty="0"/>
+              <a:t>communicator</a:t>
+            </a:r>
+            <a:endParaRPr lang="zh-CN" altLang="en-US" sz="1600" dirty="0"/>
+          </a:p>
+        </p:txBody>
+      </p:sp>
+      <p:sp>
+        <p:nvSpPr>
+          <p:cNvPr id="58" name="矩形: 圆角 57"/>
+          <p:cNvSpPr/>
+          <p:nvPr/>
+        </p:nvSpPr>
+        <p:spPr>
+          <a:xfrm>
+            <a:off x="1778093" y="4013383"/>
+            <a:ext cx="1199626" cy="511729"/>
+          </a:xfrm>
+          <a:prstGeom prst="roundRect">
+            <a:avLst/>
+          </a:prstGeom>
+        </p:spPr>
+        <p:style>
+          <a:lnRef idx="2">
+            <a:schemeClr val="accent3"/>
+          </a:lnRef>
+          <a:fillRef idx="1">
+            <a:schemeClr val="lt1"/>
+          </a:fillRef>
+          <a:effectRef idx="0">
+            <a:schemeClr val="accent3"/>
+          </a:effectRef>
+          <a:fontRef idx="minor">
+            <a:schemeClr val="dk1"/>
+          </a:fontRef>
+        </p:style>
+        <p:txBody>
+          <a:bodyPr rtlCol="0" anchor="ctr"/>
+          <a:lstStyle/>
+          <a:p>
+            <a:pPr algn="ctr"/>
+            <a:r>
+              <a:rPr lang="en-US" altLang="zh-CN" sz="1600" dirty="0"/>
+              <a:t>servant</a:t>
+            </a:r>
+            <a:endParaRPr lang="zh-CN" altLang="en-US" sz="1600" dirty="0"/>
+          </a:p>
+        </p:txBody>
+      </p:sp>
+      <p:cxnSp>
+        <p:nvCxnSpPr>
+          <p:cNvPr id="19" name="直接箭头连接符 18"/>
+          <p:cNvCxnSpPr>
+            <a:stCxn id="58" idx="3"/>
+            <a:endCxn id="2" idx="1"/>
+          </p:cNvCxnSpPr>
+          <p:nvPr/>
+        </p:nvCxnSpPr>
+        <p:spPr>
+          <a:xfrm>
+            <a:off x="2977719" y="4269248"/>
+            <a:ext cx="899719" cy="1"/>
+          </a:xfrm>
+          <a:prstGeom prst="straightConnector1">
+            <a:avLst/>
+          </a:prstGeom>
+          <a:ln>
+            <a:tailEnd type="triangle"/>
+          </a:ln>
+        </p:spPr>
+        <p:style>
+          <a:lnRef idx="1">
+            <a:schemeClr val="accent1"/>
+          </a:lnRef>
+          <a:fillRef idx="0">
+            <a:schemeClr val="accent1"/>
+          </a:fillRef>
+          <a:effectRef idx="0">
+            <a:schemeClr val="accent1"/>
+          </a:effectRef>
+          <a:fontRef idx="minor">
+            <a:schemeClr val="tx1"/>
+          </a:fontRef>
+        </p:style>
+      </p:cxnSp>
+      <p:cxnSp>
+        <p:nvCxnSpPr>
+          <p:cNvPr id="22" name="直接箭头连接符 21"/>
+          <p:cNvCxnSpPr>
+            <a:stCxn id="2" idx="2"/>
+            <a:endCxn id="57" idx="0"/>
+          </p:cNvCxnSpPr>
+          <p:nvPr/>
+        </p:nvCxnSpPr>
+        <p:spPr>
+          <a:xfrm>
+            <a:off x="4477251" y="4525113"/>
+            <a:ext cx="0" cy="869395"/>
+          </a:xfrm>
+          <a:prstGeom prst="straightConnector1">
+            <a:avLst/>
+          </a:prstGeom>
+          <a:ln>
+            <a:tailEnd type="triangle"/>
+          </a:ln>
+        </p:spPr>
+        <p:style>
+          <a:lnRef idx="1">
+            <a:schemeClr val="accent1"/>
+          </a:lnRef>
+          <a:fillRef idx="0">
+            <a:schemeClr val="accent1"/>
+          </a:fillRef>
+          <a:effectRef idx="0">
+            <a:schemeClr val="accent1"/>
+          </a:effectRef>
+          <a:fontRef idx="minor">
+            <a:schemeClr val="tx1"/>
+          </a:fontRef>
+        </p:style>
+      </p:cxnSp>
+      <p:sp>
+        <p:nvSpPr>
+          <p:cNvPr id="25" name="文本框 24"/>
+          <p:cNvSpPr txBox="1"/>
+          <p:nvPr/>
+        </p:nvSpPr>
+        <p:spPr>
+          <a:xfrm>
+            <a:off x="3756541" y="3625514"/>
+            <a:ext cx="1255472" cy="276999"/>
+          </a:xfrm>
+          <a:prstGeom prst="rect">
+            <a:avLst/>
+          </a:prstGeom>
+          <a:noFill/>
+        </p:spPr>
+        <p:txBody>
+          <a:bodyPr wrap="none" rtlCol="0">
+            <a:spAutoFit/>
+          </a:bodyPr>
+          <a:lstStyle/>
+          <a:p>
+            <a:r>
+              <a:rPr lang="en-US" altLang="zh-CN" sz="1200" i="1" dirty="0">
+                <a:solidFill>
+                  <a:schemeClr val="bg1">
+                    <a:lumMod val="65000"/>
+                  </a:schemeClr>
+                </a:solidFill>
+              </a:rPr>
+              <a:t>&lt;&lt;aggregation&gt;&gt;</a:t>
+            </a:r>
+            <a:endParaRPr lang="zh-CN" altLang="en-US" sz="1200" i="1" dirty="0">
+              <a:solidFill>
+                <a:schemeClr val="bg1">
+                  <a:lumMod val="65000"/>
+                </a:schemeClr>
+              </a:solidFill>
+            </a:endParaRPr>
+          </a:p>
+        </p:txBody>
+      </p:sp>
+      <p:sp>
+        <p:nvSpPr>
+          <p:cNvPr id="83" name="文本框 82"/>
+          <p:cNvSpPr txBox="1"/>
+          <p:nvPr/>
+        </p:nvSpPr>
+        <p:spPr>
+          <a:xfrm>
+            <a:off x="6087238" y="3640903"/>
+            <a:ext cx="1255472" cy="276999"/>
+          </a:xfrm>
+          <a:prstGeom prst="rect">
+            <a:avLst/>
+          </a:prstGeom>
+          <a:noFill/>
+        </p:spPr>
+        <p:txBody>
+          <a:bodyPr wrap="none" rtlCol="0">
+            <a:spAutoFit/>
+          </a:bodyPr>
+          <a:lstStyle/>
+          <a:p>
+            <a:r>
+              <a:rPr lang="en-US" altLang="zh-CN" sz="1200" i="1" dirty="0">
+                <a:solidFill>
+                  <a:schemeClr val="bg1">
+                    <a:lumMod val="65000"/>
+                  </a:schemeClr>
+                </a:solidFill>
+              </a:rPr>
+              <a:t>&lt;&lt;aggregation&gt;&gt;</a:t>
+            </a:r>
+            <a:endParaRPr lang="zh-CN" altLang="en-US" sz="1200" i="1" dirty="0">
+              <a:solidFill>
+                <a:schemeClr val="bg1">
+                  <a:lumMod val="65000"/>
+                </a:schemeClr>
+              </a:solidFill>
+            </a:endParaRPr>
+          </a:p>
+        </p:txBody>
+      </p:sp>
+      <p:sp>
+        <p:nvSpPr>
+          <p:cNvPr id="84" name="文本框 83"/>
+          <p:cNvSpPr txBox="1"/>
+          <p:nvPr/>
+        </p:nvSpPr>
+        <p:spPr>
+          <a:xfrm>
+            <a:off x="3877438" y="5065118"/>
+            <a:ext cx="1255472" cy="276999"/>
+          </a:xfrm>
+          <a:prstGeom prst="rect">
+            <a:avLst/>
+          </a:prstGeom>
+          <a:noFill/>
+        </p:spPr>
+        <p:txBody>
+          <a:bodyPr wrap="none" rtlCol="0">
+            <a:spAutoFit/>
+          </a:bodyPr>
+          <a:lstStyle/>
+          <a:p>
+            <a:r>
+              <a:rPr lang="en-US" altLang="zh-CN" sz="1200" i="1" dirty="0">
+                <a:solidFill>
+                  <a:schemeClr val="bg1">
+                    <a:lumMod val="65000"/>
+                  </a:schemeClr>
+                </a:solidFill>
+              </a:rPr>
+              <a:t>&lt;&lt;aggregation&gt;&gt;</a:t>
+            </a:r>
+            <a:endParaRPr lang="zh-CN" altLang="en-US" sz="1200" i="1" dirty="0">
+              <a:solidFill>
+                <a:schemeClr val="bg1">
+                  <a:lumMod val="65000"/>
+                </a:schemeClr>
+              </a:solidFill>
+            </a:endParaRPr>
+          </a:p>
+        </p:txBody>
+      </p:sp>
+      <p:sp>
+        <p:nvSpPr>
+          <p:cNvPr id="86" name="文本框 85"/>
+          <p:cNvSpPr txBox="1"/>
+          <p:nvPr/>
+        </p:nvSpPr>
+        <p:spPr>
+          <a:xfrm>
+            <a:off x="2988161" y="4318502"/>
+            <a:ext cx="1255472" cy="276999"/>
+          </a:xfrm>
+          <a:prstGeom prst="rect">
+            <a:avLst/>
+          </a:prstGeom>
+          <a:noFill/>
+        </p:spPr>
+        <p:txBody>
+          <a:bodyPr wrap="none" rtlCol="0">
+            <a:spAutoFit/>
+          </a:bodyPr>
+          <a:lstStyle/>
+          <a:p>
+            <a:r>
+              <a:rPr lang="en-US" altLang="zh-CN" sz="1200" i="1" dirty="0">
+                <a:solidFill>
+                  <a:schemeClr val="bg1">
+                    <a:lumMod val="65000"/>
+                  </a:schemeClr>
+                </a:solidFill>
+              </a:rPr>
+              <a:t>&lt;&lt;aggregation&gt;&gt;</a:t>
+            </a:r>
+            <a:endParaRPr lang="zh-CN" altLang="en-US" sz="1200" i="1" dirty="0">
+              <a:solidFill>
+                <a:schemeClr val="bg1">
+                  <a:lumMod val="65000"/>
+                </a:schemeClr>
+              </a:solidFill>
+            </a:endParaRPr>
+          </a:p>
+        </p:txBody>
+      </p:sp>
+      <p:sp>
+        <p:nvSpPr>
+          <p:cNvPr id="88" name="矩形: 圆角 87"/>
+          <p:cNvSpPr/>
+          <p:nvPr/>
+        </p:nvSpPr>
+        <p:spPr>
+          <a:xfrm>
+            <a:off x="3372352" y="1551421"/>
+            <a:ext cx="1010172" cy="368969"/>
+          </a:xfrm>
+          <a:prstGeom prst="roundRect">
+            <a:avLst/>
+          </a:prstGeom>
+          <a:ln>
+            <a:prstDash val="dash"/>
+          </a:ln>
+        </p:spPr>
+        <p:style>
+          <a:lnRef idx="1">
+            <a:schemeClr val="accent3"/>
+          </a:lnRef>
+          <a:fillRef idx="2">
+            <a:schemeClr val="accent3"/>
+          </a:fillRef>
+          <a:effectRef idx="1">
+            <a:schemeClr val="accent3"/>
+          </a:effectRef>
+          <a:fontRef idx="minor">
+            <a:schemeClr val="dk1"/>
+          </a:fontRef>
+        </p:style>
+        <p:txBody>
+          <a:bodyPr rtlCol="0" anchor="ctr"/>
+          <a:lstStyle/>
+          <a:p>
+            <a:pPr algn="ctr"/>
+            <a:r>
+              <a:rPr lang="en-US" altLang="zh-CN" sz="1200" dirty="0"/>
+              <a:t>socket</a:t>
+            </a:r>
+            <a:endParaRPr lang="zh-CN" altLang="en-US" sz="1200" dirty="0"/>
+          </a:p>
+        </p:txBody>
+      </p:sp>
+      <p:sp>
+        <p:nvSpPr>
+          <p:cNvPr id="90" name="矩形: 圆角 89"/>
+          <p:cNvSpPr/>
+          <p:nvPr/>
+        </p:nvSpPr>
+        <p:spPr>
+          <a:xfrm>
+            <a:off x="3372351" y="1991769"/>
+            <a:ext cx="1010173" cy="368969"/>
+          </a:xfrm>
+          <a:prstGeom prst="roundRect">
+            <a:avLst/>
+          </a:prstGeom>
+          <a:ln>
+            <a:prstDash val="dash"/>
+          </a:ln>
+        </p:spPr>
+        <p:style>
+          <a:lnRef idx="1">
+            <a:schemeClr val="accent3"/>
+          </a:lnRef>
+          <a:fillRef idx="2">
+            <a:schemeClr val="accent3"/>
+          </a:fillRef>
+          <a:effectRef idx="1">
+            <a:schemeClr val="accent3"/>
+          </a:effectRef>
+          <a:fontRef idx="minor">
+            <a:schemeClr val="dk1"/>
+          </a:fontRef>
+        </p:style>
+        <p:txBody>
+          <a:bodyPr rtlCol="0" anchor="ctr"/>
+          <a:lstStyle/>
+          <a:p>
+            <a:pPr algn="ctr"/>
+            <a:r>
+              <a:rPr lang="en-US" altLang="zh-CN" sz="1200" dirty="0"/>
+              <a:t>websocket</a:t>
+            </a:r>
+            <a:endParaRPr lang="zh-CN" altLang="en-US" sz="1200" dirty="0"/>
+          </a:p>
+        </p:txBody>
+      </p:sp>
+      <p:sp>
+        <p:nvSpPr>
+          <p:cNvPr id="92" name="矩形: 圆角 91"/>
+          <p:cNvSpPr/>
+          <p:nvPr/>
+        </p:nvSpPr>
+        <p:spPr>
+          <a:xfrm>
+            <a:off x="3372351" y="2442936"/>
+            <a:ext cx="1010172" cy="368969"/>
+          </a:xfrm>
+          <a:prstGeom prst="roundRect">
+            <a:avLst/>
+          </a:prstGeom>
+          <a:ln>
+            <a:prstDash val="dash"/>
+          </a:ln>
+        </p:spPr>
+        <p:style>
+          <a:lnRef idx="1">
+            <a:schemeClr val="accent3"/>
+          </a:lnRef>
+          <a:fillRef idx="2">
+            <a:schemeClr val="accent3"/>
+          </a:fillRef>
+          <a:effectRef idx="1">
+            <a:schemeClr val="accent3"/>
+          </a:effectRef>
+          <a:fontRef idx="minor">
+            <a:schemeClr val="dk1"/>
+          </a:fontRef>
+        </p:style>
+        <p:txBody>
+          <a:bodyPr rtlCol="0" anchor="ctr"/>
+          <a:lstStyle/>
+          <a:p>
+            <a:pPr algn="ctr"/>
+            <a:r>
+              <a:rPr lang="en-US" altLang="zh-CN" sz="1200" dirty="0"/>
+              <a:t>MQ</a:t>
+            </a:r>
+            <a:endParaRPr lang="zh-CN" altLang="en-US" sz="1200" dirty="0"/>
+          </a:p>
+        </p:txBody>
+      </p:sp>
+      <p:sp>
+        <p:nvSpPr>
+          <p:cNvPr id="28" name="右大括号 27"/>
+          <p:cNvSpPr/>
+          <p:nvPr/>
+        </p:nvSpPr>
+        <p:spPr>
+          <a:xfrm>
+            <a:off x="4527672" y="1638301"/>
+            <a:ext cx="438936" cy="1082986"/>
+          </a:xfrm>
+          <a:prstGeom prst="rightBrace">
+            <a:avLst>
+              <a:gd name="adj1" fmla="val 8333"/>
+              <a:gd name="adj2" fmla="val 52013"/>
+            </a:avLst>
+          </a:prstGeom>
+        </p:spPr>
+        <p:style>
+          <a:lnRef idx="1">
+            <a:schemeClr val="accent1"/>
+          </a:lnRef>
+          <a:fillRef idx="0">
+            <a:schemeClr val="accent1"/>
+          </a:fillRef>
+          <a:effectRef idx="0">
+            <a:schemeClr val="accent1"/>
+          </a:effectRef>
+          <a:fontRef idx="minor">
+            <a:schemeClr val="tx1"/>
+          </a:fontRef>
+        </p:style>
+        <p:txBody>
+          <a:bodyPr rtlCol="0" anchor="ctr"/>
+          <a:lstStyle/>
+          <a:p>
+            <a:pPr algn="ctr"/>
+            <a:endParaRPr lang="zh-CN" altLang="en-US"/>
+          </a:p>
+        </p:txBody>
+      </p:sp>
+    </p:spTree>
+    <p:extLst>
+      <p:ext uri="{BB962C8B-B14F-4D97-AF65-F5344CB8AC3E}">
+        <p14:creationId xmlns:p14="http://schemas.microsoft.com/office/powerpoint/2010/main" val="1900235819"/>
+      </p:ext>
+    </p:extLst>
+  </p:cSld>
+  <p:clrMapOvr>
+    <a:masterClrMapping/>
+  </p:clrMapOvr>
+</p:sld>
+</file>
+
 <file path=ppt/theme/theme1.xml><?xml version="1.0" encoding="utf-8"?>
 <a:theme xmlns:a="http://schemas.openxmlformats.org/drawingml/2006/main" name="Office 主题">
   <a:themeElements>

--- a/doc/tce_protocal_internal.pptx
+++ b/doc/tce_protocal_internal.pptx
@@ -8,6 +8,7 @@
     <p:sldId id="256" r:id="rId2"/>
     <p:sldId id="257" r:id="rId3"/>
     <p:sldId id="258" r:id="rId4"/>
+    <p:sldId id="259" r:id="rId5"/>
   </p:sldIdLst>
   <p:sldSz cx="12192000" cy="6858000"/>
   <p:notesSz cx="6858000" cy="9144000"/>
@@ -243,7 +244,7 @@
           <a:p>
             <a:fld id="{DCB352E4-A803-4722-87B9-F8807506504E}" type="datetimeFigureOut">
               <a:rPr lang="zh-CN" altLang="en-US" smtClean="0"/>
-              <a:t>2016/9/2</a:t>
+              <a:t>16/9/7</a:t>
             </a:fld>
             <a:endParaRPr lang="zh-CN" altLang="en-US"/>
           </a:p>
@@ -411,7 +412,7 @@
           <a:p>
             <a:fld id="{DCB352E4-A803-4722-87B9-F8807506504E}" type="datetimeFigureOut">
               <a:rPr lang="zh-CN" altLang="en-US" smtClean="0"/>
-              <a:t>2016/9/2</a:t>
+              <a:t>16/9/7</a:t>
             </a:fld>
             <a:endParaRPr lang="zh-CN" altLang="en-US"/>
           </a:p>
@@ -589,7 +590,7 @@
           <a:p>
             <a:fld id="{DCB352E4-A803-4722-87B9-F8807506504E}" type="datetimeFigureOut">
               <a:rPr lang="zh-CN" altLang="en-US" smtClean="0"/>
-              <a:t>2016/9/2</a:t>
+              <a:t>16/9/7</a:t>
             </a:fld>
             <a:endParaRPr lang="zh-CN" altLang="en-US"/>
           </a:p>
@@ -757,7 +758,7 @@
           <a:p>
             <a:fld id="{DCB352E4-A803-4722-87B9-F8807506504E}" type="datetimeFigureOut">
               <a:rPr lang="zh-CN" altLang="en-US" smtClean="0"/>
-              <a:t>2016/9/2</a:t>
+              <a:t>16/9/7</a:t>
             </a:fld>
             <a:endParaRPr lang="zh-CN" altLang="en-US"/>
           </a:p>
@@ -1002,7 +1003,7 @@
           <a:p>
             <a:fld id="{DCB352E4-A803-4722-87B9-F8807506504E}" type="datetimeFigureOut">
               <a:rPr lang="zh-CN" altLang="en-US" smtClean="0"/>
-              <a:t>2016/9/2</a:t>
+              <a:t>16/9/7</a:t>
             </a:fld>
             <a:endParaRPr lang="zh-CN" altLang="en-US"/>
           </a:p>
@@ -1231,7 +1232,7 @@
           <a:p>
             <a:fld id="{DCB352E4-A803-4722-87B9-F8807506504E}" type="datetimeFigureOut">
               <a:rPr lang="zh-CN" altLang="en-US" smtClean="0"/>
-              <a:t>2016/9/2</a:t>
+              <a:t>16/9/7</a:t>
             </a:fld>
             <a:endParaRPr lang="zh-CN" altLang="en-US"/>
           </a:p>
@@ -1595,7 +1596,7 @@
           <a:p>
             <a:fld id="{DCB352E4-A803-4722-87B9-F8807506504E}" type="datetimeFigureOut">
               <a:rPr lang="zh-CN" altLang="en-US" smtClean="0"/>
-              <a:t>2016/9/2</a:t>
+              <a:t>16/9/7</a:t>
             </a:fld>
             <a:endParaRPr lang="zh-CN" altLang="en-US"/>
           </a:p>
@@ -1712,7 +1713,7 @@
           <a:p>
             <a:fld id="{DCB352E4-A803-4722-87B9-F8807506504E}" type="datetimeFigureOut">
               <a:rPr lang="zh-CN" altLang="en-US" smtClean="0"/>
-              <a:t>2016/9/2</a:t>
+              <a:t>16/9/7</a:t>
             </a:fld>
             <a:endParaRPr lang="zh-CN" altLang="en-US"/>
           </a:p>
@@ -1807,7 +1808,7 @@
           <a:p>
             <a:fld id="{DCB352E4-A803-4722-87B9-F8807506504E}" type="datetimeFigureOut">
               <a:rPr lang="zh-CN" altLang="en-US" smtClean="0"/>
-              <a:t>2016/9/2</a:t>
+              <a:t>16/9/7</a:t>
             </a:fld>
             <a:endParaRPr lang="zh-CN" altLang="en-US"/>
           </a:p>
@@ -2082,7 +2083,7 @@
           <a:p>
             <a:fld id="{DCB352E4-A803-4722-87B9-F8807506504E}" type="datetimeFigureOut">
               <a:rPr lang="zh-CN" altLang="en-US" smtClean="0"/>
-              <a:t>2016/9/2</a:t>
+              <a:t>16/9/7</a:t>
             </a:fld>
             <a:endParaRPr lang="zh-CN" altLang="en-US"/>
           </a:p>
@@ -2334,7 +2335,7 @@
           <a:p>
             <a:fld id="{DCB352E4-A803-4722-87B9-F8807506504E}" type="datetimeFigureOut">
               <a:rPr lang="zh-CN" altLang="en-US" smtClean="0"/>
-              <a:t>2016/9/2</a:t>
+              <a:t>16/9/7</a:t>
             </a:fld>
             <a:endParaRPr lang="zh-CN" altLang="en-US"/>
           </a:p>
@@ -2545,7 +2546,7 @@
           <a:p>
             <a:fld id="{DCB352E4-A803-4722-87B9-F8807506504E}" type="datetimeFigureOut">
               <a:rPr lang="zh-CN" altLang="en-US" smtClean="0"/>
-              <a:t>2016/9/2</a:t>
+              <a:t>16/9/7</a:t>
             </a:fld>
             <a:endParaRPr lang="zh-CN" altLang="en-US"/>
           </a:p>
@@ -7622,6 +7623,2815 @@
 </p:sld>
 </file>
 
+<file path=ppt/slides/slide4.xml><?xml version="1.0" encoding="utf-8"?>
+<p:sld xmlns:a="http://schemas.openxmlformats.org/drawingml/2006/main" xmlns:r="http://schemas.openxmlformats.org/officeDocument/2006/relationships" xmlns:p="http://schemas.openxmlformats.org/presentationml/2006/main">
+  <p:cSld>
+    <p:spTree>
+      <p:nvGrpSpPr>
+        <p:cNvPr id="1" name=""/>
+        <p:cNvGrpSpPr/>
+        <p:nvPr/>
+      </p:nvGrpSpPr>
+      <p:grpSpPr>
+        <a:xfrm>
+          <a:off x="0" y="0"/>
+          <a:ext cx="0" cy="0"/>
+          <a:chOff x="0" y="0"/>
+          <a:chExt cx="0" cy="0"/>
+        </a:xfrm>
+      </p:grpSpPr>
+      <p:sp>
+        <p:nvSpPr>
+          <p:cNvPr id="53" name="文本框 52"/>
+          <p:cNvSpPr txBox="1"/>
+          <p:nvPr/>
+        </p:nvSpPr>
+        <p:spPr>
+          <a:xfrm>
+            <a:off x="435007" y="470519"/>
+            <a:ext cx="1926233" cy="338554"/>
+          </a:xfrm>
+          <a:prstGeom prst="rect">
+            <a:avLst/>
+          </a:prstGeom>
+          <a:noFill/>
+        </p:spPr>
+        <p:txBody>
+          <a:bodyPr wrap="none" rtlCol="0">
+            <a:spAutoFit/>
+          </a:bodyPr>
+          <a:lstStyle/>
+          <a:p>
+            <a:r>
+              <a:rPr lang="zh-CN" altLang="en-US" sz="1600" dirty="0" smtClean="0"/>
+              <a:t>基于</a:t>
+            </a:r>
+            <a:r>
+              <a:rPr lang="en-US" altLang="zh-CN" sz="1600" dirty="0" smtClean="0"/>
+              <a:t>TCE</a:t>
+            </a:r>
+            <a:r>
+              <a:rPr lang="zh-CN" altLang="en-US" sz="1600" dirty="0" smtClean="0"/>
+              <a:t>的消息</a:t>
+            </a:r>
+            <a:r>
+              <a:rPr lang="zh-CN" altLang="en-US" sz="1600" dirty="0" smtClean="0"/>
+              <a:t>分路</a:t>
+            </a:r>
+            <a:endParaRPr lang="zh-CN" altLang="en-US" sz="1600" dirty="0"/>
+          </a:p>
+        </p:txBody>
+      </p:sp>
+      <p:sp>
+        <p:nvSpPr>
+          <p:cNvPr id="23" name="文本框 22"/>
+          <p:cNvSpPr txBox="1"/>
+          <p:nvPr/>
+        </p:nvSpPr>
+        <p:spPr>
+          <a:xfrm>
+            <a:off x="539260" y="4169053"/>
+            <a:ext cx="5184883" cy="1985159"/>
+          </a:xfrm>
+          <a:prstGeom prst="rect">
+            <a:avLst/>
+          </a:prstGeom>
+          <a:noFill/>
+        </p:spPr>
+        <p:txBody>
+          <a:bodyPr wrap="square" rtlCol="0">
+            <a:spAutoFit/>
+          </a:bodyPr>
+          <a:lstStyle/>
+          <a:p>
+            <a:r>
+              <a:rPr kumimoji="1" lang="en-US" altLang="zh-CN" sz="1200" b="1" u="sng" dirty="0" err="1" smtClean="0"/>
+              <a:t>GWServer</a:t>
+            </a:r>
+            <a:r>
+              <a:rPr kumimoji="1" lang="zh-CN" altLang="en-US" sz="1200" b="1" u="sng" dirty="0" smtClean="0"/>
+              <a:t> </a:t>
+            </a:r>
+            <a:r>
+              <a:rPr kumimoji="1" lang="en-US" altLang="zh-CN" sz="1200" b="1" u="sng" dirty="0"/>
+              <a:t> </a:t>
+            </a:r>
+            <a:r>
+              <a:rPr kumimoji="1" lang="en-US" altLang="zh-CN" sz="1200" b="1" u="sng" dirty="0" smtClean="0"/>
+              <a:t>- </a:t>
+            </a:r>
+            <a:r>
+              <a:rPr kumimoji="1" lang="zh-CN" altLang="en-US" sz="1200" b="1" u="sng" dirty="0" smtClean="0"/>
+              <a:t>网关服务</a:t>
+            </a:r>
+          </a:p>
+          <a:p>
+            <a:endParaRPr kumimoji="1" lang="zh-CN" altLang="en-US" sz="1200" dirty="0" smtClean="0">
+              <a:latin typeface="STHeiti Light" charset="-122"/>
+              <a:ea typeface="STHeiti Light" charset="-122"/>
+              <a:cs typeface="STHeiti Light" charset="-122"/>
+            </a:endParaRPr>
+          </a:p>
+          <a:p>
+            <a:r>
+              <a:rPr kumimoji="1" lang="zh-CN" altLang="en-US" sz="1100" dirty="0" smtClean="0">
+                <a:latin typeface="STHeiti Light" charset="-122"/>
+                <a:ea typeface="STHeiti Light" charset="-122"/>
+                <a:cs typeface="STHeiti Light" charset="-122"/>
+              </a:rPr>
+              <a:t>接入大数量的客户请求连接，提供身份认证</a:t>
+            </a:r>
+            <a:r>
+              <a:rPr kumimoji="1" lang="en-US" altLang="zh-CN" sz="1100" dirty="0" smtClean="0">
+                <a:latin typeface="STHeiti Light" charset="-122"/>
+                <a:ea typeface="STHeiti Light" charset="-122"/>
+                <a:cs typeface="STHeiti Light" charset="-122"/>
+              </a:rPr>
+              <a:t>(token),</a:t>
+            </a:r>
+            <a:r>
+              <a:rPr kumimoji="1" lang="zh-CN" altLang="en-US" sz="1100" dirty="0" smtClean="0">
+                <a:latin typeface="STHeiti Light" charset="-122"/>
+                <a:ea typeface="STHeiti Light" charset="-122"/>
+                <a:cs typeface="STHeiti Light" charset="-122"/>
+              </a:rPr>
+              <a:t>数据安全通道（</a:t>
+            </a:r>
+            <a:r>
+              <a:rPr kumimoji="1" lang="en-US" altLang="zh-CN" sz="1100" dirty="0" err="1" smtClean="0">
+                <a:latin typeface="STHeiti Light" charset="-122"/>
+                <a:ea typeface="STHeiti Light" charset="-122"/>
+                <a:cs typeface="STHeiti Light" charset="-122"/>
+              </a:rPr>
+              <a:t>ssl</a:t>
+            </a:r>
+            <a:r>
+              <a:rPr kumimoji="1" lang="en-US" altLang="zh-CN" sz="1100" dirty="0" smtClean="0">
+                <a:latin typeface="STHeiti Light" charset="-122"/>
+                <a:ea typeface="STHeiti Light" charset="-122"/>
+                <a:cs typeface="STHeiti Light" charset="-122"/>
+              </a:rPr>
+              <a:t>)</a:t>
+            </a:r>
+            <a:r>
+              <a:rPr kumimoji="1" lang="zh-CN" altLang="en-US" sz="1100" dirty="0" smtClean="0">
+                <a:latin typeface="STHeiti Light" charset="-122"/>
+                <a:ea typeface="STHeiti Light" charset="-122"/>
+                <a:cs typeface="STHeiti Light" charset="-122"/>
+              </a:rPr>
+              <a:t>传输和消息路由分派功能。 </a:t>
+            </a:r>
+            <a:r>
+              <a:rPr kumimoji="1" lang="en-US" altLang="zh-CN" sz="1100" dirty="0" smtClean="0">
+                <a:latin typeface="STHeiti Light" charset="-122"/>
+                <a:ea typeface="STHeiti Light" charset="-122"/>
+                <a:cs typeface="STHeiti Light" charset="-122"/>
+              </a:rPr>
+              <a:t> </a:t>
+            </a:r>
+            <a:endParaRPr kumimoji="1" lang="zh-CN" altLang="en-US" sz="1100" dirty="0" smtClean="0">
+              <a:latin typeface="STHeiti Light" charset="-122"/>
+              <a:ea typeface="STHeiti Light" charset="-122"/>
+              <a:cs typeface="STHeiti Light" charset="-122"/>
+            </a:endParaRPr>
+          </a:p>
+          <a:p>
+            <a:r>
+              <a:rPr kumimoji="1" lang="zh-CN" altLang="en-US" sz="1100" dirty="0" smtClean="0">
+                <a:latin typeface="STHeiti Light" charset="-122"/>
+                <a:ea typeface="STHeiti Light" charset="-122"/>
+                <a:cs typeface="STHeiti Light" charset="-122"/>
+              </a:rPr>
+              <a:t>消息分派</a:t>
+            </a:r>
+            <a:r>
+              <a:rPr kumimoji="1" lang="en-US" altLang="zh-CN" sz="1100" dirty="0" smtClean="0">
+                <a:latin typeface="STHeiti Light" charset="-122"/>
+                <a:ea typeface="STHeiti Light" charset="-122"/>
+                <a:cs typeface="STHeiti Light" charset="-122"/>
+              </a:rPr>
+              <a:t>:  </a:t>
+            </a:r>
+            <a:r>
+              <a:rPr kumimoji="1" lang="en-US" altLang="zh-CN" sz="1100" dirty="0" err="1" smtClean="0">
+                <a:latin typeface="STHeiti Light" charset="-122"/>
+                <a:ea typeface="STHeiti Light" charset="-122"/>
+                <a:cs typeface="STHeiti Light" charset="-122"/>
+              </a:rPr>
+              <a:t>GWServer</a:t>
+            </a:r>
+            <a:r>
+              <a:rPr kumimoji="1" lang="zh-CN" altLang="en-US" sz="1100" dirty="0" smtClean="0">
+                <a:latin typeface="STHeiti Light" charset="-122"/>
+                <a:ea typeface="STHeiti Light" charset="-122"/>
+                <a:cs typeface="STHeiti Light" charset="-122"/>
+              </a:rPr>
+              <a:t>根据客户的</a:t>
+            </a:r>
+            <a:r>
+              <a:rPr kumimoji="1" lang="en-US" altLang="zh-CN" sz="1100" dirty="0" err="1" smtClean="0">
+                <a:latin typeface="STHeiti Light" charset="-122"/>
+                <a:ea typeface="STHeiti Light" charset="-122"/>
+                <a:cs typeface="STHeiti Light" charset="-122"/>
+              </a:rPr>
+              <a:t>Rpc</a:t>
+            </a:r>
+            <a:r>
+              <a:rPr kumimoji="1" lang="zh-CN" altLang="en-US" sz="1100" dirty="0" smtClean="0">
+                <a:latin typeface="STHeiti Light" charset="-122"/>
+                <a:ea typeface="STHeiti Light" charset="-122"/>
+                <a:cs typeface="STHeiti Light" charset="-122"/>
+              </a:rPr>
+              <a:t>请求调用的接口，将消息转发到后端服务系统，并从后端服务系统接收</a:t>
+            </a:r>
+            <a:r>
+              <a:rPr kumimoji="1" lang="en-US" altLang="zh-CN" sz="1100" dirty="0" err="1" smtClean="0">
+                <a:latin typeface="STHeiti Light" charset="-122"/>
+                <a:ea typeface="STHeiti Light" charset="-122"/>
+                <a:cs typeface="STHeiti Light" charset="-122"/>
+              </a:rPr>
+              <a:t>Rpc</a:t>
+            </a:r>
+            <a:r>
+              <a:rPr kumimoji="1" lang="zh-CN" altLang="en-US" sz="1100" dirty="0" smtClean="0">
+                <a:latin typeface="STHeiti Light" charset="-122"/>
+                <a:ea typeface="STHeiti Light" charset="-122"/>
+                <a:cs typeface="STHeiti Light" charset="-122"/>
+              </a:rPr>
+              <a:t>消息转发到前段客户程序。 </a:t>
+            </a:r>
+            <a:r>
+              <a:rPr kumimoji="1" lang="en-US" altLang="zh-CN" sz="1100" dirty="0" err="1" smtClean="0">
+                <a:latin typeface="STHeiti Light" charset="-122"/>
+                <a:ea typeface="STHeiti Light" charset="-122"/>
+                <a:cs typeface="STHeiti Light" charset="-122"/>
+              </a:rPr>
+              <a:t>GWServer</a:t>
+            </a:r>
+            <a:r>
+              <a:rPr kumimoji="1" lang="zh-CN" altLang="en-US" sz="1100" dirty="0" smtClean="0">
+                <a:latin typeface="STHeiti Light" charset="-122"/>
+                <a:ea typeface="STHeiti Light" charset="-122"/>
+                <a:cs typeface="STHeiti Light" charset="-122"/>
+              </a:rPr>
+              <a:t>扮演</a:t>
+            </a:r>
+            <a:r>
+              <a:rPr kumimoji="1" lang="en-US" altLang="zh-CN" sz="1100" dirty="0" err="1" smtClean="0">
+                <a:latin typeface="STHeiti Light" charset="-122"/>
+                <a:ea typeface="STHeiti Light" charset="-122"/>
+                <a:cs typeface="STHeiti Light" charset="-122"/>
+              </a:rPr>
+              <a:t>Rpc</a:t>
+            </a:r>
+            <a:r>
+              <a:rPr kumimoji="1" lang="zh-CN" altLang="en-US" sz="1100" dirty="0" smtClean="0">
+                <a:latin typeface="STHeiti Light" charset="-122"/>
+                <a:ea typeface="STHeiti Light" charset="-122"/>
+                <a:cs typeface="STHeiti Light" charset="-122"/>
+              </a:rPr>
+              <a:t>请求中间人角色，负责传递客户端与服务器之间</a:t>
+            </a:r>
+            <a:r>
+              <a:rPr kumimoji="1" lang="en-US" altLang="zh-CN" sz="1100" dirty="0" err="1" smtClean="0">
+                <a:latin typeface="STHeiti Light" charset="-122"/>
+                <a:ea typeface="STHeiti Light" charset="-122"/>
+                <a:cs typeface="STHeiti Light" charset="-122"/>
+              </a:rPr>
+              <a:t>Rpc</a:t>
+            </a:r>
+            <a:r>
+              <a:rPr kumimoji="1" lang="zh-CN" altLang="en-US" sz="1100" dirty="0" smtClean="0">
+                <a:latin typeface="STHeiti Light" charset="-122"/>
+                <a:ea typeface="STHeiti Light" charset="-122"/>
+                <a:cs typeface="STHeiti Light" charset="-122"/>
+              </a:rPr>
+              <a:t>消息的传递。 </a:t>
+            </a:r>
+          </a:p>
+          <a:p>
+            <a:endParaRPr kumimoji="1" lang="zh-CN" altLang="en-US" sz="1100" dirty="0">
+              <a:latin typeface="STHeiti Light" charset="-122"/>
+              <a:ea typeface="STHeiti Light" charset="-122"/>
+              <a:cs typeface="STHeiti Light" charset="-122"/>
+            </a:endParaRPr>
+          </a:p>
+          <a:p>
+            <a:r>
+              <a:rPr kumimoji="1" lang="zh-CN" altLang="en-US" sz="1100" dirty="0" smtClean="0">
+                <a:latin typeface="STHeiti Light" charset="-122"/>
+                <a:ea typeface="STHeiti Light" charset="-122"/>
+                <a:cs typeface="STHeiti Light" charset="-122"/>
+              </a:rPr>
+              <a:t>事务性消息推入</a:t>
+            </a:r>
+            <a:r>
+              <a:rPr kumimoji="1" lang="en-US" altLang="zh-CN" sz="1100" dirty="0" smtClean="0">
+                <a:latin typeface="STHeiti Light" charset="-122"/>
+                <a:ea typeface="STHeiti Light" charset="-122"/>
+                <a:cs typeface="STHeiti Light" charset="-122"/>
+              </a:rPr>
+              <a:t>MQ</a:t>
+            </a:r>
+            <a:r>
+              <a:rPr kumimoji="1" lang="zh-CN" altLang="en-US" sz="1100" dirty="0" smtClean="0">
+                <a:latin typeface="STHeiti Light" charset="-122"/>
+                <a:ea typeface="STHeiti Light" charset="-122"/>
+                <a:cs typeface="STHeiti Light" charset="-122"/>
+              </a:rPr>
+              <a:t>系统，后端的业务服务器进行</a:t>
+            </a:r>
+            <a:r>
+              <a:rPr kumimoji="1" lang="en-US" altLang="zh-CN" sz="1100" dirty="0" err="1" smtClean="0">
+                <a:latin typeface="STHeiti Light" charset="-122"/>
+                <a:ea typeface="STHeiti Light" charset="-122"/>
+                <a:cs typeface="STHeiti Light" charset="-122"/>
+              </a:rPr>
+              <a:t>FanIn</a:t>
+            </a:r>
+            <a:r>
+              <a:rPr kumimoji="1" lang="en-US" altLang="zh-CN" sz="1100" dirty="0" smtClean="0">
+                <a:latin typeface="STHeiti Light" charset="-122"/>
+                <a:ea typeface="STHeiti Light" charset="-122"/>
+                <a:cs typeface="STHeiti Light" charset="-122"/>
+              </a:rPr>
+              <a:t>/</a:t>
+            </a:r>
+            <a:r>
+              <a:rPr kumimoji="1" lang="en-US" altLang="zh-CN" sz="1100" dirty="0" err="1" smtClean="0">
+                <a:latin typeface="STHeiti Light" charset="-122"/>
+                <a:ea typeface="STHeiti Light" charset="-122"/>
+                <a:cs typeface="STHeiti Light" charset="-122"/>
+              </a:rPr>
+              <a:t>FanOut</a:t>
+            </a:r>
+            <a:r>
+              <a:rPr kumimoji="1" lang="zh-CN" altLang="en-US" sz="1100" dirty="0" smtClean="0">
+                <a:latin typeface="STHeiti Light" charset="-122"/>
+                <a:ea typeface="STHeiti Light" charset="-122"/>
+                <a:cs typeface="STHeiti Light" charset="-122"/>
+              </a:rPr>
+              <a:t>消息的读取和发送。</a:t>
+            </a:r>
+            <a:endParaRPr kumimoji="1" lang="en-US" altLang="zh-CN" sz="1100" dirty="0" smtClean="0">
+              <a:latin typeface="STHeiti Light" charset="-122"/>
+              <a:ea typeface="STHeiti Light" charset="-122"/>
+              <a:cs typeface="STHeiti Light" charset="-122"/>
+            </a:endParaRPr>
+          </a:p>
+          <a:p>
+            <a:r>
+              <a:rPr kumimoji="1" lang="zh-CN" altLang="en-US" sz="1100" dirty="0" smtClean="0">
+                <a:latin typeface="STHeiti Light" charset="-122"/>
+                <a:ea typeface="STHeiti Light" charset="-122"/>
+                <a:cs typeface="STHeiti Light" charset="-122"/>
+              </a:rPr>
+              <a:t>实时性消息分派到</a:t>
+            </a:r>
+            <a:r>
+              <a:rPr kumimoji="1" lang="en-US" altLang="zh-CN" sz="1100" dirty="0" err="1" smtClean="0">
+                <a:latin typeface="STHeiti Light" charset="-122"/>
+                <a:ea typeface="STHeiti Light" charset="-122"/>
+                <a:cs typeface="STHeiti Light" charset="-122"/>
+              </a:rPr>
+              <a:t>HaProxy</a:t>
+            </a:r>
+            <a:r>
+              <a:rPr kumimoji="1" lang="zh-CN" altLang="en-US" sz="1100" dirty="0" smtClean="0">
+                <a:latin typeface="STHeiti Light" charset="-122"/>
+                <a:ea typeface="STHeiti Light" charset="-122"/>
+                <a:cs typeface="STHeiti Light" charset="-122"/>
+              </a:rPr>
+              <a:t>，并</a:t>
+            </a:r>
+            <a:r>
+              <a:rPr kumimoji="1" lang="en-US" altLang="zh-CN" sz="1100" dirty="0" err="1" smtClean="0">
+                <a:latin typeface="STHeiti Light" charset="-122"/>
+                <a:ea typeface="STHeiti Light" charset="-122"/>
+                <a:cs typeface="STHeiti Light" charset="-122"/>
+              </a:rPr>
+              <a:t>Fanout</a:t>
+            </a:r>
+            <a:r>
+              <a:rPr kumimoji="1" lang="zh-CN" altLang="en-US" sz="1100" dirty="0" smtClean="0">
+                <a:latin typeface="STHeiti Light" charset="-122"/>
+                <a:ea typeface="STHeiti Light" charset="-122"/>
+                <a:cs typeface="STHeiti Light" charset="-122"/>
+              </a:rPr>
+              <a:t>给后端业务服务器</a:t>
+            </a:r>
+            <a:endParaRPr kumimoji="1" lang="zh-CN" altLang="en-US" sz="1100" dirty="0">
+              <a:latin typeface="STHeiti Light" charset="-122"/>
+              <a:ea typeface="STHeiti Light" charset="-122"/>
+              <a:cs typeface="STHeiti Light" charset="-122"/>
+            </a:endParaRPr>
+          </a:p>
+        </p:txBody>
+      </p:sp>
+      <p:sp>
+        <p:nvSpPr>
+          <p:cNvPr id="76" name="文本框 75"/>
+          <p:cNvSpPr txBox="1"/>
+          <p:nvPr/>
+        </p:nvSpPr>
+        <p:spPr>
+          <a:xfrm>
+            <a:off x="6141799" y="4219084"/>
+            <a:ext cx="5184883" cy="1938992"/>
+          </a:xfrm>
+          <a:prstGeom prst="rect">
+            <a:avLst/>
+          </a:prstGeom>
+          <a:noFill/>
+        </p:spPr>
+        <p:txBody>
+          <a:bodyPr wrap="square" rtlCol="0">
+            <a:spAutoFit/>
+          </a:bodyPr>
+          <a:lstStyle/>
+          <a:p>
+            <a:r>
+              <a:rPr kumimoji="1" lang="zh-CN" altLang="en-US" sz="1200" b="1" u="sng" dirty="0" smtClean="0"/>
+              <a:t>如何从后端服务</a:t>
+            </a:r>
+            <a:r>
+              <a:rPr kumimoji="1" lang="zh-CN" altLang="en-US" sz="1200" b="1" u="sng" smtClean="0"/>
+              <a:t>调用前端接口的</a:t>
+            </a:r>
+            <a:r>
+              <a:rPr kumimoji="1" lang="en-US" altLang="zh-CN" sz="1200" b="1" u="sng" dirty="0" err="1" smtClean="0"/>
+              <a:t>Rpc</a:t>
+            </a:r>
+            <a:r>
+              <a:rPr kumimoji="1" lang="zh-CN" altLang="en-US" sz="1200" b="1" u="sng" dirty="0" smtClean="0"/>
+              <a:t>请求</a:t>
+            </a:r>
+          </a:p>
+          <a:p>
+            <a:endParaRPr kumimoji="1" lang="zh-CN" altLang="en-US" sz="1200" b="1" u="sng" dirty="0" smtClean="0"/>
+          </a:p>
+          <a:p>
+            <a:r>
+              <a:rPr kumimoji="1" lang="zh-CN" altLang="en-US" sz="1200" dirty="0" smtClean="0">
+                <a:latin typeface="STHeiti Light" charset="-122"/>
+                <a:ea typeface="STHeiti Light" charset="-122"/>
+                <a:cs typeface="STHeiti Light" charset="-122"/>
+              </a:rPr>
+              <a:t>从后端服务器发起调用前端客户程序的</a:t>
+            </a:r>
+            <a:r>
+              <a:rPr kumimoji="1" lang="en-US" altLang="zh-CN" sz="1200" dirty="0" err="1" smtClean="0">
+                <a:latin typeface="STHeiti Light" charset="-122"/>
+                <a:ea typeface="STHeiti Light" charset="-122"/>
+                <a:cs typeface="STHeiti Light" charset="-122"/>
+              </a:rPr>
+              <a:t>Rpc</a:t>
+            </a:r>
+            <a:r>
+              <a:rPr kumimoji="1" lang="zh-CN" altLang="en-US" sz="1200" dirty="0" smtClean="0">
+                <a:latin typeface="STHeiti Light" charset="-122"/>
+                <a:ea typeface="STHeiti Light" charset="-122"/>
+                <a:cs typeface="STHeiti Light" charset="-122"/>
+              </a:rPr>
+              <a:t>接口函数，必须定位客户端程序与哪个</a:t>
+            </a:r>
+            <a:r>
+              <a:rPr kumimoji="1" lang="en-US" altLang="zh-CN" sz="1200" dirty="0" err="1" smtClean="0">
+                <a:latin typeface="STHeiti Light" charset="-122"/>
+                <a:ea typeface="STHeiti Light" charset="-122"/>
+                <a:cs typeface="STHeiti Light" charset="-122"/>
+              </a:rPr>
+              <a:t>Gwserver</a:t>
+            </a:r>
+            <a:r>
+              <a:rPr kumimoji="1" lang="zh-CN" altLang="en-US" sz="1200" dirty="0" smtClean="0">
+                <a:latin typeface="STHeiti Light" charset="-122"/>
+                <a:ea typeface="STHeiti Light" charset="-122"/>
+                <a:cs typeface="STHeiti Light" charset="-122"/>
+              </a:rPr>
+              <a:t>连接进入的，进而</a:t>
+            </a:r>
+            <a:r>
+              <a:rPr kumimoji="1" lang="en-US" altLang="zh-CN" sz="1200" dirty="0" err="1" smtClean="0">
+                <a:latin typeface="STHeiti Light" charset="-122"/>
+                <a:ea typeface="STHeiti Light" charset="-122"/>
+                <a:cs typeface="STHeiti Light" charset="-122"/>
+              </a:rPr>
+              <a:t>LogicServer</a:t>
+            </a:r>
+            <a:r>
+              <a:rPr kumimoji="1" lang="zh-CN" altLang="en-US" sz="1200" dirty="0" smtClean="0">
+                <a:latin typeface="STHeiti Light" charset="-122"/>
+                <a:ea typeface="STHeiti Light" charset="-122"/>
+                <a:cs typeface="STHeiti Light" charset="-122"/>
+              </a:rPr>
+              <a:t>构造</a:t>
+            </a:r>
+            <a:r>
+              <a:rPr kumimoji="1" lang="en-US" altLang="zh-CN" sz="1200" dirty="0" err="1" smtClean="0">
+                <a:latin typeface="STHeiti Light" charset="-122"/>
+                <a:ea typeface="STHeiti Light" charset="-122"/>
+                <a:cs typeface="STHeiti Light" charset="-122"/>
+              </a:rPr>
+              <a:t>Rpc</a:t>
+            </a:r>
+            <a:r>
+              <a:rPr kumimoji="1" lang="zh-CN" altLang="en-US" sz="1200" dirty="0" smtClean="0">
+                <a:latin typeface="STHeiti Light" charset="-122"/>
+                <a:ea typeface="STHeiti Light" charset="-122"/>
+                <a:cs typeface="STHeiti Light" charset="-122"/>
+              </a:rPr>
+              <a:t>请求，并将其通过</a:t>
+            </a:r>
+            <a:r>
+              <a:rPr kumimoji="1" lang="en-US" altLang="zh-CN" sz="1200" dirty="0" smtClean="0">
+                <a:latin typeface="STHeiti Light" charset="-122"/>
+                <a:ea typeface="STHeiti Light" charset="-122"/>
+                <a:cs typeface="STHeiti Light" charset="-122"/>
+              </a:rPr>
+              <a:t>MQ</a:t>
+            </a:r>
+            <a:r>
+              <a:rPr kumimoji="1" lang="zh-CN" altLang="en-US" sz="1200" dirty="0" smtClean="0">
+                <a:latin typeface="STHeiti Light" charset="-122"/>
+                <a:ea typeface="STHeiti Light" charset="-122"/>
+                <a:cs typeface="STHeiti Light" charset="-122"/>
+              </a:rPr>
+              <a:t>发送给指定的</a:t>
+            </a:r>
+            <a:r>
+              <a:rPr kumimoji="1" lang="en-US" altLang="zh-CN" sz="1200" dirty="0" err="1" smtClean="0">
+                <a:latin typeface="STHeiti Light" charset="-122"/>
+                <a:ea typeface="STHeiti Light" charset="-122"/>
+                <a:cs typeface="STHeiti Light" charset="-122"/>
+              </a:rPr>
+              <a:t>GWServer</a:t>
+            </a:r>
+            <a:r>
+              <a:rPr kumimoji="1" lang="zh-CN" altLang="en-US" sz="1200" dirty="0" smtClean="0">
+                <a:latin typeface="STHeiti Light" charset="-122"/>
+                <a:ea typeface="STHeiti Light" charset="-122"/>
+                <a:cs typeface="STHeiti Light" charset="-122"/>
+              </a:rPr>
+              <a:t>，继而传递到客户端程序。 </a:t>
+            </a:r>
+          </a:p>
+          <a:p>
+            <a:endParaRPr kumimoji="1" lang="zh-CN" altLang="en-US" sz="1200" dirty="0">
+              <a:latin typeface="STHeiti Light" charset="-122"/>
+              <a:ea typeface="STHeiti Light" charset="-122"/>
+              <a:cs typeface="STHeiti Light" charset="-122"/>
+            </a:endParaRPr>
+          </a:p>
+          <a:p>
+            <a:r>
+              <a:rPr kumimoji="1" lang="zh-CN" altLang="en-US" sz="1200" dirty="0" smtClean="0">
+                <a:latin typeface="STHeiti Light" charset="-122"/>
+                <a:ea typeface="STHeiti Light" charset="-122"/>
+                <a:cs typeface="STHeiti Light" charset="-122"/>
+              </a:rPr>
+              <a:t>＊ </a:t>
+            </a:r>
+            <a:r>
+              <a:rPr kumimoji="1" lang="en-US" altLang="zh-CN" sz="1200" dirty="0" smtClean="0">
+                <a:latin typeface="STHeiti Light" charset="-122"/>
+                <a:ea typeface="STHeiti Light" charset="-122"/>
+                <a:cs typeface="STHeiti Light" charset="-122"/>
+              </a:rPr>
+              <a:t>Server</a:t>
+            </a:r>
+            <a:r>
+              <a:rPr kumimoji="1" lang="zh-CN" altLang="en-US" sz="1200" dirty="0" smtClean="0">
+                <a:latin typeface="STHeiti Light" charset="-122"/>
+                <a:ea typeface="STHeiti Light" charset="-122"/>
+                <a:cs typeface="STHeiti Light" charset="-122"/>
+              </a:rPr>
+              <a:t>端消息传递必须是单向的，或者是</a:t>
+            </a:r>
+            <a:r>
+              <a:rPr kumimoji="1" lang="en-US" altLang="zh-CN" sz="1200" dirty="0" err="1" smtClean="0">
+                <a:latin typeface="STHeiti Light" charset="-122"/>
+                <a:ea typeface="STHeiti Light" charset="-122"/>
+                <a:cs typeface="STHeiti Light" charset="-122"/>
+              </a:rPr>
+              <a:t>async</a:t>
+            </a:r>
+            <a:r>
+              <a:rPr kumimoji="1" lang="zh-CN" altLang="en-US" sz="1200" dirty="0" smtClean="0">
+                <a:latin typeface="STHeiti Light" charset="-122"/>
+                <a:ea typeface="STHeiti Light" charset="-122"/>
+                <a:cs typeface="STHeiti Light" charset="-122"/>
+              </a:rPr>
+              <a:t>异步的</a:t>
+            </a:r>
+          </a:p>
+          <a:p>
+            <a:r>
+              <a:rPr kumimoji="1" lang="zh-CN" altLang="en-US" sz="1200" dirty="0" smtClean="0">
+                <a:latin typeface="STHeiti Light" charset="-122"/>
+                <a:ea typeface="STHeiti Light" charset="-122"/>
+                <a:cs typeface="STHeiti Light" charset="-122"/>
+              </a:rPr>
+              <a:t>     </a:t>
+            </a:r>
+            <a:r>
+              <a:rPr kumimoji="1" lang="en-US" altLang="zh-CN" sz="1200" dirty="0" smtClean="0">
+                <a:latin typeface="STHeiti Light" charset="-122"/>
+                <a:ea typeface="STHeiti Light" charset="-122"/>
+                <a:cs typeface="STHeiti Light" charset="-122"/>
+              </a:rPr>
+              <a:t>server</a:t>
+            </a:r>
+            <a:r>
+              <a:rPr kumimoji="1" lang="zh-CN" altLang="en-US" sz="1200" dirty="0" smtClean="0">
+                <a:latin typeface="STHeiti Light" charset="-122"/>
+                <a:ea typeface="STHeiti Light" charset="-122"/>
+                <a:cs typeface="STHeiti Light" charset="-122"/>
+              </a:rPr>
+              <a:t>到前端客户程序只能是单向 </a:t>
+            </a:r>
+          </a:p>
+          <a:p>
+            <a:r>
+              <a:rPr kumimoji="1" lang="zh-CN" altLang="en-US" sz="1200" dirty="0">
+                <a:latin typeface="STHeiti Light" charset="-122"/>
+                <a:ea typeface="STHeiti Light" charset="-122"/>
+                <a:cs typeface="STHeiti Light" charset="-122"/>
+              </a:rPr>
+              <a:t> </a:t>
+            </a:r>
+            <a:r>
+              <a:rPr kumimoji="1" lang="en-US" altLang="zh-CN" sz="1200" dirty="0" err="1" smtClean="0">
+                <a:latin typeface="STHeiti Light" charset="-122"/>
+                <a:ea typeface="STHeiti Light" charset="-122"/>
+                <a:cs typeface="STHeiti Light" charset="-122"/>
+              </a:rPr>
+              <a:t>GWServer</a:t>
+            </a:r>
+            <a:r>
+              <a:rPr kumimoji="1" lang="zh-CN" altLang="en-US" sz="1200" dirty="0" smtClean="0">
+                <a:latin typeface="STHeiti Light" charset="-122"/>
+                <a:ea typeface="STHeiti Light" charset="-122"/>
+                <a:cs typeface="STHeiti Light" charset="-122"/>
+              </a:rPr>
+              <a:t>负责登记</a:t>
+            </a:r>
+            <a:r>
+              <a:rPr kumimoji="1" lang="en-US" altLang="zh-CN" sz="1200" dirty="0" smtClean="0">
+                <a:latin typeface="STHeiti Light" charset="-122"/>
+                <a:ea typeface="STHeiti Light" charset="-122"/>
+                <a:cs typeface="STHeiti Light" charset="-122"/>
+              </a:rPr>
+              <a:t>client</a:t>
+            </a:r>
+            <a:r>
+              <a:rPr kumimoji="1" lang="zh-CN" altLang="en-US" sz="1200" dirty="0" smtClean="0">
+                <a:latin typeface="STHeiti Light" charset="-122"/>
+                <a:ea typeface="STHeiti Light" charset="-122"/>
+                <a:cs typeface="STHeiti Light" charset="-122"/>
+              </a:rPr>
+              <a:t> </a:t>
+            </a:r>
+            <a:r>
+              <a:rPr kumimoji="1" lang="en-US" altLang="zh-CN" sz="1200" dirty="0" smtClean="0">
+                <a:latin typeface="STHeiti Light" charset="-122"/>
+                <a:ea typeface="STHeiti Light" charset="-122"/>
+                <a:cs typeface="STHeiti Light" charset="-122"/>
+              </a:rPr>
+              <a:t>id</a:t>
+            </a:r>
+            <a:r>
+              <a:rPr kumimoji="1" lang="zh-CN" altLang="en-US" sz="1200" dirty="0" smtClean="0">
+                <a:latin typeface="STHeiti Light" charset="-122"/>
+                <a:ea typeface="STHeiti Light" charset="-122"/>
+                <a:cs typeface="STHeiti Light" charset="-122"/>
+              </a:rPr>
+              <a:t> 到</a:t>
+            </a:r>
+            <a:r>
+              <a:rPr kumimoji="1" lang="en-US" altLang="zh-CN" sz="1200" dirty="0" err="1" smtClean="0">
+                <a:latin typeface="STHeiti Light" charset="-122"/>
+                <a:ea typeface="STHeiti Light" charset="-122"/>
+                <a:cs typeface="STHeiti Light" charset="-122"/>
+              </a:rPr>
+              <a:t>Redis</a:t>
+            </a:r>
+            <a:r>
+              <a:rPr kumimoji="1" lang="zh-CN" altLang="en-US" sz="1200" dirty="0" smtClean="0">
+                <a:latin typeface="STHeiti Light" charset="-122"/>
+                <a:ea typeface="STHeiti Light" charset="-122"/>
+                <a:cs typeface="STHeiti Light" charset="-122"/>
+              </a:rPr>
+              <a:t>，以便</a:t>
+            </a:r>
+            <a:r>
+              <a:rPr kumimoji="1" lang="en-US" altLang="zh-CN" sz="1200" dirty="0" err="1" smtClean="0">
+                <a:latin typeface="STHeiti Light" charset="-122"/>
+                <a:ea typeface="STHeiti Light" charset="-122"/>
+                <a:cs typeface="STHeiti Light" charset="-122"/>
+              </a:rPr>
+              <a:t>LogicServer</a:t>
+            </a:r>
+            <a:r>
+              <a:rPr kumimoji="1" lang="zh-CN" altLang="en-US" sz="1200" dirty="0" smtClean="0">
+                <a:latin typeface="STHeiti Light" charset="-122"/>
+                <a:ea typeface="STHeiti Light" charset="-122"/>
+                <a:cs typeface="STHeiti Light" charset="-122"/>
+              </a:rPr>
+              <a:t>根据</a:t>
+            </a:r>
+            <a:r>
+              <a:rPr kumimoji="1" lang="en-US" altLang="zh-CN" sz="1200" dirty="0" smtClean="0">
+                <a:latin typeface="STHeiti Light" charset="-122"/>
+                <a:ea typeface="STHeiti Light" charset="-122"/>
+                <a:cs typeface="STHeiti Light" charset="-122"/>
+              </a:rPr>
+              <a:t>client</a:t>
+            </a:r>
+            <a:r>
+              <a:rPr kumimoji="1" lang="zh-CN" altLang="en-US" sz="1200" dirty="0" smtClean="0">
+                <a:latin typeface="STHeiti Light" charset="-122"/>
+                <a:ea typeface="STHeiti Light" charset="-122"/>
+                <a:cs typeface="STHeiti Light" charset="-122"/>
+              </a:rPr>
+              <a:t> </a:t>
+            </a:r>
+            <a:r>
+              <a:rPr kumimoji="1" lang="en-US" altLang="zh-CN" sz="1200" dirty="0" smtClean="0">
+                <a:latin typeface="STHeiti Light" charset="-122"/>
+                <a:ea typeface="STHeiti Light" charset="-122"/>
+                <a:cs typeface="STHeiti Light" charset="-122"/>
+              </a:rPr>
+              <a:t>id</a:t>
+            </a:r>
+            <a:r>
+              <a:rPr kumimoji="1" lang="zh-CN" altLang="en-US" sz="1200" dirty="0" smtClean="0">
+                <a:latin typeface="STHeiti Light" charset="-122"/>
+                <a:ea typeface="STHeiti Light" charset="-122"/>
+                <a:cs typeface="STHeiti Light" charset="-122"/>
+              </a:rPr>
+              <a:t>查找</a:t>
+            </a:r>
+            <a:r>
+              <a:rPr kumimoji="1" lang="en-US" altLang="zh-CN" sz="1200" dirty="0" err="1" smtClean="0">
+                <a:latin typeface="STHeiti Light" charset="-122"/>
+                <a:ea typeface="STHeiti Light" charset="-122"/>
+                <a:cs typeface="STHeiti Light" charset="-122"/>
+              </a:rPr>
+              <a:t>GWServer</a:t>
+            </a:r>
+            <a:r>
+              <a:rPr kumimoji="1" lang="zh-CN" altLang="en-US" sz="1200" dirty="0" smtClean="0">
+                <a:latin typeface="STHeiti Light" charset="-122"/>
+                <a:ea typeface="STHeiti Light" charset="-122"/>
+                <a:cs typeface="STHeiti Light" charset="-122"/>
+              </a:rPr>
+              <a:t>的位置。 </a:t>
+            </a:r>
+          </a:p>
+        </p:txBody>
+      </p:sp>
+      <p:grpSp>
+        <p:nvGrpSpPr>
+          <p:cNvPr id="128" name="组 127"/>
+          <p:cNvGrpSpPr/>
+          <p:nvPr/>
+        </p:nvGrpSpPr>
+        <p:grpSpPr>
+          <a:xfrm>
+            <a:off x="875566" y="749240"/>
+            <a:ext cx="9561402" cy="3202331"/>
+            <a:chOff x="921286" y="597654"/>
+            <a:chExt cx="9561402" cy="3202331"/>
+          </a:xfrm>
+        </p:grpSpPr>
+        <p:cxnSp>
+          <p:nvCxnSpPr>
+            <p:cNvPr id="75" name="肘形连接符 74"/>
+            <p:cNvCxnSpPr>
+              <a:endCxn id="92" idx="2"/>
+            </p:cNvCxnSpPr>
+            <p:nvPr/>
+          </p:nvCxnSpPr>
+          <p:spPr>
+            <a:xfrm flipV="1">
+              <a:off x="4140759" y="2060154"/>
+              <a:ext cx="2427059" cy="1593666"/>
+            </a:xfrm>
+            <a:prstGeom prst="bentConnector2">
+              <a:avLst/>
+            </a:prstGeom>
+            <a:ln>
+              <a:tailEnd type="triangle"/>
+            </a:ln>
+          </p:spPr>
+          <p:style>
+            <a:lnRef idx="1">
+              <a:schemeClr val="accent1"/>
+            </a:lnRef>
+            <a:fillRef idx="0">
+              <a:schemeClr val="accent1"/>
+            </a:fillRef>
+            <a:effectRef idx="0">
+              <a:schemeClr val="accent1"/>
+            </a:effectRef>
+            <a:fontRef idx="minor">
+              <a:schemeClr val="tx1"/>
+            </a:fontRef>
+          </p:style>
+        </p:cxnSp>
+        <p:sp>
+          <p:nvSpPr>
+            <p:cNvPr id="12" name="椭圆 11"/>
+            <p:cNvSpPr/>
+            <p:nvPr/>
+          </p:nvSpPr>
+          <p:spPr>
+            <a:xfrm>
+              <a:off x="4638479" y="2018864"/>
+              <a:ext cx="841456" cy="635651"/>
+            </a:xfrm>
+            <a:prstGeom prst="ellipse">
+              <a:avLst/>
+            </a:prstGeom>
+          </p:spPr>
+          <p:style>
+            <a:lnRef idx="2">
+              <a:schemeClr val="accent3"/>
+            </a:lnRef>
+            <a:fillRef idx="1">
+              <a:schemeClr val="lt1"/>
+            </a:fillRef>
+            <a:effectRef idx="0">
+              <a:schemeClr val="accent3"/>
+            </a:effectRef>
+            <a:fontRef idx="minor">
+              <a:schemeClr val="dk1"/>
+            </a:fontRef>
+          </p:style>
+          <p:txBody>
+            <a:bodyPr rtlCol="0" anchor="ctr"/>
+            <a:lstStyle/>
+            <a:p>
+              <a:pPr algn="ctr"/>
+              <a:r>
+                <a:rPr kumimoji="1" lang="en-US" altLang="zh-CN" sz="1200" smtClean="0"/>
+                <a:t>route</a:t>
+              </a:r>
+              <a:endParaRPr kumimoji="1" lang="zh-CN" altLang="en-US" sz="1200" dirty="0"/>
+            </a:p>
+          </p:txBody>
+        </p:sp>
+        <p:sp>
+          <p:nvSpPr>
+            <p:cNvPr id="2" name="矩形: 圆角 1"/>
+            <p:cNvSpPr/>
+            <p:nvPr/>
+          </p:nvSpPr>
+          <p:spPr>
+            <a:xfrm>
+              <a:off x="2941133" y="3285101"/>
+              <a:ext cx="1199626" cy="511729"/>
+            </a:xfrm>
+            <a:prstGeom prst="roundRect">
+              <a:avLst/>
+            </a:prstGeom>
+          </p:spPr>
+          <p:style>
+            <a:lnRef idx="2">
+              <a:schemeClr val="accent2"/>
+            </a:lnRef>
+            <a:fillRef idx="1">
+              <a:schemeClr val="lt1"/>
+            </a:fillRef>
+            <a:effectRef idx="0">
+              <a:schemeClr val="accent2"/>
+            </a:effectRef>
+            <a:fontRef idx="minor">
+              <a:schemeClr val="dk1"/>
+            </a:fontRef>
+          </p:style>
+          <p:txBody>
+            <a:bodyPr rtlCol="0" anchor="ctr"/>
+            <a:lstStyle/>
+            <a:p>
+              <a:pPr algn="ctr"/>
+              <a:r>
+                <a:rPr lang="en-US" altLang="zh-CN" sz="1400" dirty="0"/>
+                <a:t>L</a:t>
+              </a:r>
+              <a:r>
+                <a:rPr lang="en-US" altLang="zh-CN" sz="1400" dirty="0" smtClean="0"/>
+                <a:t>ogicServer</a:t>
+              </a:r>
+              <a:endParaRPr lang="zh-CN" altLang="en-US" sz="1400" dirty="0"/>
+            </a:p>
+          </p:txBody>
+        </p:sp>
+        <p:sp>
+          <p:nvSpPr>
+            <p:cNvPr id="43" name="矩形: 圆角 42"/>
+            <p:cNvSpPr/>
+            <p:nvPr/>
+          </p:nvSpPr>
+          <p:spPr>
+            <a:xfrm>
+              <a:off x="921286" y="2471202"/>
+              <a:ext cx="1035295" cy="438059"/>
+            </a:xfrm>
+            <a:prstGeom prst="roundRect">
+              <a:avLst/>
+            </a:prstGeom>
+          </p:spPr>
+          <p:style>
+            <a:lnRef idx="2">
+              <a:schemeClr val="accent6"/>
+            </a:lnRef>
+            <a:fillRef idx="1">
+              <a:schemeClr val="lt1"/>
+            </a:fillRef>
+            <a:effectRef idx="0">
+              <a:schemeClr val="accent6"/>
+            </a:effectRef>
+            <a:fontRef idx="minor">
+              <a:schemeClr val="dk1"/>
+            </a:fontRef>
+          </p:style>
+          <p:txBody>
+            <a:bodyPr rtlCol="0" anchor="ctr"/>
+            <a:lstStyle/>
+            <a:p>
+              <a:pPr algn="ctr"/>
+              <a:r>
+                <a:rPr lang="en-US" altLang="zh-CN" sz="1400" dirty="0" smtClean="0"/>
+                <a:t>Ha</a:t>
+              </a:r>
+              <a:r>
+                <a:rPr lang="en-US" altLang="zh-CN" sz="1400" dirty="0"/>
+                <a:t>-</a:t>
+              </a:r>
+              <a:r>
+                <a:rPr lang="en-US" altLang="zh-CN" sz="1400" dirty="0" smtClean="0"/>
+                <a:t>Proxy</a:t>
+              </a:r>
+              <a:endParaRPr lang="zh-CN" altLang="en-US" sz="1400" dirty="0"/>
+            </a:p>
+          </p:txBody>
+        </p:sp>
+        <p:sp>
+          <p:nvSpPr>
+            <p:cNvPr id="58" name="矩形: 圆角 57"/>
+            <p:cNvSpPr/>
+            <p:nvPr/>
+          </p:nvSpPr>
+          <p:spPr>
+            <a:xfrm>
+              <a:off x="2943167" y="2431956"/>
+              <a:ext cx="1199626" cy="511729"/>
+            </a:xfrm>
+            <a:prstGeom prst="roundRect">
+              <a:avLst/>
+            </a:prstGeom>
+          </p:spPr>
+          <p:style>
+            <a:lnRef idx="2">
+              <a:schemeClr val="accent3"/>
+            </a:lnRef>
+            <a:fillRef idx="1">
+              <a:schemeClr val="lt1"/>
+            </a:fillRef>
+            <a:effectRef idx="0">
+              <a:schemeClr val="accent3"/>
+            </a:effectRef>
+            <a:fontRef idx="minor">
+              <a:schemeClr val="dk1"/>
+            </a:fontRef>
+          </p:style>
+          <p:txBody>
+            <a:bodyPr rtlCol="0" anchor="ctr"/>
+            <a:lstStyle/>
+            <a:p>
+              <a:pPr algn="ctr"/>
+              <a:r>
+                <a:rPr lang="en-US" altLang="zh-CN" sz="1400" smtClean="0"/>
+                <a:t>GWServer</a:t>
+              </a:r>
+              <a:endParaRPr lang="zh-CN" altLang="en-US" sz="1400" dirty="0"/>
+            </a:p>
+          </p:txBody>
+        </p:sp>
+        <p:sp>
+          <p:nvSpPr>
+            <p:cNvPr id="86" name="文本框 85"/>
+            <p:cNvSpPr txBox="1"/>
+            <p:nvPr/>
+          </p:nvSpPr>
+          <p:spPr>
+            <a:xfrm>
+              <a:off x="4352404" y="3228354"/>
+              <a:ext cx="1549399" cy="276999"/>
+            </a:xfrm>
+            <a:prstGeom prst="rect">
+              <a:avLst/>
+            </a:prstGeom>
+            <a:noFill/>
+          </p:spPr>
+          <p:txBody>
+            <a:bodyPr wrap="none" rtlCol="0">
+              <a:spAutoFit/>
+            </a:bodyPr>
+            <a:lstStyle/>
+            <a:p>
+              <a:r>
+                <a:rPr lang="en-US" altLang="zh-CN" sz="1200" i="1" dirty="0" smtClean="0">
+                  <a:solidFill>
+                    <a:schemeClr val="bg1">
+                      <a:lumMod val="65000"/>
+                    </a:schemeClr>
+                  </a:solidFill>
+                </a:rPr>
+                <a:t>&lt;&lt;</a:t>
+              </a:r>
+              <a:r>
+                <a:rPr lang="en-US" altLang="zh-CN" sz="1200" i="1" dirty="0" err="1" smtClean="0">
+                  <a:solidFill>
+                    <a:schemeClr val="bg1">
+                      <a:lumMod val="65000"/>
+                    </a:schemeClr>
+                  </a:solidFill>
+                </a:rPr>
+                <a:t>Rpc</a:t>
+              </a:r>
+              <a:r>
+                <a:rPr lang="zh-CN" altLang="en-US" sz="1200" i="1" dirty="0" smtClean="0">
+                  <a:solidFill>
+                    <a:schemeClr val="bg1">
+                      <a:lumMod val="65000"/>
+                    </a:schemeClr>
+                  </a:solidFill>
+                </a:rPr>
+                <a:t> </a:t>
+              </a:r>
+              <a:r>
+                <a:rPr lang="en-US" altLang="zh-CN" sz="1200" i="1" dirty="0" smtClean="0">
+                  <a:solidFill>
+                    <a:schemeClr val="bg1">
+                      <a:lumMod val="65000"/>
+                    </a:schemeClr>
+                  </a:solidFill>
+                </a:rPr>
+                <a:t>based socket&gt;&gt;</a:t>
+              </a:r>
+              <a:endParaRPr lang="zh-CN" altLang="en-US" sz="1200" i="1" dirty="0">
+                <a:solidFill>
+                  <a:schemeClr val="bg1">
+                    <a:lumMod val="65000"/>
+                  </a:schemeClr>
+                </a:solidFill>
+              </a:endParaRPr>
+            </a:p>
+          </p:txBody>
+        </p:sp>
+        <p:sp>
+          <p:nvSpPr>
+            <p:cNvPr id="92" name="矩形: 圆角 91"/>
+            <p:cNvSpPr/>
+            <p:nvPr/>
+          </p:nvSpPr>
+          <p:spPr>
+            <a:xfrm>
+              <a:off x="6062732" y="1691185"/>
+              <a:ext cx="1010172" cy="368969"/>
+            </a:xfrm>
+            <a:prstGeom prst="roundRect">
+              <a:avLst/>
+            </a:prstGeom>
+            <a:ln>
+              <a:prstDash val="dash"/>
+            </a:ln>
+          </p:spPr>
+          <p:style>
+            <a:lnRef idx="1">
+              <a:schemeClr val="accent3"/>
+            </a:lnRef>
+            <a:fillRef idx="2">
+              <a:schemeClr val="accent3"/>
+            </a:fillRef>
+            <a:effectRef idx="1">
+              <a:schemeClr val="accent3"/>
+            </a:effectRef>
+            <a:fontRef idx="minor">
+              <a:schemeClr val="dk1"/>
+            </a:fontRef>
+          </p:style>
+          <p:txBody>
+            <a:bodyPr rtlCol="0" anchor="ctr"/>
+            <a:lstStyle/>
+            <a:p>
+              <a:pPr algn="ctr"/>
+              <a:r>
+                <a:rPr lang="en-US" altLang="zh-CN" sz="1200" dirty="0"/>
+                <a:t>MQ</a:t>
+              </a:r>
+              <a:endParaRPr lang="zh-CN" altLang="en-US" sz="1200" dirty="0"/>
+            </a:p>
+          </p:txBody>
+        </p:sp>
+        <p:sp>
+          <p:nvSpPr>
+            <p:cNvPr id="33" name="矩形: 圆角 1"/>
+            <p:cNvSpPr/>
+            <p:nvPr/>
+          </p:nvSpPr>
+          <p:spPr>
+            <a:xfrm>
+              <a:off x="7672897" y="1614826"/>
+              <a:ext cx="1199626" cy="511729"/>
+            </a:xfrm>
+            <a:prstGeom prst="roundRect">
+              <a:avLst/>
+            </a:prstGeom>
+          </p:spPr>
+          <p:style>
+            <a:lnRef idx="2">
+              <a:schemeClr val="accent2"/>
+            </a:lnRef>
+            <a:fillRef idx="1">
+              <a:schemeClr val="lt1"/>
+            </a:fillRef>
+            <a:effectRef idx="0">
+              <a:schemeClr val="accent2"/>
+            </a:effectRef>
+            <a:fontRef idx="minor">
+              <a:schemeClr val="dk1"/>
+            </a:fontRef>
+          </p:style>
+          <p:txBody>
+            <a:bodyPr rtlCol="0" anchor="ctr"/>
+            <a:lstStyle/>
+            <a:p>
+              <a:pPr algn="ctr"/>
+              <a:r>
+                <a:rPr lang="en-US" altLang="zh-CN" sz="1400" dirty="0"/>
+                <a:t>L</a:t>
+              </a:r>
+              <a:r>
+                <a:rPr lang="en-US" altLang="zh-CN" sz="1400" dirty="0" smtClean="0"/>
+                <a:t>ogicServer</a:t>
+              </a:r>
+              <a:endParaRPr lang="zh-CN" altLang="en-US" sz="1400" dirty="0"/>
+            </a:p>
+          </p:txBody>
+        </p:sp>
+        <p:sp>
+          <p:nvSpPr>
+            <p:cNvPr id="35" name="矩形: 圆角 1"/>
+            <p:cNvSpPr/>
+            <p:nvPr/>
+          </p:nvSpPr>
+          <p:spPr>
+            <a:xfrm>
+              <a:off x="7672897" y="2487015"/>
+              <a:ext cx="1199626" cy="511729"/>
+            </a:xfrm>
+            <a:prstGeom prst="roundRect">
+              <a:avLst/>
+            </a:prstGeom>
+          </p:spPr>
+          <p:style>
+            <a:lnRef idx="2">
+              <a:schemeClr val="accent2"/>
+            </a:lnRef>
+            <a:fillRef idx="1">
+              <a:schemeClr val="lt1"/>
+            </a:fillRef>
+            <a:effectRef idx="0">
+              <a:schemeClr val="accent2"/>
+            </a:effectRef>
+            <a:fontRef idx="minor">
+              <a:schemeClr val="dk1"/>
+            </a:fontRef>
+          </p:style>
+          <p:txBody>
+            <a:bodyPr rtlCol="0" anchor="ctr"/>
+            <a:lstStyle/>
+            <a:p>
+              <a:pPr algn="ctr"/>
+              <a:r>
+                <a:rPr lang="en-US" altLang="zh-CN" sz="1400" dirty="0"/>
+                <a:t>L</a:t>
+              </a:r>
+              <a:r>
+                <a:rPr lang="en-US" altLang="zh-CN" sz="1400" dirty="0" smtClean="0"/>
+                <a:t>ogicServer</a:t>
+              </a:r>
+              <a:endParaRPr lang="zh-CN" altLang="en-US" sz="1400" dirty="0"/>
+            </a:p>
+          </p:txBody>
+        </p:sp>
+        <p:sp>
+          <p:nvSpPr>
+            <p:cNvPr id="36" name="矩形: 圆角 1"/>
+            <p:cNvSpPr/>
+            <p:nvPr/>
+          </p:nvSpPr>
+          <p:spPr>
+            <a:xfrm>
+              <a:off x="7672897" y="3288256"/>
+              <a:ext cx="1199626" cy="511729"/>
+            </a:xfrm>
+            <a:prstGeom prst="roundRect">
+              <a:avLst/>
+            </a:prstGeom>
+          </p:spPr>
+          <p:style>
+            <a:lnRef idx="2">
+              <a:schemeClr val="accent2"/>
+            </a:lnRef>
+            <a:fillRef idx="1">
+              <a:schemeClr val="lt1"/>
+            </a:fillRef>
+            <a:effectRef idx="0">
+              <a:schemeClr val="accent2"/>
+            </a:effectRef>
+            <a:fontRef idx="minor">
+              <a:schemeClr val="dk1"/>
+            </a:fontRef>
+          </p:style>
+          <p:txBody>
+            <a:bodyPr rtlCol="0" anchor="ctr"/>
+            <a:lstStyle/>
+            <a:p>
+              <a:pPr algn="ctr"/>
+              <a:r>
+                <a:rPr lang="en-US" altLang="zh-CN" sz="1400" dirty="0"/>
+                <a:t>L</a:t>
+              </a:r>
+              <a:r>
+                <a:rPr lang="en-US" altLang="zh-CN" sz="1400" dirty="0" smtClean="0"/>
+                <a:t>ogicServer</a:t>
+              </a:r>
+              <a:endParaRPr lang="zh-CN" altLang="en-US" sz="1400" dirty="0"/>
+            </a:p>
+          </p:txBody>
+        </p:sp>
+        <p:sp>
+          <p:nvSpPr>
+            <p:cNvPr id="37" name="矩形: 圆角 42"/>
+            <p:cNvSpPr/>
+            <p:nvPr/>
+          </p:nvSpPr>
+          <p:spPr>
+            <a:xfrm>
+              <a:off x="6132618" y="2917958"/>
+              <a:ext cx="940285" cy="436772"/>
+            </a:xfrm>
+            <a:prstGeom prst="roundRect">
+              <a:avLst/>
+            </a:prstGeom>
+          </p:spPr>
+          <p:style>
+            <a:lnRef idx="2">
+              <a:schemeClr val="accent6"/>
+            </a:lnRef>
+            <a:fillRef idx="1">
+              <a:schemeClr val="lt1"/>
+            </a:fillRef>
+            <a:effectRef idx="0">
+              <a:schemeClr val="accent6"/>
+            </a:effectRef>
+            <a:fontRef idx="minor">
+              <a:schemeClr val="dk1"/>
+            </a:fontRef>
+          </p:style>
+          <p:txBody>
+            <a:bodyPr rtlCol="0" anchor="ctr"/>
+            <a:lstStyle/>
+            <a:p>
+              <a:pPr algn="ctr"/>
+              <a:r>
+                <a:rPr lang="en-US" altLang="zh-CN" sz="1400" dirty="0" smtClean="0"/>
+                <a:t>Ha</a:t>
+              </a:r>
+              <a:r>
+                <a:rPr lang="en-US" altLang="zh-CN" sz="1400" dirty="0"/>
+                <a:t>-</a:t>
+              </a:r>
+              <a:r>
+                <a:rPr lang="en-US" altLang="zh-CN" sz="1400" dirty="0" smtClean="0"/>
+                <a:t>Proxy</a:t>
+              </a:r>
+              <a:endParaRPr lang="zh-CN" altLang="en-US" sz="1400" dirty="0"/>
+            </a:p>
+          </p:txBody>
+        </p:sp>
+        <p:sp>
+          <p:nvSpPr>
+            <p:cNvPr id="38" name="矩形: 圆角 57"/>
+            <p:cNvSpPr/>
+            <p:nvPr/>
+          </p:nvSpPr>
+          <p:spPr>
+            <a:xfrm>
+              <a:off x="2941133" y="1645903"/>
+              <a:ext cx="1199626" cy="511729"/>
+            </a:xfrm>
+            <a:prstGeom prst="roundRect">
+              <a:avLst/>
+            </a:prstGeom>
+          </p:spPr>
+          <p:style>
+            <a:lnRef idx="2">
+              <a:schemeClr val="accent3"/>
+            </a:lnRef>
+            <a:fillRef idx="1">
+              <a:schemeClr val="lt1"/>
+            </a:fillRef>
+            <a:effectRef idx="0">
+              <a:schemeClr val="accent3"/>
+            </a:effectRef>
+            <a:fontRef idx="minor">
+              <a:schemeClr val="dk1"/>
+            </a:fontRef>
+          </p:style>
+          <p:txBody>
+            <a:bodyPr rtlCol="0" anchor="ctr"/>
+            <a:lstStyle/>
+            <a:p>
+              <a:pPr algn="ctr"/>
+              <a:r>
+                <a:rPr lang="en-US" altLang="zh-CN" sz="1400" smtClean="0"/>
+                <a:t>GWServer</a:t>
+              </a:r>
+              <a:endParaRPr lang="zh-CN" altLang="en-US" sz="1400" dirty="0"/>
+            </a:p>
+          </p:txBody>
+        </p:sp>
+        <p:cxnSp>
+          <p:nvCxnSpPr>
+            <p:cNvPr id="14" name="直线箭头连接符 13"/>
+            <p:cNvCxnSpPr>
+              <a:stCxn id="43" idx="3"/>
+              <a:endCxn id="38" idx="1"/>
+            </p:cNvCxnSpPr>
+            <p:nvPr/>
+          </p:nvCxnSpPr>
+          <p:spPr>
+            <a:xfrm flipV="1">
+              <a:off x="1956581" y="1901768"/>
+              <a:ext cx="984552" cy="788464"/>
+            </a:xfrm>
+            <a:prstGeom prst="straightConnector1">
+              <a:avLst/>
+            </a:prstGeom>
+            <a:ln>
+              <a:tailEnd type="triangle"/>
+            </a:ln>
+          </p:spPr>
+          <p:style>
+            <a:lnRef idx="1">
+              <a:schemeClr val="accent1"/>
+            </a:lnRef>
+            <a:fillRef idx="0">
+              <a:schemeClr val="accent1"/>
+            </a:fillRef>
+            <a:effectRef idx="0">
+              <a:schemeClr val="accent1"/>
+            </a:effectRef>
+            <a:fontRef idx="minor">
+              <a:schemeClr val="tx1"/>
+            </a:fontRef>
+          </p:style>
+        </p:cxnSp>
+        <p:cxnSp>
+          <p:nvCxnSpPr>
+            <p:cNvPr id="17" name="直线箭头连接符 16"/>
+            <p:cNvCxnSpPr>
+              <a:stCxn id="43" idx="3"/>
+              <a:endCxn id="58" idx="1"/>
+            </p:cNvCxnSpPr>
+            <p:nvPr/>
+          </p:nvCxnSpPr>
+          <p:spPr>
+            <a:xfrm flipV="1">
+              <a:off x="1956581" y="2687821"/>
+              <a:ext cx="986586" cy="2411"/>
+            </a:xfrm>
+            <a:prstGeom prst="straightConnector1">
+              <a:avLst/>
+            </a:prstGeom>
+            <a:ln>
+              <a:tailEnd type="triangle"/>
+            </a:ln>
+          </p:spPr>
+          <p:style>
+            <a:lnRef idx="1">
+              <a:schemeClr val="accent1"/>
+            </a:lnRef>
+            <a:fillRef idx="0">
+              <a:schemeClr val="accent1"/>
+            </a:fillRef>
+            <a:effectRef idx="0">
+              <a:schemeClr val="accent1"/>
+            </a:effectRef>
+            <a:fontRef idx="minor">
+              <a:schemeClr val="tx1"/>
+            </a:fontRef>
+          </p:style>
+        </p:cxnSp>
+        <p:cxnSp>
+          <p:nvCxnSpPr>
+            <p:cNvPr id="20" name="直线箭头连接符 19"/>
+            <p:cNvCxnSpPr>
+              <a:stCxn id="43" idx="3"/>
+              <a:endCxn id="2" idx="1"/>
+            </p:cNvCxnSpPr>
+            <p:nvPr/>
+          </p:nvCxnSpPr>
+          <p:spPr>
+            <a:xfrm>
+              <a:off x="1956581" y="2690232"/>
+              <a:ext cx="984552" cy="850734"/>
+            </a:xfrm>
+            <a:prstGeom prst="straightConnector1">
+              <a:avLst/>
+            </a:prstGeom>
+            <a:ln>
+              <a:tailEnd type="triangle"/>
+            </a:ln>
+          </p:spPr>
+          <p:style>
+            <a:lnRef idx="1">
+              <a:schemeClr val="accent1"/>
+            </a:lnRef>
+            <a:fillRef idx="0">
+              <a:schemeClr val="accent1"/>
+            </a:fillRef>
+            <a:effectRef idx="0">
+              <a:schemeClr val="accent1"/>
+            </a:effectRef>
+            <a:fontRef idx="minor">
+              <a:schemeClr val="tx1"/>
+            </a:fontRef>
+          </p:style>
+        </p:cxnSp>
+        <p:cxnSp>
+          <p:nvCxnSpPr>
+            <p:cNvPr id="27" name="直线箭头连接符 26"/>
+            <p:cNvCxnSpPr>
+              <a:stCxn id="38" idx="3"/>
+              <a:endCxn id="12" idx="2"/>
+            </p:cNvCxnSpPr>
+            <p:nvPr/>
+          </p:nvCxnSpPr>
+          <p:spPr>
+            <a:xfrm>
+              <a:off x="4140759" y="1901768"/>
+              <a:ext cx="497720" cy="434922"/>
+            </a:xfrm>
+            <a:prstGeom prst="straightConnector1">
+              <a:avLst/>
+            </a:prstGeom>
+            <a:ln>
+              <a:tailEnd type="triangle"/>
+            </a:ln>
+          </p:spPr>
+          <p:style>
+            <a:lnRef idx="1">
+              <a:schemeClr val="accent1"/>
+            </a:lnRef>
+            <a:fillRef idx="0">
+              <a:schemeClr val="accent1"/>
+            </a:fillRef>
+            <a:effectRef idx="0">
+              <a:schemeClr val="accent1"/>
+            </a:effectRef>
+            <a:fontRef idx="minor">
+              <a:schemeClr val="tx1"/>
+            </a:fontRef>
+          </p:style>
+        </p:cxnSp>
+        <p:cxnSp>
+          <p:nvCxnSpPr>
+            <p:cNvPr id="30" name="直线箭头连接符 29"/>
+            <p:cNvCxnSpPr>
+              <a:stCxn id="58" idx="3"/>
+              <a:endCxn id="12" idx="2"/>
+            </p:cNvCxnSpPr>
+            <p:nvPr/>
+          </p:nvCxnSpPr>
+          <p:spPr>
+            <a:xfrm flipV="1">
+              <a:off x="4142793" y="2336690"/>
+              <a:ext cx="495686" cy="351131"/>
+            </a:xfrm>
+            <a:prstGeom prst="straightConnector1">
+              <a:avLst/>
+            </a:prstGeom>
+            <a:ln>
+              <a:tailEnd type="triangle"/>
+            </a:ln>
+          </p:spPr>
+          <p:style>
+            <a:lnRef idx="1">
+              <a:schemeClr val="accent1"/>
+            </a:lnRef>
+            <a:fillRef idx="0">
+              <a:schemeClr val="accent1"/>
+            </a:fillRef>
+            <a:effectRef idx="0">
+              <a:schemeClr val="accent1"/>
+            </a:effectRef>
+            <a:fontRef idx="minor">
+              <a:schemeClr val="tx1"/>
+            </a:fontRef>
+          </p:style>
+        </p:cxnSp>
+        <p:cxnSp>
+          <p:nvCxnSpPr>
+            <p:cNvPr id="34" name="直线箭头连接符 33"/>
+            <p:cNvCxnSpPr>
+              <a:stCxn id="12" idx="6"/>
+              <a:endCxn id="92" idx="1"/>
+            </p:cNvCxnSpPr>
+            <p:nvPr/>
+          </p:nvCxnSpPr>
+          <p:spPr>
+            <a:xfrm flipV="1">
+              <a:off x="5479935" y="1875670"/>
+              <a:ext cx="582797" cy="461020"/>
+            </a:xfrm>
+            <a:prstGeom prst="straightConnector1">
+              <a:avLst/>
+            </a:prstGeom>
+            <a:ln>
+              <a:tailEnd type="triangle"/>
+            </a:ln>
+          </p:spPr>
+          <p:style>
+            <a:lnRef idx="1">
+              <a:schemeClr val="accent1"/>
+            </a:lnRef>
+            <a:fillRef idx="0">
+              <a:schemeClr val="accent1"/>
+            </a:fillRef>
+            <a:effectRef idx="0">
+              <a:schemeClr val="accent1"/>
+            </a:effectRef>
+            <a:fontRef idx="minor">
+              <a:schemeClr val="tx1"/>
+            </a:fontRef>
+          </p:style>
+        </p:cxnSp>
+        <p:cxnSp>
+          <p:nvCxnSpPr>
+            <p:cNvPr id="40" name="直线箭头连接符 39"/>
+            <p:cNvCxnSpPr>
+              <a:stCxn id="12" idx="6"/>
+              <a:endCxn id="37" idx="1"/>
+            </p:cNvCxnSpPr>
+            <p:nvPr/>
+          </p:nvCxnSpPr>
+          <p:spPr>
+            <a:xfrm>
+              <a:off x="5479935" y="2336690"/>
+              <a:ext cx="652683" cy="799654"/>
+            </a:xfrm>
+            <a:prstGeom prst="straightConnector1">
+              <a:avLst/>
+            </a:prstGeom>
+            <a:ln>
+              <a:tailEnd type="triangle"/>
+            </a:ln>
+          </p:spPr>
+          <p:style>
+            <a:lnRef idx="1">
+              <a:schemeClr val="accent1"/>
+            </a:lnRef>
+            <a:fillRef idx="0">
+              <a:schemeClr val="accent1"/>
+            </a:fillRef>
+            <a:effectRef idx="0">
+              <a:schemeClr val="accent1"/>
+            </a:effectRef>
+            <a:fontRef idx="minor">
+              <a:schemeClr val="tx1"/>
+            </a:fontRef>
+          </p:style>
+        </p:cxnSp>
+        <p:cxnSp>
+          <p:nvCxnSpPr>
+            <p:cNvPr id="45" name="直线箭头连接符 44"/>
+            <p:cNvCxnSpPr>
+              <a:stCxn id="92" idx="3"/>
+              <a:endCxn id="33" idx="1"/>
+            </p:cNvCxnSpPr>
+            <p:nvPr/>
+          </p:nvCxnSpPr>
+          <p:spPr>
+            <a:xfrm flipV="1">
+              <a:off x="7072904" y="1870691"/>
+              <a:ext cx="599993" cy="4979"/>
+            </a:xfrm>
+            <a:prstGeom prst="straightConnector1">
+              <a:avLst/>
+            </a:prstGeom>
+            <a:ln>
+              <a:tailEnd type="triangle"/>
+            </a:ln>
+          </p:spPr>
+          <p:style>
+            <a:lnRef idx="1">
+              <a:schemeClr val="accent1"/>
+            </a:lnRef>
+            <a:fillRef idx="0">
+              <a:schemeClr val="accent1"/>
+            </a:fillRef>
+            <a:effectRef idx="0">
+              <a:schemeClr val="accent1"/>
+            </a:effectRef>
+            <a:fontRef idx="minor">
+              <a:schemeClr val="tx1"/>
+            </a:fontRef>
+          </p:style>
+        </p:cxnSp>
+        <p:cxnSp>
+          <p:nvCxnSpPr>
+            <p:cNvPr id="47" name="直线箭头连接符 46"/>
+            <p:cNvCxnSpPr>
+              <a:stCxn id="92" idx="3"/>
+              <a:endCxn id="35" idx="1"/>
+            </p:cNvCxnSpPr>
+            <p:nvPr/>
+          </p:nvCxnSpPr>
+          <p:spPr>
+            <a:xfrm>
+              <a:off x="7072904" y="1875670"/>
+              <a:ext cx="599993" cy="867210"/>
+            </a:xfrm>
+            <a:prstGeom prst="straightConnector1">
+              <a:avLst/>
+            </a:prstGeom>
+            <a:ln>
+              <a:tailEnd type="triangle"/>
+            </a:ln>
+          </p:spPr>
+          <p:style>
+            <a:lnRef idx="1">
+              <a:schemeClr val="accent1"/>
+            </a:lnRef>
+            <a:fillRef idx="0">
+              <a:schemeClr val="accent1"/>
+            </a:fillRef>
+            <a:effectRef idx="0">
+              <a:schemeClr val="accent1"/>
+            </a:effectRef>
+            <a:fontRef idx="minor">
+              <a:schemeClr val="tx1"/>
+            </a:fontRef>
+          </p:style>
+        </p:cxnSp>
+        <p:cxnSp>
+          <p:nvCxnSpPr>
+            <p:cNvPr id="49" name="直线箭头连接符 48"/>
+            <p:cNvCxnSpPr>
+              <a:stCxn id="37" idx="3"/>
+              <a:endCxn id="35" idx="1"/>
+            </p:cNvCxnSpPr>
+            <p:nvPr/>
+          </p:nvCxnSpPr>
+          <p:spPr>
+            <a:xfrm flipV="1">
+              <a:off x="7072903" y="2742880"/>
+              <a:ext cx="599994" cy="393464"/>
+            </a:xfrm>
+            <a:prstGeom prst="straightConnector1">
+              <a:avLst/>
+            </a:prstGeom>
+            <a:ln>
+              <a:tailEnd type="triangle"/>
+            </a:ln>
+          </p:spPr>
+          <p:style>
+            <a:lnRef idx="1">
+              <a:schemeClr val="accent1"/>
+            </a:lnRef>
+            <a:fillRef idx="0">
+              <a:schemeClr val="accent1"/>
+            </a:fillRef>
+            <a:effectRef idx="0">
+              <a:schemeClr val="accent1"/>
+            </a:effectRef>
+            <a:fontRef idx="minor">
+              <a:schemeClr val="tx1"/>
+            </a:fontRef>
+          </p:style>
+        </p:cxnSp>
+        <p:cxnSp>
+          <p:nvCxnSpPr>
+            <p:cNvPr id="51" name="直线箭头连接符 50"/>
+            <p:cNvCxnSpPr>
+              <a:stCxn id="37" idx="3"/>
+              <a:endCxn id="36" idx="1"/>
+            </p:cNvCxnSpPr>
+            <p:nvPr/>
+          </p:nvCxnSpPr>
+          <p:spPr>
+            <a:xfrm>
+              <a:off x="7072903" y="3136344"/>
+              <a:ext cx="599994" cy="407777"/>
+            </a:xfrm>
+            <a:prstGeom prst="straightConnector1">
+              <a:avLst/>
+            </a:prstGeom>
+            <a:ln>
+              <a:tailEnd type="triangle"/>
+            </a:ln>
+          </p:spPr>
+          <p:style>
+            <a:lnRef idx="1">
+              <a:schemeClr val="accent1"/>
+            </a:lnRef>
+            <a:fillRef idx="0">
+              <a:schemeClr val="accent1"/>
+            </a:fillRef>
+            <a:effectRef idx="0">
+              <a:schemeClr val="accent1"/>
+            </a:effectRef>
+            <a:fontRef idx="minor">
+              <a:schemeClr val="tx1"/>
+            </a:fontRef>
+          </p:style>
+        </p:cxnSp>
+        <p:sp>
+          <p:nvSpPr>
+            <p:cNvPr id="71" name="矩形: 圆角 1"/>
+            <p:cNvSpPr/>
+            <p:nvPr/>
+          </p:nvSpPr>
+          <p:spPr>
+            <a:xfrm>
+              <a:off x="7672897" y="901852"/>
+              <a:ext cx="1199626" cy="511729"/>
+            </a:xfrm>
+            <a:prstGeom prst="roundRect">
+              <a:avLst/>
+            </a:prstGeom>
+          </p:spPr>
+          <p:style>
+            <a:lnRef idx="2">
+              <a:schemeClr val="accent2"/>
+            </a:lnRef>
+            <a:fillRef idx="1">
+              <a:schemeClr val="lt1"/>
+            </a:fillRef>
+            <a:effectRef idx="0">
+              <a:schemeClr val="accent2"/>
+            </a:effectRef>
+            <a:fontRef idx="minor">
+              <a:schemeClr val="dk1"/>
+            </a:fontRef>
+          </p:style>
+          <p:txBody>
+            <a:bodyPr rtlCol="0" anchor="ctr"/>
+            <a:lstStyle/>
+            <a:p>
+              <a:pPr algn="ctr"/>
+              <a:r>
+                <a:rPr lang="en-US" altLang="zh-CN" sz="1400" dirty="0"/>
+                <a:t>L</a:t>
+              </a:r>
+              <a:r>
+                <a:rPr lang="en-US" altLang="zh-CN" sz="1400" dirty="0" smtClean="0"/>
+                <a:t>ogicServer</a:t>
+              </a:r>
+              <a:endParaRPr lang="zh-CN" altLang="en-US" sz="1400" dirty="0"/>
+            </a:p>
+          </p:txBody>
+        </p:sp>
+        <p:cxnSp>
+          <p:nvCxnSpPr>
+            <p:cNvPr id="61" name="直线箭头连接符 60"/>
+            <p:cNvCxnSpPr>
+              <a:stCxn id="92" idx="3"/>
+              <a:endCxn id="71" idx="1"/>
+            </p:cNvCxnSpPr>
+            <p:nvPr/>
+          </p:nvCxnSpPr>
+          <p:spPr>
+            <a:xfrm flipV="1">
+              <a:off x="7072904" y="1157717"/>
+              <a:ext cx="599993" cy="717953"/>
+            </a:xfrm>
+            <a:prstGeom prst="straightConnector1">
+              <a:avLst/>
+            </a:prstGeom>
+            <a:ln>
+              <a:tailEnd type="triangle"/>
+            </a:ln>
+          </p:spPr>
+          <p:style>
+            <a:lnRef idx="1">
+              <a:schemeClr val="accent1"/>
+            </a:lnRef>
+            <a:fillRef idx="0">
+              <a:schemeClr val="accent1"/>
+            </a:fillRef>
+            <a:effectRef idx="0">
+              <a:schemeClr val="accent1"/>
+            </a:effectRef>
+            <a:fontRef idx="minor">
+              <a:schemeClr val="tx1"/>
+            </a:fontRef>
+          </p:style>
+        </p:cxnSp>
+        <p:sp>
+          <p:nvSpPr>
+            <p:cNvPr id="28" name="文本框 27"/>
+            <p:cNvSpPr txBox="1"/>
+            <p:nvPr/>
+          </p:nvSpPr>
+          <p:spPr>
+            <a:xfrm>
+              <a:off x="7202553" y="3014160"/>
+              <a:ext cx="1181734" cy="276999"/>
+            </a:xfrm>
+            <a:prstGeom prst="rect">
+              <a:avLst/>
+            </a:prstGeom>
+            <a:noFill/>
+          </p:spPr>
+          <p:txBody>
+            <a:bodyPr wrap="none" rtlCol="0">
+              <a:spAutoFit/>
+            </a:bodyPr>
+            <a:lstStyle/>
+            <a:p>
+              <a:r>
+                <a:rPr lang="en-US" altLang="zh-CN" sz="1200" i="1" dirty="0" smtClean="0">
+                  <a:solidFill>
+                    <a:schemeClr val="bg1">
+                      <a:lumMod val="65000"/>
+                    </a:schemeClr>
+                  </a:solidFill>
+                </a:rPr>
+                <a:t>&lt;&lt;</a:t>
+              </a:r>
+              <a:r>
+                <a:rPr lang="en-US" altLang="zh-CN" sz="1200" i="1" dirty="0" err="1" smtClean="0">
+                  <a:solidFill>
+                    <a:schemeClr val="bg1">
+                      <a:lumMod val="65000"/>
+                    </a:schemeClr>
+                  </a:solidFill>
+                </a:rPr>
+                <a:t>Rpc</a:t>
+              </a:r>
+              <a:r>
+                <a:rPr lang="en-US" altLang="zh-CN" sz="1200" i="1" dirty="0" smtClean="0">
+                  <a:solidFill>
+                    <a:schemeClr val="bg1">
+                      <a:lumMod val="65000"/>
+                    </a:schemeClr>
+                  </a:solidFill>
+                </a:rPr>
+                <a:t> Cluster&gt;&gt;</a:t>
+              </a:r>
+              <a:endParaRPr lang="zh-CN" altLang="en-US" sz="1200" i="1" dirty="0">
+                <a:solidFill>
+                  <a:schemeClr val="bg1">
+                    <a:lumMod val="65000"/>
+                  </a:schemeClr>
+                </a:solidFill>
+              </a:endParaRPr>
+            </a:p>
+          </p:txBody>
+        </p:sp>
+        <p:sp>
+          <p:nvSpPr>
+            <p:cNvPr id="29" name="文本框 28"/>
+            <p:cNvSpPr txBox="1"/>
+            <p:nvPr/>
+          </p:nvSpPr>
+          <p:spPr>
+            <a:xfrm>
+              <a:off x="6647416" y="1397327"/>
+              <a:ext cx="1112677" cy="276999"/>
+            </a:xfrm>
+            <a:prstGeom prst="rect">
+              <a:avLst/>
+            </a:prstGeom>
+            <a:noFill/>
+          </p:spPr>
+          <p:txBody>
+            <a:bodyPr wrap="none" rtlCol="0">
+              <a:spAutoFit/>
+            </a:bodyPr>
+            <a:lstStyle/>
+            <a:p>
+              <a:r>
+                <a:rPr lang="en-US" altLang="zh-CN" sz="1200" i="1" smtClean="0">
+                  <a:solidFill>
+                    <a:schemeClr val="bg1">
+                      <a:lumMod val="65000"/>
+                    </a:schemeClr>
+                  </a:solidFill>
+                </a:rPr>
+                <a:t>Pub/sub/storm</a:t>
+              </a:r>
+              <a:endParaRPr lang="zh-CN" altLang="en-US" sz="1200" i="1" dirty="0">
+                <a:solidFill>
+                  <a:schemeClr val="bg1">
+                    <a:lumMod val="65000"/>
+                  </a:schemeClr>
+                </a:solidFill>
+              </a:endParaRPr>
+            </a:p>
+          </p:txBody>
+        </p:sp>
+        <p:sp>
+          <p:nvSpPr>
+            <p:cNvPr id="31" name="文本框 30"/>
+            <p:cNvSpPr txBox="1"/>
+            <p:nvPr/>
+          </p:nvSpPr>
+          <p:spPr>
+            <a:xfrm>
+              <a:off x="4416071" y="2448614"/>
+              <a:ext cx="2186689" cy="276999"/>
+            </a:xfrm>
+            <a:prstGeom prst="rect">
+              <a:avLst/>
+            </a:prstGeom>
+            <a:noFill/>
+          </p:spPr>
+          <p:txBody>
+            <a:bodyPr wrap="none" rtlCol="0">
+              <a:spAutoFit/>
+            </a:bodyPr>
+            <a:lstStyle/>
+            <a:p>
+              <a:r>
+                <a:rPr lang="en-US" altLang="zh-CN" sz="1200" i="1" dirty="0" smtClean="0">
+                  <a:solidFill>
+                    <a:schemeClr val="bg1">
+                      <a:lumMod val="65000"/>
+                    </a:schemeClr>
+                  </a:solidFill>
+                </a:rPr>
+                <a:t>message routing by services.xml</a:t>
+              </a:r>
+            </a:p>
+          </p:txBody>
+        </p:sp>
+        <p:sp>
+          <p:nvSpPr>
+            <p:cNvPr id="39" name="文本框 38"/>
+            <p:cNvSpPr txBox="1"/>
+            <p:nvPr/>
+          </p:nvSpPr>
+          <p:spPr>
+            <a:xfrm>
+              <a:off x="6085821" y="2106180"/>
+              <a:ext cx="889987" cy="261610"/>
+            </a:xfrm>
+            <a:prstGeom prst="rect">
+              <a:avLst/>
+            </a:prstGeom>
+            <a:noFill/>
+          </p:spPr>
+          <p:txBody>
+            <a:bodyPr wrap="none" rtlCol="0">
+              <a:spAutoFit/>
+            </a:bodyPr>
+            <a:lstStyle/>
+            <a:p>
+              <a:r>
+                <a:rPr lang="zh-CN" altLang="en-US" sz="1100" i="1" smtClean="0">
+                  <a:solidFill>
+                    <a:srgbClr val="C00000"/>
+                  </a:solidFill>
+                </a:rPr>
+                <a:t>事务性请求</a:t>
+              </a:r>
+              <a:endParaRPr lang="zh-CN" altLang="en-US" sz="1100" i="1" dirty="0">
+                <a:solidFill>
+                  <a:srgbClr val="C00000"/>
+                </a:solidFill>
+              </a:endParaRPr>
+            </a:p>
+          </p:txBody>
+        </p:sp>
+        <p:sp>
+          <p:nvSpPr>
+            <p:cNvPr id="41" name="文本框 40"/>
+            <p:cNvSpPr txBox="1"/>
+            <p:nvPr/>
+          </p:nvSpPr>
+          <p:spPr>
+            <a:xfrm>
+              <a:off x="6220411" y="3392209"/>
+              <a:ext cx="889987" cy="261610"/>
+            </a:xfrm>
+            <a:prstGeom prst="rect">
+              <a:avLst/>
+            </a:prstGeom>
+            <a:noFill/>
+          </p:spPr>
+          <p:txBody>
+            <a:bodyPr wrap="none" rtlCol="0">
+              <a:spAutoFit/>
+            </a:bodyPr>
+            <a:lstStyle/>
+            <a:p>
+              <a:r>
+                <a:rPr lang="zh-CN" altLang="en-US" sz="1100" i="1" smtClean="0">
+                  <a:solidFill>
+                    <a:srgbClr val="C00000"/>
+                  </a:solidFill>
+                </a:rPr>
+                <a:t>实时性请求</a:t>
+              </a:r>
+              <a:endParaRPr lang="zh-CN" altLang="en-US" sz="1100" i="1" dirty="0">
+                <a:solidFill>
+                  <a:srgbClr val="C00000"/>
+                </a:solidFill>
+              </a:endParaRPr>
+            </a:p>
+          </p:txBody>
+        </p:sp>
+        <p:cxnSp>
+          <p:nvCxnSpPr>
+            <p:cNvPr id="11" name="肘形连接符 10"/>
+            <p:cNvCxnSpPr>
+              <a:stCxn id="2" idx="3"/>
+            </p:cNvCxnSpPr>
+            <p:nvPr/>
+          </p:nvCxnSpPr>
+          <p:spPr>
+            <a:xfrm flipV="1">
+              <a:off x="4140759" y="3247932"/>
+              <a:ext cx="2001040" cy="293034"/>
+            </a:xfrm>
+            <a:prstGeom prst="bentConnector3">
+              <a:avLst>
+                <a:gd name="adj1" fmla="val 50000"/>
+              </a:avLst>
+            </a:prstGeom>
+            <a:ln>
+              <a:tailEnd type="triangle"/>
+            </a:ln>
+          </p:spPr>
+          <p:style>
+            <a:lnRef idx="1">
+              <a:schemeClr val="accent1"/>
+            </a:lnRef>
+            <a:fillRef idx="0">
+              <a:schemeClr val="accent1"/>
+            </a:fillRef>
+            <a:effectRef idx="0">
+              <a:schemeClr val="accent1"/>
+            </a:effectRef>
+            <a:fontRef idx="minor">
+              <a:schemeClr val="tx1"/>
+            </a:fontRef>
+          </p:style>
+        </p:cxnSp>
+        <p:sp>
+          <p:nvSpPr>
+            <p:cNvPr id="48" name="文本框 47"/>
+            <p:cNvSpPr txBox="1"/>
+            <p:nvPr/>
+          </p:nvSpPr>
+          <p:spPr>
+            <a:xfrm>
+              <a:off x="2156559" y="2635879"/>
+              <a:ext cx="784574" cy="276999"/>
+            </a:xfrm>
+            <a:prstGeom prst="rect">
+              <a:avLst/>
+            </a:prstGeom>
+            <a:noFill/>
+          </p:spPr>
+          <p:txBody>
+            <a:bodyPr wrap="none" rtlCol="0">
+              <a:spAutoFit/>
+            </a:bodyPr>
+            <a:lstStyle/>
+            <a:p>
+              <a:r>
+                <a:rPr lang="en-US" altLang="zh-CN" sz="1200" i="1" dirty="0" err="1" smtClean="0">
+                  <a:solidFill>
+                    <a:schemeClr val="bg1">
+                      <a:lumMod val="65000"/>
+                    </a:schemeClr>
+                  </a:solidFill>
+                </a:rPr>
+                <a:t>Tcp</a:t>
+              </a:r>
+              <a:r>
+                <a:rPr lang="en-US" altLang="zh-CN" sz="1200" i="1" dirty="0" smtClean="0">
+                  <a:solidFill>
+                    <a:schemeClr val="bg1">
+                      <a:lumMod val="65000"/>
+                    </a:schemeClr>
+                  </a:solidFill>
+                </a:rPr>
+                <a:t> Listen</a:t>
+              </a:r>
+              <a:endParaRPr lang="zh-CN" altLang="en-US" sz="1200" i="1" dirty="0">
+                <a:solidFill>
+                  <a:schemeClr val="bg1">
+                    <a:lumMod val="65000"/>
+                  </a:schemeClr>
+                </a:solidFill>
+              </a:endParaRPr>
+            </a:p>
+          </p:txBody>
+        </p:sp>
+        <p:sp>
+          <p:nvSpPr>
+            <p:cNvPr id="52" name="矩形: 圆角 91"/>
+            <p:cNvSpPr/>
+            <p:nvPr/>
+          </p:nvSpPr>
+          <p:spPr>
+            <a:xfrm>
+              <a:off x="4622017" y="1018697"/>
+              <a:ext cx="1010172" cy="368969"/>
+            </a:xfrm>
+            <a:prstGeom prst="roundRect">
+              <a:avLst/>
+            </a:prstGeom>
+            <a:ln>
+              <a:prstDash val="dash"/>
+            </a:ln>
+          </p:spPr>
+          <p:style>
+            <a:lnRef idx="1">
+              <a:schemeClr val="accent3"/>
+            </a:lnRef>
+            <a:fillRef idx="2">
+              <a:schemeClr val="accent3"/>
+            </a:fillRef>
+            <a:effectRef idx="1">
+              <a:schemeClr val="accent3"/>
+            </a:effectRef>
+            <a:fontRef idx="minor">
+              <a:schemeClr val="dk1"/>
+            </a:fontRef>
+          </p:style>
+          <p:txBody>
+            <a:bodyPr rtlCol="0" anchor="ctr"/>
+            <a:lstStyle/>
+            <a:p>
+              <a:pPr algn="ctr"/>
+              <a:r>
+                <a:rPr lang="en-US" altLang="zh-CN" sz="1200" dirty="0" smtClean="0"/>
+                <a:t>RedisCache</a:t>
+              </a:r>
+              <a:endParaRPr lang="zh-CN" altLang="en-US" sz="1200" dirty="0"/>
+            </a:p>
+          </p:txBody>
+        </p:sp>
+        <p:sp>
+          <p:nvSpPr>
+            <p:cNvPr id="55" name="文本框 54"/>
+            <p:cNvSpPr txBox="1"/>
+            <p:nvPr/>
+          </p:nvSpPr>
+          <p:spPr>
+            <a:xfrm>
+              <a:off x="2548846" y="1321271"/>
+              <a:ext cx="1154675" cy="276999"/>
+            </a:xfrm>
+            <a:prstGeom prst="rect">
+              <a:avLst/>
+            </a:prstGeom>
+            <a:noFill/>
+          </p:spPr>
+          <p:txBody>
+            <a:bodyPr wrap="none" rtlCol="0">
+              <a:spAutoFit/>
+            </a:bodyPr>
+            <a:lstStyle/>
+            <a:p>
+              <a:r>
+                <a:rPr lang="en-US" altLang="zh-CN" sz="1200" i="1" smtClean="0">
+                  <a:solidFill>
+                    <a:schemeClr val="bg1">
+                      <a:lumMod val="65000"/>
+                    </a:schemeClr>
+                  </a:solidFill>
+                </a:rPr>
+                <a:t>client id(1..100)</a:t>
+              </a:r>
+              <a:endParaRPr lang="en-US" altLang="zh-CN" sz="1200" i="1" dirty="0" smtClean="0">
+                <a:solidFill>
+                  <a:schemeClr val="bg1">
+                    <a:lumMod val="65000"/>
+                  </a:schemeClr>
+                </a:solidFill>
+              </a:endParaRPr>
+            </a:p>
+          </p:txBody>
+        </p:sp>
+        <p:sp>
+          <p:nvSpPr>
+            <p:cNvPr id="56" name="文本框 55"/>
+            <p:cNvSpPr txBox="1"/>
+            <p:nvPr/>
+          </p:nvSpPr>
+          <p:spPr>
+            <a:xfrm>
+              <a:off x="2519830" y="2194676"/>
+              <a:ext cx="1311769" cy="276999"/>
+            </a:xfrm>
+            <a:prstGeom prst="rect">
+              <a:avLst/>
+            </a:prstGeom>
+            <a:noFill/>
+          </p:spPr>
+          <p:txBody>
+            <a:bodyPr wrap="none" rtlCol="0">
+              <a:spAutoFit/>
+            </a:bodyPr>
+            <a:lstStyle/>
+            <a:p>
+              <a:r>
+                <a:rPr lang="en-US" altLang="zh-CN" sz="1200" i="1" dirty="0" smtClean="0">
+                  <a:solidFill>
+                    <a:schemeClr val="bg1">
+                      <a:lumMod val="65000"/>
+                    </a:schemeClr>
+                  </a:solidFill>
+                </a:rPr>
+                <a:t>client id(100..200)</a:t>
+              </a:r>
+              <a:endParaRPr lang="en-US" altLang="zh-CN" sz="1200" i="1" dirty="0" smtClean="0">
+                <a:solidFill>
+                  <a:schemeClr val="bg1">
+                    <a:lumMod val="65000"/>
+                  </a:schemeClr>
+                </a:solidFill>
+              </a:endParaRPr>
+            </a:p>
+          </p:txBody>
+        </p:sp>
+        <p:cxnSp>
+          <p:nvCxnSpPr>
+            <p:cNvPr id="32" name="肘形连接符 31"/>
+            <p:cNvCxnSpPr>
+              <a:stCxn id="38" idx="0"/>
+              <a:endCxn id="52" idx="1"/>
+            </p:cNvCxnSpPr>
+            <p:nvPr/>
+          </p:nvCxnSpPr>
+          <p:spPr>
+            <a:xfrm rot="5400000" flipH="1" flipV="1">
+              <a:off x="3860121" y="884008"/>
+              <a:ext cx="442721" cy="1081071"/>
+            </a:xfrm>
+            <a:prstGeom prst="bentConnector2">
+              <a:avLst/>
+            </a:prstGeom>
+          </p:spPr>
+          <p:style>
+            <a:lnRef idx="1">
+              <a:schemeClr val="accent2"/>
+            </a:lnRef>
+            <a:fillRef idx="0">
+              <a:schemeClr val="accent2"/>
+            </a:fillRef>
+            <a:effectRef idx="0">
+              <a:schemeClr val="accent2"/>
+            </a:effectRef>
+            <a:fontRef idx="minor">
+              <a:schemeClr val="tx1"/>
+            </a:fontRef>
+          </p:style>
+        </p:cxnSp>
+        <p:cxnSp>
+          <p:nvCxnSpPr>
+            <p:cNvPr id="44" name="肘形连接符 43"/>
+            <p:cNvCxnSpPr>
+              <a:stCxn id="71" idx="0"/>
+              <a:endCxn id="52" idx="0"/>
+            </p:cNvCxnSpPr>
+            <p:nvPr/>
+          </p:nvCxnSpPr>
+          <p:spPr>
+            <a:xfrm rot="16200000" flipH="1" flipV="1">
+              <a:off x="6641484" y="-612530"/>
+              <a:ext cx="116845" cy="3145607"/>
+            </a:xfrm>
+            <a:prstGeom prst="bentConnector3">
+              <a:avLst>
+                <a:gd name="adj1" fmla="val -195644"/>
+              </a:avLst>
+            </a:prstGeom>
+          </p:spPr>
+          <p:style>
+            <a:lnRef idx="1">
+              <a:schemeClr val="accent2"/>
+            </a:lnRef>
+            <a:fillRef idx="0">
+              <a:schemeClr val="accent2"/>
+            </a:fillRef>
+            <a:effectRef idx="0">
+              <a:schemeClr val="accent2"/>
+            </a:effectRef>
+            <a:fontRef idx="minor">
+              <a:schemeClr val="tx1"/>
+            </a:fontRef>
+          </p:style>
+        </p:cxnSp>
+        <p:sp>
+          <p:nvSpPr>
+            <p:cNvPr id="63" name="文本框 62"/>
+            <p:cNvSpPr txBox="1"/>
+            <p:nvPr/>
+          </p:nvSpPr>
+          <p:spPr>
+            <a:xfrm>
+              <a:off x="4483601" y="1325679"/>
+              <a:ext cx="1741374" cy="276999"/>
+            </a:xfrm>
+            <a:prstGeom prst="rect">
+              <a:avLst/>
+            </a:prstGeom>
+            <a:noFill/>
+          </p:spPr>
+          <p:txBody>
+            <a:bodyPr wrap="none" rtlCol="0">
+              <a:spAutoFit/>
+            </a:bodyPr>
+            <a:lstStyle/>
+            <a:p>
+              <a:r>
+                <a:rPr lang="en-US" altLang="zh-CN" sz="1200" i="1" smtClean="0">
+                  <a:solidFill>
+                    <a:schemeClr val="bg1">
+                      <a:lumMod val="65000"/>
+                    </a:schemeClr>
+                  </a:solidFill>
+                </a:rPr>
+                <a:t>client id(1..100,100..200)</a:t>
+              </a:r>
+              <a:endParaRPr lang="en-US" altLang="zh-CN" sz="1200" i="1" dirty="0" smtClean="0">
+                <a:solidFill>
+                  <a:schemeClr val="bg1">
+                    <a:lumMod val="65000"/>
+                  </a:schemeClr>
+                </a:solidFill>
+              </a:endParaRPr>
+            </a:p>
+          </p:txBody>
+        </p:sp>
+        <p:sp>
+          <p:nvSpPr>
+            <p:cNvPr id="64" name="矩形: 圆角 91"/>
+            <p:cNvSpPr/>
+            <p:nvPr/>
+          </p:nvSpPr>
+          <p:spPr>
+            <a:xfrm>
+              <a:off x="3379447" y="597654"/>
+              <a:ext cx="1010172" cy="368969"/>
+            </a:xfrm>
+            <a:prstGeom prst="roundRect">
+              <a:avLst/>
+            </a:prstGeom>
+            <a:ln>
+              <a:prstDash val="dash"/>
+            </a:ln>
+          </p:spPr>
+          <p:style>
+            <a:lnRef idx="1">
+              <a:schemeClr val="accent3"/>
+            </a:lnRef>
+            <a:fillRef idx="2">
+              <a:schemeClr val="accent3"/>
+            </a:fillRef>
+            <a:effectRef idx="1">
+              <a:schemeClr val="accent3"/>
+            </a:effectRef>
+            <a:fontRef idx="minor">
+              <a:schemeClr val="dk1"/>
+            </a:fontRef>
+          </p:style>
+          <p:txBody>
+            <a:bodyPr rtlCol="0" anchor="ctr"/>
+            <a:lstStyle/>
+            <a:p>
+              <a:pPr algn="ctr"/>
+              <a:r>
+                <a:rPr lang="en-US" altLang="zh-CN" sz="1200" dirty="0" smtClean="0"/>
+                <a:t>ZooKeeper</a:t>
+              </a:r>
+              <a:endParaRPr lang="zh-CN" altLang="en-US" sz="1200" dirty="0"/>
+            </a:p>
+          </p:txBody>
+        </p:sp>
+        <p:sp>
+          <p:nvSpPr>
+            <p:cNvPr id="95" name="矩形: 圆角 91"/>
+            <p:cNvSpPr/>
+            <p:nvPr/>
+          </p:nvSpPr>
+          <p:spPr>
+            <a:xfrm>
+              <a:off x="9472516" y="2194676"/>
+              <a:ext cx="1010172" cy="368969"/>
+            </a:xfrm>
+            <a:prstGeom prst="roundRect">
+              <a:avLst/>
+            </a:prstGeom>
+            <a:ln>
+              <a:prstDash val="dash"/>
+            </a:ln>
+          </p:spPr>
+          <p:style>
+            <a:lnRef idx="1">
+              <a:schemeClr val="accent3"/>
+            </a:lnRef>
+            <a:fillRef idx="2">
+              <a:schemeClr val="accent3"/>
+            </a:fillRef>
+            <a:effectRef idx="1">
+              <a:schemeClr val="accent3"/>
+            </a:effectRef>
+            <a:fontRef idx="minor">
+              <a:schemeClr val="dk1"/>
+            </a:fontRef>
+          </p:style>
+          <p:txBody>
+            <a:bodyPr rtlCol="0" anchor="ctr"/>
+            <a:lstStyle/>
+            <a:p>
+              <a:pPr algn="ctr"/>
+              <a:r>
+                <a:rPr lang="en-US" altLang="zh-CN" sz="1200" dirty="0"/>
+                <a:t>MQ</a:t>
+              </a:r>
+              <a:endParaRPr lang="zh-CN" altLang="en-US" sz="1200" dirty="0"/>
+            </a:p>
+          </p:txBody>
+        </p:sp>
+        <p:cxnSp>
+          <p:nvCxnSpPr>
+            <p:cNvPr id="97" name="直线箭头连接符 96"/>
+            <p:cNvCxnSpPr>
+              <a:stCxn id="71" idx="3"/>
+              <a:endCxn id="95" idx="1"/>
+            </p:cNvCxnSpPr>
+            <p:nvPr/>
+          </p:nvCxnSpPr>
+          <p:spPr>
+            <a:xfrm>
+              <a:off x="8872523" y="1157717"/>
+              <a:ext cx="599993" cy="1221444"/>
+            </a:xfrm>
+            <a:prstGeom prst="straightConnector1">
+              <a:avLst/>
+            </a:prstGeom>
+            <a:ln>
+              <a:solidFill>
+                <a:srgbClr val="00B050"/>
+              </a:solidFill>
+              <a:prstDash val="dash"/>
+              <a:tailEnd type="triangle"/>
+            </a:ln>
+          </p:spPr>
+          <p:style>
+            <a:lnRef idx="1">
+              <a:schemeClr val="accent1"/>
+            </a:lnRef>
+            <a:fillRef idx="0">
+              <a:schemeClr val="accent1"/>
+            </a:fillRef>
+            <a:effectRef idx="0">
+              <a:schemeClr val="accent1"/>
+            </a:effectRef>
+            <a:fontRef idx="minor">
+              <a:schemeClr val="tx1"/>
+            </a:fontRef>
+          </p:style>
+        </p:cxnSp>
+        <p:cxnSp>
+          <p:nvCxnSpPr>
+            <p:cNvPr id="99" name="直线箭头连接符 98"/>
+            <p:cNvCxnSpPr>
+              <a:stCxn id="33" idx="3"/>
+              <a:endCxn id="95" idx="1"/>
+            </p:cNvCxnSpPr>
+            <p:nvPr/>
+          </p:nvCxnSpPr>
+          <p:spPr>
+            <a:xfrm>
+              <a:off x="8872523" y="1870691"/>
+              <a:ext cx="599993" cy="508470"/>
+            </a:xfrm>
+            <a:prstGeom prst="straightConnector1">
+              <a:avLst/>
+            </a:prstGeom>
+            <a:ln>
+              <a:solidFill>
+                <a:srgbClr val="00B050"/>
+              </a:solidFill>
+              <a:prstDash val="dash"/>
+              <a:tailEnd type="triangle"/>
+            </a:ln>
+          </p:spPr>
+          <p:style>
+            <a:lnRef idx="1">
+              <a:schemeClr val="accent1"/>
+            </a:lnRef>
+            <a:fillRef idx="0">
+              <a:schemeClr val="accent1"/>
+            </a:fillRef>
+            <a:effectRef idx="0">
+              <a:schemeClr val="accent1"/>
+            </a:effectRef>
+            <a:fontRef idx="minor">
+              <a:schemeClr val="tx1"/>
+            </a:fontRef>
+          </p:style>
+        </p:cxnSp>
+        <p:cxnSp>
+          <p:nvCxnSpPr>
+            <p:cNvPr id="101" name="直线箭头连接符 100"/>
+            <p:cNvCxnSpPr>
+              <a:stCxn id="35" idx="3"/>
+              <a:endCxn id="95" idx="1"/>
+            </p:cNvCxnSpPr>
+            <p:nvPr/>
+          </p:nvCxnSpPr>
+          <p:spPr>
+            <a:xfrm flipV="1">
+              <a:off x="8872523" y="2379161"/>
+              <a:ext cx="599993" cy="363719"/>
+            </a:xfrm>
+            <a:prstGeom prst="straightConnector1">
+              <a:avLst/>
+            </a:prstGeom>
+            <a:ln>
+              <a:solidFill>
+                <a:srgbClr val="00B050"/>
+              </a:solidFill>
+              <a:prstDash val="dash"/>
+              <a:tailEnd type="triangle"/>
+            </a:ln>
+          </p:spPr>
+          <p:style>
+            <a:lnRef idx="1">
+              <a:schemeClr val="accent1"/>
+            </a:lnRef>
+            <a:fillRef idx="0">
+              <a:schemeClr val="accent1"/>
+            </a:fillRef>
+            <a:effectRef idx="0">
+              <a:schemeClr val="accent1"/>
+            </a:effectRef>
+            <a:fontRef idx="minor">
+              <a:schemeClr val="tx1"/>
+            </a:fontRef>
+          </p:style>
+        </p:cxnSp>
+        <p:cxnSp>
+          <p:nvCxnSpPr>
+            <p:cNvPr id="103" name="直线箭头连接符 102"/>
+            <p:cNvCxnSpPr>
+              <a:stCxn id="36" idx="3"/>
+              <a:endCxn id="95" idx="1"/>
+            </p:cNvCxnSpPr>
+            <p:nvPr/>
+          </p:nvCxnSpPr>
+          <p:spPr>
+            <a:xfrm flipV="1">
+              <a:off x="8872523" y="2379161"/>
+              <a:ext cx="599993" cy="1164960"/>
+            </a:xfrm>
+            <a:prstGeom prst="straightConnector1">
+              <a:avLst/>
+            </a:prstGeom>
+            <a:ln>
+              <a:solidFill>
+                <a:srgbClr val="00B050"/>
+              </a:solidFill>
+              <a:prstDash val="dash"/>
+              <a:tailEnd type="triangle"/>
+            </a:ln>
+          </p:spPr>
+          <p:style>
+            <a:lnRef idx="1">
+              <a:schemeClr val="accent1"/>
+            </a:lnRef>
+            <a:fillRef idx="0">
+              <a:schemeClr val="accent1"/>
+            </a:fillRef>
+            <a:effectRef idx="0">
+              <a:schemeClr val="accent1"/>
+            </a:effectRef>
+            <a:fontRef idx="minor">
+              <a:schemeClr val="tx1"/>
+            </a:fontRef>
+          </p:style>
+        </p:cxnSp>
+        <p:cxnSp>
+          <p:nvCxnSpPr>
+            <p:cNvPr id="109" name="肘形连接符 108"/>
+            <p:cNvCxnSpPr>
+              <a:stCxn id="95" idx="0"/>
+              <a:endCxn id="92" idx="0"/>
+            </p:cNvCxnSpPr>
+            <p:nvPr/>
+          </p:nvCxnSpPr>
+          <p:spPr>
+            <a:xfrm rot="16200000" flipV="1">
+              <a:off x="8020965" y="238039"/>
+              <a:ext cx="503491" cy="3409784"/>
+            </a:xfrm>
+            <a:prstGeom prst="bentConnector3">
+              <a:avLst>
+                <a:gd name="adj1" fmla="val 279796"/>
+              </a:avLst>
+            </a:prstGeom>
+            <a:ln>
+              <a:solidFill>
+                <a:srgbClr val="00B050"/>
+              </a:solidFill>
+              <a:prstDash val="dash"/>
+              <a:tailEnd type="triangle"/>
+            </a:ln>
+          </p:spPr>
+          <p:style>
+            <a:lnRef idx="1">
+              <a:schemeClr val="accent1"/>
+            </a:lnRef>
+            <a:fillRef idx="0">
+              <a:schemeClr val="accent1"/>
+            </a:fillRef>
+            <a:effectRef idx="0">
+              <a:schemeClr val="accent1"/>
+            </a:effectRef>
+            <a:fontRef idx="minor">
+              <a:schemeClr val="tx1"/>
+            </a:fontRef>
+          </p:style>
+        </p:cxnSp>
+        <p:sp>
+          <p:nvSpPr>
+            <p:cNvPr id="111" name="文本框 110"/>
+            <p:cNvSpPr txBox="1"/>
+            <p:nvPr/>
+          </p:nvSpPr>
+          <p:spPr>
+            <a:xfrm>
+              <a:off x="9030464" y="1870690"/>
+              <a:ext cx="1247136" cy="276999"/>
+            </a:xfrm>
+            <a:prstGeom prst="rect">
+              <a:avLst/>
+            </a:prstGeom>
+            <a:noFill/>
+          </p:spPr>
+          <p:txBody>
+            <a:bodyPr wrap="none" rtlCol="0">
+              <a:spAutoFit/>
+            </a:bodyPr>
+            <a:lstStyle/>
+            <a:p>
+              <a:r>
+                <a:rPr lang="en-US" altLang="zh-CN" sz="1200" i="1" dirty="0" smtClean="0">
+                  <a:solidFill>
+                    <a:schemeClr val="bg1">
+                      <a:lumMod val="65000"/>
+                    </a:schemeClr>
+                  </a:solidFill>
+                </a:rPr>
+                <a:t>Reverse</a:t>
+              </a:r>
+              <a:r>
+                <a:rPr lang="zh-CN" altLang="en-US" sz="1200" i="1" dirty="0" smtClean="0">
+                  <a:solidFill>
+                    <a:schemeClr val="bg1">
+                      <a:lumMod val="65000"/>
+                    </a:schemeClr>
+                  </a:solidFill>
+                </a:rPr>
+                <a:t> </a:t>
+              </a:r>
+              <a:r>
+                <a:rPr lang="en-US" altLang="zh-CN" sz="1200" i="1" dirty="0" smtClean="0">
+                  <a:solidFill>
+                    <a:schemeClr val="bg1">
+                      <a:lumMod val="65000"/>
+                    </a:schemeClr>
+                  </a:solidFill>
+                </a:rPr>
+                <a:t>message</a:t>
+              </a:r>
+              <a:endParaRPr lang="zh-CN" altLang="en-US" sz="1200" i="1" dirty="0">
+                <a:solidFill>
+                  <a:schemeClr val="bg1">
+                    <a:lumMod val="65000"/>
+                  </a:schemeClr>
+                </a:solidFill>
+              </a:endParaRPr>
+            </a:p>
+          </p:txBody>
+        </p:sp>
+        <p:cxnSp>
+          <p:nvCxnSpPr>
+            <p:cNvPr id="119" name="直线箭头连接符 118"/>
+            <p:cNvCxnSpPr/>
+            <p:nvPr/>
+          </p:nvCxnSpPr>
+          <p:spPr>
+            <a:xfrm flipH="1">
+              <a:off x="4140760" y="1755907"/>
+              <a:ext cx="1921971" cy="12533"/>
+            </a:xfrm>
+            <a:prstGeom prst="straightConnector1">
+              <a:avLst/>
+            </a:prstGeom>
+            <a:ln>
+              <a:solidFill>
+                <a:srgbClr val="00B050"/>
+              </a:solidFill>
+              <a:prstDash val="dash"/>
+              <a:tailEnd type="triangle"/>
+            </a:ln>
+          </p:spPr>
+          <p:style>
+            <a:lnRef idx="1">
+              <a:schemeClr val="accent1"/>
+            </a:lnRef>
+            <a:fillRef idx="0">
+              <a:schemeClr val="accent1"/>
+            </a:fillRef>
+            <a:effectRef idx="0">
+              <a:schemeClr val="accent1"/>
+            </a:effectRef>
+            <a:fontRef idx="minor">
+              <a:schemeClr val="tx1"/>
+            </a:fontRef>
+          </p:style>
+        </p:cxnSp>
+        <p:cxnSp>
+          <p:nvCxnSpPr>
+            <p:cNvPr id="122" name="肘形连接符 121"/>
+            <p:cNvCxnSpPr/>
+            <p:nvPr/>
+          </p:nvCxnSpPr>
+          <p:spPr>
+            <a:xfrm rot="10800000" flipV="1">
+              <a:off x="4140760" y="2106179"/>
+              <a:ext cx="2223465" cy="750807"/>
+            </a:xfrm>
+            <a:prstGeom prst="bentConnector3">
+              <a:avLst>
+                <a:gd name="adj1" fmla="val -172"/>
+              </a:avLst>
+            </a:prstGeom>
+            <a:ln>
+              <a:solidFill>
+                <a:srgbClr val="00B050"/>
+              </a:solidFill>
+              <a:prstDash val="dash"/>
+              <a:tailEnd type="triangle"/>
+            </a:ln>
+          </p:spPr>
+          <p:style>
+            <a:lnRef idx="1">
+              <a:schemeClr val="accent1"/>
+            </a:lnRef>
+            <a:fillRef idx="0">
+              <a:schemeClr val="accent1"/>
+            </a:fillRef>
+            <a:effectRef idx="0">
+              <a:schemeClr val="accent1"/>
+            </a:effectRef>
+            <a:fontRef idx="minor">
+              <a:schemeClr val="tx1"/>
+            </a:fontRef>
+          </p:style>
+        </p:cxnSp>
+      </p:grpSp>
+    </p:spTree>
+    <p:extLst>
+      <p:ext uri="{BB962C8B-B14F-4D97-AF65-F5344CB8AC3E}">
+        <p14:creationId xmlns:p14="http://schemas.microsoft.com/office/powerpoint/2010/main" val="631007323"/>
+      </p:ext>
+    </p:extLst>
+  </p:cSld>
+  <p:clrMapOvr>
+    <a:masterClrMapping/>
+  </p:clrMapOvr>
+</p:sld>
+</file>
+
 <file path=ppt/theme/theme1.xml><?xml version="1.0" encoding="utf-8"?>
 <a:theme xmlns:a="http://schemas.openxmlformats.org/drawingml/2006/main" name="Office 主题">
   <a:themeElements>

--- a/doc/tce_protocal_internal.pptx
+++ b/doc/tce_protocal_internal.pptx
@@ -9,6 +9,8 @@
     <p:sldId id="257" r:id="rId3"/>
     <p:sldId id="258" r:id="rId4"/>
     <p:sldId id="259" r:id="rId5"/>
+    <p:sldId id="260" r:id="rId6"/>
+    <p:sldId id="261" r:id="rId7"/>
   </p:sldIdLst>
   <p:sldSz cx="12192000" cy="6858000"/>
   <p:notesSz cx="6858000" cy="9144000"/>
@@ -244,7 +246,7 @@
           <a:p>
             <a:fld id="{DCB352E4-A803-4722-87B9-F8807506504E}" type="datetimeFigureOut">
               <a:rPr lang="zh-CN" altLang="en-US" smtClean="0"/>
-              <a:t>16/9/7</a:t>
+              <a:t>16/9/14</a:t>
             </a:fld>
             <a:endParaRPr lang="zh-CN" altLang="en-US"/>
           </a:p>
@@ -412,7 +414,7 @@
           <a:p>
             <a:fld id="{DCB352E4-A803-4722-87B9-F8807506504E}" type="datetimeFigureOut">
               <a:rPr lang="zh-CN" altLang="en-US" smtClean="0"/>
-              <a:t>16/9/7</a:t>
+              <a:t>16/9/14</a:t>
             </a:fld>
             <a:endParaRPr lang="zh-CN" altLang="en-US"/>
           </a:p>
@@ -590,7 +592,7 @@
           <a:p>
             <a:fld id="{DCB352E4-A803-4722-87B9-F8807506504E}" type="datetimeFigureOut">
               <a:rPr lang="zh-CN" altLang="en-US" smtClean="0"/>
-              <a:t>16/9/7</a:t>
+              <a:t>16/9/14</a:t>
             </a:fld>
             <a:endParaRPr lang="zh-CN" altLang="en-US"/>
           </a:p>
@@ -758,7 +760,7 @@
           <a:p>
             <a:fld id="{DCB352E4-A803-4722-87B9-F8807506504E}" type="datetimeFigureOut">
               <a:rPr lang="zh-CN" altLang="en-US" smtClean="0"/>
-              <a:t>16/9/7</a:t>
+              <a:t>16/9/14</a:t>
             </a:fld>
             <a:endParaRPr lang="zh-CN" altLang="en-US"/>
           </a:p>
@@ -1003,7 +1005,7 @@
           <a:p>
             <a:fld id="{DCB352E4-A803-4722-87B9-F8807506504E}" type="datetimeFigureOut">
               <a:rPr lang="zh-CN" altLang="en-US" smtClean="0"/>
-              <a:t>16/9/7</a:t>
+              <a:t>16/9/14</a:t>
             </a:fld>
             <a:endParaRPr lang="zh-CN" altLang="en-US"/>
           </a:p>
@@ -1232,7 +1234,7 @@
           <a:p>
             <a:fld id="{DCB352E4-A803-4722-87B9-F8807506504E}" type="datetimeFigureOut">
               <a:rPr lang="zh-CN" altLang="en-US" smtClean="0"/>
-              <a:t>16/9/7</a:t>
+              <a:t>16/9/14</a:t>
             </a:fld>
             <a:endParaRPr lang="zh-CN" altLang="en-US"/>
           </a:p>
@@ -1596,7 +1598,7 @@
           <a:p>
             <a:fld id="{DCB352E4-A803-4722-87B9-F8807506504E}" type="datetimeFigureOut">
               <a:rPr lang="zh-CN" altLang="en-US" smtClean="0"/>
-              <a:t>16/9/7</a:t>
+              <a:t>16/9/14</a:t>
             </a:fld>
             <a:endParaRPr lang="zh-CN" altLang="en-US"/>
           </a:p>
@@ -1713,7 +1715,7 @@
           <a:p>
             <a:fld id="{DCB352E4-A803-4722-87B9-F8807506504E}" type="datetimeFigureOut">
               <a:rPr lang="zh-CN" altLang="en-US" smtClean="0"/>
-              <a:t>16/9/7</a:t>
+              <a:t>16/9/14</a:t>
             </a:fld>
             <a:endParaRPr lang="zh-CN" altLang="en-US"/>
           </a:p>
@@ -1808,7 +1810,7 @@
           <a:p>
             <a:fld id="{DCB352E4-A803-4722-87B9-F8807506504E}" type="datetimeFigureOut">
               <a:rPr lang="zh-CN" altLang="en-US" smtClean="0"/>
-              <a:t>16/9/7</a:t>
+              <a:t>16/9/14</a:t>
             </a:fld>
             <a:endParaRPr lang="zh-CN" altLang="en-US"/>
           </a:p>
@@ -2083,7 +2085,7 @@
           <a:p>
             <a:fld id="{DCB352E4-A803-4722-87B9-F8807506504E}" type="datetimeFigureOut">
               <a:rPr lang="zh-CN" altLang="en-US" smtClean="0"/>
-              <a:t>16/9/7</a:t>
+              <a:t>16/9/14</a:t>
             </a:fld>
             <a:endParaRPr lang="zh-CN" altLang="en-US"/>
           </a:p>
@@ -2335,7 +2337,7 @@
           <a:p>
             <a:fld id="{DCB352E4-A803-4722-87B9-F8807506504E}" type="datetimeFigureOut">
               <a:rPr lang="zh-CN" altLang="en-US" smtClean="0"/>
-              <a:t>16/9/7</a:t>
+              <a:t>16/9/14</a:t>
             </a:fld>
             <a:endParaRPr lang="zh-CN" altLang="en-US"/>
           </a:p>
@@ -2546,7 +2548,7 @@
           <a:p>
             <a:fld id="{DCB352E4-A803-4722-87B9-F8807506504E}" type="datetimeFigureOut">
               <a:rPr lang="zh-CN" altLang="en-US" smtClean="0"/>
-              <a:t>16/9/7</a:t>
+              <a:t>16/9/14</a:t>
             </a:fld>
             <a:endParaRPr lang="zh-CN" altLang="en-US"/>
           </a:p>
@@ -7672,11 +7674,7 @@
             </a:r>
             <a:r>
               <a:rPr lang="zh-CN" altLang="en-US" sz="1600" dirty="0" smtClean="0"/>
-              <a:t>的消息</a:t>
-            </a:r>
-            <a:r>
-              <a:rPr lang="zh-CN" altLang="en-US" sz="1600" dirty="0" smtClean="0"/>
-              <a:t>分路</a:t>
+              <a:t>的消息分路</a:t>
             </a:r>
             <a:endParaRPr lang="zh-CN" altLang="en-US" sz="1600" dirty="0"/>
           </a:p>
@@ -9868,13 +9866,6 @@
                 </a:rPr>
                 <a:t>client id(100..200)</a:t>
               </a:r>
-              <a:endParaRPr lang="en-US" altLang="zh-CN" sz="1200" i="1" dirty="0" smtClean="0">
-                <a:solidFill>
-                  <a:schemeClr val="bg1">
-                    <a:lumMod val="65000"/>
-                  </a:schemeClr>
-                </a:solidFill>
-              </a:endParaRPr>
             </a:p>
           </p:txBody>
         </p:sp>
@@ -10432,6 +10423,4085 @@
 </p:sld>
 </file>
 
+<file path=ppt/slides/slide5.xml><?xml version="1.0" encoding="utf-8"?>
+<p:sld xmlns:a="http://schemas.openxmlformats.org/drawingml/2006/main" xmlns:r="http://schemas.openxmlformats.org/officeDocument/2006/relationships" xmlns:p="http://schemas.openxmlformats.org/presentationml/2006/main">
+  <p:cSld>
+    <p:spTree>
+      <p:nvGrpSpPr>
+        <p:cNvPr id="1" name=""/>
+        <p:cNvGrpSpPr/>
+        <p:nvPr/>
+      </p:nvGrpSpPr>
+      <p:grpSpPr>
+        <a:xfrm>
+          <a:off x="0" y="0"/>
+          <a:ext cx="0" cy="0"/>
+          <a:chOff x="0" y="0"/>
+          <a:chExt cx="0" cy="0"/>
+        </a:xfrm>
+      </p:grpSpPr>
+      <p:sp>
+        <p:nvSpPr>
+          <p:cNvPr id="207" name="圆角矩形 206"/>
+          <p:cNvSpPr/>
+          <p:nvPr/>
+        </p:nvSpPr>
+        <p:spPr>
+          <a:xfrm>
+            <a:off x="8047838" y="1703221"/>
+            <a:ext cx="853163" cy="1049243"/>
+          </a:xfrm>
+          <a:prstGeom prst="roundRect">
+            <a:avLst>
+              <a:gd name="adj" fmla="val 7739"/>
+            </a:avLst>
+          </a:prstGeom>
+          <a:ln>
+            <a:prstDash val="dash"/>
+          </a:ln>
+        </p:spPr>
+        <p:style>
+          <a:lnRef idx="2">
+            <a:schemeClr val="accent3"/>
+          </a:lnRef>
+          <a:fillRef idx="1">
+            <a:schemeClr val="lt1"/>
+          </a:fillRef>
+          <a:effectRef idx="0">
+            <a:schemeClr val="accent3"/>
+          </a:effectRef>
+          <a:fontRef idx="minor">
+            <a:schemeClr val="dk1"/>
+          </a:fontRef>
+        </p:style>
+        <p:txBody>
+          <a:bodyPr rtlCol="0" anchor="ctr"/>
+          <a:lstStyle/>
+          <a:p>
+            <a:pPr algn="ctr"/>
+            <a:endParaRPr kumimoji="1" lang="zh-CN" altLang="en-US"/>
+          </a:p>
+        </p:txBody>
+      </p:sp>
+      <p:sp>
+        <p:nvSpPr>
+          <p:cNvPr id="53" name="文本框 52"/>
+          <p:cNvSpPr txBox="1"/>
+          <p:nvPr/>
+        </p:nvSpPr>
+        <p:spPr>
+          <a:xfrm>
+            <a:off x="435007" y="470519"/>
+            <a:ext cx="1886991" cy="338554"/>
+          </a:xfrm>
+          <a:prstGeom prst="rect">
+            <a:avLst/>
+          </a:prstGeom>
+          <a:noFill/>
+        </p:spPr>
+        <p:txBody>
+          <a:bodyPr wrap="none" rtlCol="0">
+            <a:spAutoFit/>
+          </a:bodyPr>
+          <a:lstStyle/>
+          <a:p>
+            <a:r>
+              <a:rPr lang="en-US" altLang="zh-CN" sz="1600" dirty="0" smtClean="0"/>
+              <a:t>Promise</a:t>
+            </a:r>
+            <a:r>
+              <a:rPr lang="zh-CN" altLang="en-US" sz="1600" dirty="0" smtClean="0"/>
+              <a:t>的异步调用</a:t>
+            </a:r>
+            <a:endParaRPr lang="zh-CN" altLang="en-US" sz="1600" dirty="0"/>
+          </a:p>
+        </p:txBody>
+      </p:sp>
+      <p:sp>
+        <p:nvSpPr>
+          <p:cNvPr id="57" name="椭圆 56"/>
+          <p:cNvSpPr/>
+          <p:nvPr/>
+        </p:nvSpPr>
+        <p:spPr>
+          <a:xfrm>
+            <a:off x="435007" y="4561299"/>
+            <a:ext cx="1116653" cy="635651"/>
+          </a:xfrm>
+          <a:prstGeom prst="ellipse">
+            <a:avLst/>
+          </a:prstGeom>
+        </p:spPr>
+        <p:style>
+          <a:lnRef idx="2">
+            <a:schemeClr val="accent3"/>
+          </a:lnRef>
+          <a:fillRef idx="1">
+            <a:schemeClr val="lt1"/>
+          </a:fillRef>
+          <a:effectRef idx="0">
+            <a:schemeClr val="accent3"/>
+          </a:effectRef>
+          <a:fontRef idx="minor">
+            <a:schemeClr val="dk1"/>
+          </a:fontRef>
+        </p:style>
+        <p:txBody>
+          <a:bodyPr rtlCol="0" anchor="ctr"/>
+          <a:lstStyle/>
+          <a:p>
+            <a:pPr algn="ctr"/>
+            <a:r>
+              <a:rPr kumimoji="1" lang="en-US" altLang="zh-CN" sz="1200" smtClean="0"/>
+              <a:t>Promise Queue</a:t>
+            </a:r>
+            <a:endParaRPr kumimoji="1" lang="zh-CN" altLang="en-US" sz="1200" dirty="0"/>
+          </a:p>
+        </p:txBody>
+      </p:sp>
+      <p:sp>
+        <p:nvSpPr>
+          <p:cNvPr id="78" name="矩形: 圆角 91"/>
+          <p:cNvSpPr/>
+          <p:nvPr/>
+        </p:nvSpPr>
+        <p:spPr>
+          <a:xfrm>
+            <a:off x="3289129" y="1896418"/>
+            <a:ext cx="1010172" cy="368969"/>
+          </a:xfrm>
+          <a:prstGeom prst="roundRect">
+            <a:avLst/>
+          </a:prstGeom>
+          <a:ln>
+            <a:prstDash val="dash"/>
+          </a:ln>
+        </p:spPr>
+        <p:style>
+          <a:lnRef idx="1">
+            <a:schemeClr val="accent3"/>
+          </a:lnRef>
+          <a:fillRef idx="2">
+            <a:schemeClr val="accent3"/>
+          </a:fillRef>
+          <a:effectRef idx="1">
+            <a:schemeClr val="accent3"/>
+          </a:effectRef>
+          <a:fontRef idx="minor">
+            <a:schemeClr val="dk1"/>
+          </a:fontRef>
+        </p:style>
+        <p:txBody>
+          <a:bodyPr rtlCol="0" anchor="ctr"/>
+          <a:lstStyle/>
+          <a:p>
+            <a:pPr algn="ctr"/>
+            <a:r>
+              <a:rPr lang="en-US" altLang="zh-CN" sz="1200" dirty="0" err="1" smtClean="0"/>
+              <a:t>Async_call</a:t>
+            </a:r>
+            <a:r>
+              <a:rPr lang="en-US" altLang="zh-CN" sz="1200" dirty="0" smtClean="0"/>
+              <a:t>()</a:t>
+            </a:r>
+            <a:endParaRPr lang="zh-CN" altLang="en-US" sz="1200" dirty="0"/>
+          </a:p>
+        </p:txBody>
+      </p:sp>
+      <p:sp>
+        <p:nvSpPr>
+          <p:cNvPr id="79" name="矩形: 圆角 42"/>
+          <p:cNvSpPr/>
+          <p:nvPr/>
+        </p:nvSpPr>
+        <p:spPr>
+          <a:xfrm>
+            <a:off x="3271781" y="2752464"/>
+            <a:ext cx="1035295" cy="438059"/>
+          </a:xfrm>
+          <a:prstGeom prst="roundRect">
+            <a:avLst/>
+          </a:prstGeom>
+        </p:spPr>
+        <p:style>
+          <a:lnRef idx="2">
+            <a:schemeClr val="accent5"/>
+          </a:lnRef>
+          <a:fillRef idx="1">
+            <a:schemeClr val="lt1"/>
+          </a:fillRef>
+          <a:effectRef idx="0">
+            <a:schemeClr val="accent5"/>
+          </a:effectRef>
+          <a:fontRef idx="minor">
+            <a:schemeClr val="dk1"/>
+          </a:fontRef>
+        </p:style>
+        <p:txBody>
+          <a:bodyPr rtlCol="0" anchor="ctr"/>
+          <a:lstStyle/>
+          <a:p>
+            <a:pPr algn="ctr"/>
+            <a:r>
+              <a:rPr lang="en-US" altLang="zh-CN" sz="1400" dirty="0" err="1" smtClean="0"/>
+              <a:t>tasklet</a:t>
+            </a:r>
+            <a:endParaRPr lang="zh-CN" altLang="en-US" sz="1400" dirty="0"/>
+          </a:p>
+        </p:txBody>
+      </p:sp>
+      <p:sp>
+        <p:nvSpPr>
+          <p:cNvPr id="80" name="矩形: 圆角 42"/>
+          <p:cNvSpPr/>
+          <p:nvPr/>
+        </p:nvSpPr>
+        <p:spPr>
+          <a:xfrm>
+            <a:off x="5057774" y="1575295"/>
+            <a:ext cx="1035295" cy="438059"/>
+          </a:xfrm>
+          <a:prstGeom prst="roundRect">
+            <a:avLst/>
+          </a:prstGeom>
+        </p:spPr>
+        <p:style>
+          <a:lnRef idx="2">
+            <a:schemeClr val="accent6"/>
+          </a:lnRef>
+          <a:fillRef idx="1">
+            <a:schemeClr val="lt1"/>
+          </a:fillRef>
+          <a:effectRef idx="0">
+            <a:schemeClr val="accent6"/>
+          </a:effectRef>
+          <a:fontRef idx="minor">
+            <a:schemeClr val="dk1"/>
+          </a:fontRef>
+        </p:style>
+        <p:txBody>
+          <a:bodyPr rtlCol="0" anchor="ctr"/>
+          <a:lstStyle/>
+          <a:p>
+            <a:pPr algn="ctr"/>
+            <a:r>
+              <a:rPr lang="en-US" altLang="zh-CN" sz="1200" dirty="0" err="1" smtClean="0"/>
+              <a:t>OnSucc</a:t>
+            </a:r>
+            <a:endParaRPr lang="zh-CN" altLang="en-US" sz="1200" dirty="0"/>
+          </a:p>
+        </p:txBody>
+      </p:sp>
+      <p:sp>
+        <p:nvSpPr>
+          <p:cNvPr id="81" name="矩形: 圆角 42"/>
+          <p:cNvSpPr/>
+          <p:nvPr/>
+        </p:nvSpPr>
+        <p:spPr>
+          <a:xfrm>
+            <a:off x="5067317" y="2232987"/>
+            <a:ext cx="1035295" cy="438059"/>
+          </a:xfrm>
+          <a:prstGeom prst="roundRect">
+            <a:avLst/>
+          </a:prstGeom>
+        </p:spPr>
+        <p:style>
+          <a:lnRef idx="2">
+            <a:schemeClr val="accent2"/>
+          </a:lnRef>
+          <a:fillRef idx="1">
+            <a:schemeClr val="lt1"/>
+          </a:fillRef>
+          <a:effectRef idx="0">
+            <a:schemeClr val="accent2"/>
+          </a:effectRef>
+          <a:fontRef idx="minor">
+            <a:schemeClr val="dk1"/>
+          </a:fontRef>
+        </p:style>
+        <p:txBody>
+          <a:bodyPr rtlCol="0" anchor="ctr"/>
+          <a:lstStyle/>
+          <a:p>
+            <a:pPr algn="ctr"/>
+            <a:r>
+              <a:rPr lang="en-US" altLang="zh-CN" sz="1200" dirty="0" err="1" smtClean="0"/>
+              <a:t>OnError</a:t>
+            </a:r>
+            <a:endParaRPr lang="zh-CN" altLang="en-US" sz="1200" dirty="0"/>
+          </a:p>
+        </p:txBody>
+      </p:sp>
+      <p:cxnSp>
+        <p:nvCxnSpPr>
+          <p:cNvPr id="19" name="直线箭头连接符 18"/>
+          <p:cNvCxnSpPr>
+            <a:endCxn id="79" idx="2"/>
+          </p:cNvCxnSpPr>
+          <p:nvPr/>
+        </p:nvCxnSpPr>
+        <p:spPr>
+          <a:xfrm flipH="1" flipV="1">
+            <a:off x="3789429" y="3190523"/>
+            <a:ext cx="6835" cy="394292"/>
+          </a:xfrm>
+          <a:prstGeom prst="straightConnector1">
+            <a:avLst/>
+          </a:prstGeom>
+          <a:ln>
+            <a:tailEnd type="triangle"/>
+          </a:ln>
+        </p:spPr>
+        <p:style>
+          <a:lnRef idx="1">
+            <a:schemeClr val="accent1"/>
+          </a:lnRef>
+          <a:fillRef idx="0">
+            <a:schemeClr val="accent1"/>
+          </a:fillRef>
+          <a:effectRef idx="0">
+            <a:schemeClr val="accent1"/>
+          </a:effectRef>
+          <a:fontRef idx="minor">
+            <a:schemeClr val="tx1"/>
+          </a:fontRef>
+        </p:style>
+      </p:cxnSp>
+      <p:sp>
+        <p:nvSpPr>
+          <p:cNvPr id="96" name="矩形: 圆角 91"/>
+          <p:cNvSpPr/>
+          <p:nvPr/>
+        </p:nvSpPr>
+        <p:spPr>
+          <a:xfrm>
+            <a:off x="5078327" y="3642623"/>
+            <a:ext cx="1010172" cy="368969"/>
+          </a:xfrm>
+          <a:prstGeom prst="roundRect">
+            <a:avLst/>
+          </a:prstGeom>
+          <a:ln>
+            <a:prstDash val="dash"/>
+          </a:ln>
+        </p:spPr>
+        <p:style>
+          <a:lnRef idx="1">
+            <a:schemeClr val="accent3"/>
+          </a:lnRef>
+          <a:fillRef idx="2">
+            <a:schemeClr val="accent3"/>
+          </a:fillRef>
+          <a:effectRef idx="1">
+            <a:schemeClr val="accent3"/>
+          </a:effectRef>
+          <a:fontRef idx="minor">
+            <a:schemeClr val="dk1"/>
+          </a:fontRef>
+        </p:style>
+        <p:txBody>
+          <a:bodyPr rtlCol="0" anchor="ctr"/>
+          <a:lstStyle/>
+          <a:p>
+            <a:pPr algn="ctr"/>
+            <a:r>
+              <a:rPr lang="en-US" altLang="zh-CN" sz="1200" dirty="0" smtClean="0"/>
+              <a:t>User code</a:t>
+            </a:r>
+            <a:endParaRPr lang="zh-CN" altLang="en-US" sz="1200" dirty="0"/>
+          </a:p>
+        </p:txBody>
+      </p:sp>
+      <p:cxnSp>
+        <p:nvCxnSpPr>
+          <p:cNvPr id="90" name="直线箭头连接符 89"/>
+          <p:cNvCxnSpPr>
+            <a:stCxn id="79" idx="0"/>
+            <a:endCxn id="78" idx="2"/>
+          </p:cNvCxnSpPr>
+          <p:nvPr/>
+        </p:nvCxnSpPr>
+        <p:spPr>
+          <a:xfrm flipV="1">
+            <a:off x="3789429" y="2265387"/>
+            <a:ext cx="4786" cy="487077"/>
+          </a:xfrm>
+          <a:prstGeom prst="straightConnector1">
+            <a:avLst/>
+          </a:prstGeom>
+          <a:ln>
+            <a:tailEnd type="triangle"/>
+          </a:ln>
+        </p:spPr>
+        <p:style>
+          <a:lnRef idx="1">
+            <a:schemeClr val="accent1"/>
+          </a:lnRef>
+          <a:fillRef idx="0">
+            <a:schemeClr val="accent1"/>
+          </a:fillRef>
+          <a:effectRef idx="0">
+            <a:schemeClr val="accent1"/>
+          </a:effectRef>
+          <a:fontRef idx="minor">
+            <a:schemeClr val="tx1"/>
+          </a:fontRef>
+        </p:style>
+      </p:cxnSp>
+      <p:cxnSp>
+        <p:nvCxnSpPr>
+          <p:cNvPr id="93" name="直线箭头连接符 92"/>
+          <p:cNvCxnSpPr>
+            <a:stCxn id="78" idx="3"/>
+            <a:endCxn id="80" idx="1"/>
+          </p:cNvCxnSpPr>
+          <p:nvPr/>
+        </p:nvCxnSpPr>
+        <p:spPr>
+          <a:xfrm flipV="1">
+            <a:off x="4299301" y="1794325"/>
+            <a:ext cx="758473" cy="286578"/>
+          </a:xfrm>
+          <a:prstGeom prst="straightConnector1">
+            <a:avLst/>
+          </a:prstGeom>
+          <a:ln>
+            <a:tailEnd type="triangle"/>
+          </a:ln>
+        </p:spPr>
+        <p:style>
+          <a:lnRef idx="1">
+            <a:schemeClr val="accent1"/>
+          </a:lnRef>
+          <a:fillRef idx="0">
+            <a:schemeClr val="accent1"/>
+          </a:fillRef>
+          <a:effectRef idx="0">
+            <a:schemeClr val="accent1"/>
+          </a:effectRef>
+          <a:fontRef idx="minor">
+            <a:schemeClr val="tx1"/>
+          </a:fontRef>
+        </p:style>
+      </p:cxnSp>
+      <p:cxnSp>
+        <p:nvCxnSpPr>
+          <p:cNvPr id="98" name="直线箭头连接符 97"/>
+          <p:cNvCxnSpPr>
+            <a:stCxn id="78" idx="3"/>
+            <a:endCxn id="81" idx="1"/>
+          </p:cNvCxnSpPr>
+          <p:nvPr/>
+        </p:nvCxnSpPr>
+        <p:spPr>
+          <a:xfrm>
+            <a:off x="4299301" y="2080903"/>
+            <a:ext cx="768016" cy="371114"/>
+          </a:xfrm>
+          <a:prstGeom prst="straightConnector1">
+            <a:avLst/>
+          </a:prstGeom>
+          <a:ln>
+            <a:tailEnd type="triangle"/>
+          </a:ln>
+        </p:spPr>
+        <p:style>
+          <a:lnRef idx="1">
+            <a:schemeClr val="accent1"/>
+          </a:lnRef>
+          <a:fillRef idx="0">
+            <a:schemeClr val="accent1"/>
+          </a:fillRef>
+          <a:effectRef idx="0">
+            <a:schemeClr val="accent1"/>
+          </a:effectRef>
+          <a:fontRef idx="minor">
+            <a:schemeClr val="tx1"/>
+          </a:fontRef>
+        </p:style>
+      </p:cxnSp>
+      <p:sp>
+        <p:nvSpPr>
+          <p:cNvPr id="112" name="矩形: 圆角 42"/>
+          <p:cNvSpPr/>
+          <p:nvPr/>
+        </p:nvSpPr>
+        <p:spPr>
+          <a:xfrm>
+            <a:off x="1731400" y="3588927"/>
+            <a:ext cx="1035295" cy="438059"/>
+          </a:xfrm>
+          <a:prstGeom prst="roundRect">
+            <a:avLst/>
+          </a:prstGeom>
+        </p:spPr>
+        <p:style>
+          <a:lnRef idx="2">
+            <a:schemeClr val="accent5"/>
+          </a:lnRef>
+          <a:fillRef idx="1">
+            <a:schemeClr val="lt1"/>
+          </a:fillRef>
+          <a:effectRef idx="0">
+            <a:schemeClr val="accent5"/>
+          </a:effectRef>
+          <a:fontRef idx="minor">
+            <a:schemeClr val="dk1"/>
+          </a:fontRef>
+        </p:style>
+        <p:txBody>
+          <a:bodyPr rtlCol="0" anchor="ctr"/>
+          <a:lstStyle/>
+          <a:p>
+            <a:pPr algn="ctr"/>
+            <a:r>
+              <a:rPr lang="en-US" altLang="zh-CN" sz="1400" dirty="0" smtClean="0"/>
+              <a:t>Promise</a:t>
+            </a:r>
+          </a:p>
+          <a:p>
+            <a:pPr algn="ctr"/>
+            <a:r>
+              <a:rPr lang="en-US" altLang="zh-CN" sz="1400" dirty="0" smtClean="0"/>
+              <a:t>end()</a:t>
+            </a:r>
+            <a:endParaRPr lang="zh-CN" altLang="en-US" sz="1400" dirty="0"/>
+          </a:p>
+        </p:txBody>
+      </p:sp>
+      <p:sp>
+        <p:nvSpPr>
+          <p:cNvPr id="115" name="矩形: 圆角 42"/>
+          <p:cNvSpPr/>
+          <p:nvPr/>
+        </p:nvSpPr>
+        <p:spPr>
+          <a:xfrm>
+            <a:off x="1725674" y="2822670"/>
+            <a:ext cx="1035295" cy="438059"/>
+          </a:xfrm>
+          <a:prstGeom prst="roundRect">
+            <a:avLst/>
+          </a:prstGeom>
+        </p:spPr>
+        <p:style>
+          <a:lnRef idx="2">
+            <a:schemeClr val="accent5"/>
+          </a:lnRef>
+          <a:fillRef idx="1">
+            <a:schemeClr val="lt1"/>
+          </a:fillRef>
+          <a:effectRef idx="0">
+            <a:schemeClr val="accent5"/>
+          </a:effectRef>
+          <a:fontRef idx="minor">
+            <a:schemeClr val="dk1"/>
+          </a:fontRef>
+        </p:style>
+        <p:txBody>
+          <a:bodyPr rtlCol="0" anchor="ctr"/>
+          <a:lstStyle/>
+          <a:p>
+            <a:pPr algn="ctr"/>
+            <a:r>
+              <a:rPr lang="en-US" altLang="zh-CN" sz="1400" dirty="0" smtClean="0"/>
+              <a:t>Promise</a:t>
+            </a:r>
+          </a:p>
+          <a:p>
+            <a:pPr algn="ctr"/>
+            <a:r>
+              <a:rPr lang="en-US" altLang="zh-CN" sz="1400" dirty="0" smtClean="0"/>
+              <a:t>error()</a:t>
+            </a:r>
+            <a:endParaRPr lang="zh-CN" altLang="en-US" sz="1400" dirty="0"/>
+          </a:p>
+        </p:txBody>
+      </p:sp>
+      <p:sp>
+        <p:nvSpPr>
+          <p:cNvPr id="116" name="矩形: 圆角 42"/>
+          <p:cNvSpPr/>
+          <p:nvPr/>
+        </p:nvSpPr>
+        <p:spPr>
+          <a:xfrm>
+            <a:off x="1725674" y="2034799"/>
+            <a:ext cx="1035295" cy="438059"/>
+          </a:xfrm>
+          <a:prstGeom prst="roundRect">
+            <a:avLst/>
+          </a:prstGeom>
+        </p:spPr>
+        <p:style>
+          <a:lnRef idx="2">
+            <a:schemeClr val="accent5"/>
+          </a:lnRef>
+          <a:fillRef idx="1">
+            <a:schemeClr val="lt1"/>
+          </a:fillRef>
+          <a:effectRef idx="0">
+            <a:schemeClr val="accent5"/>
+          </a:effectRef>
+          <a:fontRef idx="minor">
+            <a:schemeClr val="dk1"/>
+          </a:fontRef>
+        </p:style>
+        <p:txBody>
+          <a:bodyPr rtlCol="0" anchor="ctr"/>
+          <a:lstStyle/>
+          <a:p>
+            <a:pPr algn="ctr"/>
+            <a:r>
+              <a:rPr lang="en-US" altLang="zh-CN" sz="1400" dirty="0" smtClean="0"/>
+              <a:t>Promise</a:t>
+            </a:r>
+          </a:p>
+          <a:p>
+            <a:pPr algn="ctr"/>
+            <a:r>
+              <a:rPr lang="en-US" altLang="zh-CN" sz="1400" dirty="0" smtClean="0"/>
+              <a:t>then()</a:t>
+            </a:r>
+            <a:endParaRPr lang="zh-CN" altLang="en-US" sz="1400" dirty="0"/>
+          </a:p>
+        </p:txBody>
+      </p:sp>
+      <p:cxnSp>
+        <p:nvCxnSpPr>
+          <p:cNvPr id="113" name="直线箭头连接符 112"/>
+          <p:cNvCxnSpPr>
+            <a:endCxn id="116" idx="0"/>
+          </p:cNvCxnSpPr>
+          <p:nvPr/>
+        </p:nvCxnSpPr>
+        <p:spPr>
+          <a:xfrm>
+            <a:off x="2243321" y="1559672"/>
+            <a:ext cx="1" cy="475127"/>
+          </a:xfrm>
+          <a:prstGeom prst="straightConnector1">
+            <a:avLst/>
+          </a:prstGeom>
+          <a:ln>
+            <a:tailEnd type="triangle"/>
+          </a:ln>
+        </p:spPr>
+        <p:style>
+          <a:lnRef idx="1">
+            <a:schemeClr val="accent1"/>
+          </a:lnRef>
+          <a:fillRef idx="0">
+            <a:schemeClr val="accent1"/>
+          </a:fillRef>
+          <a:effectRef idx="0">
+            <a:schemeClr val="accent1"/>
+          </a:effectRef>
+          <a:fontRef idx="minor">
+            <a:schemeClr val="tx1"/>
+          </a:fontRef>
+        </p:style>
+      </p:cxnSp>
+      <p:cxnSp>
+        <p:nvCxnSpPr>
+          <p:cNvPr id="120" name="直线箭头连接符 119"/>
+          <p:cNvCxnSpPr>
+            <a:stCxn id="116" idx="2"/>
+            <a:endCxn id="115" idx="0"/>
+          </p:cNvCxnSpPr>
+          <p:nvPr/>
+        </p:nvCxnSpPr>
+        <p:spPr>
+          <a:xfrm>
+            <a:off x="2243322" y="2472858"/>
+            <a:ext cx="0" cy="349812"/>
+          </a:xfrm>
+          <a:prstGeom prst="straightConnector1">
+            <a:avLst/>
+          </a:prstGeom>
+          <a:ln>
+            <a:tailEnd type="triangle"/>
+          </a:ln>
+        </p:spPr>
+        <p:style>
+          <a:lnRef idx="1">
+            <a:schemeClr val="accent1"/>
+          </a:lnRef>
+          <a:fillRef idx="0">
+            <a:schemeClr val="accent1"/>
+          </a:fillRef>
+          <a:effectRef idx="0">
+            <a:schemeClr val="accent1"/>
+          </a:effectRef>
+          <a:fontRef idx="minor">
+            <a:schemeClr val="tx1"/>
+          </a:fontRef>
+        </p:style>
+      </p:cxnSp>
+      <p:cxnSp>
+        <p:nvCxnSpPr>
+          <p:cNvPr id="123" name="直线箭头连接符 122"/>
+          <p:cNvCxnSpPr>
+            <a:stCxn id="115" idx="2"/>
+            <a:endCxn id="112" idx="0"/>
+          </p:cNvCxnSpPr>
+          <p:nvPr/>
+        </p:nvCxnSpPr>
+        <p:spPr>
+          <a:xfrm>
+            <a:off x="2243322" y="3260729"/>
+            <a:ext cx="5726" cy="328198"/>
+          </a:xfrm>
+          <a:prstGeom prst="straightConnector1">
+            <a:avLst/>
+          </a:prstGeom>
+          <a:ln>
+            <a:tailEnd type="triangle"/>
+          </a:ln>
+        </p:spPr>
+        <p:style>
+          <a:lnRef idx="1">
+            <a:schemeClr val="accent1"/>
+          </a:lnRef>
+          <a:fillRef idx="0">
+            <a:schemeClr val="accent1"/>
+          </a:fillRef>
+          <a:effectRef idx="0">
+            <a:schemeClr val="accent1"/>
+          </a:effectRef>
+          <a:fontRef idx="minor">
+            <a:schemeClr val="tx1"/>
+          </a:fontRef>
+        </p:style>
+      </p:cxnSp>
+      <p:cxnSp>
+        <p:nvCxnSpPr>
+          <p:cNvPr id="126" name="直线箭头连接符 125"/>
+          <p:cNvCxnSpPr>
+            <a:stCxn id="112" idx="3"/>
+          </p:cNvCxnSpPr>
+          <p:nvPr/>
+        </p:nvCxnSpPr>
+        <p:spPr>
+          <a:xfrm flipV="1">
+            <a:off x="2766695" y="3803845"/>
+            <a:ext cx="511921" cy="4112"/>
+          </a:xfrm>
+          <a:prstGeom prst="straightConnector1">
+            <a:avLst/>
+          </a:prstGeom>
+          <a:ln>
+            <a:tailEnd type="triangle"/>
+          </a:ln>
+        </p:spPr>
+        <p:style>
+          <a:lnRef idx="1">
+            <a:schemeClr val="accent1"/>
+          </a:lnRef>
+          <a:fillRef idx="0">
+            <a:schemeClr val="accent1"/>
+          </a:fillRef>
+          <a:effectRef idx="0">
+            <a:schemeClr val="accent1"/>
+          </a:effectRef>
+          <a:fontRef idx="minor">
+            <a:schemeClr val="tx1"/>
+          </a:fontRef>
+        </p:style>
+      </p:cxnSp>
+      <p:sp>
+        <p:nvSpPr>
+          <p:cNvPr id="143" name="文本框 142"/>
+          <p:cNvSpPr txBox="1"/>
+          <p:nvPr/>
+        </p:nvSpPr>
+        <p:spPr>
+          <a:xfrm>
+            <a:off x="3680152" y="3272546"/>
+            <a:ext cx="870751" cy="261610"/>
+          </a:xfrm>
+          <a:prstGeom prst="rect">
+            <a:avLst/>
+          </a:prstGeom>
+          <a:noFill/>
+        </p:spPr>
+        <p:txBody>
+          <a:bodyPr wrap="none" rtlCol="0">
+            <a:spAutoFit/>
+          </a:bodyPr>
+          <a:lstStyle/>
+          <a:p>
+            <a:r>
+              <a:rPr kumimoji="1" lang="en-US" altLang="zh-CN" sz="1100" i="1" smtClean="0"/>
+              <a:t>Execute one</a:t>
+            </a:r>
+            <a:endParaRPr kumimoji="1" lang="zh-CN" altLang="en-US" sz="1100" i="1" dirty="0"/>
+          </a:p>
+        </p:txBody>
+      </p:sp>
+      <p:grpSp>
+        <p:nvGrpSpPr>
+          <p:cNvPr id="170" name="组 169"/>
+          <p:cNvGrpSpPr/>
+          <p:nvPr/>
+        </p:nvGrpSpPr>
+        <p:grpSpPr>
+          <a:xfrm>
+            <a:off x="1797474" y="4371370"/>
+            <a:ext cx="1098430" cy="535655"/>
+            <a:chOff x="1661205" y="2011513"/>
+            <a:chExt cx="1098430" cy="535655"/>
+          </a:xfrm>
+        </p:grpSpPr>
+        <p:grpSp>
+          <p:nvGrpSpPr>
+            <p:cNvPr id="154" name="组 153"/>
+            <p:cNvGrpSpPr/>
+            <p:nvPr/>
+          </p:nvGrpSpPr>
+          <p:grpSpPr>
+            <a:xfrm>
+              <a:off x="1661205" y="2298221"/>
+              <a:ext cx="1098430" cy="248947"/>
+              <a:chOff x="3416791" y="5573964"/>
+              <a:chExt cx="1098430" cy="248947"/>
+            </a:xfrm>
+          </p:grpSpPr>
+          <p:sp>
+            <p:nvSpPr>
+              <p:cNvPr id="145" name="矩形 144"/>
+              <p:cNvSpPr/>
+              <p:nvPr/>
+            </p:nvSpPr>
+            <p:spPr>
+              <a:xfrm>
+                <a:off x="3416791" y="5573966"/>
+                <a:ext cx="138698" cy="248945"/>
+              </a:xfrm>
+              <a:prstGeom prst="rect">
+                <a:avLst/>
+              </a:prstGeom>
+            </p:spPr>
+            <p:style>
+              <a:lnRef idx="2">
+                <a:schemeClr val="accent1"/>
+              </a:lnRef>
+              <a:fillRef idx="1">
+                <a:schemeClr val="lt1"/>
+              </a:fillRef>
+              <a:effectRef idx="0">
+                <a:schemeClr val="accent1"/>
+              </a:effectRef>
+              <a:fontRef idx="minor">
+                <a:schemeClr val="dk1"/>
+              </a:fontRef>
+            </p:style>
+            <p:txBody>
+              <a:bodyPr rtlCol="0" anchor="ctr"/>
+              <a:lstStyle/>
+              <a:p>
+                <a:pPr algn="ctr"/>
+                <a:endParaRPr kumimoji="1" lang="zh-CN" altLang="en-US"/>
+              </a:p>
+            </p:txBody>
+          </p:sp>
+          <p:sp>
+            <p:nvSpPr>
+              <p:cNvPr id="146" name="矩形 145"/>
+              <p:cNvSpPr/>
+              <p:nvPr/>
+            </p:nvSpPr>
+            <p:spPr>
+              <a:xfrm>
+                <a:off x="3555236" y="5573965"/>
+                <a:ext cx="138698" cy="248945"/>
+              </a:xfrm>
+              <a:prstGeom prst="rect">
+                <a:avLst/>
+              </a:prstGeom>
+            </p:spPr>
+            <p:style>
+              <a:lnRef idx="2">
+                <a:schemeClr val="accent1"/>
+              </a:lnRef>
+              <a:fillRef idx="1">
+                <a:schemeClr val="lt1"/>
+              </a:fillRef>
+              <a:effectRef idx="0">
+                <a:schemeClr val="accent1"/>
+              </a:effectRef>
+              <a:fontRef idx="minor">
+                <a:schemeClr val="dk1"/>
+              </a:fontRef>
+            </p:style>
+            <p:txBody>
+              <a:bodyPr rtlCol="0" anchor="ctr"/>
+              <a:lstStyle/>
+              <a:p>
+                <a:pPr algn="ctr"/>
+                <a:endParaRPr kumimoji="1" lang="zh-CN" altLang="en-US"/>
+              </a:p>
+            </p:txBody>
+          </p:sp>
+          <p:sp>
+            <p:nvSpPr>
+              <p:cNvPr id="147" name="矩形 146"/>
+              <p:cNvSpPr/>
+              <p:nvPr/>
+            </p:nvSpPr>
+            <p:spPr>
+              <a:xfrm>
+                <a:off x="3695363" y="5573965"/>
+                <a:ext cx="138698" cy="248945"/>
+              </a:xfrm>
+              <a:prstGeom prst="rect">
+                <a:avLst/>
+              </a:prstGeom>
+            </p:spPr>
+            <p:style>
+              <a:lnRef idx="2">
+                <a:schemeClr val="accent1"/>
+              </a:lnRef>
+              <a:fillRef idx="1">
+                <a:schemeClr val="lt1"/>
+              </a:fillRef>
+              <a:effectRef idx="0">
+                <a:schemeClr val="accent1"/>
+              </a:effectRef>
+              <a:fontRef idx="minor">
+                <a:schemeClr val="dk1"/>
+              </a:fontRef>
+            </p:style>
+            <p:txBody>
+              <a:bodyPr rtlCol="0" anchor="ctr"/>
+              <a:lstStyle/>
+              <a:p>
+                <a:pPr algn="ctr"/>
+                <a:endParaRPr kumimoji="1" lang="zh-CN" altLang="en-US"/>
+              </a:p>
+            </p:txBody>
+          </p:sp>
+          <p:sp>
+            <p:nvSpPr>
+              <p:cNvPr id="148" name="矩形 147"/>
+              <p:cNvSpPr/>
+              <p:nvPr/>
+            </p:nvSpPr>
+            <p:spPr>
+              <a:xfrm>
+                <a:off x="3833808" y="5573964"/>
+                <a:ext cx="138698" cy="248945"/>
+              </a:xfrm>
+              <a:prstGeom prst="rect">
+                <a:avLst/>
+              </a:prstGeom>
+            </p:spPr>
+            <p:style>
+              <a:lnRef idx="2">
+                <a:schemeClr val="accent1"/>
+              </a:lnRef>
+              <a:fillRef idx="1">
+                <a:schemeClr val="lt1"/>
+              </a:fillRef>
+              <a:effectRef idx="0">
+                <a:schemeClr val="accent1"/>
+              </a:effectRef>
+              <a:fontRef idx="minor">
+                <a:schemeClr val="dk1"/>
+              </a:fontRef>
+            </p:style>
+            <p:txBody>
+              <a:bodyPr rtlCol="0" anchor="ctr"/>
+              <a:lstStyle/>
+              <a:p>
+                <a:pPr algn="ctr"/>
+                <a:endParaRPr kumimoji="1" lang="zh-CN" altLang="en-US"/>
+              </a:p>
+            </p:txBody>
+          </p:sp>
+          <p:sp>
+            <p:nvSpPr>
+              <p:cNvPr id="149" name="矩形 148"/>
+              <p:cNvSpPr/>
+              <p:nvPr/>
+            </p:nvSpPr>
+            <p:spPr>
+              <a:xfrm>
+                <a:off x="3966594" y="5573966"/>
+                <a:ext cx="138698" cy="248945"/>
+              </a:xfrm>
+              <a:prstGeom prst="rect">
+                <a:avLst/>
+              </a:prstGeom>
+            </p:spPr>
+            <p:style>
+              <a:lnRef idx="2">
+                <a:schemeClr val="accent1"/>
+              </a:lnRef>
+              <a:fillRef idx="1">
+                <a:schemeClr val="lt1"/>
+              </a:fillRef>
+              <a:effectRef idx="0">
+                <a:schemeClr val="accent1"/>
+              </a:effectRef>
+              <a:fontRef idx="minor">
+                <a:schemeClr val="dk1"/>
+              </a:fontRef>
+            </p:style>
+            <p:txBody>
+              <a:bodyPr rtlCol="0" anchor="ctr"/>
+              <a:lstStyle/>
+              <a:p>
+                <a:pPr algn="ctr"/>
+                <a:endParaRPr kumimoji="1" lang="zh-CN" altLang="en-US"/>
+              </a:p>
+            </p:txBody>
+          </p:sp>
+          <p:sp>
+            <p:nvSpPr>
+              <p:cNvPr id="150" name="矩形 149"/>
+              <p:cNvSpPr/>
+              <p:nvPr/>
+            </p:nvSpPr>
+            <p:spPr>
+              <a:xfrm>
+                <a:off x="4105039" y="5573965"/>
+                <a:ext cx="138698" cy="248945"/>
+              </a:xfrm>
+              <a:prstGeom prst="rect">
+                <a:avLst/>
+              </a:prstGeom>
+            </p:spPr>
+            <p:style>
+              <a:lnRef idx="2">
+                <a:schemeClr val="accent1"/>
+              </a:lnRef>
+              <a:fillRef idx="1">
+                <a:schemeClr val="lt1"/>
+              </a:fillRef>
+              <a:effectRef idx="0">
+                <a:schemeClr val="accent1"/>
+              </a:effectRef>
+              <a:fontRef idx="minor">
+                <a:schemeClr val="dk1"/>
+              </a:fontRef>
+            </p:style>
+            <p:txBody>
+              <a:bodyPr rtlCol="0" anchor="ctr"/>
+              <a:lstStyle/>
+              <a:p>
+                <a:pPr algn="ctr"/>
+                <a:endParaRPr kumimoji="1" lang="zh-CN" altLang="en-US"/>
+              </a:p>
+            </p:txBody>
+          </p:sp>
+          <p:sp>
+            <p:nvSpPr>
+              <p:cNvPr id="151" name="矩形 150"/>
+              <p:cNvSpPr/>
+              <p:nvPr/>
+            </p:nvSpPr>
+            <p:spPr>
+              <a:xfrm>
+                <a:off x="4238078" y="5573965"/>
+                <a:ext cx="138698" cy="248945"/>
+              </a:xfrm>
+              <a:prstGeom prst="rect">
+                <a:avLst/>
+              </a:prstGeom>
+            </p:spPr>
+            <p:style>
+              <a:lnRef idx="2">
+                <a:schemeClr val="accent1"/>
+              </a:lnRef>
+              <a:fillRef idx="1">
+                <a:schemeClr val="lt1"/>
+              </a:fillRef>
+              <a:effectRef idx="0">
+                <a:schemeClr val="accent1"/>
+              </a:effectRef>
+              <a:fontRef idx="minor">
+                <a:schemeClr val="dk1"/>
+              </a:fontRef>
+            </p:style>
+            <p:txBody>
+              <a:bodyPr rtlCol="0" anchor="ctr"/>
+              <a:lstStyle/>
+              <a:p>
+                <a:pPr algn="ctr"/>
+                <a:endParaRPr kumimoji="1" lang="zh-CN" altLang="en-US"/>
+              </a:p>
+            </p:txBody>
+          </p:sp>
+          <p:sp>
+            <p:nvSpPr>
+              <p:cNvPr id="152" name="矩形 151"/>
+              <p:cNvSpPr/>
+              <p:nvPr/>
+            </p:nvSpPr>
+            <p:spPr>
+              <a:xfrm>
+                <a:off x="4376523" y="5573964"/>
+                <a:ext cx="138698" cy="248945"/>
+              </a:xfrm>
+              <a:prstGeom prst="rect">
+                <a:avLst/>
+              </a:prstGeom>
+            </p:spPr>
+            <p:style>
+              <a:lnRef idx="2">
+                <a:schemeClr val="accent1"/>
+              </a:lnRef>
+              <a:fillRef idx="1">
+                <a:schemeClr val="lt1"/>
+              </a:fillRef>
+              <a:effectRef idx="0">
+                <a:schemeClr val="accent1"/>
+              </a:effectRef>
+              <a:fontRef idx="minor">
+                <a:schemeClr val="dk1"/>
+              </a:fontRef>
+            </p:style>
+            <p:txBody>
+              <a:bodyPr rtlCol="0" anchor="ctr"/>
+              <a:lstStyle/>
+              <a:p>
+                <a:pPr algn="ctr"/>
+                <a:endParaRPr kumimoji="1" lang="zh-CN" altLang="en-US"/>
+              </a:p>
+            </p:txBody>
+          </p:sp>
+        </p:grpSp>
+        <p:sp>
+          <p:nvSpPr>
+            <p:cNvPr id="164" name="文本框 163"/>
+            <p:cNvSpPr txBox="1"/>
+            <p:nvPr/>
+          </p:nvSpPr>
+          <p:spPr>
+            <a:xfrm>
+              <a:off x="1730554" y="2011513"/>
+              <a:ext cx="998991" cy="261610"/>
+            </a:xfrm>
+            <a:prstGeom prst="rect">
+              <a:avLst/>
+            </a:prstGeom>
+            <a:noFill/>
+          </p:spPr>
+          <p:txBody>
+            <a:bodyPr wrap="none" rtlCol="0">
+              <a:spAutoFit/>
+            </a:bodyPr>
+            <a:lstStyle/>
+            <a:p>
+              <a:r>
+                <a:rPr kumimoji="1" lang="en-US" altLang="zh-CN" sz="1100" i="1" smtClean="0"/>
+                <a:t>Success queue</a:t>
+              </a:r>
+              <a:endParaRPr kumimoji="1" lang="zh-CN" altLang="en-US" sz="1100" i="1" dirty="0"/>
+            </a:p>
+          </p:txBody>
+        </p:sp>
+      </p:grpSp>
+      <p:grpSp>
+        <p:nvGrpSpPr>
+          <p:cNvPr id="171" name="组 170"/>
+          <p:cNvGrpSpPr/>
+          <p:nvPr/>
+        </p:nvGrpSpPr>
+        <p:grpSpPr>
+          <a:xfrm>
+            <a:off x="1786373" y="5112905"/>
+            <a:ext cx="1098430" cy="499415"/>
+            <a:chOff x="1661205" y="3098892"/>
+            <a:chExt cx="1098430" cy="499415"/>
+          </a:xfrm>
+        </p:grpSpPr>
+        <p:grpSp>
+          <p:nvGrpSpPr>
+            <p:cNvPr id="155" name="组 154"/>
+            <p:cNvGrpSpPr/>
+            <p:nvPr/>
+          </p:nvGrpSpPr>
+          <p:grpSpPr>
+            <a:xfrm>
+              <a:off x="1661205" y="3098892"/>
+              <a:ext cx="1098430" cy="248947"/>
+              <a:chOff x="3416791" y="5573964"/>
+              <a:chExt cx="1098430" cy="248947"/>
+            </a:xfrm>
+          </p:grpSpPr>
+          <p:sp>
+            <p:nvSpPr>
+              <p:cNvPr id="156" name="矩形 155"/>
+              <p:cNvSpPr/>
+              <p:nvPr/>
+            </p:nvSpPr>
+            <p:spPr>
+              <a:xfrm>
+                <a:off x="3416791" y="5573966"/>
+                <a:ext cx="138698" cy="248945"/>
+              </a:xfrm>
+              <a:prstGeom prst="rect">
+                <a:avLst/>
+              </a:prstGeom>
+            </p:spPr>
+            <p:style>
+              <a:lnRef idx="2">
+                <a:schemeClr val="accent1"/>
+              </a:lnRef>
+              <a:fillRef idx="1">
+                <a:schemeClr val="lt1"/>
+              </a:fillRef>
+              <a:effectRef idx="0">
+                <a:schemeClr val="accent1"/>
+              </a:effectRef>
+              <a:fontRef idx="minor">
+                <a:schemeClr val="dk1"/>
+              </a:fontRef>
+            </p:style>
+            <p:txBody>
+              <a:bodyPr rtlCol="0" anchor="ctr"/>
+              <a:lstStyle/>
+              <a:p>
+                <a:pPr algn="ctr"/>
+                <a:endParaRPr kumimoji="1" lang="zh-CN" altLang="en-US"/>
+              </a:p>
+            </p:txBody>
+          </p:sp>
+          <p:sp>
+            <p:nvSpPr>
+              <p:cNvPr id="157" name="矩形 156"/>
+              <p:cNvSpPr/>
+              <p:nvPr/>
+            </p:nvSpPr>
+            <p:spPr>
+              <a:xfrm>
+                <a:off x="3555236" y="5573965"/>
+                <a:ext cx="138698" cy="248945"/>
+              </a:xfrm>
+              <a:prstGeom prst="rect">
+                <a:avLst/>
+              </a:prstGeom>
+            </p:spPr>
+            <p:style>
+              <a:lnRef idx="2">
+                <a:schemeClr val="accent1"/>
+              </a:lnRef>
+              <a:fillRef idx="1">
+                <a:schemeClr val="lt1"/>
+              </a:fillRef>
+              <a:effectRef idx="0">
+                <a:schemeClr val="accent1"/>
+              </a:effectRef>
+              <a:fontRef idx="minor">
+                <a:schemeClr val="dk1"/>
+              </a:fontRef>
+            </p:style>
+            <p:txBody>
+              <a:bodyPr rtlCol="0" anchor="ctr"/>
+              <a:lstStyle/>
+              <a:p>
+                <a:pPr algn="ctr"/>
+                <a:endParaRPr kumimoji="1" lang="zh-CN" altLang="en-US"/>
+              </a:p>
+            </p:txBody>
+          </p:sp>
+          <p:sp>
+            <p:nvSpPr>
+              <p:cNvPr id="158" name="矩形 157"/>
+              <p:cNvSpPr/>
+              <p:nvPr/>
+            </p:nvSpPr>
+            <p:spPr>
+              <a:xfrm>
+                <a:off x="3695363" y="5573965"/>
+                <a:ext cx="138698" cy="248945"/>
+              </a:xfrm>
+              <a:prstGeom prst="rect">
+                <a:avLst/>
+              </a:prstGeom>
+            </p:spPr>
+            <p:style>
+              <a:lnRef idx="2">
+                <a:schemeClr val="accent1"/>
+              </a:lnRef>
+              <a:fillRef idx="1">
+                <a:schemeClr val="lt1"/>
+              </a:fillRef>
+              <a:effectRef idx="0">
+                <a:schemeClr val="accent1"/>
+              </a:effectRef>
+              <a:fontRef idx="minor">
+                <a:schemeClr val="dk1"/>
+              </a:fontRef>
+            </p:style>
+            <p:txBody>
+              <a:bodyPr rtlCol="0" anchor="ctr"/>
+              <a:lstStyle/>
+              <a:p>
+                <a:pPr algn="ctr"/>
+                <a:endParaRPr kumimoji="1" lang="zh-CN" altLang="en-US"/>
+              </a:p>
+            </p:txBody>
+          </p:sp>
+          <p:sp>
+            <p:nvSpPr>
+              <p:cNvPr id="159" name="矩形 158"/>
+              <p:cNvSpPr/>
+              <p:nvPr/>
+            </p:nvSpPr>
+            <p:spPr>
+              <a:xfrm>
+                <a:off x="3833808" y="5573964"/>
+                <a:ext cx="138698" cy="248945"/>
+              </a:xfrm>
+              <a:prstGeom prst="rect">
+                <a:avLst/>
+              </a:prstGeom>
+            </p:spPr>
+            <p:style>
+              <a:lnRef idx="2">
+                <a:schemeClr val="accent1"/>
+              </a:lnRef>
+              <a:fillRef idx="1">
+                <a:schemeClr val="lt1"/>
+              </a:fillRef>
+              <a:effectRef idx="0">
+                <a:schemeClr val="accent1"/>
+              </a:effectRef>
+              <a:fontRef idx="minor">
+                <a:schemeClr val="dk1"/>
+              </a:fontRef>
+            </p:style>
+            <p:txBody>
+              <a:bodyPr rtlCol="0" anchor="ctr"/>
+              <a:lstStyle/>
+              <a:p>
+                <a:pPr algn="ctr"/>
+                <a:endParaRPr kumimoji="1" lang="zh-CN" altLang="en-US"/>
+              </a:p>
+            </p:txBody>
+          </p:sp>
+          <p:sp>
+            <p:nvSpPr>
+              <p:cNvPr id="160" name="矩形 159"/>
+              <p:cNvSpPr/>
+              <p:nvPr/>
+            </p:nvSpPr>
+            <p:spPr>
+              <a:xfrm>
+                <a:off x="3966594" y="5573966"/>
+                <a:ext cx="138698" cy="248945"/>
+              </a:xfrm>
+              <a:prstGeom prst="rect">
+                <a:avLst/>
+              </a:prstGeom>
+            </p:spPr>
+            <p:style>
+              <a:lnRef idx="2">
+                <a:schemeClr val="accent1"/>
+              </a:lnRef>
+              <a:fillRef idx="1">
+                <a:schemeClr val="lt1"/>
+              </a:fillRef>
+              <a:effectRef idx="0">
+                <a:schemeClr val="accent1"/>
+              </a:effectRef>
+              <a:fontRef idx="minor">
+                <a:schemeClr val="dk1"/>
+              </a:fontRef>
+            </p:style>
+            <p:txBody>
+              <a:bodyPr rtlCol="0" anchor="ctr"/>
+              <a:lstStyle/>
+              <a:p>
+                <a:pPr algn="ctr"/>
+                <a:endParaRPr kumimoji="1" lang="zh-CN" altLang="en-US"/>
+              </a:p>
+            </p:txBody>
+          </p:sp>
+          <p:sp>
+            <p:nvSpPr>
+              <p:cNvPr id="161" name="矩形 160"/>
+              <p:cNvSpPr/>
+              <p:nvPr/>
+            </p:nvSpPr>
+            <p:spPr>
+              <a:xfrm>
+                <a:off x="4105039" y="5573965"/>
+                <a:ext cx="138698" cy="248945"/>
+              </a:xfrm>
+              <a:prstGeom prst="rect">
+                <a:avLst/>
+              </a:prstGeom>
+            </p:spPr>
+            <p:style>
+              <a:lnRef idx="2">
+                <a:schemeClr val="accent1"/>
+              </a:lnRef>
+              <a:fillRef idx="1">
+                <a:schemeClr val="lt1"/>
+              </a:fillRef>
+              <a:effectRef idx="0">
+                <a:schemeClr val="accent1"/>
+              </a:effectRef>
+              <a:fontRef idx="minor">
+                <a:schemeClr val="dk1"/>
+              </a:fontRef>
+            </p:style>
+            <p:txBody>
+              <a:bodyPr rtlCol="0" anchor="ctr"/>
+              <a:lstStyle/>
+              <a:p>
+                <a:pPr algn="ctr"/>
+                <a:endParaRPr kumimoji="1" lang="zh-CN" altLang="en-US"/>
+              </a:p>
+            </p:txBody>
+          </p:sp>
+          <p:sp>
+            <p:nvSpPr>
+              <p:cNvPr id="162" name="矩形 161"/>
+              <p:cNvSpPr/>
+              <p:nvPr/>
+            </p:nvSpPr>
+            <p:spPr>
+              <a:xfrm>
+                <a:off x="4238078" y="5573965"/>
+                <a:ext cx="138698" cy="248945"/>
+              </a:xfrm>
+              <a:prstGeom prst="rect">
+                <a:avLst/>
+              </a:prstGeom>
+            </p:spPr>
+            <p:style>
+              <a:lnRef idx="2">
+                <a:schemeClr val="accent1"/>
+              </a:lnRef>
+              <a:fillRef idx="1">
+                <a:schemeClr val="lt1"/>
+              </a:fillRef>
+              <a:effectRef idx="0">
+                <a:schemeClr val="accent1"/>
+              </a:effectRef>
+              <a:fontRef idx="minor">
+                <a:schemeClr val="dk1"/>
+              </a:fontRef>
+            </p:style>
+            <p:txBody>
+              <a:bodyPr rtlCol="0" anchor="ctr"/>
+              <a:lstStyle/>
+              <a:p>
+                <a:pPr algn="ctr"/>
+                <a:endParaRPr kumimoji="1" lang="zh-CN" altLang="en-US"/>
+              </a:p>
+            </p:txBody>
+          </p:sp>
+          <p:sp>
+            <p:nvSpPr>
+              <p:cNvPr id="163" name="矩形 162"/>
+              <p:cNvSpPr/>
+              <p:nvPr/>
+            </p:nvSpPr>
+            <p:spPr>
+              <a:xfrm>
+                <a:off x="4376523" y="5573964"/>
+                <a:ext cx="138698" cy="248945"/>
+              </a:xfrm>
+              <a:prstGeom prst="rect">
+                <a:avLst/>
+              </a:prstGeom>
+            </p:spPr>
+            <p:style>
+              <a:lnRef idx="2">
+                <a:schemeClr val="accent1"/>
+              </a:lnRef>
+              <a:fillRef idx="1">
+                <a:schemeClr val="lt1"/>
+              </a:fillRef>
+              <a:effectRef idx="0">
+                <a:schemeClr val="accent1"/>
+              </a:effectRef>
+              <a:fontRef idx="minor">
+                <a:schemeClr val="dk1"/>
+              </a:fontRef>
+            </p:style>
+            <p:txBody>
+              <a:bodyPr rtlCol="0" anchor="ctr"/>
+              <a:lstStyle/>
+              <a:p>
+                <a:pPr algn="ctr"/>
+                <a:endParaRPr kumimoji="1" lang="zh-CN" altLang="en-US"/>
+              </a:p>
+            </p:txBody>
+          </p:sp>
+        </p:grpSp>
+        <p:sp>
+          <p:nvSpPr>
+            <p:cNvPr id="165" name="文本框 164"/>
+            <p:cNvSpPr txBox="1"/>
+            <p:nvPr/>
+          </p:nvSpPr>
+          <p:spPr>
+            <a:xfrm>
+              <a:off x="1717607" y="3336697"/>
+              <a:ext cx="851515" cy="261610"/>
+            </a:xfrm>
+            <a:prstGeom prst="rect">
+              <a:avLst/>
+            </a:prstGeom>
+            <a:noFill/>
+          </p:spPr>
+          <p:txBody>
+            <a:bodyPr wrap="none" rtlCol="0">
+              <a:spAutoFit/>
+            </a:bodyPr>
+            <a:lstStyle/>
+            <a:p>
+              <a:r>
+                <a:rPr kumimoji="1" lang="en-US" altLang="zh-CN" sz="1100" i="1" dirty="0" smtClean="0"/>
+                <a:t>Error queue</a:t>
+              </a:r>
+              <a:endParaRPr kumimoji="1" lang="zh-CN" altLang="en-US" sz="1100" i="1" dirty="0"/>
+            </a:p>
+          </p:txBody>
+        </p:sp>
+      </p:grpSp>
+      <p:sp>
+        <p:nvSpPr>
+          <p:cNvPr id="172" name="文本框 171"/>
+          <p:cNvSpPr txBox="1"/>
+          <p:nvPr/>
+        </p:nvSpPr>
+        <p:spPr>
+          <a:xfrm>
+            <a:off x="1797474" y="1622651"/>
+            <a:ext cx="452368" cy="261610"/>
+          </a:xfrm>
+          <a:prstGeom prst="rect">
+            <a:avLst/>
+          </a:prstGeom>
+          <a:noFill/>
+        </p:spPr>
+        <p:txBody>
+          <a:bodyPr wrap="none" rtlCol="0">
+            <a:spAutoFit/>
+          </a:bodyPr>
+          <a:lstStyle/>
+          <a:p>
+            <a:r>
+              <a:rPr kumimoji="1" lang="en-US" altLang="zh-CN" sz="1100" i="1" dirty="0" smtClean="0"/>
+              <a:t>start</a:t>
+            </a:r>
+            <a:endParaRPr kumimoji="1" lang="zh-CN" altLang="en-US" sz="1100" i="1" dirty="0"/>
+          </a:p>
+        </p:txBody>
+      </p:sp>
+      <p:sp>
+        <p:nvSpPr>
+          <p:cNvPr id="173" name="矩形: 圆角 42"/>
+          <p:cNvSpPr/>
+          <p:nvPr/>
+        </p:nvSpPr>
+        <p:spPr>
+          <a:xfrm>
+            <a:off x="3264006" y="3613408"/>
+            <a:ext cx="1035295" cy="438059"/>
+          </a:xfrm>
+          <a:prstGeom prst="roundRect">
+            <a:avLst/>
+          </a:prstGeom>
+        </p:spPr>
+        <p:style>
+          <a:lnRef idx="2">
+            <a:schemeClr val="accent5"/>
+          </a:lnRef>
+          <a:fillRef idx="1">
+            <a:schemeClr val="lt1"/>
+          </a:fillRef>
+          <a:effectRef idx="0">
+            <a:schemeClr val="accent5"/>
+          </a:effectRef>
+          <a:fontRef idx="minor">
+            <a:schemeClr val="dk1"/>
+          </a:fontRef>
+        </p:style>
+        <p:txBody>
+          <a:bodyPr rtlCol="0" anchor="ctr"/>
+          <a:lstStyle/>
+          <a:p>
+            <a:pPr algn="ctr"/>
+            <a:r>
+              <a:rPr lang="en-US" altLang="zh-CN" sz="1400" dirty="0" smtClean="0"/>
+              <a:t>Executor</a:t>
+            </a:r>
+            <a:endParaRPr lang="zh-CN" altLang="en-US" sz="1400" dirty="0"/>
+          </a:p>
+        </p:txBody>
+      </p:sp>
+      <p:cxnSp>
+        <p:nvCxnSpPr>
+          <p:cNvPr id="179" name="肘形连接符 178"/>
+          <p:cNvCxnSpPr>
+            <a:stCxn id="116" idx="1"/>
+            <a:endCxn id="145" idx="1"/>
+          </p:cNvCxnSpPr>
+          <p:nvPr/>
+        </p:nvCxnSpPr>
+        <p:spPr>
+          <a:xfrm rot="10800000" flipH="1" flipV="1">
+            <a:off x="1725674" y="2253829"/>
+            <a:ext cx="71800" cy="2528724"/>
+          </a:xfrm>
+          <a:prstGeom prst="bentConnector3">
+            <a:avLst>
+              <a:gd name="adj1" fmla="val -729202"/>
+            </a:avLst>
+          </a:prstGeom>
+          <a:ln>
+            <a:prstDash val="dash"/>
+            <a:tailEnd type="triangle"/>
+          </a:ln>
+        </p:spPr>
+        <p:style>
+          <a:lnRef idx="1">
+            <a:schemeClr val="accent1"/>
+          </a:lnRef>
+          <a:fillRef idx="0">
+            <a:schemeClr val="accent1"/>
+          </a:fillRef>
+          <a:effectRef idx="0">
+            <a:schemeClr val="accent1"/>
+          </a:effectRef>
+          <a:fontRef idx="minor">
+            <a:schemeClr val="tx1"/>
+          </a:fontRef>
+        </p:style>
+      </p:cxnSp>
+      <p:cxnSp>
+        <p:nvCxnSpPr>
+          <p:cNvPr id="181" name="肘形连接符 180"/>
+          <p:cNvCxnSpPr>
+            <a:stCxn id="115" idx="1"/>
+            <a:endCxn id="156" idx="1"/>
+          </p:cNvCxnSpPr>
+          <p:nvPr/>
+        </p:nvCxnSpPr>
+        <p:spPr>
+          <a:xfrm rot="10800000" flipH="1" flipV="1">
+            <a:off x="1725673" y="3041700"/>
+            <a:ext cx="60699" cy="2195680"/>
+          </a:xfrm>
+          <a:prstGeom prst="bentConnector3">
+            <a:avLst>
+              <a:gd name="adj1" fmla="val -376612"/>
+            </a:avLst>
+          </a:prstGeom>
+          <a:ln>
+            <a:prstDash val="dash"/>
+            <a:tailEnd type="triangle"/>
+          </a:ln>
+        </p:spPr>
+        <p:style>
+          <a:lnRef idx="1">
+            <a:schemeClr val="accent1"/>
+          </a:lnRef>
+          <a:fillRef idx="0">
+            <a:schemeClr val="accent1"/>
+          </a:fillRef>
+          <a:effectRef idx="0">
+            <a:schemeClr val="accent1"/>
+          </a:effectRef>
+          <a:fontRef idx="minor">
+            <a:schemeClr val="tx1"/>
+          </a:fontRef>
+        </p:style>
+      </p:cxnSp>
+      <p:cxnSp>
+        <p:nvCxnSpPr>
+          <p:cNvPr id="190" name="肘形连接符 189"/>
+          <p:cNvCxnSpPr>
+            <a:stCxn id="152" idx="3"/>
+          </p:cNvCxnSpPr>
+          <p:nvPr/>
+        </p:nvCxnSpPr>
+        <p:spPr>
+          <a:xfrm flipV="1">
+            <a:off x="2895904" y="4022427"/>
+            <a:ext cx="645245" cy="760124"/>
+          </a:xfrm>
+          <a:prstGeom prst="bentConnector2">
+            <a:avLst/>
+          </a:prstGeom>
+          <a:ln>
+            <a:prstDash val="dash"/>
+            <a:tailEnd type="triangle"/>
+          </a:ln>
+        </p:spPr>
+        <p:style>
+          <a:lnRef idx="1">
+            <a:schemeClr val="accent1"/>
+          </a:lnRef>
+          <a:fillRef idx="0">
+            <a:schemeClr val="accent1"/>
+          </a:fillRef>
+          <a:effectRef idx="0">
+            <a:schemeClr val="accent1"/>
+          </a:effectRef>
+          <a:fontRef idx="minor">
+            <a:schemeClr val="tx1"/>
+          </a:fontRef>
+        </p:style>
+      </p:cxnSp>
+      <p:cxnSp>
+        <p:nvCxnSpPr>
+          <p:cNvPr id="193" name="肘形连接符 192"/>
+          <p:cNvCxnSpPr>
+            <a:stCxn id="163" idx="3"/>
+          </p:cNvCxnSpPr>
+          <p:nvPr/>
+        </p:nvCxnSpPr>
+        <p:spPr>
+          <a:xfrm flipV="1">
+            <a:off x="2884803" y="4051467"/>
+            <a:ext cx="1101932" cy="1185911"/>
+          </a:xfrm>
+          <a:prstGeom prst="bentConnector2">
+            <a:avLst/>
+          </a:prstGeom>
+          <a:ln>
+            <a:prstDash val="dash"/>
+            <a:tailEnd type="triangle"/>
+          </a:ln>
+        </p:spPr>
+        <p:style>
+          <a:lnRef idx="1">
+            <a:schemeClr val="accent1"/>
+          </a:lnRef>
+          <a:fillRef idx="0">
+            <a:schemeClr val="accent1"/>
+          </a:fillRef>
+          <a:effectRef idx="0">
+            <a:schemeClr val="accent1"/>
+          </a:effectRef>
+          <a:fontRef idx="minor">
+            <a:schemeClr val="tx1"/>
+          </a:fontRef>
+        </p:style>
+      </p:cxnSp>
+      <p:cxnSp>
+        <p:nvCxnSpPr>
+          <p:cNvPr id="196" name="肘形连接符 195"/>
+          <p:cNvCxnSpPr>
+            <a:stCxn id="80" idx="3"/>
+            <a:endCxn id="96" idx="3"/>
+          </p:cNvCxnSpPr>
+          <p:nvPr/>
+        </p:nvCxnSpPr>
+        <p:spPr>
+          <a:xfrm flipH="1">
+            <a:off x="6088499" y="1794325"/>
+            <a:ext cx="4570" cy="2032783"/>
+          </a:xfrm>
+          <a:prstGeom prst="bentConnector3">
+            <a:avLst>
+              <a:gd name="adj1" fmla="val -5002188"/>
+            </a:avLst>
+          </a:prstGeom>
+          <a:ln>
+            <a:tailEnd type="triangle"/>
+          </a:ln>
+        </p:spPr>
+        <p:style>
+          <a:lnRef idx="1">
+            <a:schemeClr val="accent1"/>
+          </a:lnRef>
+          <a:fillRef idx="0">
+            <a:schemeClr val="accent1"/>
+          </a:fillRef>
+          <a:effectRef idx="0">
+            <a:schemeClr val="accent1"/>
+          </a:effectRef>
+          <a:fontRef idx="minor">
+            <a:schemeClr val="tx1"/>
+          </a:fontRef>
+        </p:style>
+      </p:cxnSp>
+      <p:cxnSp>
+        <p:nvCxnSpPr>
+          <p:cNvPr id="198" name="直线箭头连接符 197"/>
+          <p:cNvCxnSpPr>
+            <a:stCxn id="81" idx="2"/>
+            <a:endCxn id="96" idx="0"/>
+          </p:cNvCxnSpPr>
+          <p:nvPr/>
+        </p:nvCxnSpPr>
+        <p:spPr>
+          <a:xfrm flipH="1">
+            <a:off x="5583413" y="2671046"/>
+            <a:ext cx="1552" cy="971577"/>
+          </a:xfrm>
+          <a:prstGeom prst="straightConnector1">
+            <a:avLst/>
+          </a:prstGeom>
+          <a:ln>
+            <a:tailEnd type="triangle"/>
+          </a:ln>
+        </p:spPr>
+        <p:style>
+          <a:lnRef idx="1">
+            <a:schemeClr val="accent1"/>
+          </a:lnRef>
+          <a:fillRef idx="0">
+            <a:schemeClr val="accent1"/>
+          </a:fillRef>
+          <a:effectRef idx="0">
+            <a:schemeClr val="accent1"/>
+          </a:effectRef>
+          <a:fontRef idx="minor">
+            <a:schemeClr val="tx1"/>
+          </a:fontRef>
+        </p:style>
+      </p:cxnSp>
+      <p:cxnSp>
+        <p:nvCxnSpPr>
+          <p:cNvPr id="200" name="直线箭头连接符 199"/>
+          <p:cNvCxnSpPr>
+            <a:stCxn id="96" idx="1"/>
+            <a:endCxn id="173" idx="3"/>
+          </p:cNvCxnSpPr>
+          <p:nvPr/>
+        </p:nvCxnSpPr>
+        <p:spPr>
+          <a:xfrm flipH="1">
+            <a:off x="4299301" y="3827108"/>
+            <a:ext cx="779026" cy="5330"/>
+          </a:xfrm>
+          <a:prstGeom prst="straightConnector1">
+            <a:avLst/>
+          </a:prstGeom>
+          <a:ln>
+            <a:tailEnd type="triangle"/>
+          </a:ln>
+        </p:spPr>
+        <p:style>
+          <a:lnRef idx="1">
+            <a:schemeClr val="accent1"/>
+          </a:lnRef>
+          <a:fillRef idx="0">
+            <a:schemeClr val="accent1"/>
+          </a:fillRef>
+          <a:effectRef idx="0">
+            <a:schemeClr val="accent1"/>
+          </a:effectRef>
+          <a:fontRef idx="minor">
+            <a:schemeClr val="tx1"/>
+          </a:fontRef>
+        </p:style>
+      </p:cxnSp>
+      <p:sp>
+        <p:nvSpPr>
+          <p:cNvPr id="201" name="矩形: 圆角 42"/>
+          <p:cNvSpPr/>
+          <p:nvPr/>
+        </p:nvSpPr>
+        <p:spPr>
+          <a:xfrm>
+            <a:off x="8136620" y="1795389"/>
+            <a:ext cx="692750" cy="327773"/>
+          </a:xfrm>
+          <a:prstGeom prst="roundRect">
+            <a:avLst/>
+          </a:prstGeom>
+        </p:spPr>
+        <p:style>
+          <a:lnRef idx="2">
+            <a:schemeClr val="accent5"/>
+          </a:lnRef>
+          <a:fillRef idx="1">
+            <a:schemeClr val="lt1"/>
+          </a:fillRef>
+          <a:effectRef idx="0">
+            <a:schemeClr val="accent5"/>
+          </a:effectRef>
+          <a:fontRef idx="minor">
+            <a:schemeClr val="dk1"/>
+          </a:fontRef>
+        </p:style>
+        <p:txBody>
+          <a:bodyPr rtlCol="0" anchor="ctr"/>
+          <a:lstStyle/>
+          <a:p>
+            <a:pPr algn="ctr"/>
+            <a:r>
+              <a:rPr lang="en-US" altLang="zh-CN" sz="1400" dirty="0" smtClean="0"/>
+              <a:t>t1</a:t>
+            </a:r>
+            <a:endParaRPr lang="zh-CN" altLang="en-US" sz="1400" dirty="0"/>
+          </a:p>
+        </p:txBody>
+      </p:sp>
+      <p:sp>
+        <p:nvSpPr>
+          <p:cNvPr id="202" name="矩形: 圆角 42"/>
+          <p:cNvSpPr/>
+          <p:nvPr/>
+        </p:nvSpPr>
+        <p:spPr>
+          <a:xfrm>
+            <a:off x="8136620" y="2366700"/>
+            <a:ext cx="692750" cy="327773"/>
+          </a:xfrm>
+          <a:prstGeom prst="roundRect">
+            <a:avLst/>
+          </a:prstGeom>
+        </p:spPr>
+        <p:style>
+          <a:lnRef idx="2">
+            <a:schemeClr val="accent5"/>
+          </a:lnRef>
+          <a:fillRef idx="1">
+            <a:schemeClr val="lt1"/>
+          </a:fillRef>
+          <a:effectRef idx="0">
+            <a:schemeClr val="accent5"/>
+          </a:effectRef>
+          <a:fontRef idx="minor">
+            <a:schemeClr val="dk1"/>
+          </a:fontRef>
+        </p:style>
+        <p:txBody>
+          <a:bodyPr rtlCol="0" anchor="ctr"/>
+          <a:lstStyle/>
+          <a:p>
+            <a:pPr algn="ctr"/>
+            <a:r>
+              <a:rPr lang="en-US" altLang="zh-CN" sz="1400" dirty="0" smtClean="0"/>
+              <a:t>t2</a:t>
+            </a:r>
+            <a:endParaRPr lang="zh-CN" altLang="en-US" sz="1400" dirty="0"/>
+          </a:p>
+        </p:txBody>
+      </p:sp>
+      <p:sp>
+        <p:nvSpPr>
+          <p:cNvPr id="203" name="矩形: 圆角 42"/>
+          <p:cNvSpPr/>
+          <p:nvPr/>
+        </p:nvSpPr>
+        <p:spPr>
+          <a:xfrm>
+            <a:off x="9344429" y="2373572"/>
+            <a:ext cx="692750" cy="327773"/>
+          </a:xfrm>
+          <a:prstGeom prst="roundRect">
+            <a:avLst/>
+          </a:prstGeom>
+        </p:spPr>
+        <p:style>
+          <a:lnRef idx="2">
+            <a:schemeClr val="accent4"/>
+          </a:lnRef>
+          <a:fillRef idx="1">
+            <a:schemeClr val="lt1"/>
+          </a:fillRef>
+          <a:effectRef idx="0">
+            <a:schemeClr val="accent4"/>
+          </a:effectRef>
+          <a:fontRef idx="minor">
+            <a:schemeClr val="dk1"/>
+          </a:fontRef>
+        </p:style>
+        <p:txBody>
+          <a:bodyPr rtlCol="0" anchor="ctr"/>
+          <a:lstStyle/>
+          <a:p>
+            <a:pPr algn="ctr"/>
+            <a:r>
+              <a:rPr lang="en-US" altLang="zh-CN" sz="1400" smtClean="0"/>
+              <a:t>e1</a:t>
+            </a:r>
+            <a:endParaRPr lang="zh-CN" altLang="en-US" sz="1400" dirty="0"/>
+          </a:p>
+        </p:txBody>
+      </p:sp>
+      <p:sp>
+        <p:nvSpPr>
+          <p:cNvPr id="204" name="矩形: 圆角 42"/>
+          <p:cNvSpPr/>
+          <p:nvPr/>
+        </p:nvSpPr>
+        <p:spPr>
+          <a:xfrm>
+            <a:off x="8136620" y="2944773"/>
+            <a:ext cx="692750" cy="327773"/>
+          </a:xfrm>
+          <a:prstGeom prst="roundRect">
+            <a:avLst/>
+          </a:prstGeom>
+        </p:spPr>
+        <p:style>
+          <a:lnRef idx="2">
+            <a:schemeClr val="accent5"/>
+          </a:lnRef>
+          <a:fillRef idx="1">
+            <a:schemeClr val="lt1"/>
+          </a:fillRef>
+          <a:effectRef idx="0">
+            <a:schemeClr val="accent5"/>
+          </a:effectRef>
+          <a:fontRef idx="minor">
+            <a:schemeClr val="dk1"/>
+          </a:fontRef>
+        </p:style>
+        <p:txBody>
+          <a:bodyPr rtlCol="0" anchor="ctr"/>
+          <a:lstStyle/>
+          <a:p>
+            <a:pPr algn="ctr"/>
+            <a:r>
+              <a:rPr lang="en-US" altLang="zh-CN" sz="1400" dirty="0"/>
+              <a:t>t</a:t>
+            </a:r>
+            <a:r>
+              <a:rPr lang="en-US" altLang="zh-CN" sz="1400" dirty="0" smtClean="0"/>
+              <a:t>3</a:t>
+            </a:r>
+            <a:endParaRPr lang="zh-CN" altLang="en-US" sz="1400" dirty="0"/>
+          </a:p>
+        </p:txBody>
+      </p:sp>
+      <p:sp>
+        <p:nvSpPr>
+          <p:cNvPr id="205" name="矩形: 圆角 42"/>
+          <p:cNvSpPr/>
+          <p:nvPr/>
+        </p:nvSpPr>
+        <p:spPr>
+          <a:xfrm>
+            <a:off x="9344429" y="2971493"/>
+            <a:ext cx="692750" cy="327773"/>
+          </a:xfrm>
+          <a:prstGeom prst="roundRect">
+            <a:avLst/>
+          </a:prstGeom>
+        </p:spPr>
+        <p:style>
+          <a:lnRef idx="2">
+            <a:schemeClr val="accent4"/>
+          </a:lnRef>
+          <a:fillRef idx="1">
+            <a:schemeClr val="lt1"/>
+          </a:fillRef>
+          <a:effectRef idx="0">
+            <a:schemeClr val="accent4"/>
+          </a:effectRef>
+          <a:fontRef idx="minor">
+            <a:schemeClr val="dk1"/>
+          </a:fontRef>
+        </p:style>
+        <p:txBody>
+          <a:bodyPr rtlCol="0" anchor="ctr"/>
+          <a:lstStyle/>
+          <a:p>
+            <a:pPr algn="ctr"/>
+            <a:r>
+              <a:rPr lang="en-US" altLang="zh-CN" sz="1400" dirty="0" smtClean="0"/>
+              <a:t>e2</a:t>
+            </a:r>
+            <a:endParaRPr lang="zh-CN" altLang="en-US" sz="1400" dirty="0"/>
+          </a:p>
+        </p:txBody>
+      </p:sp>
+      <p:sp>
+        <p:nvSpPr>
+          <p:cNvPr id="206" name="矩形: 圆角 42"/>
+          <p:cNvSpPr/>
+          <p:nvPr/>
+        </p:nvSpPr>
+        <p:spPr>
+          <a:xfrm>
+            <a:off x="8136620" y="3534156"/>
+            <a:ext cx="692750" cy="327773"/>
+          </a:xfrm>
+          <a:prstGeom prst="roundRect">
+            <a:avLst/>
+          </a:prstGeom>
+        </p:spPr>
+        <p:style>
+          <a:lnRef idx="2">
+            <a:schemeClr val="accent5"/>
+          </a:lnRef>
+          <a:fillRef idx="1">
+            <a:schemeClr val="lt1"/>
+          </a:fillRef>
+          <a:effectRef idx="0">
+            <a:schemeClr val="accent5"/>
+          </a:effectRef>
+          <a:fontRef idx="minor">
+            <a:schemeClr val="dk1"/>
+          </a:fontRef>
+        </p:style>
+        <p:txBody>
+          <a:bodyPr rtlCol="0" anchor="ctr"/>
+          <a:lstStyle/>
+          <a:p>
+            <a:pPr algn="ctr"/>
+            <a:r>
+              <a:rPr lang="en-US" altLang="zh-CN" sz="1400" dirty="0" smtClean="0"/>
+              <a:t>t</a:t>
+            </a:r>
+            <a:r>
+              <a:rPr lang="en-US" altLang="zh-CN" sz="1400" dirty="0"/>
+              <a:t>4</a:t>
+            </a:r>
+            <a:endParaRPr lang="zh-CN" altLang="en-US" sz="1400" dirty="0"/>
+          </a:p>
+        </p:txBody>
+      </p:sp>
+      <p:sp>
+        <p:nvSpPr>
+          <p:cNvPr id="208" name="文本框 207"/>
+          <p:cNvSpPr txBox="1"/>
+          <p:nvPr/>
+        </p:nvSpPr>
+        <p:spPr>
+          <a:xfrm>
+            <a:off x="5597783" y="4694458"/>
+            <a:ext cx="4267900" cy="369332"/>
+          </a:xfrm>
+          <a:prstGeom prst="rect">
+            <a:avLst/>
+          </a:prstGeom>
+          <a:noFill/>
+        </p:spPr>
+        <p:txBody>
+          <a:bodyPr wrap="none" rtlCol="0">
+            <a:spAutoFit/>
+          </a:bodyPr>
+          <a:lstStyle/>
+          <a:p>
+            <a:r>
+              <a:rPr kumimoji="1" lang="en-US" altLang="zh-CN" dirty="0" err="1" smtClean="0"/>
+              <a:t>Promse.then</a:t>
+            </a:r>
+            <a:r>
+              <a:rPr kumimoji="1" lang="en-US" altLang="zh-CN" dirty="0" smtClean="0"/>
+              <a:t>(t1).then(t2).error(e1).then(t3)</a:t>
+            </a:r>
+            <a:endParaRPr kumimoji="1" lang="zh-CN" altLang="en-US" dirty="0"/>
+          </a:p>
+        </p:txBody>
+      </p:sp>
+    </p:spTree>
+    <p:extLst>
+      <p:ext uri="{BB962C8B-B14F-4D97-AF65-F5344CB8AC3E}">
+        <p14:creationId xmlns:p14="http://schemas.microsoft.com/office/powerpoint/2010/main" val="1014575440"/>
+      </p:ext>
+    </p:extLst>
+  </p:cSld>
+  <p:clrMapOvr>
+    <a:masterClrMapping/>
+  </p:clrMapOvr>
+</p:sld>
+</file>
+
+<file path=ppt/slides/slide6.xml><?xml version="1.0" encoding="utf-8"?>
+<p:sld xmlns:a="http://schemas.openxmlformats.org/drawingml/2006/main" xmlns:r="http://schemas.openxmlformats.org/officeDocument/2006/relationships" xmlns:p="http://schemas.openxmlformats.org/presentationml/2006/main">
+  <p:cSld>
+    <p:spTree>
+      <p:nvGrpSpPr>
+        <p:cNvPr id="1" name=""/>
+        <p:cNvGrpSpPr/>
+        <p:nvPr/>
+      </p:nvGrpSpPr>
+      <p:grpSpPr>
+        <a:xfrm>
+          <a:off x="0" y="0"/>
+          <a:ext cx="0" cy="0"/>
+          <a:chOff x="0" y="0"/>
+          <a:chExt cx="0" cy="0"/>
+        </a:xfrm>
+      </p:grpSpPr>
+      <p:sp>
+        <p:nvSpPr>
+          <p:cNvPr id="53" name="文本框 52"/>
+          <p:cNvSpPr txBox="1"/>
+          <p:nvPr/>
+        </p:nvSpPr>
+        <p:spPr>
+          <a:xfrm>
+            <a:off x="435007" y="470519"/>
+            <a:ext cx="1886991" cy="338554"/>
+          </a:xfrm>
+          <a:prstGeom prst="rect">
+            <a:avLst/>
+          </a:prstGeom>
+          <a:noFill/>
+        </p:spPr>
+        <p:txBody>
+          <a:bodyPr wrap="none" rtlCol="0">
+            <a:spAutoFit/>
+          </a:bodyPr>
+          <a:lstStyle/>
+          <a:p>
+            <a:r>
+              <a:rPr lang="en-US" altLang="zh-CN" sz="1600" dirty="0" smtClean="0"/>
+              <a:t>Promise</a:t>
+            </a:r>
+            <a:r>
+              <a:rPr lang="zh-CN" altLang="en-US" sz="1600" dirty="0" smtClean="0"/>
+              <a:t>的异步调用</a:t>
+            </a:r>
+            <a:endParaRPr lang="zh-CN" altLang="en-US" sz="1600" dirty="0"/>
+          </a:p>
+        </p:txBody>
+      </p:sp>
+      <p:grpSp>
+        <p:nvGrpSpPr>
+          <p:cNvPr id="20" name="组 19"/>
+          <p:cNvGrpSpPr/>
+          <p:nvPr/>
+        </p:nvGrpSpPr>
+        <p:grpSpPr>
+          <a:xfrm>
+            <a:off x="1110182" y="1175718"/>
+            <a:ext cx="2423631" cy="3263022"/>
+            <a:chOff x="6328426" y="971515"/>
+            <a:chExt cx="2423631" cy="3263022"/>
+          </a:xfrm>
+        </p:grpSpPr>
+        <p:grpSp>
+          <p:nvGrpSpPr>
+            <p:cNvPr id="17" name="组 16"/>
+            <p:cNvGrpSpPr/>
+            <p:nvPr/>
+          </p:nvGrpSpPr>
+          <p:grpSpPr>
+            <a:xfrm>
+              <a:off x="6328426" y="1340122"/>
+              <a:ext cx="2259183" cy="2894415"/>
+              <a:chOff x="9199446" y="3419663"/>
+              <a:chExt cx="2259183" cy="2894415"/>
+            </a:xfrm>
+          </p:grpSpPr>
+          <p:sp>
+            <p:nvSpPr>
+              <p:cNvPr id="207" name="圆角矩形 206"/>
+              <p:cNvSpPr/>
+              <p:nvPr/>
+            </p:nvSpPr>
+            <p:spPr>
+              <a:xfrm>
+                <a:off x="9199446" y="3419663"/>
+                <a:ext cx="980570" cy="1674641"/>
+              </a:xfrm>
+              <a:prstGeom prst="roundRect">
+                <a:avLst>
+                  <a:gd name="adj" fmla="val 7739"/>
+                </a:avLst>
+              </a:prstGeom>
+              <a:ln>
+                <a:prstDash val="dash"/>
+              </a:ln>
+            </p:spPr>
+            <p:style>
+              <a:lnRef idx="2">
+                <a:schemeClr val="accent3"/>
+              </a:lnRef>
+              <a:fillRef idx="1">
+                <a:schemeClr val="lt1"/>
+              </a:fillRef>
+              <a:effectRef idx="0">
+                <a:schemeClr val="accent3"/>
+              </a:effectRef>
+              <a:fontRef idx="minor">
+                <a:schemeClr val="dk1"/>
+              </a:fontRef>
+            </p:style>
+            <p:txBody>
+              <a:bodyPr rtlCol="0" anchor="ctr"/>
+              <a:lstStyle/>
+              <a:p>
+                <a:pPr algn="ctr"/>
+                <a:endParaRPr kumimoji="1" lang="zh-CN" altLang="en-US"/>
+              </a:p>
+            </p:txBody>
+          </p:sp>
+          <p:sp>
+            <p:nvSpPr>
+              <p:cNvPr id="201" name="矩形: 圆角 42"/>
+              <p:cNvSpPr/>
+              <p:nvPr/>
+            </p:nvSpPr>
+            <p:spPr>
+              <a:xfrm>
+                <a:off x="9302882" y="3525415"/>
+                <a:ext cx="692750" cy="327773"/>
+              </a:xfrm>
+              <a:prstGeom prst="roundRect">
+                <a:avLst/>
+              </a:prstGeom>
+            </p:spPr>
+            <p:style>
+              <a:lnRef idx="2">
+                <a:schemeClr val="accent5"/>
+              </a:lnRef>
+              <a:fillRef idx="1">
+                <a:schemeClr val="lt1"/>
+              </a:fillRef>
+              <a:effectRef idx="0">
+                <a:schemeClr val="accent5"/>
+              </a:effectRef>
+              <a:fontRef idx="minor">
+                <a:schemeClr val="dk1"/>
+              </a:fontRef>
+            </p:style>
+            <p:txBody>
+              <a:bodyPr rtlCol="0" anchor="ctr"/>
+              <a:lstStyle/>
+              <a:p>
+                <a:pPr algn="ctr"/>
+                <a:r>
+                  <a:rPr lang="en-US" altLang="zh-CN" sz="1400" dirty="0" smtClean="0"/>
+                  <a:t>t1</a:t>
+                </a:r>
+                <a:endParaRPr lang="zh-CN" altLang="en-US" sz="1400" dirty="0"/>
+              </a:p>
+            </p:txBody>
+          </p:sp>
+          <p:sp>
+            <p:nvSpPr>
+              <p:cNvPr id="202" name="矩形: 圆角 42"/>
+              <p:cNvSpPr/>
+              <p:nvPr/>
+            </p:nvSpPr>
+            <p:spPr>
+              <a:xfrm>
+                <a:off x="9302882" y="4096726"/>
+                <a:ext cx="692750" cy="327773"/>
+              </a:xfrm>
+              <a:prstGeom prst="roundRect">
+                <a:avLst/>
+              </a:prstGeom>
+            </p:spPr>
+            <p:style>
+              <a:lnRef idx="2">
+                <a:schemeClr val="accent5"/>
+              </a:lnRef>
+              <a:fillRef idx="1">
+                <a:schemeClr val="lt1"/>
+              </a:fillRef>
+              <a:effectRef idx="0">
+                <a:schemeClr val="accent5"/>
+              </a:effectRef>
+              <a:fontRef idx="minor">
+                <a:schemeClr val="dk1"/>
+              </a:fontRef>
+            </p:style>
+            <p:txBody>
+              <a:bodyPr rtlCol="0" anchor="ctr"/>
+              <a:lstStyle/>
+              <a:p>
+                <a:pPr algn="ctr"/>
+                <a:r>
+                  <a:rPr lang="en-US" altLang="zh-CN" sz="1400" dirty="0" smtClean="0"/>
+                  <a:t>t2</a:t>
+                </a:r>
+                <a:endParaRPr lang="zh-CN" altLang="en-US" sz="1400" dirty="0"/>
+              </a:p>
+            </p:txBody>
+          </p:sp>
+          <p:sp>
+            <p:nvSpPr>
+              <p:cNvPr id="204" name="矩形: 圆角 42"/>
+              <p:cNvSpPr/>
+              <p:nvPr/>
+            </p:nvSpPr>
+            <p:spPr>
+              <a:xfrm>
+                <a:off x="9302882" y="4674799"/>
+                <a:ext cx="692750" cy="327773"/>
+              </a:xfrm>
+              <a:prstGeom prst="roundRect">
+                <a:avLst/>
+              </a:prstGeom>
+            </p:spPr>
+            <p:style>
+              <a:lnRef idx="2">
+                <a:schemeClr val="accent5"/>
+              </a:lnRef>
+              <a:fillRef idx="1">
+                <a:schemeClr val="lt1"/>
+              </a:fillRef>
+              <a:effectRef idx="0">
+                <a:schemeClr val="accent5"/>
+              </a:effectRef>
+              <a:fontRef idx="minor">
+                <a:schemeClr val="dk1"/>
+              </a:fontRef>
+            </p:style>
+            <p:txBody>
+              <a:bodyPr rtlCol="0" anchor="ctr"/>
+              <a:lstStyle/>
+              <a:p>
+                <a:pPr algn="ctr"/>
+                <a:r>
+                  <a:rPr lang="en-US" altLang="zh-CN" sz="1400" dirty="0"/>
+                  <a:t>t</a:t>
+                </a:r>
+                <a:r>
+                  <a:rPr lang="en-US" altLang="zh-CN" sz="1400" dirty="0" smtClean="0"/>
+                  <a:t>3</a:t>
+                </a:r>
+                <a:endParaRPr lang="zh-CN" altLang="en-US" sz="1400" dirty="0"/>
+              </a:p>
+            </p:txBody>
+          </p:sp>
+          <p:sp>
+            <p:nvSpPr>
+              <p:cNvPr id="205" name="矩形: 圆角 42"/>
+              <p:cNvSpPr/>
+              <p:nvPr/>
+            </p:nvSpPr>
+            <p:spPr>
+              <a:xfrm>
+                <a:off x="10765879" y="4079531"/>
+                <a:ext cx="692750" cy="327773"/>
+              </a:xfrm>
+              <a:prstGeom prst="roundRect">
+                <a:avLst/>
+              </a:prstGeom>
+            </p:spPr>
+            <p:style>
+              <a:lnRef idx="2">
+                <a:schemeClr val="accent4"/>
+              </a:lnRef>
+              <a:fillRef idx="1">
+                <a:schemeClr val="lt1"/>
+              </a:fillRef>
+              <a:effectRef idx="0">
+                <a:schemeClr val="accent4"/>
+              </a:effectRef>
+              <a:fontRef idx="minor">
+                <a:schemeClr val="dk1"/>
+              </a:fontRef>
+            </p:style>
+            <p:txBody>
+              <a:bodyPr rtlCol="0" anchor="ctr"/>
+              <a:lstStyle/>
+              <a:p>
+                <a:pPr algn="ctr"/>
+                <a:r>
+                  <a:rPr lang="en-US" altLang="zh-CN" sz="1400" dirty="0" smtClean="0"/>
+                  <a:t>e1</a:t>
+                </a:r>
+                <a:endParaRPr lang="zh-CN" altLang="en-US" sz="1400" dirty="0"/>
+              </a:p>
+            </p:txBody>
+          </p:sp>
+          <p:sp>
+            <p:nvSpPr>
+              <p:cNvPr id="206" name="矩形: 圆角 42"/>
+              <p:cNvSpPr/>
+              <p:nvPr/>
+            </p:nvSpPr>
+            <p:spPr>
+              <a:xfrm>
+                <a:off x="9303229" y="5376418"/>
+                <a:ext cx="692750" cy="327773"/>
+              </a:xfrm>
+              <a:prstGeom prst="roundRect">
+                <a:avLst/>
+              </a:prstGeom>
+            </p:spPr>
+            <p:style>
+              <a:lnRef idx="2">
+                <a:schemeClr val="accent5"/>
+              </a:lnRef>
+              <a:fillRef idx="1">
+                <a:schemeClr val="lt1"/>
+              </a:fillRef>
+              <a:effectRef idx="0">
+                <a:schemeClr val="accent5"/>
+              </a:effectRef>
+              <a:fontRef idx="minor">
+                <a:schemeClr val="dk1"/>
+              </a:fontRef>
+            </p:style>
+            <p:txBody>
+              <a:bodyPr rtlCol="0" anchor="ctr"/>
+              <a:lstStyle/>
+              <a:p>
+                <a:pPr algn="ctr"/>
+                <a:r>
+                  <a:rPr lang="en-US" altLang="zh-CN" sz="1400" dirty="0" smtClean="0"/>
+                  <a:t>t7</a:t>
+                </a:r>
+                <a:endParaRPr lang="zh-CN" altLang="en-US" sz="1400" dirty="0"/>
+              </a:p>
+            </p:txBody>
+          </p:sp>
+          <p:sp>
+            <p:nvSpPr>
+              <p:cNvPr id="61" name="矩形: 圆角 42"/>
+              <p:cNvSpPr/>
+              <p:nvPr/>
+            </p:nvSpPr>
+            <p:spPr>
+              <a:xfrm>
+                <a:off x="10746295" y="4674799"/>
+                <a:ext cx="692750" cy="327773"/>
+              </a:xfrm>
+              <a:prstGeom prst="roundRect">
+                <a:avLst/>
+              </a:prstGeom>
+            </p:spPr>
+            <p:style>
+              <a:lnRef idx="2">
+                <a:schemeClr val="accent5"/>
+              </a:lnRef>
+              <a:fillRef idx="1">
+                <a:schemeClr val="lt1"/>
+              </a:fillRef>
+              <a:effectRef idx="0">
+                <a:schemeClr val="accent5"/>
+              </a:effectRef>
+              <a:fontRef idx="minor">
+                <a:schemeClr val="dk1"/>
+              </a:fontRef>
+            </p:style>
+            <p:txBody>
+              <a:bodyPr rtlCol="0" anchor="ctr"/>
+              <a:lstStyle/>
+              <a:p>
+                <a:pPr algn="ctr"/>
+                <a:r>
+                  <a:rPr lang="en-US" altLang="zh-CN" sz="1400" dirty="0" smtClean="0"/>
+                  <a:t>t5</a:t>
+                </a:r>
+                <a:endParaRPr lang="zh-CN" altLang="en-US" sz="1400" dirty="0"/>
+              </a:p>
+            </p:txBody>
+          </p:sp>
+          <p:sp>
+            <p:nvSpPr>
+              <p:cNvPr id="62" name="矩形: 圆角 42"/>
+              <p:cNvSpPr/>
+              <p:nvPr/>
+            </p:nvSpPr>
+            <p:spPr>
+              <a:xfrm>
+                <a:off x="10752135" y="5258063"/>
+                <a:ext cx="692750" cy="327773"/>
+              </a:xfrm>
+              <a:prstGeom prst="roundRect">
+                <a:avLst/>
+              </a:prstGeom>
+            </p:spPr>
+            <p:style>
+              <a:lnRef idx="2">
+                <a:schemeClr val="accent5"/>
+              </a:lnRef>
+              <a:fillRef idx="1">
+                <a:schemeClr val="lt1"/>
+              </a:fillRef>
+              <a:effectRef idx="0">
+                <a:schemeClr val="accent5"/>
+              </a:effectRef>
+              <a:fontRef idx="minor">
+                <a:schemeClr val="dk1"/>
+              </a:fontRef>
+            </p:style>
+            <p:txBody>
+              <a:bodyPr rtlCol="0" anchor="ctr"/>
+              <a:lstStyle/>
+              <a:p>
+                <a:pPr algn="ctr"/>
+                <a:r>
+                  <a:rPr lang="en-US" altLang="zh-CN" sz="1400" dirty="0" smtClean="0"/>
+                  <a:t>t6</a:t>
+                </a:r>
+                <a:endParaRPr lang="zh-CN" altLang="en-US" sz="1400" dirty="0"/>
+              </a:p>
+            </p:txBody>
+          </p:sp>
+          <p:cxnSp>
+            <p:nvCxnSpPr>
+              <p:cNvPr id="63" name="直线箭头连接符 62"/>
+              <p:cNvCxnSpPr>
+                <a:stCxn id="204" idx="2"/>
+                <a:endCxn id="206" idx="0"/>
+              </p:cNvCxnSpPr>
+              <p:nvPr/>
+            </p:nvCxnSpPr>
+            <p:spPr>
+              <a:xfrm>
+                <a:off x="9649257" y="5002572"/>
+                <a:ext cx="347" cy="373846"/>
+              </a:xfrm>
+              <a:prstGeom prst="straightConnector1">
+                <a:avLst/>
+              </a:prstGeom>
+              <a:ln>
+                <a:tailEnd type="triangle"/>
+              </a:ln>
+            </p:spPr>
+            <p:style>
+              <a:lnRef idx="1">
+                <a:schemeClr val="accent1"/>
+              </a:lnRef>
+              <a:fillRef idx="0">
+                <a:schemeClr val="accent1"/>
+              </a:fillRef>
+              <a:effectRef idx="0">
+                <a:schemeClr val="accent1"/>
+              </a:effectRef>
+              <a:fontRef idx="minor">
+                <a:schemeClr val="tx1"/>
+              </a:fontRef>
+            </p:style>
+          </p:cxnSp>
+          <p:cxnSp>
+            <p:nvCxnSpPr>
+              <p:cNvPr id="65" name="直线箭头连接符 64"/>
+              <p:cNvCxnSpPr/>
+              <p:nvPr/>
+            </p:nvCxnSpPr>
+            <p:spPr>
+              <a:xfrm>
+                <a:off x="10258755" y="4256983"/>
+                <a:ext cx="487540" cy="1"/>
+              </a:xfrm>
+              <a:prstGeom prst="straightConnector1">
+                <a:avLst/>
+              </a:prstGeom>
+              <a:ln>
+                <a:solidFill>
+                  <a:srgbClr val="C00000"/>
+                </a:solidFill>
+                <a:tailEnd type="triangle"/>
+              </a:ln>
+            </p:spPr>
+            <p:style>
+              <a:lnRef idx="1">
+                <a:schemeClr val="accent1"/>
+              </a:lnRef>
+              <a:fillRef idx="0">
+                <a:schemeClr val="accent1"/>
+              </a:fillRef>
+              <a:effectRef idx="0">
+                <a:schemeClr val="accent1"/>
+              </a:effectRef>
+              <a:fontRef idx="minor">
+                <a:schemeClr val="tx1"/>
+              </a:fontRef>
+            </p:style>
+          </p:cxnSp>
+          <p:cxnSp>
+            <p:nvCxnSpPr>
+              <p:cNvPr id="69" name="直线箭头连接符 68"/>
+              <p:cNvCxnSpPr/>
+              <p:nvPr/>
+            </p:nvCxnSpPr>
+            <p:spPr>
+              <a:xfrm>
+                <a:off x="11092670" y="4407304"/>
+                <a:ext cx="0" cy="275597"/>
+              </a:xfrm>
+              <a:prstGeom prst="straightConnector1">
+                <a:avLst/>
+              </a:prstGeom>
+              <a:ln>
+                <a:solidFill>
+                  <a:srgbClr val="C00000"/>
+                </a:solidFill>
+                <a:tailEnd type="triangle"/>
+              </a:ln>
+            </p:spPr>
+            <p:style>
+              <a:lnRef idx="1">
+                <a:schemeClr val="accent1"/>
+              </a:lnRef>
+              <a:fillRef idx="0">
+                <a:schemeClr val="accent1"/>
+              </a:fillRef>
+              <a:effectRef idx="0">
+                <a:schemeClr val="accent1"/>
+              </a:effectRef>
+              <a:fontRef idx="minor">
+                <a:schemeClr val="tx1"/>
+              </a:fontRef>
+            </p:style>
+          </p:cxnSp>
+          <p:cxnSp>
+            <p:nvCxnSpPr>
+              <p:cNvPr id="70" name="直线箭头连接符 69"/>
+              <p:cNvCxnSpPr/>
+              <p:nvPr/>
+            </p:nvCxnSpPr>
+            <p:spPr>
+              <a:xfrm>
+                <a:off x="11112254" y="5002572"/>
+                <a:ext cx="0" cy="275597"/>
+              </a:xfrm>
+              <a:prstGeom prst="straightConnector1">
+                <a:avLst/>
+              </a:prstGeom>
+              <a:ln>
+                <a:solidFill>
+                  <a:srgbClr val="C00000"/>
+                </a:solidFill>
+                <a:tailEnd type="triangle"/>
+              </a:ln>
+            </p:spPr>
+            <p:style>
+              <a:lnRef idx="1">
+                <a:schemeClr val="accent1"/>
+              </a:lnRef>
+              <a:fillRef idx="0">
+                <a:schemeClr val="accent1"/>
+              </a:fillRef>
+              <a:effectRef idx="0">
+                <a:schemeClr val="accent1"/>
+              </a:effectRef>
+              <a:fontRef idx="minor">
+                <a:schemeClr val="tx1"/>
+              </a:fontRef>
+            </p:style>
+          </p:cxnSp>
+          <p:cxnSp>
+            <p:nvCxnSpPr>
+              <p:cNvPr id="72" name="直线箭头连接符 71"/>
+              <p:cNvCxnSpPr/>
+              <p:nvPr/>
+            </p:nvCxnSpPr>
+            <p:spPr>
+              <a:xfrm>
+                <a:off x="9648333" y="3853188"/>
+                <a:ext cx="0" cy="275597"/>
+              </a:xfrm>
+              <a:prstGeom prst="straightConnector1">
+                <a:avLst/>
+              </a:prstGeom>
+              <a:ln>
+                <a:tailEnd type="triangle"/>
+              </a:ln>
+            </p:spPr>
+            <p:style>
+              <a:lnRef idx="1">
+                <a:schemeClr val="accent1"/>
+              </a:lnRef>
+              <a:fillRef idx="0">
+                <a:schemeClr val="accent1"/>
+              </a:fillRef>
+              <a:effectRef idx="0">
+                <a:schemeClr val="accent1"/>
+              </a:effectRef>
+              <a:fontRef idx="minor">
+                <a:schemeClr val="tx1"/>
+              </a:fontRef>
+            </p:style>
+          </p:cxnSp>
+          <p:cxnSp>
+            <p:nvCxnSpPr>
+              <p:cNvPr id="73" name="直线箭头连接符 72"/>
+              <p:cNvCxnSpPr/>
+              <p:nvPr/>
+            </p:nvCxnSpPr>
+            <p:spPr>
+              <a:xfrm>
+                <a:off x="9627927" y="4424499"/>
+                <a:ext cx="0" cy="275597"/>
+              </a:xfrm>
+              <a:prstGeom prst="straightConnector1">
+                <a:avLst/>
+              </a:prstGeom>
+              <a:ln>
+                <a:tailEnd type="triangle"/>
+              </a:ln>
+            </p:spPr>
+            <p:style>
+              <a:lnRef idx="1">
+                <a:schemeClr val="accent1"/>
+              </a:lnRef>
+              <a:fillRef idx="0">
+                <a:schemeClr val="accent1"/>
+              </a:fillRef>
+              <a:effectRef idx="0">
+                <a:schemeClr val="accent1"/>
+              </a:effectRef>
+              <a:fontRef idx="minor">
+                <a:schemeClr val="tx1"/>
+              </a:fontRef>
+            </p:style>
+          </p:cxnSp>
+          <p:cxnSp>
+            <p:nvCxnSpPr>
+              <p:cNvPr id="9" name="肘形连接符 8"/>
+              <p:cNvCxnSpPr>
+                <a:stCxn id="62" idx="2"/>
+                <a:endCxn id="206" idx="3"/>
+              </p:cNvCxnSpPr>
+              <p:nvPr/>
+            </p:nvCxnSpPr>
+            <p:spPr>
+              <a:xfrm rot="5400000" flipH="1">
+                <a:off x="10524479" y="5011806"/>
+                <a:ext cx="45531" cy="1102531"/>
+              </a:xfrm>
+              <a:prstGeom prst="bentConnector4">
+                <a:avLst>
+                  <a:gd name="adj1" fmla="val -502076"/>
+                  <a:gd name="adj2" fmla="val 65708"/>
+                </a:avLst>
+              </a:prstGeom>
+              <a:ln>
+                <a:solidFill>
+                  <a:srgbClr val="C00000"/>
+                </a:solidFill>
+                <a:tailEnd type="triangle"/>
+              </a:ln>
+            </p:spPr>
+            <p:style>
+              <a:lnRef idx="1">
+                <a:schemeClr val="accent1"/>
+              </a:lnRef>
+              <a:fillRef idx="0">
+                <a:schemeClr val="accent1"/>
+              </a:fillRef>
+              <a:effectRef idx="0">
+                <a:schemeClr val="accent1"/>
+              </a:effectRef>
+              <a:fontRef idx="minor">
+                <a:schemeClr val="tx1"/>
+              </a:fontRef>
+            </p:style>
+          </p:cxnSp>
+          <p:sp>
+            <p:nvSpPr>
+              <p:cNvPr id="76" name="矩形: 圆角 42"/>
+              <p:cNvSpPr/>
+              <p:nvPr/>
+            </p:nvSpPr>
+            <p:spPr>
+              <a:xfrm>
+                <a:off x="9289485" y="5986305"/>
+                <a:ext cx="692750" cy="327773"/>
+              </a:xfrm>
+              <a:prstGeom prst="roundRect">
+                <a:avLst/>
+              </a:prstGeom>
+            </p:spPr>
+            <p:style>
+              <a:lnRef idx="2">
+                <a:schemeClr val="accent5"/>
+              </a:lnRef>
+              <a:fillRef idx="1">
+                <a:schemeClr val="lt1"/>
+              </a:fillRef>
+              <a:effectRef idx="0">
+                <a:schemeClr val="accent5"/>
+              </a:effectRef>
+              <a:fontRef idx="minor">
+                <a:schemeClr val="dk1"/>
+              </a:fontRef>
+            </p:style>
+            <p:txBody>
+              <a:bodyPr rtlCol="0" anchor="ctr"/>
+              <a:lstStyle/>
+              <a:p>
+                <a:pPr algn="ctr"/>
+                <a:r>
+                  <a:rPr lang="en-US" altLang="zh-CN" sz="1400" dirty="0" smtClean="0"/>
+                  <a:t>t8</a:t>
+                </a:r>
+                <a:endParaRPr lang="zh-CN" altLang="en-US" sz="1400" dirty="0"/>
+              </a:p>
+            </p:txBody>
+          </p:sp>
+          <p:cxnSp>
+            <p:nvCxnSpPr>
+              <p:cNvPr id="77" name="直线箭头连接符 76"/>
+              <p:cNvCxnSpPr/>
+              <p:nvPr/>
+            </p:nvCxnSpPr>
+            <p:spPr>
+              <a:xfrm>
+                <a:off x="9649604" y="5710708"/>
+                <a:ext cx="0" cy="275597"/>
+              </a:xfrm>
+              <a:prstGeom prst="straightConnector1">
+                <a:avLst/>
+              </a:prstGeom>
+              <a:ln>
+                <a:tailEnd type="triangle"/>
+              </a:ln>
+            </p:spPr>
+            <p:style>
+              <a:lnRef idx="1">
+                <a:schemeClr val="accent1"/>
+              </a:lnRef>
+              <a:fillRef idx="0">
+                <a:schemeClr val="accent1"/>
+              </a:fillRef>
+              <a:effectRef idx="0">
+                <a:schemeClr val="accent1"/>
+              </a:effectRef>
+              <a:fontRef idx="minor">
+                <a:schemeClr val="tx1"/>
+              </a:fontRef>
+            </p:style>
+          </p:cxnSp>
+        </p:grpSp>
+        <p:sp>
+          <p:nvSpPr>
+            <p:cNvPr id="105" name="文本框 104"/>
+            <p:cNvSpPr txBox="1"/>
+            <p:nvPr/>
+          </p:nvSpPr>
+          <p:spPr>
+            <a:xfrm>
+              <a:off x="6399958" y="971515"/>
+              <a:ext cx="971741" cy="261610"/>
+            </a:xfrm>
+            <a:prstGeom prst="rect">
+              <a:avLst/>
+            </a:prstGeom>
+            <a:noFill/>
+          </p:spPr>
+          <p:txBody>
+            <a:bodyPr wrap="none" rtlCol="0">
+              <a:spAutoFit/>
+            </a:bodyPr>
+            <a:lstStyle/>
+            <a:p>
+              <a:r>
+                <a:rPr kumimoji="1" lang="en-US" altLang="zh-CN" sz="1100" i="1" smtClean="0"/>
+                <a:t>Main promise</a:t>
+              </a:r>
+              <a:endParaRPr kumimoji="1" lang="zh-CN" altLang="en-US" sz="1100" i="1" dirty="0"/>
+            </a:p>
+          </p:txBody>
+        </p:sp>
+        <p:sp>
+          <p:nvSpPr>
+            <p:cNvPr id="106" name="文本框 105"/>
+            <p:cNvSpPr txBox="1"/>
+            <p:nvPr/>
+          </p:nvSpPr>
+          <p:spPr>
+            <a:xfrm>
+              <a:off x="7868482" y="1681882"/>
+              <a:ext cx="883575" cy="261610"/>
+            </a:xfrm>
+            <a:prstGeom prst="rect">
+              <a:avLst/>
+            </a:prstGeom>
+            <a:noFill/>
+          </p:spPr>
+          <p:txBody>
+            <a:bodyPr wrap="none" rtlCol="0">
+              <a:spAutoFit/>
+            </a:bodyPr>
+            <a:lstStyle/>
+            <a:p>
+              <a:r>
+                <a:rPr kumimoji="1" lang="en-US" altLang="zh-CN" sz="1100" i="1" smtClean="0"/>
+                <a:t>Sub promise</a:t>
+              </a:r>
+              <a:endParaRPr kumimoji="1" lang="zh-CN" altLang="en-US" sz="1100" i="1" dirty="0"/>
+            </a:p>
+          </p:txBody>
+        </p:sp>
+        <p:sp>
+          <p:nvSpPr>
+            <p:cNvPr id="107" name="文本框 106"/>
+            <p:cNvSpPr txBox="1"/>
+            <p:nvPr/>
+          </p:nvSpPr>
+          <p:spPr>
+            <a:xfrm>
+              <a:off x="7265764" y="2163876"/>
+              <a:ext cx="652743" cy="261610"/>
+            </a:xfrm>
+            <a:prstGeom prst="rect">
+              <a:avLst/>
+            </a:prstGeom>
+            <a:noFill/>
+          </p:spPr>
+          <p:txBody>
+            <a:bodyPr wrap="none" rtlCol="0">
+              <a:spAutoFit/>
+            </a:bodyPr>
+            <a:lstStyle/>
+            <a:p>
+              <a:r>
+                <a:rPr kumimoji="1" lang="en-US" altLang="zh-CN" sz="1100" i="1" dirty="0" smtClean="0"/>
+                <a:t>Spawn()</a:t>
+              </a:r>
+              <a:endParaRPr kumimoji="1" lang="zh-CN" altLang="en-US" sz="1100" i="1" dirty="0"/>
+            </a:p>
+          </p:txBody>
+        </p:sp>
+      </p:grpSp>
+      <p:sp>
+        <p:nvSpPr>
+          <p:cNvPr id="108" name="文本框 107"/>
+          <p:cNvSpPr txBox="1"/>
+          <p:nvPr/>
+        </p:nvSpPr>
+        <p:spPr>
+          <a:xfrm>
+            <a:off x="3785808" y="3941416"/>
+            <a:ext cx="1501950" cy="2523768"/>
+          </a:xfrm>
+          <a:prstGeom prst="rect">
+            <a:avLst/>
+          </a:prstGeom>
+        </p:spPr>
+        <p:style>
+          <a:lnRef idx="2">
+            <a:schemeClr val="accent2"/>
+          </a:lnRef>
+          <a:fillRef idx="1">
+            <a:schemeClr val="lt1"/>
+          </a:fillRef>
+          <a:effectRef idx="0">
+            <a:schemeClr val="accent2"/>
+          </a:effectRef>
+          <a:fontRef idx="minor">
+            <a:schemeClr val="dk1"/>
+          </a:fontRef>
+        </p:style>
+        <p:txBody>
+          <a:bodyPr wrap="none" rtlCol="0">
+            <a:spAutoFit/>
+          </a:bodyPr>
+          <a:lstStyle/>
+          <a:p>
+            <a:r>
+              <a:rPr kumimoji="1" lang="en-US" altLang="zh-CN" sz="1400" dirty="0"/>
+              <a:t>p</a:t>
+            </a:r>
+            <a:r>
+              <a:rPr kumimoji="1" lang="en-US" altLang="zh-CN" sz="1400" smtClean="0"/>
+              <a:t> </a:t>
+            </a:r>
+            <a:r>
+              <a:rPr kumimoji="1" lang="en-US" altLang="zh-CN" sz="1400" dirty="0" smtClean="0"/>
+              <a:t>= new Promise()</a:t>
+            </a:r>
+          </a:p>
+          <a:p>
+            <a:r>
+              <a:rPr kumimoji="1" lang="en-US" altLang="zh-CN" sz="1400" dirty="0" err="1" smtClean="0"/>
+              <a:t>p.then</a:t>
+            </a:r>
+            <a:r>
+              <a:rPr kumimoji="1" lang="en-US" altLang="zh-CN" sz="1400" dirty="0" smtClean="0"/>
+              <a:t>(t1)</a:t>
+            </a:r>
+          </a:p>
+          <a:p>
+            <a:r>
+              <a:rPr kumimoji="1" lang="en-US" altLang="zh-CN" sz="1400" dirty="0" smtClean="0"/>
+              <a:t>.then(t2) </a:t>
+            </a:r>
+          </a:p>
+          <a:p>
+            <a:r>
+              <a:rPr kumimoji="1" lang="en-US" altLang="zh-CN" sz="1400" dirty="0" smtClean="0"/>
+              <a:t>.then(t3) </a:t>
+            </a:r>
+          </a:p>
+          <a:p>
+            <a:r>
+              <a:rPr kumimoji="1" lang="en-US" altLang="zh-CN" sz="1400" dirty="0"/>
+              <a:t>p</a:t>
+            </a:r>
+            <a:r>
+              <a:rPr kumimoji="1" lang="en-US" altLang="zh-CN" sz="1400" smtClean="0"/>
+              <a:t>2 = </a:t>
+            </a:r>
+            <a:r>
+              <a:rPr kumimoji="1" lang="en-US" altLang="zh-CN" sz="1400" smtClean="0"/>
+              <a:t>p.error(e1</a:t>
+            </a:r>
+            <a:r>
+              <a:rPr kumimoji="1" lang="en-US" altLang="zh-CN" sz="1400" dirty="0" smtClean="0"/>
+              <a:t>)</a:t>
+            </a:r>
+          </a:p>
+          <a:p>
+            <a:r>
+              <a:rPr kumimoji="1" lang="en-US" altLang="zh-CN" sz="1400" dirty="0"/>
+              <a:t>p</a:t>
+            </a:r>
+            <a:r>
+              <a:rPr kumimoji="1" lang="en-US" altLang="zh-CN" sz="1400" smtClean="0"/>
+              <a:t>2.then(t5</a:t>
+            </a:r>
+            <a:r>
+              <a:rPr kumimoji="1" lang="en-US" altLang="zh-CN" sz="1400" dirty="0" smtClean="0"/>
+              <a:t>)</a:t>
+            </a:r>
+          </a:p>
+          <a:p>
+            <a:r>
+              <a:rPr kumimoji="1" lang="en-US" altLang="zh-CN" sz="1400" dirty="0"/>
+              <a:t>p</a:t>
+            </a:r>
+            <a:r>
+              <a:rPr kumimoji="1" lang="en-US" altLang="zh-CN" sz="1400" smtClean="0"/>
+              <a:t>2.then(t6</a:t>
+            </a:r>
+            <a:r>
+              <a:rPr kumimoji="1" lang="en-US" altLang="zh-CN" sz="1400" dirty="0" smtClean="0"/>
+              <a:t>)</a:t>
+            </a:r>
+          </a:p>
+          <a:p>
+            <a:r>
+              <a:rPr kumimoji="1" lang="en-US" altLang="zh-CN" b="1" i="1" smtClean="0">
+                <a:solidFill>
+                  <a:srgbClr val="0070C0"/>
+                </a:solidFill>
+              </a:rPr>
+              <a:t>p.join(p2</a:t>
+            </a:r>
+            <a:r>
+              <a:rPr kumimoji="1" lang="en-US" altLang="zh-CN" b="1" i="1" dirty="0" smtClean="0">
+                <a:solidFill>
+                  <a:srgbClr val="0070C0"/>
+                </a:solidFill>
+              </a:rPr>
+              <a:t>) </a:t>
+            </a:r>
+          </a:p>
+          <a:p>
+            <a:r>
+              <a:rPr kumimoji="1" lang="en-US" altLang="zh-CN" sz="1400" dirty="0" err="1" smtClean="0"/>
+              <a:t>p.then</a:t>
+            </a:r>
+            <a:r>
+              <a:rPr kumimoji="1" lang="en-US" altLang="zh-CN" sz="1400" dirty="0" smtClean="0"/>
+              <a:t>(t7)</a:t>
+            </a:r>
+          </a:p>
+          <a:p>
+            <a:r>
+              <a:rPr kumimoji="1" lang="en-US" altLang="zh-CN" sz="1400" dirty="0" smtClean="0"/>
+              <a:t>.then(t8)</a:t>
+            </a:r>
+          </a:p>
+          <a:p>
+            <a:r>
+              <a:rPr kumimoji="1" lang="en-US" altLang="zh-CN" sz="1400" dirty="0" smtClean="0"/>
+              <a:t>.end()</a:t>
+            </a:r>
+            <a:endParaRPr kumimoji="1" lang="zh-CN" altLang="en-US" sz="1400" dirty="0"/>
+          </a:p>
+        </p:txBody>
+      </p:sp>
+      <p:grpSp>
+        <p:nvGrpSpPr>
+          <p:cNvPr id="109" name="组 108"/>
+          <p:cNvGrpSpPr/>
+          <p:nvPr/>
+        </p:nvGrpSpPr>
+        <p:grpSpPr>
+          <a:xfrm>
+            <a:off x="6258915" y="1011831"/>
+            <a:ext cx="2423631" cy="3263022"/>
+            <a:chOff x="6328426" y="971515"/>
+            <a:chExt cx="2423631" cy="3263022"/>
+          </a:xfrm>
+        </p:grpSpPr>
+        <p:grpSp>
+          <p:nvGrpSpPr>
+            <p:cNvPr id="110" name="组 109"/>
+            <p:cNvGrpSpPr/>
+            <p:nvPr/>
+          </p:nvGrpSpPr>
+          <p:grpSpPr>
+            <a:xfrm>
+              <a:off x="6328426" y="1340122"/>
+              <a:ext cx="2259183" cy="2894415"/>
+              <a:chOff x="9199446" y="3419663"/>
+              <a:chExt cx="2259183" cy="2894415"/>
+            </a:xfrm>
+          </p:grpSpPr>
+          <p:sp>
+            <p:nvSpPr>
+              <p:cNvPr id="118" name="圆角矩形 117"/>
+              <p:cNvSpPr/>
+              <p:nvPr/>
+            </p:nvSpPr>
+            <p:spPr>
+              <a:xfrm>
+                <a:off x="9199446" y="3419663"/>
+                <a:ext cx="980570" cy="1674641"/>
+              </a:xfrm>
+              <a:prstGeom prst="roundRect">
+                <a:avLst>
+                  <a:gd name="adj" fmla="val 7739"/>
+                </a:avLst>
+              </a:prstGeom>
+              <a:ln>
+                <a:prstDash val="dash"/>
+              </a:ln>
+            </p:spPr>
+            <p:style>
+              <a:lnRef idx="2">
+                <a:schemeClr val="accent3"/>
+              </a:lnRef>
+              <a:fillRef idx="1">
+                <a:schemeClr val="lt1"/>
+              </a:fillRef>
+              <a:effectRef idx="0">
+                <a:schemeClr val="accent3"/>
+              </a:effectRef>
+              <a:fontRef idx="minor">
+                <a:schemeClr val="dk1"/>
+              </a:fontRef>
+            </p:style>
+            <p:txBody>
+              <a:bodyPr rtlCol="0" anchor="ctr"/>
+              <a:lstStyle/>
+              <a:p>
+                <a:pPr algn="ctr"/>
+                <a:endParaRPr kumimoji="1" lang="zh-CN" altLang="en-US"/>
+              </a:p>
+            </p:txBody>
+          </p:sp>
+          <p:sp>
+            <p:nvSpPr>
+              <p:cNvPr id="119" name="矩形: 圆角 42"/>
+              <p:cNvSpPr/>
+              <p:nvPr/>
+            </p:nvSpPr>
+            <p:spPr>
+              <a:xfrm>
+                <a:off x="9302882" y="3525415"/>
+                <a:ext cx="692750" cy="327773"/>
+              </a:xfrm>
+              <a:prstGeom prst="roundRect">
+                <a:avLst/>
+              </a:prstGeom>
+            </p:spPr>
+            <p:style>
+              <a:lnRef idx="2">
+                <a:schemeClr val="accent5"/>
+              </a:lnRef>
+              <a:fillRef idx="1">
+                <a:schemeClr val="lt1"/>
+              </a:fillRef>
+              <a:effectRef idx="0">
+                <a:schemeClr val="accent5"/>
+              </a:effectRef>
+              <a:fontRef idx="minor">
+                <a:schemeClr val="dk1"/>
+              </a:fontRef>
+            </p:style>
+            <p:txBody>
+              <a:bodyPr rtlCol="0" anchor="ctr"/>
+              <a:lstStyle/>
+              <a:p>
+                <a:pPr algn="ctr"/>
+                <a:r>
+                  <a:rPr lang="en-US" altLang="zh-CN" sz="1400" dirty="0" smtClean="0"/>
+                  <a:t>t1</a:t>
+                </a:r>
+                <a:endParaRPr lang="zh-CN" altLang="en-US" sz="1400" dirty="0"/>
+              </a:p>
+            </p:txBody>
+          </p:sp>
+          <p:sp>
+            <p:nvSpPr>
+              <p:cNvPr id="121" name="矩形: 圆角 42"/>
+              <p:cNvSpPr/>
+              <p:nvPr/>
+            </p:nvSpPr>
+            <p:spPr>
+              <a:xfrm>
+                <a:off x="9302882" y="4096726"/>
+                <a:ext cx="692750" cy="327773"/>
+              </a:xfrm>
+              <a:prstGeom prst="roundRect">
+                <a:avLst/>
+              </a:prstGeom>
+            </p:spPr>
+            <p:style>
+              <a:lnRef idx="2">
+                <a:schemeClr val="accent5"/>
+              </a:lnRef>
+              <a:fillRef idx="1">
+                <a:schemeClr val="lt1"/>
+              </a:fillRef>
+              <a:effectRef idx="0">
+                <a:schemeClr val="accent5"/>
+              </a:effectRef>
+              <a:fontRef idx="minor">
+                <a:schemeClr val="dk1"/>
+              </a:fontRef>
+            </p:style>
+            <p:txBody>
+              <a:bodyPr rtlCol="0" anchor="ctr"/>
+              <a:lstStyle/>
+              <a:p>
+                <a:pPr algn="ctr"/>
+                <a:r>
+                  <a:rPr lang="en-US" altLang="zh-CN" sz="1400" dirty="0" smtClean="0"/>
+                  <a:t>t2</a:t>
+                </a:r>
+                <a:endParaRPr lang="zh-CN" altLang="en-US" sz="1400" dirty="0"/>
+              </a:p>
+            </p:txBody>
+          </p:sp>
+          <p:sp>
+            <p:nvSpPr>
+              <p:cNvPr id="122" name="矩形: 圆角 42"/>
+              <p:cNvSpPr/>
+              <p:nvPr/>
+            </p:nvSpPr>
+            <p:spPr>
+              <a:xfrm>
+                <a:off x="9302882" y="4674799"/>
+                <a:ext cx="692750" cy="327773"/>
+              </a:xfrm>
+              <a:prstGeom prst="roundRect">
+                <a:avLst/>
+              </a:prstGeom>
+            </p:spPr>
+            <p:style>
+              <a:lnRef idx="2">
+                <a:schemeClr val="accent5"/>
+              </a:lnRef>
+              <a:fillRef idx="1">
+                <a:schemeClr val="lt1"/>
+              </a:fillRef>
+              <a:effectRef idx="0">
+                <a:schemeClr val="accent5"/>
+              </a:effectRef>
+              <a:fontRef idx="minor">
+                <a:schemeClr val="dk1"/>
+              </a:fontRef>
+            </p:style>
+            <p:txBody>
+              <a:bodyPr rtlCol="0" anchor="ctr"/>
+              <a:lstStyle/>
+              <a:p>
+                <a:pPr algn="ctr"/>
+                <a:r>
+                  <a:rPr lang="en-US" altLang="zh-CN" sz="1400" dirty="0"/>
+                  <a:t>t</a:t>
+                </a:r>
+                <a:r>
+                  <a:rPr lang="en-US" altLang="zh-CN" sz="1400" dirty="0" smtClean="0"/>
+                  <a:t>3</a:t>
+                </a:r>
+                <a:endParaRPr lang="zh-CN" altLang="en-US" sz="1400" dirty="0"/>
+              </a:p>
+            </p:txBody>
+          </p:sp>
+          <p:sp>
+            <p:nvSpPr>
+              <p:cNvPr id="124" name="矩形: 圆角 42"/>
+              <p:cNvSpPr/>
+              <p:nvPr/>
+            </p:nvSpPr>
+            <p:spPr>
+              <a:xfrm>
+                <a:off x="10765879" y="4079531"/>
+                <a:ext cx="692750" cy="327773"/>
+              </a:xfrm>
+              <a:prstGeom prst="roundRect">
+                <a:avLst/>
+              </a:prstGeom>
+            </p:spPr>
+            <p:style>
+              <a:lnRef idx="2">
+                <a:schemeClr val="accent4"/>
+              </a:lnRef>
+              <a:fillRef idx="1">
+                <a:schemeClr val="lt1"/>
+              </a:fillRef>
+              <a:effectRef idx="0">
+                <a:schemeClr val="accent4"/>
+              </a:effectRef>
+              <a:fontRef idx="minor">
+                <a:schemeClr val="dk1"/>
+              </a:fontRef>
+            </p:style>
+            <p:txBody>
+              <a:bodyPr rtlCol="0" anchor="ctr"/>
+              <a:lstStyle/>
+              <a:p>
+                <a:pPr algn="ctr"/>
+                <a:r>
+                  <a:rPr lang="en-US" altLang="zh-CN" sz="1400" dirty="0" smtClean="0"/>
+                  <a:t>e1</a:t>
+                </a:r>
+                <a:endParaRPr lang="zh-CN" altLang="en-US" sz="1400" dirty="0"/>
+              </a:p>
+            </p:txBody>
+          </p:sp>
+          <p:sp>
+            <p:nvSpPr>
+              <p:cNvPr id="125" name="矩形: 圆角 42"/>
+              <p:cNvSpPr/>
+              <p:nvPr/>
+            </p:nvSpPr>
+            <p:spPr>
+              <a:xfrm>
+                <a:off x="9303229" y="5376418"/>
+                <a:ext cx="692750" cy="327773"/>
+              </a:xfrm>
+              <a:prstGeom prst="roundRect">
+                <a:avLst/>
+              </a:prstGeom>
+            </p:spPr>
+            <p:style>
+              <a:lnRef idx="2">
+                <a:schemeClr val="accent5"/>
+              </a:lnRef>
+              <a:fillRef idx="1">
+                <a:schemeClr val="lt1"/>
+              </a:fillRef>
+              <a:effectRef idx="0">
+                <a:schemeClr val="accent5"/>
+              </a:effectRef>
+              <a:fontRef idx="minor">
+                <a:schemeClr val="dk1"/>
+              </a:fontRef>
+            </p:style>
+            <p:txBody>
+              <a:bodyPr rtlCol="0" anchor="ctr"/>
+              <a:lstStyle/>
+              <a:p>
+                <a:pPr algn="ctr"/>
+                <a:r>
+                  <a:rPr lang="en-US" altLang="zh-CN" sz="1400" dirty="0" smtClean="0"/>
+                  <a:t>t7</a:t>
+                </a:r>
+                <a:endParaRPr lang="zh-CN" altLang="en-US" sz="1400" dirty="0"/>
+              </a:p>
+            </p:txBody>
+          </p:sp>
+          <p:sp>
+            <p:nvSpPr>
+              <p:cNvPr id="127" name="矩形: 圆角 42"/>
+              <p:cNvSpPr/>
+              <p:nvPr/>
+            </p:nvSpPr>
+            <p:spPr>
+              <a:xfrm>
+                <a:off x="10746295" y="4674799"/>
+                <a:ext cx="692750" cy="327773"/>
+              </a:xfrm>
+              <a:prstGeom prst="roundRect">
+                <a:avLst/>
+              </a:prstGeom>
+            </p:spPr>
+            <p:style>
+              <a:lnRef idx="2">
+                <a:schemeClr val="accent5"/>
+              </a:lnRef>
+              <a:fillRef idx="1">
+                <a:schemeClr val="lt1"/>
+              </a:fillRef>
+              <a:effectRef idx="0">
+                <a:schemeClr val="accent5"/>
+              </a:effectRef>
+              <a:fontRef idx="minor">
+                <a:schemeClr val="dk1"/>
+              </a:fontRef>
+            </p:style>
+            <p:txBody>
+              <a:bodyPr rtlCol="0" anchor="ctr"/>
+              <a:lstStyle/>
+              <a:p>
+                <a:pPr algn="ctr"/>
+                <a:r>
+                  <a:rPr lang="en-US" altLang="zh-CN" sz="1400" dirty="0" smtClean="0"/>
+                  <a:t>t5</a:t>
+                </a:r>
+                <a:endParaRPr lang="zh-CN" altLang="en-US" sz="1400" dirty="0"/>
+              </a:p>
+            </p:txBody>
+          </p:sp>
+          <p:sp>
+            <p:nvSpPr>
+              <p:cNvPr id="128" name="矩形: 圆角 42"/>
+              <p:cNvSpPr/>
+              <p:nvPr/>
+            </p:nvSpPr>
+            <p:spPr>
+              <a:xfrm>
+                <a:off x="10752135" y="5258063"/>
+                <a:ext cx="692750" cy="327773"/>
+              </a:xfrm>
+              <a:prstGeom prst="roundRect">
+                <a:avLst/>
+              </a:prstGeom>
+            </p:spPr>
+            <p:style>
+              <a:lnRef idx="2">
+                <a:schemeClr val="accent5"/>
+              </a:lnRef>
+              <a:fillRef idx="1">
+                <a:schemeClr val="lt1"/>
+              </a:fillRef>
+              <a:effectRef idx="0">
+                <a:schemeClr val="accent5"/>
+              </a:effectRef>
+              <a:fontRef idx="minor">
+                <a:schemeClr val="dk1"/>
+              </a:fontRef>
+            </p:style>
+            <p:txBody>
+              <a:bodyPr rtlCol="0" anchor="ctr"/>
+              <a:lstStyle/>
+              <a:p>
+                <a:pPr algn="ctr"/>
+                <a:r>
+                  <a:rPr lang="en-US" altLang="zh-CN" sz="1400" dirty="0" smtClean="0"/>
+                  <a:t>t6</a:t>
+                </a:r>
+                <a:endParaRPr lang="zh-CN" altLang="en-US" sz="1400" dirty="0"/>
+              </a:p>
+            </p:txBody>
+          </p:sp>
+          <p:cxnSp>
+            <p:nvCxnSpPr>
+              <p:cNvPr id="129" name="直线箭头连接符 128"/>
+              <p:cNvCxnSpPr>
+                <a:stCxn id="122" idx="2"/>
+                <a:endCxn id="125" idx="0"/>
+              </p:cNvCxnSpPr>
+              <p:nvPr/>
+            </p:nvCxnSpPr>
+            <p:spPr>
+              <a:xfrm>
+                <a:off x="9649257" y="5002572"/>
+                <a:ext cx="347" cy="373846"/>
+              </a:xfrm>
+              <a:prstGeom prst="straightConnector1">
+                <a:avLst/>
+              </a:prstGeom>
+              <a:ln>
+                <a:tailEnd type="triangle"/>
+              </a:ln>
+            </p:spPr>
+            <p:style>
+              <a:lnRef idx="1">
+                <a:schemeClr val="accent1"/>
+              </a:lnRef>
+              <a:fillRef idx="0">
+                <a:schemeClr val="accent1"/>
+              </a:fillRef>
+              <a:effectRef idx="0">
+                <a:schemeClr val="accent1"/>
+              </a:effectRef>
+              <a:fontRef idx="minor">
+                <a:schemeClr val="tx1"/>
+              </a:fontRef>
+            </p:style>
+          </p:cxnSp>
+          <p:cxnSp>
+            <p:nvCxnSpPr>
+              <p:cNvPr id="130" name="直线箭头连接符 129"/>
+              <p:cNvCxnSpPr/>
+              <p:nvPr/>
+            </p:nvCxnSpPr>
+            <p:spPr>
+              <a:xfrm>
+                <a:off x="10258755" y="4256983"/>
+                <a:ext cx="487540" cy="1"/>
+              </a:xfrm>
+              <a:prstGeom prst="straightConnector1">
+                <a:avLst/>
+              </a:prstGeom>
+              <a:ln>
+                <a:solidFill>
+                  <a:srgbClr val="C00000"/>
+                </a:solidFill>
+                <a:tailEnd type="triangle"/>
+              </a:ln>
+            </p:spPr>
+            <p:style>
+              <a:lnRef idx="1">
+                <a:schemeClr val="accent1"/>
+              </a:lnRef>
+              <a:fillRef idx="0">
+                <a:schemeClr val="accent1"/>
+              </a:fillRef>
+              <a:effectRef idx="0">
+                <a:schemeClr val="accent1"/>
+              </a:effectRef>
+              <a:fontRef idx="minor">
+                <a:schemeClr val="tx1"/>
+              </a:fontRef>
+            </p:style>
+          </p:cxnSp>
+          <p:cxnSp>
+            <p:nvCxnSpPr>
+              <p:cNvPr id="131" name="直线箭头连接符 130"/>
+              <p:cNvCxnSpPr/>
+              <p:nvPr/>
+            </p:nvCxnSpPr>
+            <p:spPr>
+              <a:xfrm>
+                <a:off x="11092670" y="4407304"/>
+                <a:ext cx="0" cy="275597"/>
+              </a:xfrm>
+              <a:prstGeom prst="straightConnector1">
+                <a:avLst/>
+              </a:prstGeom>
+              <a:ln>
+                <a:solidFill>
+                  <a:srgbClr val="C00000"/>
+                </a:solidFill>
+                <a:tailEnd type="triangle"/>
+              </a:ln>
+            </p:spPr>
+            <p:style>
+              <a:lnRef idx="1">
+                <a:schemeClr val="accent1"/>
+              </a:lnRef>
+              <a:fillRef idx="0">
+                <a:schemeClr val="accent1"/>
+              </a:fillRef>
+              <a:effectRef idx="0">
+                <a:schemeClr val="accent1"/>
+              </a:effectRef>
+              <a:fontRef idx="minor">
+                <a:schemeClr val="tx1"/>
+              </a:fontRef>
+            </p:style>
+          </p:cxnSp>
+          <p:cxnSp>
+            <p:nvCxnSpPr>
+              <p:cNvPr id="132" name="直线箭头连接符 131"/>
+              <p:cNvCxnSpPr/>
+              <p:nvPr/>
+            </p:nvCxnSpPr>
+            <p:spPr>
+              <a:xfrm>
+                <a:off x="11112254" y="5002572"/>
+                <a:ext cx="0" cy="275597"/>
+              </a:xfrm>
+              <a:prstGeom prst="straightConnector1">
+                <a:avLst/>
+              </a:prstGeom>
+              <a:ln>
+                <a:solidFill>
+                  <a:srgbClr val="C00000"/>
+                </a:solidFill>
+                <a:tailEnd type="triangle"/>
+              </a:ln>
+            </p:spPr>
+            <p:style>
+              <a:lnRef idx="1">
+                <a:schemeClr val="accent1"/>
+              </a:lnRef>
+              <a:fillRef idx="0">
+                <a:schemeClr val="accent1"/>
+              </a:fillRef>
+              <a:effectRef idx="0">
+                <a:schemeClr val="accent1"/>
+              </a:effectRef>
+              <a:fontRef idx="minor">
+                <a:schemeClr val="tx1"/>
+              </a:fontRef>
+            </p:style>
+          </p:cxnSp>
+          <p:cxnSp>
+            <p:nvCxnSpPr>
+              <p:cNvPr id="133" name="直线箭头连接符 132"/>
+              <p:cNvCxnSpPr/>
+              <p:nvPr/>
+            </p:nvCxnSpPr>
+            <p:spPr>
+              <a:xfrm>
+                <a:off x="9648333" y="3853188"/>
+                <a:ext cx="0" cy="275597"/>
+              </a:xfrm>
+              <a:prstGeom prst="straightConnector1">
+                <a:avLst/>
+              </a:prstGeom>
+              <a:ln>
+                <a:tailEnd type="triangle"/>
+              </a:ln>
+            </p:spPr>
+            <p:style>
+              <a:lnRef idx="1">
+                <a:schemeClr val="accent1"/>
+              </a:lnRef>
+              <a:fillRef idx="0">
+                <a:schemeClr val="accent1"/>
+              </a:fillRef>
+              <a:effectRef idx="0">
+                <a:schemeClr val="accent1"/>
+              </a:effectRef>
+              <a:fontRef idx="minor">
+                <a:schemeClr val="tx1"/>
+              </a:fontRef>
+            </p:style>
+          </p:cxnSp>
+          <p:cxnSp>
+            <p:nvCxnSpPr>
+              <p:cNvPr id="134" name="直线箭头连接符 133"/>
+              <p:cNvCxnSpPr/>
+              <p:nvPr/>
+            </p:nvCxnSpPr>
+            <p:spPr>
+              <a:xfrm>
+                <a:off x="9627927" y="4424499"/>
+                <a:ext cx="0" cy="275597"/>
+              </a:xfrm>
+              <a:prstGeom prst="straightConnector1">
+                <a:avLst/>
+              </a:prstGeom>
+              <a:ln>
+                <a:tailEnd type="triangle"/>
+              </a:ln>
+            </p:spPr>
+            <p:style>
+              <a:lnRef idx="1">
+                <a:schemeClr val="accent1"/>
+              </a:lnRef>
+              <a:fillRef idx="0">
+                <a:schemeClr val="accent1"/>
+              </a:fillRef>
+              <a:effectRef idx="0">
+                <a:schemeClr val="accent1"/>
+              </a:effectRef>
+              <a:fontRef idx="minor">
+                <a:schemeClr val="tx1"/>
+              </a:fontRef>
+            </p:style>
+          </p:cxnSp>
+          <p:sp>
+            <p:nvSpPr>
+              <p:cNvPr id="136" name="矩形: 圆角 42"/>
+              <p:cNvSpPr/>
+              <p:nvPr/>
+            </p:nvSpPr>
+            <p:spPr>
+              <a:xfrm>
+                <a:off x="9289485" y="5986305"/>
+                <a:ext cx="692750" cy="327773"/>
+              </a:xfrm>
+              <a:prstGeom prst="roundRect">
+                <a:avLst/>
+              </a:prstGeom>
+            </p:spPr>
+            <p:style>
+              <a:lnRef idx="2">
+                <a:schemeClr val="accent5"/>
+              </a:lnRef>
+              <a:fillRef idx="1">
+                <a:schemeClr val="lt1"/>
+              </a:fillRef>
+              <a:effectRef idx="0">
+                <a:schemeClr val="accent5"/>
+              </a:effectRef>
+              <a:fontRef idx="minor">
+                <a:schemeClr val="dk1"/>
+              </a:fontRef>
+            </p:style>
+            <p:txBody>
+              <a:bodyPr rtlCol="0" anchor="ctr"/>
+              <a:lstStyle/>
+              <a:p>
+                <a:pPr algn="ctr"/>
+                <a:r>
+                  <a:rPr lang="en-US" altLang="zh-CN" sz="1400" dirty="0" smtClean="0"/>
+                  <a:t>t8</a:t>
+                </a:r>
+                <a:endParaRPr lang="zh-CN" altLang="en-US" sz="1400" dirty="0"/>
+              </a:p>
+            </p:txBody>
+          </p:sp>
+          <p:cxnSp>
+            <p:nvCxnSpPr>
+              <p:cNvPr id="137" name="直线箭头连接符 136"/>
+              <p:cNvCxnSpPr/>
+              <p:nvPr/>
+            </p:nvCxnSpPr>
+            <p:spPr>
+              <a:xfrm>
+                <a:off x="9649604" y="5710708"/>
+                <a:ext cx="0" cy="275597"/>
+              </a:xfrm>
+              <a:prstGeom prst="straightConnector1">
+                <a:avLst/>
+              </a:prstGeom>
+              <a:ln>
+                <a:tailEnd type="triangle"/>
+              </a:ln>
+            </p:spPr>
+            <p:style>
+              <a:lnRef idx="1">
+                <a:schemeClr val="accent1"/>
+              </a:lnRef>
+              <a:fillRef idx="0">
+                <a:schemeClr val="accent1"/>
+              </a:fillRef>
+              <a:effectRef idx="0">
+                <a:schemeClr val="accent1"/>
+              </a:effectRef>
+              <a:fontRef idx="minor">
+                <a:schemeClr val="tx1"/>
+              </a:fontRef>
+            </p:style>
+          </p:cxnSp>
+        </p:grpSp>
+        <p:sp>
+          <p:nvSpPr>
+            <p:cNvPr id="111" name="文本框 110"/>
+            <p:cNvSpPr txBox="1"/>
+            <p:nvPr/>
+          </p:nvSpPr>
+          <p:spPr>
+            <a:xfrm>
+              <a:off x="6399958" y="971515"/>
+              <a:ext cx="971741" cy="261610"/>
+            </a:xfrm>
+            <a:prstGeom prst="rect">
+              <a:avLst/>
+            </a:prstGeom>
+            <a:noFill/>
+          </p:spPr>
+          <p:txBody>
+            <a:bodyPr wrap="none" rtlCol="0">
+              <a:spAutoFit/>
+            </a:bodyPr>
+            <a:lstStyle/>
+            <a:p>
+              <a:r>
+                <a:rPr kumimoji="1" lang="en-US" altLang="zh-CN" sz="1100" i="1" smtClean="0"/>
+                <a:t>Main promise</a:t>
+              </a:r>
+              <a:endParaRPr kumimoji="1" lang="zh-CN" altLang="en-US" sz="1100" i="1" dirty="0"/>
+            </a:p>
+          </p:txBody>
+        </p:sp>
+        <p:sp>
+          <p:nvSpPr>
+            <p:cNvPr id="114" name="文本框 113"/>
+            <p:cNvSpPr txBox="1"/>
+            <p:nvPr/>
+          </p:nvSpPr>
+          <p:spPr>
+            <a:xfrm>
+              <a:off x="7868482" y="1681882"/>
+              <a:ext cx="883575" cy="261610"/>
+            </a:xfrm>
+            <a:prstGeom prst="rect">
+              <a:avLst/>
+            </a:prstGeom>
+            <a:noFill/>
+          </p:spPr>
+          <p:txBody>
+            <a:bodyPr wrap="none" rtlCol="0">
+              <a:spAutoFit/>
+            </a:bodyPr>
+            <a:lstStyle/>
+            <a:p>
+              <a:r>
+                <a:rPr kumimoji="1" lang="en-US" altLang="zh-CN" sz="1100" i="1" smtClean="0"/>
+                <a:t>Sub promise</a:t>
+              </a:r>
+              <a:endParaRPr kumimoji="1" lang="zh-CN" altLang="en-US" sz="1100" i="1" dirty="0"/>
+            </a:p>
+          </p:txBody>
+        </p:sp>
+        <p:sp>
+          <p:nvSpPr>
+            <p:cNvPr id="117" name="文本框 116"/>
+            <p:cNvSpPr txBox="1"/>
+            <p:nvPr/>
+          </p:nvSpPr>
+          <p:spPr>
+            <a:xfrm>
+              <a:off x="7265764" y="2163876"/>
+              <a:ext cx="652743" cy="261610"/>
+            </a:xfrm>
+            <a:prstGeom prst="rect">
+              <a:avLst/>
+            </a:prstGeom>
+            <a:noFill/>
+          </p:spPr>
+          <p:txBody>
+            <a:bodyPr wrap="none" rtlCol="0">
+              <a:spAutoFit/>
+            </a:bodyPr>
+            <a:lstStyle/>
+            <a:p>
+              <a:r>
+                <a:rPr kumimoji="1" lang="en-US" altLang="zh-CN" sz="1100" i="1" dirty="0" smtClean="0"/>
+                <a:t>Spawn()</a:t>
+              </a:r>
+              <a:endParaRPr kumimoji="1" lang="zh-CN" altLang="en-US" sz="1100" i="1" dirty="0"/>
+            </a:p>
+          </p:txBody>
+        </p:sp>
+      </p:grpSp>
+      <p:sp>
+        <p:nvSpPr>
+          <p:cNvPr id="138" name="文本框 137"/>
+          <p:cNvSpPr txBox="1"/>
+          <p:nvPr/>
+        </p:nvSpPr>
+        <p:spPr>
+          <a:xfrm>
+            <a:off x="8762871" y="3973168"/>
+            <a:ext cx="1501950" cy="2246769"/>
+          </a:xfrm>
+          <a:prstGeom prst="rect">
+            <a:avLst/>
+          </a:prstGeom>
+        </p:spPr>
+        <p:style>
+          <a:lnRef idx="2">
+            <a:schemeClr val="accent2"/>
+          </a:lnRef>
+          <a:fillRef idx="1">
+            <a:schemeClr val="lt1"/>
+          </a:fillRef>
+          <a:effectRef idx="0">
+            <a:schemeClr val="accent2"/>
+          </a:effectRef>
+          <a:fontRef idx="minor">
+            <a:schemeClr val="dk1"/>
+          </a:fontRef>
+        </p:style>
+        <p:txBody>
+          <a:bodyPr wrap="none" rtlCol="0">
+            <a:spAutoFit/>
+          </a:bodyPr>
+          <a:lstStyle/>
+          <a:p>
+            <a:r>
+              <a:rPr kumimoji="1" lang="en-US" altLang="zh-CN" sz="1400" dirty="0"/>
+              <a:t>p</a:t>
+            </a:r>
+            <a:r>
+              <a:rPr kumimoji="1" lang="en-US" altLang="zh-CN" sz="1400" smtClean="0"/>
+              <a:t> </a:t>
+            </a:r>
+            <a:r>
+              <a:rPr kumimoji="1" lang="en-US" altLang="zh-CN" sz="1400" dirty="0" smtClean="0"/>
+              <a:t>= new Promise()</a:t>
+            </a:r>
+          </a:p>
+          <a:p>
+            <a:r>
+              <a:rPr kumimoji="1" lang="en-US" altLang="zh-CN" sz="1400" dirty="0" err="1" smtClean="0"/>
+              <a:t>p.then</a:t>
+            </a:r>
+            <a:r>
+              <a:rPr kumimoji="1" lang="en-US" altLang="zh-CN" sz="1400" dirty="0" smtClean="0"/>
+              <a:t>(t1)</a:t>
+            </a:r>
+          </a:p>
+          <a:p>
+            <a:r>
+              <a:rPr kumimoji="1" lang="en-US" altLang="zh-CN" sz="1400" dirty="0" smtClean="0"/>
+              <a:t>.then(t2) </a:t>
+            </a:r>
+          </a:p>
+          <a:p>
+            <a:r>
+              <a:rPr kumimoji="1" lang="en-US" altLang="zh-CN" sz="1400" dirty="0" smtClean="0"/>
+              <a:t>.then(t3) </a:t>
+            </a:r>
+          </a:p>
+          <a:p>
+            <a:r>
+              <a:rPr kumimoji="1" lang="en-US" altLang="zh-CN" sz="1400" dirty="0"/>
+              <a:t>p</a:t>
+            </a:r>
+            <a:r>
+              <a:rPr kumimoji="1" lang="en-US" altLang="zh-CN" sz="1400" smtClean="0"/>
+              <a:t>2 = p.error(e1</a:t>
+            </a:r>
+            <a:r>
+              <a:rPr kumimoji="1" lang="en-US" altLang="zh-CN" sz="1400" dirty="0" smtClean="0"/>
+              <a:t>)</a:t>
+            </a:r>
+          </a:p>
+          <a:p>
+            <a:r>
+              <a:rPr kumimoji="1" lang="en-US" altLang="zh-CN" sz="1400" dirty="0"/>
+              <a:t>p</a:t>
+            </a:r>
+            <a:r>
+              <a:rPr kumimoji="1" lang="en-US" altLang="zh-CN" sz="1400" smtClean="0"/>
+              <a:t>2.then(t5</a:t>
+            </a:r>
+            <a:r>
+              <a:rPr kumimoji="1" lang="en-US" altLang="zh-CN" sz="1400" dirty="0" smtClean="0"/>
+              <a:t>)</a:t>
+            </a:r>
+          </a:p>
+          <a:p>
+            <a:r>
+              <a:rPr kumimoji="1" lang="en-US" altLang="zh-CN" sz="1400" dirty="0"/>
+              <a:t>p</a:t>
+            </a:r>
+            <a:r>
+              <a:rPr kumimoji="1" lang="en-US" altLang="zh-CN" sz="1400" smtClean="0"/>
+              <a:t>2.then(t6</a:t>
+            </a:r>
+            <a:r>
+              <a:rPr kumimoji="1" lang="en-US" altLang="zh-CN" sz="1400" dirty="0" smtClean="0"/>
+              <a:t>)</a:t>
+            </a:r>
+          </a:p>
+          <a:p>
+            <a:r>
+              <a:rPr kumimoji="1" lang="en-US" altLang="zh-CN" sz="1400" smtClean="0"/>
+              <a:t>p.then(t7</a:t>
+            </a:r>
+            <a:r>
+              <a:rPr kumimoji="1" lang="en-US" altLang="zh-CN" sz="1400" dirty="0" smtClean="0"/>
+              <a:t>)</a:t>
+            </a:r>
+          </a:p>
+          <a:p>
+            <a:r>
+              <a:rPr kumimoji="1" lang="en-US" altLang="zh-CN" sz="1400" dirty="0" smtClean="0"/>
+              <a:t>.then(t8)</a:t>
+            </a:r>
+          </a:p>
+          <a:p>
+            <a:r>
+              <a:rPr kumimoji="1" lang="en-US" altLang="zh-CN" sz="1400" dirty="0" smtClean="0"/>
+              <a:t>.end()</a:t>
+            </a:r>
+            <a:endParaRPr kumimoji="1" lang="zh-CN" altLang="en-US" sz="1400" dirty="0"/>
+          </a:p>
+        </p:txBody>
+      </p:sp>
+    </p:spTree>
+    <p:extLst>
+      <p:ext uri="{BB962C8B-B14F-4D97-AF65-F5344CB8AC3E}">
+        <p14:creationId xmlns:p14="http://schemas.microsoft.com/office/powerpoint/2010/main" val="318276501"/>
+      </p:ext>
+    </p:extLst>
+  </p:cSld>
+  <p:clrMapOvr>
+    <a:masterClrMapping/>
+  </p:clrMapOvr>
+</p:sld>
+</file>
+
 <file path=ppt/theme/theme1.xml><?xml version="1.0" encoding="utf-8"?>
 <a:theme xmlns:a="http://schemas.openxmlformats.org/drawingml/2006/main" name="Office 主题">
   <a:themeElements>
